--- a/doc/ImpactEvaluatorsGrant.pptx
+++ b/doc/ImpactEvaluatorsGrant.pptx
@@ -2,14 +2,18 @@
 <file path=ppt/presentation.xml><?xml version="1.0" encoding="utf-8"?>
 <p:presentation xmlns:a="http://schemas.openxmlformats.org/drawingml/2006/main" xmlns:r="http://schemas.openxmlformats.org/officeDocument/2006/relationships" xmlns:p="http://schemas.openxmlformats.org/presentationml/2006/main" saveSubsetFonts="1" autoCompressPictures="0">
   <p:sldMasterIdLst>
-    <p:sldMasterId id="2147483648" r:id="rId1"/>
+    <p:sldMasterId id="2147483825" r:id="rId1"/>
   </p:sldMasterIdLst>
   <p:notesMasterIdLst>
-    <p:notesMasterId r:id="rId4"/>
+    <p:notesMasterId r:id="rId8"/>
   </p:notesMasterIdLst>
   <p:sldIdLst>
-    <p:sldId id="260" r:id="rId2"/>
-    <p:sldId id="259" r:id="rId3"/>
+    <p:sldId id="267" r:id="rId2"/>
+    <p:sldId id="260" r:id="rId3"/>
+    <p:sldId id="264" r:id="rId4"/>
+    <p:sldId id="265" r:id="rId5"/>
+    <p:sldId id="261" r:id="rId6"/>
+    <p:sldId id="266" r:id="rId7"/>
   </p:sldIdLst>
   <p:sldSz cx="12192000" cy="6858000"/>
   <p:notesSz cx="6858000" cy="9144000"/>
@@ -108,6 +112,11 @@
       </a:defRPr>
     </a:lvl9pPr>
   </p:defaultTextStyle>
+  <p:extLst>
+    <p:ext uri="{EFAFB233-063F-42B5-8137-9DF3F51BA10A}">
+      <p15:sldGuideLst xmlns:p15="http://schemas.microsoft.com/office/powerpoint/2012/main"/>
+    </p:ext>
+  </p:extLst>
 </p:presentation>
 </file>
 
@@ -193,7 +202,7 @@
           <a:p>
             <a:fld id="{E831CBA5-123E-BD4B-A1AD-4A2D18A6CEB5}" type="datetimeFigureOut">
               <a:rPr lang="en-US" smtClean="0"/>
-              <a:t>1/25/23</a:t>
+              <a:t>2/6/23</a:t>
             </a:fld>
             <a:endParaRPr lang="en-US"/>
           </a:p>
@@ -525,7 +534,7 @@
           <a:p>
             <a:fld id="{71DF715E-2E3F-264B-95FC-3C38674DA560}" type="slidenum">
               <a:rPr lang="en-US" smtClean="0"/>
-              <a:t>1</a:t>
+              <a:t>2</a:t>
             </a:fld>
             <a:endParaRPr lang="en-US"/>
           </a:p>
@@ -535,6 +544,90 @@
     <p:extLst>
       <p:ext uri="{BB962C8B-B14F-4D97-AF65-F5344CB8AC3E}">
         <p14:creationId xmlns:p14="http://schemas.microsoft.com/office/powerpoint/2010/main" val="2632482936"/>
+      </p:ext>
+    </p:extLst>
+  </p:cSld>
+  <p:clrMapOvr>
+    <a:masterClrMapping/>
+  </p:clrMapOvr>
+</p:notes>
+</file>
+
+<file path=ppt/notesSlides/notesSlide2.xml><?xml version="1.0" encoding="utf-8"?>
+<p:notes xmlns:a="http://schemas.openxmlformats.org/drawingml/2006/main" xmlns:r="http://schemas.openxmlformats.org/officeDocument/2006/relationships" xmlns:p="http://schemas.openxmlformats.org/presentationml/2006/main">
+  <p:cSld>
+    <p:spTree>
+      <p:nvGrpSpPr>
+        <p:cNvPr id="1" name=""/>
+        <p:cNvGrpSpPr/>
+        <p:nvPr/>
+      </p:nvGrpSpPr>
+      <p:grpSpPr>
+        <a:xfrm>
+          <a:off x="0" y="0"/>
+          <a:ext cx="0" cy="0"/>
+          <a:chOff x="0" y="0"/>
+          <a:chExt cx="0" cy="0"/>
+        </a:xfrm>
+      </p:grpSpPr>
+      <p:sp>
+        <p:nvSpPr>
+          <p:cNvPr id="2" name="Slide Image Placeholder 1"/>
+          <p:cNvSpPr>
+            <a:spLocks noGrp="1" noRot="1" noChangeAspect="1"/>
+          </p:cNvSpPr>
+          <p:nvPr>
+            <p:ph type="sldImg"/>
+          </p:nvPr>
+        </p:nvSpPr>
+        <p:spPr/>
+      </p:sp>
+      <p:sp>
+        <p:nvSpPr>
+          <p:cNvPr id="3" name="Notes Placeholder 2"/>
+          <p:cNvSpPr>
+            <a:spLocks noGrp="1"/>
+          </p:cNvSpPr>
+          <p:nvPr>
+            <p:ph type="body" idx="1"/>
+          </p:nvPr>
+        </p:nvSpPr>
+        <p:spPr/>
+        <p:txBody>
+          <a:bodyPr/>
+          <a:lstStyle/>
+          <a:p>
+            <a:endParaRPr lang="en-US" dirty="0"/>
+          </a:p>
+        </p:txBody>
+      </p:sp>
+      <p:sp>
+        <p:nvSpPr>
+          <p:cNvPr id="4" name="Slide Number Placeholder 3"/>
+          <p:cNvSpPr>
+            <a:spLocks noGrp="1"/>
+          </p:cNvSpPr>
+          <p:nvPr>
+            <p:ph type="sldNum" sz="quarter" idx="5"/>
+          </p:nvPr>
+        </p:nvSpPr>
+        <p:spPr/>
+        <p:txBody>
+          <a:bodyPr/>
+          <a:lstStyle/>
+          <a:p>
+            <a:fld id="{71DF715E-2E3F-264B-95FC-3C38674DA560}" type="slidenum">
+              <a:rPr lang="en-US" smtClean="0"/>
+              <a:t>5</a:t>
+            </a:fld>
+            <a:endParaRPr lang="en-US"/>
+          </a:p>
+        </p:txBody>
+      </p:sp>
+    </p:spTree>
+    <p:extLst>
+      <p:ext uri="{BB962C8B-B14F-4D97-AF65-F5344CB8AC3E}">
+        <p14:creationId xmlns:p14="http://schemas.microsoft.com/office/powerpoint/2010/main" val="2047567729"/>
       </p:ext>
     </p:extLst>
   </p:cSld>
@@ -566,7 +659,7 @@
           <p:cNvPr id="2" name="Title 1">
             <a:extLst>
               <a:ext uri="{FF2B5EF4-FFF2-40B4-BE49-F238E27FC236}">
-                <a16:creationId xmlns:a16="http://schemas.microsoft.com/office/drawing/2014/main" id="{20829E17-CF82-9649-A003-0EDFCF24DC66}"/>
+                <a16:creationId xmlns:a16="http://schemas.microsoft.com/office/drawing/2014/main" id="{881A3677-D556-C241-ADDA-8CB1B3879B62}"/>
               </a:ext>
             </a:extLst>
           </p:cNvPr>
@@ -603,7 +696,7 @@
           <p:cNvPr id="3" name="Subtitle 2">
             <a:extLst>
               <a:ext uri="{FF2B5EF4-FFF2-40B4-BE49-F238E27FC236}">
-                <a16:creationId xmlns:a16="http://schemas.microsoft.com/office/drawing/2014/main" id="{F879DD37-87CD-5D43-9B1D-F572DFDBBA24}"/>
+                <a16:creationId xmlns:a16="http://schemas.microsoft.com/office/drawing/2014/main" id="{2DE87460-181E-DE49-80D7-6FA61DB54B2C}"/>
               </a:ext>
             </a:extLst>
           </p:cNvPr>
@@ -673,7 +766,7 @@
           <p:cNvPr id="4" name="Date Placeholder 3">
             <a:extLst>
               <a:ext uri="{FF2B5EF4-FFF2-40B4-BE49-F238E27FC236}">
-                <a16:creationId xmlns:a16="http://schemas.microsoft.com/office/drawing/2014/main" id="{52E24712-FDB7-8147-A92A-4C39E601EE4D}"/>
+                <a16:creationId xmlns:a16="http://schemas.microsoft.com/office/drawing/2014/main" id="{86D41253-FB70-204D-91E2-35B043D27926}"/>
               </a:ext>
             </a:extLst>
           </p:cNvPr>
@@ -691,7 +784,7 @@
           <a:p>
             <a:fld id="{A2830E4D-9FF7-EF4E-954F-ED7BC4209C93}" type="datetimeFigureOut">
               <a:rPr lang="en-US" smtClean="0"/>
-              <a:t>1/20/23</a:t>
+              <a:t>2/6/23</a:t>
             </a:fld>
             <a:endParaRPr lang="en-US"/>
           </a:p>
@@ -702,7 +795,7 @@
           <p:cNvPr id="5" name="Footer Placeholder 4">
             <a:extLst>
               <a:ext uri="{FF2B5EF4-FFF2-40B4-BE49-F238E27FC236}">
-                <a16:creationId xmlns:a16="http://schemas.microsoft.com/office/drawing/2014/main" id="{443C8138-C5DC-9645-ABD3-5699B55C9E4C}"/>
+                <a16:creationId xmlns:a16="http://schemas.microsoft.com/office/drawing/2014/main" id="{362F8E57-183E-9648-8964-4D12EDCEC469}"/>
               </a:ext>
             </a:extLst>
           </p:cNvPr>
@@ -727,7 +820,7 @@
           <p:cNvPr id="6" name="Slide Number Placeholder 5">
             <a:extLst>
               <a:ext uri="{FF2B5EF4-FFF2-40B4-BE49-F238E27FC236}">
-                <a16:creationId xmlns:a16="http://schemas.microsoft.com/office/drawing/2014/main" id="{7C2E0050-447C-B243-890B-C4B3135945EB}"/>
+                <a16:creationId xmlns:a16="http://schemas.microsoft.com/office/drawing/2014/main" id="{17A75267-5645-464A-9D77-68C3BC91E091}"/>
               </a:ext>
             </a:extLst>
           </p:cNvPr>
@@ -754,7 +847,7 @@
     </p:spTree>
     <p:extLst>
       <p:ext uri="{BB962C8B-B14F-4D97-AF65-F5344CB8AC3E}">
-        <p14:creationId xmlns:p14="http://schemas.microsoft.com/office/powerpoint/2010/main" val="4076404140"/>
+        <p14:creationId xmlns:p14="http://schemas.microsoft.com/office/powerpoint/2010/main" val="3008745287"/>
       </p:ext>
     </p:extLst>
   </p:cSld>
@@ -786,7 +879,7 @@
           <p:cNvPr id="2" name="Title 1">
             <a:extLst>
               <a:ext uri="{FF2B5EF4-FFF2-40B4-BE49-F238E27FC236}">
-                <a16:creationId xmlns:a16="http://schemas.microsoft.com/office/drawing/2014/main" id="{86FCE814-EE9A-AE4D-A1B2-EE4F29582549}"/>
+                <a16:creationId xmlns:a16="http://schemas.microsoft.com/office/drawing/2014/main" id="{515A24D2-F95D-4448-9CF1-8DE85ADE055D}"/>
               </a:ext>
             </a:extLst>
           </p:cNvPr>
@@ -814,7 +907,7 @@
           <p:cNvPr id="3" name="Vertical Text Placeholder 2">
             <a:extLst>
               <a:ext uri="{FF2B5EF4-FFF2-40B4-BE49-F238E27FC236}">
-                <a16:creationId xmlns:a16="http://schemas.microsoft.com/office/drawing/2014/main" id="{1EA06D44-C2D0-3D4A-A959-EA68B3896D15}"/>
+                <a16:creationId xmlns:a16="http://schemas.microsoft.com/office/drawing/2014/main" id="{E9A0E15A-73AE-324F-88C5-1C82FFE68676}"/>
               </a:ext>
             </a:extLst>
           </p:cNvPr>
@@ -871,7 +964,7 @@
           <p:cNvPr id="4" name="Date Placeholder 3">
             <a:extLst>
               <a:ext uri="{FF2B5EF4-FFF2-40B4-BE49-F238E27FC236}">
-                <a16:creationId xmlns:a16="http://schemas.microsoft.com/office/drawing/2014/main" id="{3C24478E-45B5-BF4C-83C6-F7523B52FB22}"/>
+                <a16:creationId xmlns:a16="http://schemas.microsoft.com/office/drawing/2014/main" id="{FEF7DF59-B926-2A44-95A7-E3358C89566F}"/>
               </a:ext>
             </a:extLst>
           </p:cNvPr>
@@ -889,7 +982,7 @@
           <a:p>
             <a:fld id="{A2830E4D-9FF7-EF4E-954F-ED7BC4209C93}" type="datetimeFigureOut">
               <a:rPr lang="en-US" smtClean="0"/>
-              <a:t>1/20/23</a:t>
+              <a:t>2/6/23</a:t>
             </a:fld>
             <a:endParaRPr lang="en-US"/>
           </a:p>
@@ -900,7 +993,7 @@
           <p:cNvPr id="5" name="Footer Placeholder 4">
             <a:extLst>
               <a:ext uri="{FF2B5EF4-FFF2-40B4-BE49-F238E27FC236}">
-                <a16:creationId xmlns:a16="http://schemas.microsoft.com/office/drawing/2014/main" id="{2633F640-F5F9-A74C-A3EC-0E41A29BBD33}"/>
+                <a16:creationId xmlns:a16="http://schemas.microsoft.com/office/drawing/2014/main" id="{D81DD6D1-E8FE-C149-A48C-5D188CE5F04B}"/>
               </a:ext>
             </a:extLst>
           </p:cNvPr>
@@ -925,7 +1018,7 @@
           <p:cNvPr id="6" name="Slide Number Placeholder 5">
             <a:extLst>
               <a:ext uri="{FF2B5EF4-FFF2-40B4-BE49-F238E27FC236}">
-                <a16:creationId xmlns:a16="http://schemas.microsoft.com/office/drawing/2014/main" id="{0D413E21-BEFD-B84D-A0BE-D542DE083E9A}"/>
+                <a16:creationId xmlns:a16="http://schemas.microsoft.com/office/drawing/2014/main" id="{B315320B-551A-174E-9ED5-4BD0F73D6D92}"/>
               </a:ext>
             </a:extLst>
           </p:cNvPr>
@@ -952,7 +1045,7 @@
     </p:spTree>
     <p:extLst>
       <p:ext uri="{BB962C8B-B14F-4D97-AF65-F5344CB8AC3E}">
-        <p14:creationId xmlns:p14="http://schemas.microsoft.com/office/powerpoint/2010/main" val="2779454193"/>
+        <p14:creationId xmlns:p14="http://schemas.microsoft.com/office/powerpoint/2010/main" val="4242088751"/>
       </p:ext>
     </p:extLst>
   </p:cSld>
@@ -984,7 +1077,7 @@
           <p:cNvPr id="2" name="Vertical Title 1">
             <a:extLst>
               <a:ext uri="{FF2B5EF4-FFF2-40B4-BE49-F238E27FC236}">
-                <a16:creationId xmlns:a16="http://schemas.microsoft.com/office/drawing/2014/main" id="{59B8424F-CC87-1944-8BDD-0CB4F749A6D2}"/>
+                <a16:creationId xmlns:a16="http://schemas.microsoft.com/office/drawing/2014/main" id="{A3EA1605-D72C-E645-B1D7-EF0465AC60A3}"/>
               </a:ext>
             </a:extLst>
           </p:cNvPr>
@@ -1017,7 +1110,7 @@
           <p:cNvPr id="3" name="Vertical Text Placeholder 2">
             <a:extLst>
               <a:ext uri="{FF2B5EF4-FFF2-40B4-BE49-F238E27FC236}">
-                <a16:creationId xmlns:a16="http://schemas.microsoft.com/office/drawing/2014/main" id="{BC54A1BB-7838-9B40-BB12-0B575077FE4E}"/>
+                <a16:creationId xmlns:a16="http://schemas.microsoft.com/office/drawing/2014/main" id="{29E48A9D-EE51-124B-A16D-F101229A15C4}"/>
               </a:ext>
             </a:extLst>
           </p:cNvPr>
@@ -1079,7 +1172,7 @@
           <p:cNvPr id="4" name="Date Placeholder 3">
             <a:extLst>
               <a:ext uri="{FF2B5EF4-FFF2-40B4-BE49-F238E27FC236}">
-                <a16:creationId xmlns:a16="http://schemas.microsoft.com/office/drawing/2014/main" id="{4AC135C0-0EB2-704C-83E1-0AF108D1DCD6}"/>
+                <a16:creationId xmlns:a16="http://schemas.microsoft.com/office/drawing/2014/main" id="{FC0C2B10-8158-B340-AA18-F19F1FD4840B}"/>
               </a:ext>
             </a:extLst>
           </p:cNvPr>
@@ -1097,7 +1190,7 @@
           <a:p>
             <a:fld id="{A2830E4D-9FF7-EF4E-954F-ED7BC4209C93}" type="datetimeFigureOut">
               <a:rPr lang="en-US" smtClean="0"/>
-              <a:t>1/20/23</a:t>
+              <a:t>2/6/23</a:t>
             </a:fld>
             <a:endParaRPr lang="en-US"/>
           </a:p>
@@ -1108,7 +1201,7 @@
           <p:cNvPr id="5" name="Footer Placeholder 4">
             <a:extLst>
               <a:ext uri="{FF2B5EF4-FFF2-40B4-BE49-F238E27FC236}">
-                <a16:creationId xmlns:a16="http://schemas.microsoft.com/office/drawing/2014/main" id="{E922567E-CE98-204E-A09D-20DC75CE7EF2}"/>
+                <a16:creationId xmlns:a16="http://schemas.microsoft.com/office/drawing/2014/main" id="{1072B199-485A-0E45-8E6F-E3CDCF8A2D0C}"/>
               </a:ext>
             </a:extLst>
           </p:cNvPr>
@@ -1133,7 +1226,7 @@
           <p:cNvPr id="6" name="Slide Number Placeholder 5">
             <a:extLst>
               <a:ext uri="{FF2B5EF4-FFF2-40B4-BE49-F238E27FC236}">
-                <a16:creationId xmlns:a16="http://schemas.microsoft.com/office/drawing/2014/main" id="{062710C7-8F63-5D4D-8442-2E150EC0CACB}"/>
+                <a16:creationId xmlns:a16="http://schemas.microsoft.com/office/drawing/2014/main" id="{DC57B23A-43AC-FC48-A3C2-BEAACAFAB0F3}"/>
               </a:ext>
             </a:extLst>
           </p:cNvPr>
@@ -1160,7 +1253,7 @@
     </p:spTree>
     <p:extLst>
       <p:ext uri="{BB962C8B-B14F-4D97-AF65-F5344CB8AC3E}">
-        <p14:creationId xmlns:p14="http://schemas.microsoft.com/office/powerpoint/2010/main" val="4167216468"/>
+        <p14:creationId xmlns:p14="http://schemas.microsoft.com/office/powerpoint/2010/main" val="2523511372"/>
       </p:ext>
     </p:extLst>
   </p:cSld>
@@ -1192,7 +1285,7 @@
           <p:cNvPr id="2" name="Title 1">
             <a:extLst>
               <a:ext uri="{FF2B5EF4-FFF2-40B4-BE49-F238E27FC236}">
-                <a16:creationId xmlns:a16="http://schemas.microsoft.com/office/drawing/2014/main" id="{7704F40C-D25C-D142-9D22-AD2AB480D719}"/>
+                <a16:creationId xmlns:a16="http://schemas.microsoft.com/office/drawing/2014/main" id="{C99276B7-0F5F-B349-93FB-AF485361D49C}"/>
               </a:ext>
             </a:extLst>
           </p:cNvPr>
@@ -1220,7 +1313,7 @@
           <p:cNvPr id="3" name="Content Placeholder 2">
             <a:extLst>
               <a:ext uri="{FF2B5EF4-FFF2-40B4-BE49-F238E27FC236}">
-                <a16:creationId xmlns:a16="http://schemas.microsoft.com/office/drawing/2014/main" id="{1C00A262-EB02-164F-B667-4A9F9B5D90CE}"/>
+                <a16:creationId xmlns:a16="http://schemas.microsoft.com/office/drawing/2014/main" id="{3CA08395-2520-474C-8943-70F38E2E4BA5}"/>
               </a:ext>
             </a:extLst>
           </p:cNvPr>
@@ -1277,7 +1370,7 @@
           <p:cNvPr id="4" name="Date Placeholder 3">
             <a:extLst>
               <a:ext uri="{FF2B5EF4-FFF2-40B4-BE49-F238E27FC236}">
-                <a16:creationId xmlns:a16="http://schemas.microsoft.com/office/drawing/2014/main" id="{24C2825F-E691-4347-954D-9D5713D34395}"/>
+                <a16:creationId xmlns:a16="http://schemas.microsoft.com/office/drawing/2014/main" id="{9395F606-5993-1B48-A6C8-087FFCF13DAE}"/>
               </a:ext>
             </a:extLst>
           </p:cNvPr>
@@ -1295,7 +1388,7 @@
           <a:p>
             <a:fld id="{A2830E4D-9FF7-EF4E-954F-ED7BC4209C93}" type="datetimeFigureOut">
               <a:rPr lang="en-US" smtClean="0"/>
-              <a:t>1/20/23</a:t>
+              <a:t>2/6/23</a:t>
             </a:fld>
             <a:endParaRPr lang="en-US"/>
           </a:p>
@@ -1306,7 +1399,7 @@
           <p:cNvPr id="5" name="Footer Placeholder 4">
             <a:extLst>
               <a:ext uri="{FF2B5EF4-FFF2-40B4-BE49-F238E27FC236}">
-                <a16:creationId xmlns:a16="http://schemas.microsoft.com/office/drawing/2014/main" id="{5F30B215-95F5-404D-A501-9D322D81615A}"/>
+                <a16:creationId xmlns:a16="http://schemas.microsoft.com/office/drawing/2014/main" id="{317B8D79-0CF9-E94E-B647-86F4386CFB1E}"/>
               </a:ext>
             </a:extLst>
           </p:cNvPr>
@@ -1331,7 +1424,7 @@
           <p:cNvPr id="6" name="Slide Number Placeholder 5">
             <a:extLst>
               <a:ext uri="{FF2B5EF4-FFF2-40B4-BE49-F238E27FC236}">
-                <a16:creationId xmlns:a16="http://schemas.microsoft.com/office/drawing/2014/main" id="{166906AD-117B-9C48-8BE4-75F77DC7F325}"/>
+                <a16:creationId xmlns:a16="http://schemas.microsoft.com/office/drawing/2014/main" id="{FEADEC22-C660-7E4E-8CC8-67B136F1F184}"/>
               </a:ext>
             </a:extLst>
           </p:cNvPr>
@@ -1358,7 +1451,7 @@
     </p:spTree>
     <p:extLst>
       <p:ext uri="{BB962C8B-B14F-4D97-AF65-F5344CB8AC3E}">
-        <p14:creationId xmlns:p14="http://schemas.microsoft.com/office/powerpoint/2010/main" val="1603873114"/>
+        <p14:creationId xmlns:p14="http://schemas.microsoft.com/office/powerpoint/2010/main" val="197876635"/>
       </p:ext>
     </p:extLst>
   </p:cSld>
@@ -1390,7 +1483,7 @@
           <p:cNvPr id="2" name="Title 1">
             <a:extLst>
               <a:ext uri="{FF2B5EF4-FFF2-40B4-BE49-F238E27FC236}">
-                <a16:creationId xmlns:a16="http://schemas.microsoft.com/office/drawing/2014/main" id="{F9E76F22-14B8-D941-ACA8-A0F57C2B2697}"/>
+                <a16:creationId xmlns:a16="http://schemas.microsoft.com/office/drawing/2014/main" id="{CEC2BFAC-29CD-5C4F-9BA3-85FE18C1EA86}"/>
               </a:ext>
             </a:extLst>
           </p:cNvPr>
@@ -1427,7 +1520,7 @@
           <p:cNvPr id="3" name="Text Placeholder 2">
             <a:extLst>
               <a:ext uri="{FF2B5EF4-FFF2-40B4-BE49-F238E27FC236}">
-                <a16:creationId xmlns:a16="http://schemas.microsoft.com/office/drawing/2014/main" id="{F9284A84-1AE3-F540-904A-D51362656172}"/>
+                <a16:creationId xmlns:a16="http://schemas.microsoft.com/office/drawing/2014/main" id="{28E3E2EE-A51F-E143-A112-EAA1EADACEA7}"/>
               </a:ext>
             </a:extLst>
           </p:cNvPr>
@@ -1552,7 +1645,7 @@
           <p:cNvPr id="4" name="Date Placeholder 3">
             <a:extLst>
               <a:ext uri="{FF2B5EF4-FFF2-40B4-BE49-F238E27FC236}">
-                <a16:creationId xmlns:a16="http://schemas.microsoft.com/office/drawing/2014/main" id="{773CB031-D281-8949-B831-656A194483B7}"/>
+                <a16:creationId xmlns:a16="http://schemas.microsoft.com/office/drawing/2014/main" id="{A2B1CB79-B65B-F84D-9A8C-5A9BD141BC5D}"/>
               </a:ext>
             </a:extLst>
           </p:cNvPr>
@@ -1570,7 +1663,7 @@
           <a:p>
             <a:fld id="{A2830E4D-9FF7-EF4E-954F-ED7BC4209C93}" type="datetimeFigureOut">
               <a:rPr lang="en-US" smtClean="0"/>
-              <a:t>1/20/23</a:t>
+              <a:t>2/6/23</a:t>
             </a:fld>
             <a:endParaRPr lang="en-US"/>
           </a:p>
@@ -1581,7 +1674,7 @@
           <p:cNvPr id="5" name="Footer Placeholder 4">
             <a:extLst>
               <a:ext uri="{FF2B5EF4-FFF2-40B4-BE49-F238E27FC236}">
-                <a16:creationId xmlns:a16="http://schemas.microsoft.com/office/drawing/2014/main" id="{E3C7D37C-0F9C-7643-9D2B-632145AD6D7D}"/>
+                <a16:creationId xmlns:a16="http://schemas.microsoft.com/office/drawing/2014/main" id="{C070031A-FFE7-FF44-9102-CD86DB819C21}"/>
               </a:ext>
             </a:extLst>
           </p:cNvPr>
@@ -1606,7 +1699,7 @@
           <p:cNvPr id="6" name="Slide Number Placeholder 5">
             <a:extLst>
               <a:ext uri="{FF2B5EF4-FFF2-40B4-BE49-F238E27FC236}">
-                <a16:creationId xmlns:a16="http://schemas.microsoft.com/office/drawing/2014/main" id="{D1784056-9096-8145-ABF0-F31ECD1BA167}"/>
+                <a16:creationId xmlns:a16="http://schemas.microsoft.com/office/drawing/2014/main" id="{1A4A1C91-47D2-FC43-87A4-292B1C670E2E}"/>
               </a:ext>
             </a:extLst>
           </p:cNvPr>
@@ -1633,7 +1726,7 @@
     </p:spTree>
     <p:extLst>
       <p:ext uri="{BB962C8B-B14F-4D97-AF65-F5344CB8AC3E}">
-        <p14:creationId xmlns:p14="http://schemas.microsoft.com/office/powerpoint/2010/main" val="4181482536"/>
+        <p14:creationId xmlns:p14="http://schemas.microsoft.com/office/powerpoint/2010/main" val="3701384499"/>
       </p:ext>
     </p:extLst>
   </p:cSld>
@@ -1665,7 +1758,7 @@
           <p:cNvPr id="2" name="Title 1">
             <a:extLst>
               <a:ext uri="{FF2B5EF4-FFF2-40B4-BE49-F238E27FC236}">
-                <a16:creationId xmlns:a16="http://schemas.microsoft.com/office/drawing/2014/main" id="{AD849873-6548-6F48-AD7F-F31CA34DFC39}"/>
+                <a16:creationId xmlns:a16="http://schemas.microsoft.com/office/drawing/2014/main" id="{FCFBBA27-DECD-D449-90F7-3156C284BAA5}"/>
               </a:ext>
             </a:extLst>
           </p:cNvPr>
@@ -1693,7 +1786,7 @@
           <p:cNvPr id="3" name="Content Placeholder 2">
             <a:extLst>
               <a:ext uri="{FF2B5EF4-FFF2-40B4-BE49-F238E27FC236}">
-                <a16:creationId xmlns:a16="http://schemas.microsoft.com/office/drawing/2014/main" id="{D15700E6-3AEF-C146-B69C-938F15B8C6D1}"/>
+                <a16:creationId xmlns:a16="http://schemas.microsoft.com/office/drawing/2014/main" id="{1B07B098-29EF-A645-BAAC-E11F3138E5C1}"/>
               </a:ext>
             </a:extLst>
           </p:cNvPr>
@@ -1755,7 +1848,7 @@
           <p:cNvPr id="4" name="Content Placeholder 3">
             <a:extLst>
               <a:ext uri="{FF2B5EF4-FFF2-40B4-BE49-F238E27FC236}">
-                <a16:creationId xmlns:a16="http://schemas.microsoft.com/office/drawing/2014/main" id="{DD8DB873-2311-3F49-A12C-F54422989120}"/>
+                <a16:creationId xmlns:a16="http://schemas.microsoft.com/office/drawing/2014/main" id="{F0831334-850F-1049-91D1-A068B381EE99}"/>
               </a:ext>
             </a:extLst>
           </p:cNvPr>
@@ -1817,7 +1910,7 @@
           <p:cNvPr id="5" name="Date Placeholder 4">
             <a:extLst>
               <a:ext uri="{FF2B5EF4-FFF2-40B4-BE49-F238E27FC236}">
-                <a16:creationId xmlns:a16="http://schemas.microsoft.com/office/drawing/2014/main" id="{054B7D8D-7E54-684E-91C8-EFAA8A562EE9}"/>
+                <a16:creationId xmlns:a16="http://schemas.microsoft.com/office/drawing/2014/main" id="{4D85A1C2-442A-7740-9694-42C2F4262BE4}"/>
               </a:ext>
             </a:extLst>
           </p:cNvPr>
@@ -1835,7 +1928,7 @@
           <a:p>
             <a:fld id="{A2830E4D-9FF7-EF4E-954F-ED7BC4209C93}" type="datetimeFigureOut">
               <a:rPr lang="en-US" smtClean="0"/>
-              <a:t>1/20/23</a:t>
+              <a:t>2/6/23</a:t>
             </a:fld>
             <a:endParaRPr lang="en-US"/>
           </a:p>
@@ -1846,7 +1939,7 @@
           <p:cNvPr id="6" name="Footer Placeholder 5">
             <a:extLst>
               <a:ext uri="{FF2B5EF4-FFF2-40B4-BE49-F238E27FC236}">
-                <a16:creationId xmlns:a16="http://schemas.microsoft.com/office/drawing/2014/main" id="{CE1BA334-A818-7948-94BC-70C486F7A354}"/>
+                <a16:creationId xmlns:a16="http://schemas.microsoft.com/office/drawing/2014/main" id="{C7E3CA76-EF86-ED4B-8AA8-D9C6ACAF6818}"/>
               </a:ext>
             </a:extLst>
           </p:cNvPr>
@@ -1871,7 +1964,7 @@
           <p:cNvPr id="7" name="Slide Number Placeholder 6">
             <a:extLst>
               <a:ext uri="{FF2B5EF4-FFF2-40B4-BE49-F238E27FC236}">
-                <a16:creationId xmlns:a16="http://schemas.microsoft.com/office/drawing/2014/main" id="{C346CA30-1793-1742-B12B-EA21BB592AB1}"/>
+                <a16:creationId xmlns:a16="http://schemas.microsoft.com/office/drawing/2014/main" id="{CD35CFA5-CF61-144D-B9D8-C7B1A5E910A4}"/>
               </a:ext>
             </a:extLst>
           </p:cNvPr>
@@ -1898,7 +1991,7 @@
     </p:spTree>
     <p:extLst>
       <p:ext uri="{BB962C8B-B14F-4D97-AF65-F5344CB8AC3E}">
-        <p14:creationId xmlns:p14="http://schemas.microsoft.com/office/powerpoint/2010/main" val="2228173574"/>
+        <p14:creationId xmlns:p14="http://schemas.microsoft.com/office/powerpoint/2010/main" val="1612059664"/>
       </p:ext>
     </p:extLst>
   </p:cSld>
@@ -1930,7 +2023,7 @@
           <p:cNvPr id="2" name="Title 1">
             <a:extLst>
               <a:ext uri="{FF2B5EF4-FFF2-40B4-BE49-F238E27FC236}">
-                <a16:creationId xmlns:a16="http://schemas.microsoft.com/office/drawing/2014/main" id="{7D65C1F0-E6C0-B14A-86CB-BCC543490C95}"/>
+                <a16:creationId xmlns:a16="http://schemas.microsoft.com/office/drawing/2014/main" id="{8212ABAA-98ED-6647-8039-BD918A415835}"/>
               </a:ext>
             </a:extLst>
           </p:cNvPr>
@@ -1963,7 +2056,7 @@
           <p:cNvPr id="3" name="Text Placeholder 2">
             <a:extLst>
               <a:ext uri="{FF2B5EF4-FFF2-40B4-BE49-F238E27FC236}">
-                <a16:creationId xmlns:a16="http://schemas.microsoft.com/office/drawing/2014/main" id="{D86A61AE-4063-E24E-BA95-DCAC16E76670}"/>
+                <a16:creationId xmlns:a16="http://schemas.microsoft.com/office/drawing/2014/main" id="{53A0F469-840A-8F47-8127-5A8D1D97ABB0}"/>
               </a:ext>
             </a:extLst>
           </p:cNvPr>
@@ -2034,7 +2127,7 @@
           <p:cNvPr id="4" name="Content Placeholder 3">
             <a:extLst>
               <a:ext uri="{FF2B5EF4-FFF2-40B4-BE49-F238E27FC236}">
-                <a16:creationId xmlns:a16="http://schemas.microsoft.com/office/drawing/2014/main" id="{69AC4E08-2A02-2347-A67B-42B6FAAFE020}"/>
+                <a16:creationId xmlns:a16="http://schemas.microsoft.com/office/drawing/2014/main" id="{B27CEC99-61BF-8444-8F6D-9A1F2ADFEE89}"/>
               </a:ext>
             </a:extLst>
           </p:cNvPr>
@@ -2096,7 +2189,7 @@
           <p:cNvPr id="5" name="Text Placeholder 4">
             <a:extLst>
               <a:ext uri="{FF2B5EF4-FFF2-40B4-BE49-F238E27FC236}">
-                <a16:creationId xmlns:a16="http://schemas.microsoft.com/office/drawing/2014/main" id="{AAEC9287-FAB4-564B-9B2C-D123BE8D44CE}"/>
+                <a16:creationId xmlns:a16="http://schemas.microsoft.com/office/drawing/2014/main" id="{90F37584-9536-3447-9A54-9F3B48BAB22A}"/>
               </a:ext>
             </a:extLst>
           </p:cNvPr>
@@ -2167,7 +2260,7 @@
           <p:cNvPr id="6" name="Content Placeholder 5">
             <a:extLst>
               <a:ext uri="{FF2B5EF4-FFF2-40B4-BE49-F238E27FC236}">
-                <a16:creationId xmlns:a16="http://schemas.microsoft.com/office/drawing/2014/main" id="{A803D39C-F760-A246-881C-DB1522B95D59}"/>
+                <a16:creationId xmlns:a16="http://schemas.microsoft.com/office/drawing/2014/main" id="{A87F1F4E-C41A-7A49-9C1D-AF241CF6BB3A}"/>
               </a:ext>
             </a:extLst>
           </p:cNvPr>
@@ -2229,7 +2322,7 @@
           <p:cNvPr id="7" name="Date Placeholder 6">
             <a:extLst>
               <a:ext uri="{FF2B5EF4-FFF2-40B4-BE49-F238E27FC236}">
-                <a16:creationId xmlns:a16="http://schemas.microsoft.com/office/drawing/2014/main" id="{3817F175-22EC-004C-8763-08A8A7CD61B3}"/>
+                <a16:creationId xmlns:a16="http://schemas.microsoft.com/office/drawing/2014/main" id="{9150C9F3-26B4-3743-AECB-03C86090C5F2}"/>
               </a:ext>
             </a:extLst>
           </p:cNvPr>
@@ -2247,7 +2340,7 @@
           <a:p>
             <a:fld id="{A2830E4D-9FF7-EF4E-954F-ED7BC4209C93}" type="datetimeFigureOut">
               <a:rPr lang="en-US" smtClean="0"/>
-              <a:t>1/20/23</a:t>
+              <a:t>2/6/23</a:t>
             </a:fld>
             <a:endParaRPr lang="en-US"/>
           </a:p>
@@ -2258,7 +2351,7 @@
           <p:cNvPr id="8" name="Footer Placeholder 7">
             <a:extLst>
               <a:ext uri="{FF2B5EF4-FFF2-40B4-BE49-F238E27FC236}">
-                <a16:creationId xmlns:a16="http://schemas.microsoft.com/office/drawing/2014/main" id="{4D91500B-8AA2-DC4C-BCE0-16ACB1164A94}"/>
+                <a16:creationId xmlns:a16="http://schemas.microsoft.com/office/drawing/2014/main" id="{737D8B89-80EF-834B-A340-2236A56E3D8E}"/>
               </a:ext>
             </a:extLst>
           </p:cNvPr>
@@ -2283,7 +2376,7 @@
           <p:cNvPr id="9" name="Slide Number Placeholder 8">
             <a:extLst>
               <a:ext uri="{FF2B5EF4-FFF2-40B4-BE49-F238E27FC236}">
-                <a16:creationId xmlns:a16="http://schemas.microsoft.com/office/drawing/2014/main" id="{66165F11-D191-224C-A3D8-050B62BE5249}"/>
+                <a16:creationId xmlns:a16="http://schemas.microsoft.com/office/drawing/2014/main" id="{C82A1668-28A7-0A4E-960F-4787783FF116}"/>
               </a:ext>
             </a:extLst>
           </p:cNvPr>
@@ -2310,7 +2403,7 @@
     </p:spTree>
     <p:extLst>
       <p:ext uri="{BB962C8B-B14F-4D97-AF65-F5344CB8AC3E}">
-        <p14:creationId xmlns:p14="http://schemas.microsoft.com/office/powerpoint/2010/main" val="3004328819"/>
+        <p14:creationId xmlns:p14="http://schemas.microsoft.com/office/powerpoint/2010/main" val="1621465765"/>
       </p:ext>
     </p:extLst>
   </p:cSld>
@@ -2342,7 +2435,7 @@
           <p:cNvPr id="2" name="Title 1">
             <a:extLst>
               <a:ext uri="{FF2B5EF4-FFF2-40B4-BE49-F238E27FC236}">
-                <a16:creationId xmlns:a16="http://schemas.microsoft.com/office/drawing/2014/main" id="{634EE0D0-F506-1A49-96E2-67B7C30E4A50}"/>
+                <a16:creationId xmlns:a16="http://schemas.microsoft.com/office/drawing/2014/main" id="{C4369E8F-AAEF-6E48-96AE-30FA53CF6FA9}"/>
               </a:ext>
             </a:extLst>
           </p:cNvPr>
@@ -2370,7 +2463,7 @@
           <p:cNvPr id="3" name="Date Placeholder 2">
             <a:extLst>
               <a:ext uri="{FF2B5EF4-FFF2-40B4-BE49-F238E27FC236}">
-                <a16:creationId xmlns:a16="http://schemas.microsoft.com/office/drawing/2014/main" id="{5FC8E369-5A73-BA4B-B1A0-359EA1ADC52F}"/>
+                <a16:creationId xmlns:a16="http://schemas.microsoft.com/office/drawing/2014/main" id="{A889AFF2-DA61-A44B-A042-7AFD5E44B52B}"/>
               </a:ext>
             </a:extLst>
           </p:cNvPr>
@@ -2388,7 +2481,7 @@
           <a:p>
             <a:fld id="{A2830E4D-9FF7-EF4E-954F-ED7BC4209C93}" type="datetimeFigureOut">
               <a:rPr lang="en-US" smtClean="0"/>
-              <a:t>1/20/23</a:t>
+              <a:t>2/6/23</a:t>
             </a:fld>
             <a:endParaRPr lang="en-US"/>
           </a:p>
@@ -2399,7 +2492,7 @@
           <p:cNvPr id="4" name="Footer Placeholder 3">
             <a:extLst>
               <a:ext uri="{FF2B5EF4-FFF2-40B4-BE49-F238E27FC236}">
-                <a16:creationId xmlns:a16="http://schemas.microsoft.com/office/drawing/2014/main" id="{15FF65B2-5AF0-1442-9087-11C0858DF17D}"/>
+                <a16:creationId xmlns:a16="http://schemas.microsoft.com/office/drawing/2014/main" id="{4F19B5C6-96A6-2047-AFE2-45A1102EC7A8}"/>
               </a:ext>
             </a:extLst>
           </p:cNvPr>
@@ -2424,7 +2517,7 @@
           <p:cNvPr id="5" name="Slide Number Placeholder 4">
             <a:extLst>
               <a:ext uri="{FF2B5EF4-FFF2-40B4-BE49-F238E27FC236}">
-                <a16:creationId xmlns:a16="http://schemas.microsoft.com/office/drawing/2014/main" id="{76F22DCE-49ED-4A46-9C43-E27544179511}"/>
+                <a16:creationId xmlns:a16="http://schemas.microsoft.com/office/drawing/2014/main" id="{E24EE34B-7C12-504B-B8FF-9A137B3C77FA}"/>
               </a:ext>
             </a:extLst>
           </p:cNvPr>
@@ -2451,7 +2544,7 @@
     </p:spTree>
     <p:extLst>
       <p:ext uri="{BB962C8B-B14F-4D97-AF65-F5344CB8AC3E}">
-        <p14:creationId xmlns:p14="http://schemas.microsoft.com/office/powerpoint/2010/main" val="512253067"/>
+        <p14:creationId xmlns:p14="http://schemas.microsoft.com/office/powerpoint/2010/main" val="3798013389"/>
       </p:ext>
     </p:extLst>
   </p:cSld>
@@ -2483,7 +2576,7 @@
           <p:cNvPr id="2" name="Date Placeholder 1">
             <a:extLst>
               <a:ext uri="{FF2B5EF4-FFF2-40B4-BE49-F238E27FC236}">
-                <a16:creationId xmlns:a16="http://schemas.microsoft.com/office/drawing/2014/main" id="{DC03AEBD-498F-AE41-8541-072FD916BBAE}"/>
+                <a16:creationId xmlns:a16="http://schemas.microsoft.com/office/drawing/2014/main" id="{EE29925B-8ED3-0E42-B1E2-BBE726157447}"/>
               </a:ext>
             </a:extLst>
           </p:cNvPr>
@@ -2501,7 +2594,7 @@
           <a:p>
             <a:fld id="{A2830E4D-9FF7-EF4E-954F-ED7BC4209C93}" type="datetimeFigureOut">
               <a:rPr lang="en-US" smtClean="0"/>
-              <a:t>1/20/23</a:t>
+              <a:t>2/6/23</a:t>
             </a:fld>
             <a:endParaRPr lang="en-US"/>
           </a:p>
@@ -2512,7 +2605,7 @@
           <p:cNvPr id="3" name="Footer Placeholder 2">
             <a:extLst>
               <a:ext uri="{FF2B5EF4-FFF2-40B4-BE49-F238E27FC236}">
-                <a16:creationId xmlns:a16="http://schemas.microsoft.com/office/drawing/2014/main" id="{4274FE2A-90F4-8042-8860-92D488FF5334}"/>
+                <a16:creationId xmlns:a16="http://schemas.microsoft.com/office/drawing/2014/main" id="{7BC01576-99DB-9A49-A3B4-1008F5C121B9}"/>
               </a:ext>
             </a:extLst>
           </p:cNvPr>
@@ -2537,7 +2630,7 @@
           <p:cNvPr id="4" name="Slide Number Placeholder 3">
             <a:extLst>
               <a:ext uri="{FF2B5EF4-FFF2-40B4-BE49-F238E27FC236}">
-                <a16:creationId xmlns:a16="http://schemas.microsoft.com/office/drawing/2014/main" id="{D3D7A68A-AF42-804C-9E11-F67578DBEE05}"/>
+                <a16:creationId xmlns:a16="http://schemas.microsoft.com/office/drawing/2014/main" id="{B5619BDE-7901-3444-9512-BDC5B585D0CF}"/>
               </a:ext>
             </a:extLst>
           </p:cNvPr>
@@ -2564,7 +2657,7 @@
     </p:spTree>
     <p:extLst>
       <p:ext uri="{BB962C8B-B14F-4D97-AF65-F5344CB8AC3E}">
-        <p14:creationId xmlns:p14="http://schemas.microsoft.com/office/powerpoint/2010/main" val="3915161299"/>
+        <p14:creationId xmlns:p14="http://schemas.microsoft.com/office/powerpoint/2010/main" val="2150929301"/>
       </p:ext>
     </p:extLst>
   </p:cSld>
@@ -2596,7 +2689,7 @@
           <p:cNvPr id="2" name="Title 1">
             <a:extLst>
               <a:ext uri="{FF2B5EF4-FFF2-40B4-BE49-F238E27FC236}">
-                <a16:creationId xmlns:a16="http://schemas.microsoft.com/office/drawing/2014/main" id="{5510D27B-DEC7-364F-BDF6-2E22F6D9509C}"/>
+                <a16:creationId xmlns:a16="http://schemas.microsoft.com/office/drawing/2014/main" id="{02C4EF74-40E5-3441-983A-57359B735132}"/>
               </a:ext>
             </a:extLst>
           </p:cNvPr>
@@ -2633,7 +2726,7 @@
           <p:cNvPr id="3" name="Content Placeholder 2">
             <a:extLst>
               <a:ext uri="{FF2B5EF4-FFF2-40B4-BE49-F238E27FC236}">
-                <a16:creationId xmlns:a16="http://schemas.microsoft.com/office/drawing/2014/main" id="{0E684E32-C126-0847-9BDA-D43A48104CCC}"/>
+                <a16:creationId xmlns:a16="http://schemas.microsoft.com/office/drawing/2014/main" id="{9F900DD7-350A-5649-B112-1C6702254089}"/>
               </a:ext>
             </a:extLst>
           </p:cNvPr>
@@ -2723,7 +2816,7 @@
           <p:cNvPr id="4" name="Text Placeholder 3">
             <a:extLst>
               <a:ext uri="{FF2B5EF4-FFF2-40B4-BE49-F238E27FC236}">
-                <a16:creationId xmlns:a16="http://schemas.microsoft.com/office/drawing/2014/main" id="{D29FADF6-F637-004B-9CD6-6C1BC9060074}"/>
+                <a16:creationId xmlns:a16="http://schemas.microsoft.com/office/drawing/2014/main" id="{5BCB5BC8-9867-A049-B6A4-AD0D534F902A}"/>
               </a:ext>
             </a:extLst>
           </p:cNvPr>
@@ -2794,7 +2887,7 @@
           <p:cNvPr id="5" name="Date Placeholder 4">
             <a:extLst>
               <a:ext uri="{FF2B5EF4-FFF2-40B4-BE49-F238E27FC236}">
-                <a16:creationId xmlns:a16="http://schemas.microsoft.com/office/drawing/2014/main" id="{DA8484CB-A3B1-F54E-AA6A-05F023D05F47}"/>
+                <a16:creationId xmlns:a16="http://schemas.microsoft.com/office/drawing/2014/main" id="{17359316-B236-814D-BA07-D8B9284ED17A}"/>
               </a:ext>
             </a:extLst>
           </p:cNvPr>
@@ -2812,7 +2905,7 @@
           <a:p>
             <a:fld id="{A2830E4D-9FF7-EF4E-954F-ED7BC4209C93}" type="datetimeFigureOut">
               <a:rPr lang="en-US" smtClean="0"/>
-              <a:t>1/20/23</a:t>
+              <a:t>2/6/23</a:t>
             </a:fld>
             <a:endParaRPr lang="en-US"/>
           </a:p>
@@ -2823,7 +2916,7 @@
           <p:cNvPr id="6" name="Footer Placeholder 5">
             <a:extLst>
               <a:ext uri="{FF2B5EF4-FFF2-40B4-BE49-F238E27FC236}">
-                <a16:creationId xmlns:a16="http://schemas.microsoft.com/office/drawing/2014/main" id="{9C6D6F99-C521-ED41-A84A-16D991B72EAA}"/>
+                <a16:creationId xmlns:a16="http://schemas.microsoft.com/office/drawing/2014/main" id="{96A42A45-D19D-5744-8CF9-2C9AFD83DFD2}"/>
               </a:ext>
             </a:extLst>
           </p:cNvPr>
@@ -2848,7 +2941,7 @@
           <p:cNvPr id="7" name="Slide Number Placeholder 6">
             <a:extLst>
               <a:ext uri="{FF2B5EF4-FFF2-40B4-BE49-F238E27FC236}">
-                <a16:creationId xmlns:a16="http://schemas.microsoft.com/office/drawing/2014/main" id="{EB286866-3178-D04D-B3DE-434358623F9D}"/>
+                <a16:creationId xmlns:a16="http://schemas.microsoft.com/office/drawing/2014/main" id="{3E34C573-BCFE-AB4F-94AA-539E53B5B422}"/>
               </a:ext>
             </a:extLst>
           </p:cNvPr>
@@ -2875,7 +2968,7 @@
     </p:spTree>
     <p:extLst>
       <p:ext uri="{BB962C8B-B14F-4D97-AF65-F5344CB8AC3E}">
-        <p14:creationId xmlns:p14="http://schemas.microsoft.com/office/powerpoint/2010/main" val="479635147"/>
+        <p14:creationId xmlns:p14="http://schemas.microsoft.com/office/powerpoint/2010/main" val="1357280360"/>
       </p:ext>
     </p:extLst>
   </p:cSld>
@@ -2907,7 +3000,7 @@
           <p:cNvPr id="2" name="Title 1">
             <a:extLst>
               <a:ext uri="{FF2B5EF4-FFF2-40B4-BE49-F238E27FC236}">
-                <a16:creationId xmlns:a16="http://schemas.microsoft.com/office/drawing/2014/main" id="{041B34D7-3532-6A48-85FB-1D1BD47F1838}"/>
+                <a16:creationId xmlns:a16="http://schemas.microsoft.com/office/drawing/2014/main" id="{1F51816E-19D4-3548-824E-BF61037A72F1}"/>
               </a:ext>
             </a:extLst>
           </p:cNvPr>
@@ -2944,7 +3037,7 @@
           <p:cNvPr id="3" name="Picture Placeholder 2">
             <a:extLst>
               <a:ext uri="{FF2B5EF4-FFF2-40B4-BE49-F238E27FC236}">
-                <a16:creationId xmlns:a16="http://schemas.microsoft.com/office/drawing/2014/main" id="{623B1C32-4CE8-2E4F-AD41-162C016395F3}"/>
+                <a16:creationId xmlns:a16="http://schemas.microsoft.com/office/drawing/2014/main" id="{BE8F846B-0A90-4F41-A7EF-1784703203FC}"/>
               </a:ext>
             </a:extLst>
           </p:cNvPr>
@@ -3011,7 +3104,7 @@
           <p:cNvPr id="4" name="Text Placeholder 3">
             <a:extLst>
               <a:ext uri="{FF2B5EF4-FFF2-40B4-BE49-F238E27FC236}">
-                <a16:creationId xmlns:a16="http://schemas.microsoft.com/office/drawing/2014/main" id="{9BF91398-B45A-2D48-B951-6E16AC4DA8F5}"/>
+                <a16:creationId xmlns:a16="http://schemas.microsoft.com/office/drawing/2014/main" id="{4FCD99B4-0405-174B-8CF8-942825C6ABE1}"/>
               </a:ext>
             </a:extLst>
           </p:cNvPr>
@@ -3082,7 +3175,7 @@
           <p:cNvPr id="5" name="Date Placeholder 4">
             <a:extLst>
               <a:ext uri="{FF2B5EF4-FFF2-40B4-BE49-F238E27FC236}">
-                <a16:creationId xmlns:a16="http://schemas.microsoft.com/office/drawing/2014/main" id="{D960A583-FD26-504C-A21F-1A4225C30335}"/>
+                <a16:creationId xmlns:a16="http://schemas.microsoft.com/office/drawing/2014/main" id="{407A1C7B-6F7F-A441-BE60-21D7DBBA2076}"/>
               </a:ext>
             </a:extLst>
           </p:cNvPr>
@@ -3100,7 +3193,7 @@
           <a:p>
             <a:fld id="{A2830E4D-9FF7-EF4E-954F-ED7BC4209C93}" type="datetimeFigureOut">
               <a:rPr lang="en-US" smtClean="0"/>
-              <a:t>1/20/23</a:t>
+              <a:t>2/6/23</a:t>
             </a:fld>
             <a:endParaRPr lang="en-US"/>
           </a:p>
@@ -3111,7 +3204,7 @@
           <p:cNvPr id="6" name="Footer Placeholder 5">
             <a:extLst>
               <a:ext uri="{FF2B5EF4-FFF2-40B4-BE49-F238E27FC236}">
-                <a16:creationId xmlns:a16="http://schemas.microsoft.com/office/drawing/2014/main" id="{813CC242-757E-BA49-8896-D51B3D9A5AFE}"/>
+                <a16:creationId xmlns:a16="http://schemas.microsoft.com/office/drawing/2014/main" id="{467C2E85-0240-2346-8B46-D1B94235B88A}"/>
               </a:ext>
             </a:extLst>
           </p:cNvPr>
@@ -3136,7 +3229,7 @@
           <p:cNvPr id="7" name="Slide Number Placeholder 6">
             <a:extLst>
               <a:ext uri="{FF2B5EF4-FFF2-40B4-BE49-F238E27FC236}">
-                <a16:creationId xmlns:a16="http://schemas.microsoft.com/office/drawing/2014/main" id="{2100486A-6688-234F-A811-077007EC8DA0}"/>
+                <a16:creationId xmlns:a16="http://schemas.microsoft.com/office/drawing/2014/main" id="{4FE0BF10-EBDA-E348-A3A1-2EE27F9F7136}"/>
               </a:ext>
             </a:extLst>
           </p:cNvPr>
@@ -3163,7 +3256,7 @@
     </p:spTree>
     <p:extLst>
       <p:ext uri="{BB962C8B-B14F-4D97-AF65-F5344CB8AC3E}">
-        <p14:creationId xmlns:p14="http://schemas.microsoft.com/office/powerpoint/2010/main" val="1123448688"/>
+        <p14:creationId xmlns:p14="http://schemas.microsoft.com/office/powerpoint/2010/main" val="1511642710"/>
       </p:ext>
     </p:extLst>
   </p:cSld>
@@ -3200,7 +3293,7 @@
           <p:cNvPr id="2" name="Title Placeholder 1">
             <a:extLst>
               <a:ext uri="{FF2B5EF4-FFF2-40B4-BE49-F238E27FC236}">
-                <a16:creationId xmlns:a16="http://schemas.microsoft.com/office/drawing/2014/main" id="{7EBAD4FB-6F34-F043-BF2C-23DC4DFD93B9}"/>
+                <a16:creationId xmlns:a16="http://schemas.microsoft.com/office/drawing/2014/main" id="{11990B57-9E12-9243-98F9-732E4A3D4390}"/>
               </a:ext>
             </a:extLst>
           </p:cNvPr>
@@ -3238,7 +3331,7 @@
           <p:cNvPr id="3" name="Text Placeholder 2">
             <a:extLst>
               <a:ext uri="{FF2B5EF4-FFF2-40B4-BE49-F238E27FC236}">
-                <a16:creationId xmlns:a16="http://schemas.microsoft.com/office/drawing/2014/main" id="{32F7C11D-D3A0-864C-AB5F-B3C25176258A}"/>
+                <a16:creationId xmlns:a16="http://schemas.microsoft.com/office/drawing/2014/main" id="{22A937BF-9984-AF4B-BACA-596FF5781ED8}"/>
               </a:ext>
             </a:extLst>
           </p:cNvPr>
@@ -3305,7 +3398,7 @@
           <p:cNvPr id="4" name="Date Placeholder 3">
             <a:extLst>
               <a:ext uri="{FF2B5EF4-FFF2-40B4-BE49-F238E27FC236}">
-                <a16:creationId xmlns:a16="http://schemas.microsoft.com/office/drawing/2014/main" id="{B249DC7C-CF01-AC48-B3C1-D649BB9746C0}"/>
+                <a16:creationId xmlns:a16="http://schemas.microsoft.com/office/drawing/2014/main" id="{DA355889-F7AB-B541-B09B-0879349A1053}"/>
               </a:ext>
             </a:extLst>
           </p:cNvPr>
@@ -3341,7 +3434,7 @@
           <a:p>
             <a:fld id="{A2830E4D-9FF7-EF4E-954F-ED7BC4209C93}" type="datetimeFigureOut">
               <a:rPr lang="en-US" smtClean="0"/>
-              <a:t>1/20/23</a:t>
+              <a:t>2/6/23</a:t>
             </a:fld>
             <a:endParaRPr lang="en-US"/>
           </a:p>
@@ -3352,7 +3445,7 @@
           <p:cNvPr id="5" name="Footer Placeholder 4">
             <a:extLst>
               <a:ext uri="{FF2B5EF4-FFF2-40B4-BE49-F238E27FC236}">
-                <a16:creationId xmlns:a16="http://schemas.microsoft.com/office/drawing/2014/main" id="{7AEB3248-79A8-6844-93AD-A512727E3B5F}"/>
+                <a16:creationId xmlns:a16="http://schemas.microsoft.com/office/drawing/2014/main" id="{31A09030-2C8A-924C-8459-CA2A29CF6E40}"/>
               </a:ext>
             </a:extLst>
           </p:cNvPr>
@@ -3395,7 +3488,7 @@
           <p:cNvPr id="6" name="Slide Number Placeholder 5">
             <a:extLst>
               <a:ext uri="{FF2B5EF4-FFF2-40B4-BE49-F238E27FC236}">
-                <a16:creationId xmlns:a16="http://schemas.microsoft.com/office/drawing/2014/main" id="{37A0B247-C410-F145-9C79-526D6423A066}"/>
+                <a16:creationId xmlns:a16="http://schemas.microsoft.com/office/drawing/2014/main" id="{DE4F922D-D276-8C44-8B62-4CFFAC000AF7}"/>
               </a:ext>
             </a:extLst>
           </p:cNvPr>
@@ -3440,23 +3533,23 @@
     </p:spTree>
     <p:extLst>
       <p:ext uri="{BB962C8B-B14F-4D97-AF65-F5344CB8AC3E}">
-        <p14:creationId xmlns:p14="http://schemas.microsoft.com/office/powerpoint/2010/main" val="894401029"/>
+        <p14:creationId xmlns:p14="http://schemas.microsoft.com/office/powerpoint/2010/main" val="2186432968"/>
       </p:ext>
     </p:extLst>
   </p:cSld>
   <p:clrMap bg1="lt1" tx1="dk1" bg2="lt2" tx2="dk2" accent1="accent1" accent2="accent2" accent3="accent3" accent4="accent4" accent5="accent5" accent6="accent6" hlink="hlink" folHlink="folHlink"/>
   <p:sldLayoutIdLst>
-    <p:sldLayoutId id="2147483649" r:id="rId1"/>
-    <p:sldLayoutId id="2147483650" r:id="rId2"/>
-    <p:sldLayoutId id="2147483651" r:id="rId3"/>
-    <p:sldLayoutId id="2147483652" r:id="rId4"/>
-    <p:sldLayoutId id="2147483653" r:id="rId5"/>
-    <p:sldLayoutId id="2147483654" r:id="rId6"/>
-    <p:sldLayoutId id="2147483655" r:id="rId7"/>
-    <p:sldLayoutId id="2147483656" r:id="rId8"/>
-    <p:sldLayoutId id="2147483657" r:id="rId9"/>
-    <p:sldLayoutId id="2147483658" r:id="rId10"/>
-    <p:sldLayoutId id="2147483659" r:id="rId11"/>
+    <p:sldLayoutId id="2147483826" r:id="rId1"/>
+    <p:sldLayoutId id="2147483827" r:id="rId2"/>
+    <p:sldLayoutId id="2147483828" r:id="rId3"/>
+    <p:sldLayoutId id="2147483829" r:id="rId4"/>
+    <p:sldLayoutId id="2147483830" r:id="rId5"/>
+    <p:sldLayoutId id="2147483831" r:id="rId6"/>
+    <p:sldLayoutId id="2147483832" r:id="rId7"/>
+    <p:sldLayoutId id="2147483833" r:id="rId8"/>
+    <p:sldLayoutId id="2147483834" r:id="rId9"/>
+    <p:sldLayoutId id="2147483835" r:id="rId10"/>
+    <p:sldLayoutId id="2147483836" r:id="rId11"/>
   </p:sldLayoutIdLst>
   <p:txStyles>
     <p:titleStyle>
@@ -3742,6 +3835,5013 @@
 </file>
 
 <file path=ppt/slides/slide1.xml><?xml version="1.0" encoding="utf-8"?>
+<p:sld xmlns:a="http://schemas.openxmlformats.org/drawingml/2006/main" xmlns:r="http://schemas.openxmlformats.org/officeDocument/2006/relationships" xmlns:p="http://schemas.openxmlformats.org/presentationml/2006/main">
+  <p:cSld>
+    <p:bg>
+      <p:bgPr>
+        <a:solidFill>
+          <a:schemeClr val="bg1"/>
+        </a:solidFill>
+        <a:effectLst/>
+      </p:bgPr>
+    </p:bg>
+    <p:spTree>
+      <p:nvGrpSpPr>
+        <p:cNvPr id="1" name=""/>
+        <p:cNvGrpSpPr/>
+        <p:nvPr/>
+      </p:nvGrpSpPr>
+      <p:grpSpPr>
+        <a:xfrm>
+          <a:off x="0" y="0"/>
+          <a:ext cx="0" cy="0"/>
+          <a:chOff x="0" y="0"/>
+          <a:chExt cx="0" cy="0"/>
+        </a:xfrm>
+      </p:grpSpPr>
+      <p:sp useBgFill="1">
+        <p:nvSpPr>
+          <p:cNvPr id="26" name="Rectangle 25">
+            <a:extLst>
+              <a:ext uri="{FF2B5EF4-FFF2-40B4-BE49-F238E27FC236}">
+                <a16:creationId xmlns:a16="http://schemas.microsoft.com/office/drawing/2014/main" id="{88EB6E95-9C89-4CFF-A598-F278D0DFB39E}"/>
+              </a:ext>
+              <a:ext uri="{C183D7F6-B498-43B3-948B-1728B52AA6E4}">
+                <adec:decorative xmlns:adec="http://schemas.microsoft.com/office/drawing/2017/decorative" val="1"/>
+              </a:ext>
+            </a:extLst>
+          </p:cNvPr>
+          <p:cNvSpPr>
+            <a:spLocks noGrp="1" noRot="1" noChangeAspect="1" noMove="1" noResize="1" noEditPoints="1" noAdjustHandles="1" noChangeArrowheads="1" noChangeShapeType="1" noTextEdit="1"/>
+          </p:cNvSpPr>
+          <p:nvPr>
+            <p:extLst>
+              <p:ext uri="{386F3935-93C4-4BCD-93E2-E3B085C9AB24}">
+                <p16:designElem xmlns:p16="http://schemas.microsoft.com/office/powerpoint/2015/main" val="1"/>
+              </p:ext>
+            </p:extLst>
+          </p:nvPr>
+        </p:nvSpPr>
+        <p:spPr>
+          <a:xfrm>
+            <a:off x="0" y="1"/>
+            <a:ext cx="12191695" cy="6858000"/>
+          </a:xfrm>
+          <a:prstGeom prst="rect">
+            <a:avLst/>
+          </a:prstGeom>
+          <a:ln>
+            <a:noFill/>
+          </a:ln>
+        </p:spPr>
+        <p:style>
+          <a:lnRef idx="2">
+            <a:schemeClr val="accent1">
+              <a:shade val="50000"/>
+            </a:schemeClr>
+          </a:lnRef>
+          <a:fillRef idx="1">
+            <a:schemeClr val="accent1"/>
+          </a:fillRef>
+          <a:effectRef idx="0">
+            <a:schemeClr val="accent1"/>
+          </a:effectRef>
+          <a:fontRef idx="minor">
+            <a:schemeClr val="lt1"/>
+          </a:fontRef>
+        </p:style>
+        <p:txBody>
+          <a:bodyPr rtlCol="0" anchor="ctr"/>
+          <a:lstStyle/>
+          <a:p>
+            <a:pPr algn="ctr"/>
+            <a:endParaRPr lang="en-US"/>
+          </a:p>
+        </p:txBody>
+      </p:sp>
+      <p:sp>
+        <p:nvSpPr>
+          <p:cNvPr id="28" name="Rectangle 27">
+            <a:extLst>
+              <a:ext uri="{FF2B5EF4-FFF2-40B4-BE49-F238E27FC236}">
+                <a16:creationId xmlns:a16="http://schemas.microsoft.com/office/drawing/2014/main" id="{474CD0F4-EA2A-4E5D-AE73-1112C1CA2A19}"/>
+              </a:ext>
+              <a:ext uri="{C183D7F6-B498-43B3-948B-1728B52AA6E4}">
+                <adec:decorative xmlns:adec="http://schemas.microsoft.com/office/drawing/2017/decorative" val="1"/>
+              </a:ext>
+            </a:extLst>
+          </p:cNvPr>
+          <p:cNvSpPr>
+            <a:spLocks noGrp="1" noRot="1" noChangeAspect="1" noMove="1" noResize="1" noEditPoints="1" noAdjustHandles="1" noChangeArrowheads="1" noChangeShapeType="1" noTextEdit="1"/>
+          </p:cNvSpPr>
+          <p:nvPr>
+            <p:extLst>
+              <p:ext uri="{386F3935-93C4-4BCD-93E2-E3B085C9AB24}">
+                <p16:designElem xmlns:p16="http://schemas.microsoft.com/office/powerpoint/2015/main" val="1"/>
+              </p:ext>
+            </p:extLst>
+          </p:nvPr>
+        </p:nvSpPr>
+        <p:spPr>
+          <a:xfrm>
+            <a:off x="305" y="0"/>
+            <a:ext cx="12191695" cy="6858000"/>
+          </a:xfrm>
+          <a:prstGeom prst="rect">
+            <a:avLst/>
+          </a:prstGeom>
+          <a:solidFill>
+            <a:schemeClr val="bg1"/>
+          </a:solidFill>
+          <a:ln>
+            <a:noFill/>
+          </a:ln>
+        </p:spPr>
+        <p:style>
+          <a:lnRef idx="2">
+            <a:schemeClr val="accent1">
+              <a:shade val="50000"/>
+            </a:schemeClr>
+          </a:lnRef>
+          <a:fillRef idx="1">
+            <a:schemeClr val="accent1"/>
+          </a:fillRef>
+          <a:effectRef idx="0">
+            <a:schemeClr val="accent1"/>
+          </a:effectRef>
+          <a:fontRef idx="minor">
+            <a:schemeClr val="lt1"/>
+          </a:fontRef>
+        </p:style>
+        <p:txBody>
+          <a:bodyPr rtlCol="0" anchor="ctr"/>
+          <a:lstStyle/>
+          <a:p>
+            <a:pPr algn="ctr"/>
+            <a:endParaRPr lang="en-US" sz="800"/>
+          </a:p>
+        </p:txBody>
+      </p:sp>
+      <p:sp>
+        <p:nvSpPr>
+          <p:cNvPr id="4" name="Title 3">
+            <a:extLst>
+              <a:ext uri="{FF2B5EF4-FFF2-40B4-BE49-F238E27FC236}">
+                <a16:creationId xmlns:a16="http://schemas.microsoft.com/office/drawing/2014/main" id="{CC81B207-8916-BE47-B3F8-DFBF233669D9}"/>
+              </a:ext>
+            </a:extLst>
+          </p:cNvPr>
+          <p:cNvSpPr>
+            <a:spLocks noGrp="1"/>
+          </p:cNvSpPr>
+          <p:nvPr>
+            <p:ph type="ctrTitle"/>
+          </p:nvPr>
+        </p:nvSpPr>
+        <p:spPr>
+          <a:xfrm>
+            <a:off x="804672" y="1365403"/>
+            <a:ext cx="6196391" cy="4127194"/>
+          </a:xfrm>
+        </p:spPr>
+        <p:txBody>
+          <a:bodyPr anchor="ctr">
+            <a:normAutofit/>
+          </a:bodyPr>
+          <a:lstStyle/>
+          <a:p>
+            <a:pPr algn="l"/>
+            <a:r>
+              <a:rPr lang="en-US" sz="5200" dirty="0">
+                <a:solidFill>
+                  <a:schemeClr val="tx2"/>
+                </a:solidFill>
+              </a:rPr>
+              <a:t>Impact Evaluator Grant</a:t>
+            </a:r>
+          </a:p>
+        </p:txBody>
+      </p:sp>
+      <p:sp>
+        <p:nvSpPr>
+          <p:cNvPr id="5" name="Subtitle 4">
+            <a:extLst>
+              <a:ext uri="{FF2B5EF4-FFF2-40B4-BE49-F238E27FC236}">
+                <a16:creationId xmlns:a16="http://schemas.microsoft.com/office/drawing/2014/main" id="{3E708313-5F73-4C49-BEE6-6299FC37A09D}"/>
+              </a:ext>
+            </a:extLst>
+          </p:cNvPr>
+          <p:cNvSpPr>
+            <a:spLocks noGrp="1"/>
+          </p:cNvSpPr>
+          <p:nvPr>
+            <p:ph type="subTitle" idx="1"/>
+          </p:nvPr>
+        </p:nvSpPr>
+        <p:spPr>
+          <a:xfrm>
+            <a:off x="8472488" y="1200627"/>
+            <a:ext cx="3122763" cy="4456747"/>
+          </a:xfrm>
+        </p:spPr>
+        <p:txBody>
+          <a:bodyPr anchor="ctr">
+            <a:normAutofit/>
+          </a:bodyPr>
+          <a:lstStyle/>
+          <a:p>
+            <a:pPr algn="l"/>
+            <a:r>
+              <a:rPr lang="en-US" dirty="0">
+                <a:solidFill>
+                  <a:schemeClr val="tx2"/>
+                </a:solidFill>
+              </a:rPr>
+              <a:t>Milestone 2</a:t>
+            </a:r>
+            <a:endParaRPr lang="en-US">
+              <a:solidFill>
+                <a:schemeClr val="tx2"/>
+              </a:solidFill>
+            </a:endParaRPr>
+          </a:p>
+        </p:txBody>
+      </p:sp>
+      <p:grpSp>
+        <p:nvGrpSpPr>
+          <p:cNvPr id="30" name="Group 29">
+            <a:extLst>
+              <a:ext uri="{FF2B5EF4-FFF2-40B4-BE49-F238E27FC236}">
+                <a16:creationId xmlns:a16="http://schemas.microsoft.com/office/drawing/2014/main" id="{A1EDC8FC-C3D1-4FE4-8E66-29767478DBDB}"/>
+              </a:ext>
+              <a:ext uri="{C183D7F6-B498-43B3-948B-1728B52AA6E4}">
+                <adec:decorative xmlns:adec="http://schemas.microsoft.com/office/drawing/2017/decorative" val="1"/>
+              </a:ext>
+            </a:extLst>
+          </p:cNvPr>
+          <p:cNvGrpSpPr>
+            <a:grpSpLocks noGrp="1" noUngrp="1" noRot="1" noChangeAspect="1" noMove="1" noResize="1"/>
+          </p:cNvGrpSpPr>
+          <p:nvPr>
+            <p:extLst>
+              <p:ext uri="{386F3935-93C4-4BCD-93E2-E3B085C9AB24}">
+                <p16:designElem xmlns:p16="http://schemas.microsoft.com/office/powerpoint/2015/main" val="1"/>
+              </p:ext>
+            </p:extLst>
+          </p:nvPr>
+        </p:nvGrpSpPr>
+        <p:grpSpPr>
+          <a:xfrm>
+            <a:off x="7867135" y="0"/>
+            <a:ext cx="4324865" cy="2641149"/>
+            <a:chOff x="6867015" y="-1"/>
+            <a:chExt cx="5324985" cy="3251912"/>
+          </a:xfrm>
+          <a:solidFill>
+            <a:schemeClr val="accent5">
+              <a:alpha val="10000"/>
+            </a:schemeClr>
+          </a:solidFill>
+        </p:grpSpPr>
+        <p:sp>
+          <p:nvSpPr>
+            <p:cNvPr id="31" name="Freeform: Shape 30">
+              <a:extLst>
+                <a:ext uri="{FF2B5EF4-FFF2-40B4-BE49-F238E27FC236}">
+                  <a16:creationId xmlns:a16="http://schemas.microsoft.com/office/drawing/2014/main" id="{51638344-E7F0-4958-8208-ADCB822569FD}"/>
+                </a:ext>
+                <a:ext uri="{C183D7F6-B498-43B3-948B-1728B52AA6E4}">
+                  <adec:decorative xmlns:adec="http://schemas.microsoft.com/office/drawing/2017/decorative" val="1"/>
+                </a:ext>
+              </a:extLst>
+            </p:cNvPr>
+            <p:cNvSpPr/>
+            <p:nvPr>
+              <p:extLst>
+                <p:ext uri="{386F3935-93C4-4BCD-93E2-E3B085C9AB24}">
+                  <p16:designElem xmlns:p16="http://schemas.microsoft.com/office/powerpoint/2015/main" val="1"/>
+                </p:ext>
+              </p:extLst>
+            </p:nvPr>
+          </p:nvSpPr>
+          <p:spPr>
+            <a:xfrm>
+              <a:off x="6867015" y="-1"/>
+              <a:ext cx="5324985" cy="3251912"/>
+            </a:xfrm>
+            <a:custGeom>
+              <a:avLst/>
+              <a:gdLst>
+                <a:gd name="connsiteX0" fmla="*/ 0 w 5324985"/>
+                <a:gd name="connsiteY0" fmla="*/ 0 h 3251912"/>
+                <a:gd name="connsiteX1" fmla="*/ 36826 w 5324985"/>
+                <a:gd name="connsiteY1" fmla="*/ 0 h 3251912"/>
+                <a:gd name="connsiteX2" fmla="*/ 45003 w 5324985"/>
+                <a:gd name="connsiteY2" fmla="*/ 152909 h 3251912"/>
+                <a:gd name="connsiteX3" fmla="*/ 68956 w 5324985"/>
+                <a:gd name="connsiteY3" fmla="*/ 308600 h 3251912"/>
+                <a:gd name="connsiteX4" fmla="*/ 167774 w 5324985"/>
+                <a:gd name="connsiteY4" fmla="*/ 607968 h 3251912"/>
+                <a:gd name="connsiteX5" fmla="*/ 201857 w 5324985"/>
+                <a:gd name="connsiteY5" fmla="*/ 679539 h 3251912"/>
+                <a:gd name="connsiteX6" fmla="*/ 239741 w 5324985"/>
+                <a:gd name="connsiteY6" fmla="*/ 749488 h 3251912"/>
+                <a:gd name="connsiteX7" fmla="*/ 323724 w 5324985"/>
+                <a:gd name="connsiteY7" fmla="*/ 885101 h 3251912"/>
+                <a:gd name="connsiteX8" fmla="*/ 416412 w 5324985"/>
+                <a:gd name="connsiteY8" fmla="*/ 1016081 h 3251912"/>
+                <a:gd name="connsiteX9" fmla="*/ 515719 w 5324985"/>
+                <a:gd name="connsiteY9" fmla="*/ 1143356 h 3251912"/>
+                <a:gd name="connsiteX10" fmla="*/ 722427 w 5324985"/>
+                <a:gd name="connsiteY10" fmla="*/ 1395127 h 3251912"/>
+                <a:gd name="connsiteX11" fmla="*/ 825780 w 5324985"/>
+                <a:gd name="connsiteY11" fmla="*/ 1522749 h 3251912"/>
+                <a:gd name="connsiteX12" fmla="*/ 926314 w 5324985"/>
+                <a:gd name="connsiteY12" fmla="*/ 1651992 h 3251912"/>
+                <a:gd name="connsiteX13" fmla="*/ 1026848 w 5324985"/>
+                <a:gd name="connsiteY13" fmla="*/ 1776836 h 3251912"/>
+                <a:gd name="connsiteX14" fmla="*/ 1131918 w 5324985"/>
+                <a:gd name="connsiteY14" fmla="*/ 1897393 h 3251912"/>
+                <a:gd name="connsiteX15" fmla="*/ 1354688 w 5324985"/>
+                <a:gd name="connsiteY15" fmla="*/ 2124728 h 3251912"/>
+                <a:gd name="connsiteX16" fmla="*/ 1855027 w 5324985"/>
+                <a:gd name="connsiteY16" fmla="*/ 2504236 h 3251912"/>
+                <a:gd name="connsiteX17" fmla="*/ 2131618 w 5324985"/>
+                <a:gd name="connsiteY17" fmla="*/ 2646913 h 3251912"/>
+                <a:gd name="connsiteX18" fmla="*/ 2423534 w 5324985"/>
+                <a:gd name="connsiteY18" fmla="*/ 2754732 h 3251912"/>
+                <a:gd name="connsiteX19" fmla="*/ 2727588 w 5324985"/>
+                <a:gd name="connsiteY19" fmla="*/ 2829197 h 3251912"/>
+                <a:gd name="connsiteX20" fmla="*/ 3041083 w 5324985"/>
+                <a:gd name="connsiteY20" fmla="*/ 2870890 h 3251912"/>
+                <a:gd name="connsiteX21" fmla="*/ 3360340 w 5324985"/>
+                <a:gd name="connsiteY21" fmla="*/ 2883976 h 3251912"/>
+                <a:gd name="connsiteX22" fmla="*/ 3439663 w 5324985"/>
+                <a:gd name="connsiteY22" fmla="*/ 2883396 h 3251912"/>
+                <a:gd name="connsiteX23" fmla="*/ 3478529 w 5324985"/>
+                <a:gd name="connsiteY23" fmla="*/ 2882471 h 3251912"/>
+                <a:gd name="connsiteX24" fmla="*/ 3517271 w 5324985"/>
+                <a:gd name="connsiteY24" fmla="*/ 2880616 h 3251912"/>
+                <a:gd name="connsiteX25" fmla="*/ 3671260 w 5324985"/>
+                <a:gd name="connsiteY25" fmla="*/ 2867878 h 3251912"/>
+                <a:gd name="connsiteX26" fmla="*/ 4265268 w 5324985"/>
+                <a:gd name="connsiteY26" fmla="*/ 2716283 h 3251912"/>
+                <a:gd name="connsiteX27" fmla="*/ 4546395 w 5324985"/>
+                <a:gd name="connsiteY27" fmla="*/ 2584724 h 3251912"/>
+                <a:gd name="connsiteX28" fmla="*/ 4817837 w 5324985"/>
+                <a:gd name="connsiteY28" fmla="*/ 2424674 h 3251912"/>
+                <a:gd name="connsiteX29" fmla="*/ 5081677 w 5324985"/>
+                <a:gd name="connsiteY29" fmla="*/ 2243548 h 3251912"/>
+                <a:gd name="connsiteX30" fmla="*/ 5211881 w 5324985"/>
+                <a:gd name="connsiteY30" fmla="*/ 2147658 h 3251912"/>
+                <a:gd name="connsiteX31" fmla="*/ 5324985 w 5324985"/>
+                <a:gd name="connsiteY31" fmla="*/ 2062128 h 3251912"/>
+                <a:gd name="connsiteX32" fmla="*/ 5324985 w 5324985"/>
+                <a:gd name="connsiteY32" fmla="*/ 2514993 h 3251912"/>
+                <a:gd name="connsiteX33" fmla="*/ 5314867 w 5324985"/>
+                <a:gd name="connsiteY33" fmla="*/ 2522881 h 3251912"/>
+                <a:gd name="connsiteX34" fmla="*/ 5038276 w 5324985"/>
+                <a:gd name="connsiteY34" fmla="*/ 2722421 h 3251912"/>
+                <a:gd name="connsiteX35" fmla="*/ 4741701 w 5324985"/>
+                <a:gd name="connsiteY35" fmla="*/ 2904937 h 3251912"/>
+                <a:gd name="connsiteX36" fmla="*/ 4420728 w 5324985"/>
+                <a:gd name="connsiteY36" fmla="*/ 3058848 h 3251912"/>
+                <a:gd name="connsiteX37" fmla="*/ 3717481 w 5324985"/>
+                <a:gd name="connsiteY37" fmla="*/ 3237079 h 3251912"/>
+                <a:gd name="connsiteX38" fmla="*/ 3535661 w 5324985"/>
+                <a:gd name="connsiteY38" fmla="*/ 3249934 h 3251912"/>
+                <a:gd name="connsiteX39" fmla="*/ 3490175 w 5324985"/>
+                <a:gd name="connsiteY39" fmla="*/ 3251555 h 3251912"/>
+                <a:gd name="connsiteX40" fmla="*/ 3444813 w 5324985"/>
+                <a:gd name="connsiteY40" fmla="*/ 3251787 h 3251912"/>
+                <a:gd name="connsiteX41" fmla="*/ 3355681 w 5324985"/>
+                <a:gd name="connsiteY41" fmla="*/ 3250745 h 3251912"/>
+                <a:gd name="connsiteX42" fmla="*/ 3179011 w 5324985"/>
+                <a:gd name="connsiteY42" fmla="*/ 3243795 h 3251912"/>
+                <a:gd name="connsiteX43" fmla="*/ 3002217 w 5324985"/>
+                <a:gd name="connsiteY43" fmla="*/ 3227814 h 3251912"/>
+                <a:gd name="connsiteX44" fmla="*/ 2650103 w 5324985"/>
+                <a:gd name="connsiteY44" fmla="*/ 3170836 h 3251912"/>
+                <a:gd name="connsiteX45" fmla="*/ 2305836 w 5324985"/>
+                <a:gd name="connsiteY45" fmla="*/ 3072514 h 3251912"/>
+                <a:gd name="connsiteX46" fmla="*/ 1978611 w 5324985"/>
+                <a:gd name="connsiteY46" fmla="*/ 2929952 h 3251912"/>
+                <a:gd name="connsiteX47" fmla="*/ 1678235 w 5324985"/>
+                <a:gd name="connsiteY47" fmla="*/ 2744424 h 3251912"/>
+                <a:gd name="connsiteX48" fmla="*/ 1175688 w 5324985"/>
+                <a:gd name="connsiteY48" fmla="*/ 2277018 h 3251912"/>
+                <a:gd name="connsiteX49" fmla="*/ 971310 w 5324985"/>
+                <a:gd name="connsiteY49" fmla="*/ 2012044 h 3251912"/>
+                <a:gd name="connsiteX50" fmla="*/ 790717 w 5324985"/>
+                <a:gd name="connsiteY50" fmla="*/ 1735723 h 3251912"/>
+                <a:gd name="connsiteX51" fmla="*/ 706488 w 5324985"/>
+                <a:gd name="connsiteY51" fmla="*/ 1598604 h 3251912"/>
+                <a:gd name="connsiteX52" fmla="*/ 618951 w 5324985"/>
+                <a:gd name="connsiteY52" fmla="*/ 1463802 h 3251912"/>
+                <a:gd name="connsiteX53" fmla="*/ 436273 w 5324985"/>
+                <a:gd name="connsiteY53" fmla="*/ 1195355 h 3251912"/>
+                <a:gd name="connsiteX54" fmla="*/ 346896 w 5324985"/>
+                <a:gd name="connsiteY54" fmla="*/ 1058816 h 3251912"/>
+                <a:gd name="connsiteX55" fmla="*/ 261809 w 5324985"/>
+                <a:gd name="connsiteY55" fmla="*/ 919264 h 3251912"/>
+                <a:gd name="connsiteX56" fmla="*/ 118487 w 5324985"/>
+                <a:gd name="connsiteY56" fmla="*/ 626498 h 3251912"/>
+                <a:gd name="connsiteX57" fmla="*/ 28130 w 5324985"/>
+                <a:gd name="connsiteY57" fmla="*/ 315781 h 3251912"/>
+                <a:gd name="connsiteX58" fmla="*/ 6751 w 5324985"/>
+                <a:gd name="connsiteY58" fmla="*/ 156195 h 3251912"/>
+              </a:gdLst>
+              <a:ahLst/>
+              <a:cxnLst>
+                <a:cxn ang="0">
+                  <a:pos x="connsiteX0" y="connsiteY0"/>
+                </a:cxn>
+                <a:cxn ang="0">
+                  <a:pos x="connsiteX1" y="connsiteY1"/>
+                </a:cxn>
+                <a:cxn ang="0">
+                  <a:pos x="connsiteX2" y="connsiteY2"/>
+                </a:cxn>
+                <a:cxn ang="0">
+                  <a:pos x="connsiteX3" y="connsiteY3"/>
+                </a:cxn>
+                <a:cxn ang="0">
+                  <a:pos x="connsiteX4" y="connsiteY4"/>
+                </a:cxn>
+                <a:cxn ang="0">
+                  <a:pos x="connsiteX5" y="connsiteY5"/>
+                </a:cxn>
+                <a:cxn ang="0">
+                  <a:pos x="connsiteX6" y="connsiteY6"/>
+                </a:cxn>
+                <a:cxn ang="0">
+                  <a:pos x="connsiteX7" y="connsiteY7"/>
+                </a:cxn>
+                <a:cxn ang="0">
+                  <a:pos x="connsiteX8" y="connsiteY8"/>
+                </a:cxn>
+                <a:cxn ang="0">
+                  <a:pos x="connsiteX9" y="connsiteY9"/>
+                </a:cxn>
+                <a:cxn ang="0">
+                  <a:pos x="connsiteX10" y="connsiteY10"/>
+                </a:cxn>
+                <a:cxn ang="0">
+                  <a:pos x="connsiteX11" y="connsiteY11"/>
+                </a:cxn>
+                <a:cxn ang="0">
+                  <a:pos x="connsiteX12" y="connsiteY12"/>
+                </a:cxn>
+                <a:cxn ang="0">
+                  <a:pos x="connsiteX13" y="connsiteY13"/>
+                </a:cxn>
+                <a:cxn ang="0">
+                  <a:pos x="connsiteX14" y="connsiteY14"/>
+                </a:cxn>
+                <a:cxn ang="0">
+                  <a:pos x="connsiteX15" y="connsiteY15"/>
+                </a:cxn>
+                <a:cxn ang="0">
+                  <a:pos x="connsiteX16" y="connsiteY16"/>
+                </a:cxn>
+                <a:cxn ang="0">
+                  <a:pos x="connsiteX17" y="connsiteY17"/>
+                </a:cxn>
+                <a:cxn ang="0">
+                  <a:pos x="connsiteX18" y="connsiteY18"/>
+                </a:cxn>
+                <a:cxn ang="0">
+                  <a:pos x="connsiteX19" y="connsiteY19"/>
+                </a:cxn>
+                <a:cxn ang="0">
+                  <a:pos x="connsiteX20" y="connsiteY20"/>
+                </a:cxn>
+                <a:cxn ang="0">
+                  <a:pos x="connsiteX21" y="connsiteY21"/>
+                </a:cxn>
+                <a:cxn ang="0">
+                  <a:pos x="connsiteX22" y="connsiteY22"/>
+                </a:cxn>
+                <a:cxn ang="0">
+                  <a:pos x="connsiteX23" y="connsiteY23"/>
+                </a:cxn>
+                <a:cxn ang="0">
+                  <a:pos x="connsiteX24" y="connsiteY24"/>
+                </a:cxn>
+                <a:cxn ang="0">
+                  <a:pos x="connsiteX25" y="connsiteY25"/>
+                </a:cxn>
+                <a:cxn ang="0">
+                  <a:pos x="connsiteX26" y="connsiteY26"/>
+                </a:cxn>
+                <a:cxn ang="0">
+                  <a:pos x="connsiteX27" y="connsiteY27"/>
+                </a:cxn>
+                <a:cxn ang="0">
+                  <a:pos x="connsiteX28" y="connsiteY28"/>
+                </a:cxn>
+                <a:cxn ang="0">
+                  <a:pos x="connsiteX29" y="connsiteY29"/>
+                </a:cxn>
+                <a:cxn ang="0">
+                  <a:pos x="connsiteX30" y="connsiteY30"/>
+                </a:cxn>
+                <a:cxn ang="0">
+                  <a:pos x="connsiteX31" y="connsiteY31"/>
+                </a:cxn>
+                <a:cxn ang="0">
+                  <a:pos x="connsiteX32" y="connsiteY32"/>
+                </a:cxn>
+                <a:cxn ang="0">
+                  <a:pos x="connsiteX33" y="connsiteY33"/>
+                </a:cxn>
+                <a:cxn ang="0">
+                  <a:pos x="connsiteX34" y="connsiteY34"/>
+                </a:cxn>
+                <a:cxn ang="0">
+                  <a:pos x="connsiteX35" y="connsiteY35"/>
+                </a:cxn>
+                <a:cxn ang="0">
+                  <a:pos x="connsiteX36" y="connsiteY36"/>
+                </a:cxn>
+                <a:cxn ang="0">
+                  <a:pos x="connsiteX37" y="connsiteY37"/>
+                </a:cxn>
+                <a:cxn ang="0">
+                  <a:pos x="connsiteX38" y="connsiteY38"/>
+                </a:cxn>
+                <a:cxn ang="0">
+                  <a:pos x="connsiteX39" y="connsiteY39"/>
+                </a:cxn>
+                <a:cxn ang="0">
+                  <a:pos x="connsiteX40" y="connsiteY40"/>
+                </a:cxn>
+                <a:cxn ang="0">
+                  <a:pos x="connsiteX41" y="connsiteY41"/>
+                </a:cxn>
+                <a:cxn ang="0">
+                  <a:pos x="connsiteX42" y="connsiteY42"/>
+                </a:cxn>
+                <a:cxn ang="0">
+                  <a:pos x="connsiteX43" y="connsiteY43"/>
+                </a:cxn>
+                <a:cxn ang="0">
+                  <a:pos x="connsiteX44" y="connsiteY44"/>
+                </a:cxn>
+                <a:cxn ang="0">
+                  <a:pos x="connsiteX45" y="connsiteY45"/>
+                </a:cxn>
+                <a:cxn ang="0">
+                  <a:pos x="connsiteX46" y="connsiteY46"/>
+                </a:cxn>
+                <a:cxn ang="0">
+                  <a:pos x="connsiteX47" y="connsiteY47"/>
+                </a:cxn>
+                <a:cxn ang="0">
+                  <a:pos x="connsiteX48" y="connsiteY48"/>
+                </a:cxn>
+                <a:cxn ang="0">
+                  <a:pos x="connsiteX49" y="connsiteY49"/>
+                </a:cxn>
+                <a:cxn ang="0">
+                  <a:pos x="connsiteX50" y="connsiteY50"/>
+                </a:cxn>
+                <a:cxn ang="0">
+                  <a:pos x="connsiteX51" y="connsiteY51"/>
+                </a:cxn>
+                <a:cxn ang="0">
+                  <a:pos x="connsiteX52" y="connsiteY52"/>
+                </a:cxn>
+                <a:cxn ang="0">
+                  <a:pos x="connsiteX53" y="connsiteY53"/>
+                </a:cxn>
+                <a:cxn ang="0">
+                  <a:pos x="connsiteX54" y="connsiteY54"/>
+                </a:cxn>
+                <a:cxn ang="0">
+                  <a:pos x="connsiteX55" y="connsiteY55"/>
+                </a:cxn>
+                <a:cxn ang="0">
+                  <a:pos x="connsiteX56" y="connsiteY56"/>
+                </a:cxn>
+                <a:cxn ang="0">
+                  <a:pos x="connsiteX57" y="connsiteY57"/>
+                </a:cxn>
+                <a:cxn ang="0">
+                  <a:pos x="connsiteX58" y="connsiteY58"/>
+                </a:cxn>
+              </a:cxnLst>
+              <a:rect l="l" t="t" r="r" b="b"/>
+              <a:pathLst>
+                <a:path w="5324985" h="3251912">
+                  <a:moveTo>
+                    <a:pt x="0" y="0"/>
+                  </a:moveTo>
+                  <a:lnTo>
+                    <a:pt x="36826" y="0"/>
+                  </a:lnTo>
+                  <a:lnTo>
+                    <a:pt x="45003" y="152909"/>
+                  </a:lnTo>
+                  <a:cubicBezTo>
+                    <a:pt x="50351" y="205154"/>
+                    <a:pt x="58290" y="257123"/>
+                    <a:pt x="68956" y="308600"/>
+                  </a:cubicBezTo>
+                  <a:cubicBezTo>
+                    <a:pt x="91393" y="411324"/>
+                    <a:pt x="123882" y="511847"/>
+                    <a:pt x="167774" y="607968"/>
+                  </a:cubicBezTo>
+                  <a:cubicBezTo>
+                    <a:pt x="178195" y="632173"/>
+                    <a:pt x="190333" y="655798"/>
+                    <a:pt x="201857" y="679539"/>
+                  </a:cubicBezTo>
+                  <a:cubicBezTo>
+                    <a:pt x="214363" y="702933"/>
+                    <a:pt x="226255" y="726557"/>
+                    <a:pt x="239741" y="749488"/>
+                  </a:cubicBezTo>
+                  <a:cubicBezTo>
+                    <a:pt x="265488" y="795812"/>
+                    <a:pt x="294176" y="840746"/>
+                    <a:pt x="323724" y="885101"/>
+                  </a:cubicBezTo>
+                  <a:cubicBezTo>
+                    <a:pt x="353149" y="929572"/>
+                    <a:pt x="384657" y="972885"/>
+                    <a:pt x="416412" y="1016081"/>
+                  </a:cubicBezTo>
+                  <a:cubicBezTo>
+                    <a:pt x="448655" y="1058931"/>
+                    <a:pt x="482127" y="1101202"/>
+                    <a:pt x="515719" y="1143356"/>
+                  </a:cubicBezTo>
+                  <a:cubicBezTo>
+                    <a:pt x="583027" y="1227782"/>
+                    <a:pt x="653402" y="1310470"/>
+                    <a:pt x="722427" y="1395127"/>
+                  </a:cubicBezTo>
+                  <a:cubicBezTo>
+                    <a:pt x="757123" y="1437282"/>
+                    <a:pt x="791697" y="1479783"/>
+                    <a:pt x="825780" y="1522749"/>
+                  </a:cubicBezTo>
+                  <a:cubicBezTo>
+                    <a:pt x="859742" y="1565367"/>
+                    <a:pt x="893457" y="1610649"/>
+                    <a:pt x="926314" y="1651992"/>
+                  </a:cubicBezTo>
+                  <a:cubicBezTo>
+                    <a:pt x="958927" y="1694379"/>
+                    <a:pt x="993132" y="1735492"/>
+                    <a:pt x="1026848" y="1776836"/>
+                  </a:cubicBezTo>
+                  <a:cubicBezTo>
+                    <a:pt x="1061545" y="1817485"/>
+                    <a:pt x="1095996" y="1858133"/>
+                    <a:pt x="1131918" y="1897393"/>
+                  </a:cubicBezTo>
+                  <a:cubicBezTo>
+                    <a:pt x="1203273" y="1976376"/>
+                    <a:pt x="1277447" y="2052463"/>
+                    <a:pt x="1354688" y="2124728"/>
+                  </a:cubicBezTo>
+                  <a:cubicBezTo>
+                    <a:pt x="1509411" y="2268911"/>
+                    <a:pt x="1676396" y="2397575"/>
+                    <a:pt x="1855027" y="2504236"/>
+                  </a:cubicBezTo>
+                  <a:cubicBezTo>
+                    <a:pt x="1944528" y="2557277"/>
+                    <a:pt x="2036357" y="2605917"/>
+                    <a:pt x="2131618" y="2646913"/>
+                  </a:cubicBezTo>
+                  <a:cubicBezTo>
+                    <a:pt x="2226267" y="2689068"/>
+                    <a:pt x="2323981" y="2724622"/>
+                    <a:pt x="2423534" y="2754732"/>
+                  </a:cubicBezTo>
+                  <a:cubicBezTo>
+                    <a:pt x="2523087" y="2784958"/>
+                    <a:pt x="2624602" y="2809394"/>
+                    <a:pt x="2727588" y="2829197"/>
+                  </a:cubicBezTo>
+                  <a:cubicBezTo>
+                    <a:pt x="2830698" y="2848653"/>
+                    <a:pt x="2935522" y="2861971"/>
+                    <a:pt x="3041083" y="2870890"/>
+                  </a:cubicBezTo>
+                  <a:cubicBezTo>
+                    <a:pt x="3146644" y="2879922"/>
+                    <a:pt x="3253307" y="2883860"/>
+                    <a:pt x="3360340" y="2883976"/>
+                  </a:cubicBezTo>
+                  <a:cubicBezTo>
+                    <a:pt x="3387067" y="2883976"/>
+                    <a:pt x="3414162" y="2884439"/>
+                    <a:pt x="3439663" y="2883396"/>
+                  </a:cubicBezTo>
+                  <a:lnTo>
+                    <a:pt x="3478529" y="2882471"/>
+                  </a:lnTo>
+                  <a:lnTo>
+                    <a:pt x="3517271" y="2880616"/>
+                  </a:lnTo>
+                  <a:cubicBezTo>
+                    <a:pt x="3568887" y="2878417"/>
+                    <a:pt x="3620257" y="2873552"/>
+                    <a:pt x="3671260" y="2867878"/>
+                  </a:cubicBezTo>
+                  <a:cubicBezTo>
+                    <a:pt x="3875515" y="2844253"/>
+                    <a:pt x="4074253" y="2792486"/>
+                    <a:pt x="4265268" y="2716283"/>
+                  </a:cubicBezTo>
+                  <a:cubicBezTo>
+                    <a:pt x="4361020" y="2678529"/>
+                    <a:pt x="4454444" y="2633710"/>
+                    <a:pt x="4546395" y="2584724"/>
+                  </a:cubicBezTo>
+                  <a:cubicBezTo>
+                    <a:pt x="4638470" y="2535967"/>
+                    <a:pt x="4728827" y="2481885"/>
+                    <a:pt x="4817837" y="2424674"/>
+                  </a:cubicBezTo>
+                  <a:cubicBezTo>
+                    <a:pt x="4906846" y="2367348"/>
+                    <a:pt x="4994385" y="2306317"/>
+                    <a:pt x="5081677" y="2243548"/>
+                  </a:cubicBezTo>
+                  <a:cubicBezTo>
+                    <a:pt x="5125201" y="2212164"/>
+                    <a:pt x="5168603" y="2179969"/>
+                    <a:pt x="5211881" y="2147658"/>
+                  </a:cubicBezTo>
+                  <a:lnTo>
+                    <a:pt x="5324985" y="2062128"/>
+                  </a:lnTo>
+                  <a:lnTo>
+                    <a:pt x="5324985" y="2514993"/>
+                  </a:lnTo>
+                  <a:lnTo>
+                    <a:pt x="5314867" y="2522881"/>
+                  </a:lnTo>
+                  <a:cubicBezTo>
+                    <a:pt x="5225490" y="2591325"/>
+                    <a:pt x="5133783" y="2658379"/>
+                    <a:pt x="5038276" y="2722421"/>
+                  </a:cubicBezTo>
+                  <a:cubicBezTo>
+                    <a:pt x="4942892" y="2786348"/>
+                    <a:pt x="4844810" y="2848422"/>
+                    <a:pt x="4741701" y="2904937"/>
+                  </a:cubicBezTo>
+                  <a:cubicBezTo>
+                    <a:pt x="4638592" y="2961337"/>
+                    <a:pt x="4531929" y="3013683"/>
+                    <a:pt x="4420728" y="3058848"/>
+                  </a:cubicBezTo>
+                  <a:cubicBezTo>
+                    <a:pt x="4199063" y="3150338"/>
+                    <a:pt x="3959621" y="3211485"/>
+                    <a:pt x="3717481" y="3237079"/>
+                  </a:cubicBezTo>
+                  <a:cubicBezTo>
+                    <a:pt x="3656914" y="3243101"/>
+                    <a:pt x="3596227" y="3247966"/>
+                    <a:pt x="3535661" y="3249934"/>
+                  </a:cubicBezTo>
+                  <a:lnTo>
+                    <a:pt x="3490175" y="3251555"/>
+                  </a:lnTo>
+                  <a:lnTo>
+                    <a:pt x="3444813" y="3251787"/>
+                  </a:lnTo>
+                  <a:cubicBezTo>
+                    <a:pt x="3414162" y="3252250"/>
+                    <a:pt x="3385105" y="3251324"/>
+                    <a:pt x="3355681" y="3250745"/>
+                  </a:cubicBezTo>
+                  <a:cubicBezTo>
+                    <a:pt x="3296954" y="3250050"/>
+                    <a:pt x="3237860" y="3246692"/>
+                    <a:pt x="3179011" y="3243795"/>
+                  </a:cubicBezTo>
+                  <a:cubicBezTo>
+                    <a:pt x="3120039" y="3239164"/>
+                    <a:pt x="3061067" y="3234878"/>
+                    <a:pt x="3002217" y="3227814"/>
+                  </a:cubicBezTo>
+                  <a:cubicBezTo>
+                    <a:pt x="2884397" y="3214496"/>
+                    <a:pt x="2766699" y="3196314"/>
+                    <a:pt x="2650103" y="3170836"/>
+                  </a:cubicBezTo>
+                  <a:cubicBezTo>
+                    <a:pt x="2533510" y="3145358"/>
+                    <a:pt x="2418263" y="3112583"/>
+                    <a:pt x="2305836" y="3072514"/>
+                  </a:cubicBezTo>
+                  <a:cubicBezTo>
+                    <a:pt x="2193410" y="3032328"/>
+                    <a:pt x="2083926" y="2984383"/>
+                    <a:pt x="1978611" y="2929952"/>
+                  </a:cubicBezTo>
+                  <a:cubicBezTo>
+                    <a:pt x="1873663" y="2874711"/>
+                    <a:pt x="1772884" y="2812985"/>
+                    <a:pt x="1678235" y="2744424"/>
+                  </a:cubicBezTo>
+                  <a:cubicBezTo>
+                    <a:pt x="1488201" y="2608001"/>
+                    <a:pt x="1321708" y="2448068"/>
+                    <a:pt x="1175688" y="2277018"/>
+                  </a:cubicBezTo>
+                  <a:cubicBezTo>
+                    <a:pt x="1102985" y="2191086"/>
+                    <a:pt x="1035309" y="2102377"/>
+                    <a:pt x="971310" y="2012044"/>
+                  </a:cubicBezTo>
+                  <a:cubicBezTo>
+                    <a:pt x="907188" y="1921714"/>
+                    <a:pt x="847358" y="1829413"/>
+                    <a:pt x="790717" y="1735723"/>
+                  </a:cubicBezTo>
+                  <a:cubicBezTo>
+                    <a:pt x="761782" y="1688357"/>
+                    <a:pt x="735300" y="1644002"/>
+                    <a:pt x="706488" y="1598604"/>
+                  </a:cubicBezTo>
+                  <a:cubicBezTo>
+                    <a:pt x="677922" y="1553555"/>
+                    <a:pt x="648866" y="1508505"/>
+                    <a:pt x="618951" y="1463802"/>
+                  </a:cubicBezTo>
+                  <a:lnTo>
+                    <a:pt x="436273" y="1195355"/>
+                  </a:lnTo>
+                  <a:cubicBezTo>
+                    <a:pt x="405990" y="1150189"/>
+                    <a:pt x="376075" y="1104792"/>
+                    <a:pt x="346896" y="1058816"/>
+                  </a:cubicBezTo>
+                  <a:cubicBezTo>
+                    <a:pt x="317716" y="1012838"/>
+                    <a:pt x="288782" y="966747"/>
+                    <a:pt x="261809" y="919264"/>
+                  </a:cubicBezTo>
+                  <a:cubicBezTo>
+                    <a:pt x="207742" y="824764"/>
+                    <a:pt x="158088" y="727485"/>
+                    <a:pt x="118487" y="626498"/>
+                  </a:cubicBezTo>
+                  <a:cubicBezTo>
+                    <a:pt x="78151" y="525859"/>
+                    <a:pt x="48237" y="421515"/>
+                    <a:pt x="28130" y="315781"/>
+                  </a:cubicBezTo>
+                  <a:cubicBezTo>
+                    <a:pt x="18506" y="262914"/>
+                    <a:pt x="11425" y="209642"/>
+                    <a:pt x="6751" y="156195"/>
+                  </a:cubicBezTo>
+                  <a:close/>
+                </a:path>
+              </a:pathLst>
+            </a:custGeom>
+            <a:gradFill>
+              <a:gsLst>
+                <a:gs pos="2000">
+                  <a:schemeClr val="bg1">
+                    <a:alpha val="10000"/>
+                  </a:schemeClr>
+                </a:gs>
+                <a:gs pos="16000">
+                  <a:schemeClr val="accent6">
+                    <a:alpha val="10000"/>
+                  </a:schemeClr>
+                </a:gs>
+                <a:gs pos="100000">
+                  <a:schemeClr val="bg1">
+                    <a:alpha val="10000"/>
+                  </a:schemeClr>
+                </a:gs>
+                <a:gs pos="85000">
+                  <a:schemeClr val="accent1">
+                    <a:alpha val="10000"/>
+                  </a:schemeClr>
+                </a:gs>
+              </a:gsLst>
+              <a:lin ang="12000000" scaled="0"/>
+            </a:gradFill>
+            <a:ln>
+              <a:noFill/>
+            </a:ln>
+          </p:spPr>
+          <p:style>
+            <a:lnRef idx="2">
+              <a:schemeClr val="accent1">
+                <a:shade val="50000"/>
+              </a:schemeClr>
+            </a:lnRef>
+            <a:fillRef idx="1">
+              <a:schemeClr val="accent1"/>
+            </a:fillRef>
+            <a:effectRef idx="0">
+              <a:schemeClr val="accent1"/>
+            </a:effectRef>
+            <a:fontRef idx="minor">
+              <a:schemeClr val="lt1"/>
+            </a:fontRef>
+          </p:style>
+          <p:txBody>
+            <a:bodyPr rtlCol="0" anchor="ctr"/>
+            <a:lstStyle/>
+            <a:p>
+              <a:pPr algn="ctr"/>
+              <a:endParaRPr lang="en-US"/>
+            </a:p>
+          </p:txBody>
+        </p:sp>
+        <p:sp>
+          <p:nvSpPr>
+            <p:cNvPr id="32" name="Freeform: Shape 31">
+              <a:extLst>
+                <a:ext uri="{FF2B5EF4-FFF2-40B4-BE49-F238E27FC236}">
+                  <a16:creationId xmlns:a16="http://schemas.microsoft.com/office/drawing/2014/main" id="{4E1970FB-4D97-4834-84EC-E48B27CC1921}"/>
+                </a:ext>
+                <a:ext uri="{C183D7F6-B498-43B3-948B-1728B52AA6E4}">
+                  <adec:decorative xmlns:adec="http://schemas.microsoft.com/office/drawing/2017/decorative" val="1"/>
+                </a:ext>
+              </a:extLst>
+            </p:cNvPr>
+            <p:cNvSpPr/>
+            <p:nvPr>
+              <p:extLst>
+                <p:ext uri="{386F3935-93C4-4BCD-93E2-E3B085C9AB24}">
+                  <p16:designElem xmlns:p16="http://schemas.microsoft.com/office/powerpoint/2015/main" val="1"/>
+                </p:ext>
+              </p:extLst>
+            </p:nvPr>
+          </p:nvSpPr>
+          <p:spPr>
+            <a:xfrm>
+              <a:off x="6916467" y="-1"/>
+              <a:ext cx="5275533" cy="2980757"/>
+            </a:xfrm>
+            <a:custGeom>
+              <a:avLst/>
+              <a:gdLst>
+                <a:gd name="connsiteX0" fmla="*/ 0 w 5275533"/>
+                <a:gd name="connsiteY0" fmla="*/ 0 h 2980757"/>
+                <a:gd name="connsiteX1" fmla="*/ 201166 w 5275533"/>
+                <a:gd name="connsiteY1" fmla="*/ 0 h 2980757"/>
+                <a:gd name="connsiteX2" fmla="*/ 206734 w 5275533"/>
+                <a:gd name="connsiteY2" fmla="*/ 89286 h 2980757"/>
+                <a:gd name="connsiteX3" fmla="*/ 232051 w 5275533"/>
+                <a:gd name="connsiteY3" fmla="*/ 226897 h 2980757"/>
+                <a:gd name="connsiteX4" fmla="*/ 332707 w 5275533"/>
+                <a:gd name="connsiteY4" fmla="*/ 487120 h 2980757"/>
+                <a:gd name="connsiteX5" fmla="*/ 402959 w 5275533"/>
+                <a:gd name="connsiteY5" fmla="*/ 609647 h 2980757"/>
+                <a:gd name="connsiteX6" fmla="*/ 483631 w 5275533"/>
+                <a:gd name="connsiteY6" fmla="*/ 728236 h 2980757"/>
+                <a:gd name="connsiteX7" fmla="*/ 669986 w 5275533"/>
+                <a:gd name="connsiteY7" fmla="*/ 957424 h 2980757"/>
+                <a:gd name="connsiteX8" fmla="*/ 871667 w 5275533"/>
+                <a:gd name="connsiteY8" fmla="*/ 1188348 h 2980757"/>
+                <a:gd name="connsiteX9" fmla="*/ 971956 w 5275533"/>
+                <a:gd name="connsiteY9" fmla="*/ 1308905 h 2980757"/>
+                <a:gd name="connsiteX10" fmla="*/ 1020139 w 5275533"/>
+                <a:gd name="connsiteY10" fmla="*/ 1368084 h 2980757"/>
+                <a:gd name="connsiteX11" fmla="*/ 1067340 w 5275533"/>
+                <a:gd name="connsiteY11" fmla="*/ 1424715 h 2980757"/>
+                <a:gd name="connsiteX12" fmla="*/ 1472909 w 5275533"/>
+                <a:gd name="connsiteY12" fmla="*/ 1843252 h 2980757"/>
+                <a:gd name="connsiteX13" fmla="*/ 1688567 w 5275533"/>
+                <a:gd name="connsiteY13" fmla="*/ 2031559 h 2980757"/>
+                <a:gd name="connsiteX14" fmla="*/ 1914401 w 5275533"/>
+                <a:gd name="connsiteY14" fmla="*/ 2205156 h 2980757"/>
+                <a:gd name="connsiteX15" fmla="*/ 2418909 w 5275533"/>
+                <a:gd name="connsiteY15" fmla="*/ 2479741 h 2980757"/>
+                <a:gd name="connsiteX16" fmla="*/ 2701141 w 5275533"/>
+                <a:gd name="connsiteY16" fmla="*/ 2557333 h 2980757"/>
+                <a:gd name="connsiteX17" fmla="*/ 2773475 w 5275533"/>
+                <a:gd name="connsiteY17" fmla="*/ 2570999 h 2980757"/>
+                <a:gd name="connsiteX18" fmla="*/ 2846424 w 5275533"/>
+                <a:gd name="connsiteY18" fmla="*/ 2582465 h 2980757"/>
+                <a:gd name="connsiteX19" fmla="*/ 2993669 w 5275533"/>
+                <a:gd name="connsiteY19" fmla="*/ 2598909 h 2980757"/>
+                <a:gd name="connsiteX20" fmla="*/ 3067721 w 5275533"/>
+                <a:gd name="connsiteY20" fmla="*/ 2604237 h 2980757"/>
+                <a:gd name="connsiteX21" fmla="*/ 3142019 w 5275533"/>
+                <a:gd name="connsiteY21" fmla="*/ 2607943 h 2980757"/>
+                <a:gd name="connsiteX22" fmla="*/ 3216561 w 5275533"/>
+                <a:gd name="connsiteY22" fmla="*/ 2609564 h 2980757"/>
+                <a:gd name="connsiteX23" fmla="*/ 3291225 w 5275533"/>
+                <a:gd name="connsiteY23" fmla="*/ 2609217 h 2980757"/>
+                <a:gd name="connsiteX24" fmla="*/ 3328619 w 5275533"/>
+                <a:gd name="connsiteY24" fmla="*/ 2608869 h 2980757"/>
+                <a:gd name="connsiteX25" fmla="*/ 3364665 w 5275533"/>
+                <a:gd name="connsiteY25" fmla="*/ 2607363 h 2980757"/>
+                <a:gd name="connsiteX26" fmla="*/ 3400587 w 5275533"/>
+                <a:gd name="connsiteY26" fmla="*/ 2605627 h 2980757"/>
+                <a:gd name="connsiteX27" fmla="*/ 3436387 w 5275533"/>
+                <a:gd name="connsiteY27" fmla="*/ 2602847 h 2980757"/>
+                <a:gd name="connsiteX28" fmla="*/ 3578361 w 5275533"/>
+                <a:gd name="connsiteY28" fmla="*/ 2586286 h 2980757"/>
+                <a:gd name="connsiteX29" fmla="*/ 4119159 w 5275533"/>
+                <a:gd name="connsiteY29" fmla="*/ 2418594 h 2980757"/>
+                <a:gd name="connsiteX30" fmla="*/ 4618765 w 5275533"/>
+                <a:gd name="connsiteY30" fmla="*/ 2124668 h 2980757"/>
+                <a:gd name="connsiteX31" fmla="*/ 4739895 w 5275533"/>
+                <a:gd name="connsiteY31" fmla="*/ 2038275 h 2980757"/>
+                <a:gd name="connsiteX32" fmla="*/ 4861027 w 5275533"/>
+                <a:gd name="connsiteY32" fmla="*/ 1948986 h 2980757"/>
+                <a:gd name="connsiteX33" fmla="*/ 5106354 w 5275533"/>
+                <a:gd name="connsiteY33" fmla="*/ 1763690 h 2980757"/>
+                <a:gd name="connsiteX34" fmla="*/ 5275533 w 5275533"/>
+                <a:gd name="connsiteY34" fmla="*/ 1641017 h 2980757"/>
+                <a:gd name="connsiteX35" fmla="*/ 5275533 w 5275533"/>
+                <a:gd name="connsiteY35" fmla="*/ 2257481 h 2980757"/>
+                <a:gd name="connsiteX36" fmla="*/ 5168881 w 5275533"/>
+                <a:gd name="connsiteY36" fmla="*/ 2332084 h 2980757"/>
+                <a:gd name="connsiteX37" fmla="*/ 5036225 w 5275533"/>
+                <a:gd name="connsiteY37" fmla="*/ 2421489 h 2980757"/>
+                <a:gd name="connsiteX38" fmla="*/ 4899401 w 5275533"/>
+                <a:gd name="connsiteY38" fmla="*/ 2508347 h 2980757"/>
+                <a:gd name="connsiteX39" fmla="*/ 4612145 w 5275533"/>
+                <a:gd name="connsiteY39" fmla="*/ 2671407 h 2980757"/>
+                <a:gd name="connsiteX40" fmla="*/ 4303187 w 5275533"/>
+                <a:gd name="connsiteY40" fmla="*/ 2810030 h 2980757"/>
+                <a:gd name="connsiteX41" fmla="*/ 3630835 w 5275533"/>
+                <a:gd name="connsiteY41" fmla="*/ 2969500 h 2980757"/>
+                <a:gd name="connsiteX42" fmla="*/ 3457719 w 5275533"/>
+                <a:gd name="connsiteY42" fmla="*/ 2979808 h 2980757"/>
+                <a:gd name="connsiteX43" fmla="*/ 3414441 w 5275533"/>
+                <a:gd name="connsiteY43" fmla="*/ 2980733 h 2980757"/>
+                <a:gd name="connsiteX44" fmla="*/ 3371285 w 5275533"/>
+                <a:gd name="connsiteY44" fmla="*/ 2980502 h 2980757"/>
+                <a:gd name="connsiteX45" fmla="*/ 3328252 w 5275533"/>
+                <a:gd name="connsiteY45" fmla="*/ 2980039 h 2980757"/>
+                <a:gd name="connsiteX46" fmla="*/ 3286445 w 5275533"/>
+                <a:gd name="connsiteY46" fmla="*/ 2978534 h 2980757"/>
+                <a:gd name="connsiteX47" fmla="*/ 2952475 w 5275533"/>
+                <a:gd name="connsiteY47" fmla="*/ 2953402 h 2980757"/>
+                <a:gd name="connsiteX48" fmla="*/ 2620591 w 5275533"/>
+                <a:gd name="connsiteY48" fmla="*/ 2898046 h 2980757"/>
+                <a:gd name="connsiteX49" fmla="*/ 2294591 w 5275533"/>
+                <a:gd name="connsiteY49" fmla="*/ 2811305 h 2980757"/>
+                <a:gd name="connsiteX50" fmla="*/ 1670544 w 5275533"/>
+                <a:gd name="connsiteY50" fmla="*/ 2550501 h 2980757"/>
+                <a:gd name="connsiteX51" fmla="*/ 1144703 w 5275533"/>
+                <a:gd name="connsiteY51" fmla="*/ 2144472 h 2980757"/>
+                <a:gd name="connsiteX52" fmla="*/ 931497 w 5275533"/>
+                <a:gd name="connsiteY52" fmla="*/ 1900114 h 2980757"/>
+                <a:gd name="connsiteX53" fmla="*/ 745265 w 5275533"/>
+                <a:gd name="connsiteY53" fmla="*/ 1641395 h 2980757"/>
+                <a:gd name="connsiteX54" fmla="*/ 701741 w 5275533"/>
+                <a:gd name="connsiteY54" fmla="*/ 1575500 h 2980757"/>
+                <a:gd name="connsiteX55" fmla="*/ 660178 w 5275533"/>
+                <a:gd name="connsiteY55" fmla="*/ 1511573 h 2980757"/>
+                <a:gd name="connsiteX56" fmla="*/ 578158 w 5275533"/>
+                <a:gd name="connsiteY56" fmla="*/ 1387656 h 2980757"/>
+                <a:gd name="connsiteX57" fmla="*/ 408230 w 5275533"/>
+                <a:gd name="connsiteY57" fmla="*/ 1134497 h 2980757"/>
+                <a:gd name="connsiteX58" fmla="*/ 242349 w 5275533"/>
+                <a:gd name="connsiteY58" fmla="*/ 866860 h 2980757"/>
+                <a:gd name="connsiteX59" fmla="*/ 167562 w 5275533"/>
+                <a:gd name="connsiteY59" fmla="*/ 724994 h 2980757"/>
+                <a:gd name="connsiteX60" fmla="*/ 104054 w 5275533"/>
+                <a:gd name="connsiteY60" fmla="*/ 576525 h 2980757"/>
+                <a:gd name="connsiteX61" fmla="*/ 55381 w 5275533"/>
+                <a:gd name="connsiteY61" fmla="*/ 422499 h 2980757"/>
+                <a:gd name="connsiteX62" fmla="*/ 37236 w 5275533"/>
+                <a:gd name="connsiteY62" fmla="*/ 343980 h 2980757"/>
+                <a:gd name="connsiteX63" fmla="*/ 29267 w 5275533"/>
+                <a:gd name="connsiteY63" fmla="*/ 304604 h 2980757"/>
+                <a:gd name="connsiteX64" fmla="*/ 22646 w 5275533"/>
+                <a:gd name="connsiteY64" fmla="*/ 265113 h 2980757"/>
+                <a:gd name="connsiteX65" fmla="*/ 3903 w 5275533"/>
+                <a:gd name="connsiteY65" fmla="*/ 106787 h 2980757"/>
+              </a:gdLst>
+              <a:ahLst/>
+              <a:cxnLst>
+                <a:cxn ang="0">
+                  <a:pos x="connsiteX0" y="connsiteY0"/>
+                </a:cxn>
+                <a:cxn ang="0">
+                  <a:pos x="connsiteX1" y="connsiteY1"/>
+                </a:cxn>
+                <a:cxn ang="0">
+                  <a:pos x="connsiteX2" y="connsiteY2"/>
+                </a:cxn>
+                <a:cxn ang="0">
+                  <a:pos x="connsiteX3" y="connsiteY3"/>
+                </a:cxn>
+                <a:cxn ang="0">
+                  <a:pos x="connsiteX4" y="connsiteY4"/>
+                </a:cxn>
+                <a:cxn ang="0">
+                  <a:pos x="connsiteX5" y="connsiteY5"/>
+                </a:cxn>
+                <a:cxn ang="0">
+                  <a:pos x="connsiteX6" y="connsiteY6"/>
+                </a:cxn>
+                <a:cxn ang="0">
+                  <a:pos x="connsiteX7" y="connsiteY7"/>
+                </a:cxn>
+                <a:cxn ang="0">
+                  <a:pos x="connsiteX8" y="connsiteY8"/>
+                </a:cxn>
+                <a:cxn ang="0">
+                  <a:pos x="connsiteX9" y="connsiteY9"/>
+                </a:cxn>
+                <a:cxn ang="0">
+                  <a:pos x="connsiteX10" y="connsiteY10"/>
+                </a:cxn>
+                <a:cxn ang="0">
+                  <a:pos x="connsiteX11" y="connsiteY11"/>
+                </a:cxn>
+                <a:cxn ang="0">
+                  <a:pos x="connsiteX12" y="connsiteY12"/>
+                </a:cxn>
+                <a:cxn ang="0">
+                  <a:pos x="connsiteX13" y="connsiteY13"/>
+                </a:cxn>
+                <a:cxn ang="0">
+                  <a:pos x="connsiteX14" y="connsiteY14"/>
+                </a:cxn>
+                <a:cxn ang="0">
+                  <a:pos x="connsiteX15" y="connsiteY15"/>
+                </a:cxn>
+                <a:cxn ang="0">
+                  <a:pos x="connsiteX16" y="connsiteY16"/>
+                </a:cxn>
+                <a:cxn ang="0">
+                  <a:pos x="connsiteX17" y="connsiteY17"/>
+                </a:cxn>
+                <a:cxn ang="0">
+                  <a:pos x="connsiteX18" y="connsiteY18"/>
+                </a:cxn>
+                <a:cxn ang="0">
+                  <a:pos x="connsiteX19" y="connsiteY19"/>
+                </a:cxn>
+                <a:cxn ang="0">
+                  <a:pos x="connsiteX20" y="connsiteY20"/>
+                </a:cxn>
+                <a:cxn ang="0">
+                  <a:pos x="connsiteX21" y="connsiteY21"/>
+                </a:cxn>
+                <a:cxn ang="0">
+                  <a:pos x="connsiteX22" y="connsiteY22"/>
+                </a:cxn>
+                <a:cxn ang="0">
+                  <a:pos x="connsiteX23" y="connsiteY23"/>
+                </a:cxn>
+                <a:cxn ang="0">
+                  <a:pos x="connsiteX24" y="connsiteY24"/>
+                </a:cxn>
+                <a:cxn ang="0">
+                  <a:pos x="connsiteX25" y="connsiteY25"/>
+                </a:cxn>
+                <a:cxn ang="0">
+                  <a:pos x="connsiteX26" y="connsiteY26"/>
+                </a:cxn>
+                <a:cxn ang="0">
+                  <a:pos x="connsiteX27" y="connsiteY27"/>
+                </a:cxn>
+                <a:cxn ang="0">
+                  <a:pos x="connsiteX28" y="connsiteY28"/>
+                </a:cxn>
+                <a:cxn ang="0">
+                  <a:pos x="connsiteX29" y="connsiteY29"/>
+                </a:cxn>
+                <a:cxn ang="0">
+                  <a:pos x="connsiteX30" y="connsiteY30"/>
+                </a:cxn>
+                <a:cxn ang="0">
+                  <a:pos x="connsiteX31" y="connsiteY31"/>
+                </a:cxn>
+                <a:cxn ang="0">
+                  <a:pos x="connsiteX32" y="connsiteY32"/>
+                </a:cxn>
+                <a:cxn ang="0">
+                  <a:pos x="connsiteX33" y="connsiteY33"/>
+                </a:cxn>
+                <a:cxn ang="0">
+                  <a:pos x="connsiteX34" y="connsiteY34"/>
+                </a:cxn>
+                <a:cxn ang="0">
+                  <a:pos x="connsiteX35" y="connsiteY35"/>
+                </a:cxn>
+                <a:cxn ang="0">
+                  <a:pos x="connsiteX36" y="connsiteY36"/>
+                </a:cxn>
+                <a:cxn ang="0">
+                  <a:pos x="connsiteX37" y="connsiteY37"/>
+                </a:cxn>
+                <a:cxn ang="0">
+                  <a:pos x="connsiteX38" y="connsiteY38"/>
+                </a:cxn>
+                <a:cxn ang="0">
+                  <a:pos x="connsiteX39" y="connsiteY39"/>
+                </a:cxn>
+                <a:cxn ang="0">
+                  <a:pos x="connsiteX40" y="connsiteY40"/>
+                </a:cxn>
+                <a:cxn ang="0">
+                  <a:pos x="connsiteX41" y="connsiteY41"/>
+                </a:cxn>
+                <a:cxn ang="0">
+                  <a:pos x="connsiteX42" y="connsiteY42"/>
+                </a:cxn>
+                <a:cxn ang="0">
+                  <a:pos x="connsiteX43" y="connsiteY43"/>
+                </a:cxn>
+                <a:cxn ang="0">
+                  <a:pos x="connsiteX44" y="connsiteY44"/>
+                </a:cxn>
+                <a:cxn ang="0">
+                  <a:pos x="connsiteX45" y="connsiteY45"/>
+                </a:cxn>
+                <a:cxn ang="0">
+                  <a:pos x="connsiteX46" y="connsiteY46"/>
+                </a:cxn>
+                <a:cxn ang="0">
+                  <a:pos x="connsiteX47" y="connsiteY47"/>
+                </a:cxn>
+                <a:cxn ang="0">
+                  <a:pos x="connsiteX48" y="connsiteY48"/>
+                </a:cxn>
+                <a:cxn ang="0">
+                  <a:pos x="connsiteX49" y="connsiteY49"/>
+                </a:cxn>
+                <a:cxn ang="0">
+                  <a:pos x="connsiteX50" y="connsiteY50"/>
+                </a:cxn>
+                <a:cxn ang="0">
+                  <a:pos x="connsiteX51" y="connsiteY51"/>
+                </a:cxn>
+                <a:cxn ang="0">
+                  <a:pos x="connsiteX52" y="connsiteY52"/>
+                </a:cxn>
+                <a:cxn ang="0">
+                  <a:pos x="connsiteX53" y="connsiteY53"/>
+                </a:cxn>
+                <a:cxn ang="0">
+                  <a:pos x="connsiteX54" y="connsiteY54"/>
+                </a:cxn>
+                <a:cxn ang="0">
+                  <a:pos x="connsiteX55" y="connsiteY55"/>
+                </a:cxn>
+                <a:cxn ang="0">
+                  <a:pos x="connsiteX56" y="connsiteY56"/>
+                </a:cxn>
+                <a:cxn ang="0">
+                  <a:pos x="connsiteX57" y="connsiteY57"/>
+                </a:cxn>
+                <a:cxn ang="0">
+                  <a:pos x="connsiteX58" y="connsiteY58"/>
+                </a:cxn>
+                <a:cxn ang="0">
+                  <a:pos x="connsiteX59" y="connsiteY59"/>
+                </a:cxn>
+                <a:cxn ang="0">
+                  <a:pos x="connsiteX60" y="connsiteY60"/>
+                </a:cxn>
+                <a:cxn ang="0">
+                  <a:pos x="connsiteX61" y="connsiteY61"/>
+                </a:cxn>
+                <a:cxn ang="0">
+                  <a:pos x="connsiteX62" y="connsiteY62"/>
+                </a:cxn>
+                <a:cxn ang="0">
+                  <a:pos x="connsiteX63" y="connsiteY63"/>
+                </a:cxn>
+                <a:cxn ang="0">
+                  <a:pos x="connsiteX64" y="connsiteY64"/>
+                </a:cxn>
+                <a:cxn ang="0">
+                  <a:pos x="connsiteX65" y="connsiteY65"/>
+                </a:cxn>
+              </a:cxnLst>
+              <a:rect l="l" t="t" r="r" b="b"/>
+              <a:pathLst>
+                <a:path w="5275533" h="2980757">
+                  <a:moveTo>
+                    <a:pt x="0" y="0"/>
+                  </a:moveTo>
+                  <a:lnTo>
+                    <a:pt x="201166" y="0"/>
+                  </a:lnTo>
+                  <a:lnTo>
+                    <a:pt x="206734" y="89286"/>
+                  </a:lnTo>
+                  <a:cubicBezTo>
+                    <a:pt x="212220" y="135755"/>
+                    <a:pt x="220465" y="181731"/>
+                    <a:pt x="232051" y="226897"/>
+                  </a:cubicBezTo>
+                  <a:cubicBezTo>
+                    <a:pt x="254855" y="317344"/>
+                    <a:pt x="290287" y="403854"/>
+                    <a:pt x="332707" y="487120"/>
+                  </a:cubicBezTo>
+                  <a:cubicBezTo>
+                    <a:pt x="354163" y="528696"/>
+                    <a:pt x="377948" y="569461"/>
+                    <a:pt x="402959" y="609647"/>
+                  </a:cubicBezTo>
+                  <a:cubicBezTo>
+                    <a:pt x="428337" y="649717"/>
+                    <a:pt x="455433" y="689209"/>
+                    <a:pt x="483631" y="728236"/>
+                  </a:cubicBezTo>
+                  <a:cubicBezTo>
+                    <a:pt x="540764" y="806061"/>
+                    <a:pt x="604271" y="881569"/>
+                    <a:pt x="669986" y="957424"/>
+                  </a:cubicBezTo>
+                  <a:cubicBezTo>
+                    <a:pt x="735701" y="1033395"/>
+                    <a:pt x="804359" y="1109366"/>
+                    <a:pt x="871667" y="1188348"/>
+                  </a:cubicBezTo>
+                  <a:cubicBezTo>
+                    <a:pt x="905383" y="1227723"/>
+                    <a:pt x="938731" y="1268025"/>
+                    <a:pt x="971956" y="1308905"/>
+                  </a:cubicBezTo>
+                  <a:lnTo>
+                    <a:pt x="1020139" y="1368084"/>
+                  </a:lnTo>
+                  <a:cubicBezTo>
+                    <a:pt x="1035954" y="1386962"/>
+                    <a:pt x="1051035" y="1406302"/>
+                    <a:pt x="1067340" y="1424715"/>
+                  </a:cubicBezTo>
+                  <a:cubicBezTo>
+                    <a:pt x="1194602" y="1574573"/>
+                    <a:pt x="1332652" y="1712503"/>
+                    <a:pt x="1472909" y="1843252"/>
+                  </a:cubicBezTo>
+                  <a:cubicBezTo>
+                    <a:pt x="1543406" y="1908337"/>
+                    <a:pt x="1615128" y="1971221"/>
+                    <a:pt x="1688567" y="2031559"/>
+                  </a:cubicBezTo>
+                  <a:cubicBezTo>
+                    <a:pt x="1762006" y="2091895"/>
+                    <a:pt x="1836793" y="2150263"/>
+                    <a:pt x="1914401" y="2205156"/>
+                  </a:cubicBezTo>
+                  <a:cubicBezTo>
+                    <a:pt x="2069003" y="2315176"/>
+                    <a:pt x="2235742" y="2413498"/>
+                    <a:pt x="2418909" y="2479741"/>
+                  </a:cubicBezTo>
+                  <a:cubicBezTo>
+                    <a:pt x="2510249" y="2512863"/>
+                    <a:pt x="2604898" y="2538225"/>
+                    <a:pt x="2701141" y="2557333"/>
+                  </a:cubicBezTo>
+                  <a:cubicBezTo>
+                    <a:pt x="2725293" y="2561850"/>
+                    <a:pt x="2749201" y="2567062"/>
+                    <a:pt x="2773475" y="2570999"/>
+                  </a:cubicBezTo>
+                  <a:lnTo>
+                    <a:pt x="2846424" y="2582465"/>
+                  </a:lnTo>
+                  <a:cubicBezTo>
+                    <a:pt x="2895343" y="2588602"/>
+                    <a:pt x="2944261" y="2595088"/>
+                    <a:pt x="2993669" y="2598909"/>
+                  </a:cubicBezTo>
+                  <a:cubicBezTo>
+                    <a:pt x="3018313" y="2601110"/>
+                    <a:pt x="3042956" y="2603195"/>
+                    <a:pt x="3067721" y="2604237"/>
+                  </a:cubicBezTo>
+                  <a:cubicBezTo>
+                    <a:pt x="3092487" y="2605394"/>
+                    <a:pt x="3117130" y="2607247"/>
+                    <a:pt x="3142019" y="2607943"/>
+                  </a:cubicBezTo>
+                  <a:lnTo>
+                    <a:pt x="3216561" y="2609564"/>
+                  </a:lnTo>
+                  <a:cubicBezTo>
+                    <a:pt x="3241326" y="2610142"/>
+                    <a:pt x="3266337" y="2609333"/>
+                    <a:pt x="3291225" y="2609217"/>
+                  </a:cubicBezTo>
+                  <a:lnTo>
+                    <a:pt x="3328619" y="2608869"/>
+                  </a:lnTo>
+                  <a:cubicBezTo>
+                    <a:pt x="3340757" y="2608522"/>
+                    <a:pt x="3352649" y="2607827"/>
+                    <a:pt x="3364665" y="2607363"/>
+                  </a:cubicBezTo>
+                  <a:cubicBezTo>
+                    <a:pt x="3376679" y="2606784"/>
+                    <a:pt x="3388695" y="2606438"/>
+                    <a:pt x="3400587" y="2605627"/>
+                  </a:cubicBezTo>
+                  <a:lnTo>
+                    <a:pt x="3436387" y="2602847"/>
+                  </a:lnTo>
+                  <a:cubicBezTo>
+                    <a:pt x="3484079" y="2599257"/>
+                    <a:pt x="3531404" y="2593235"/>
+                    <a:pt x="3578361" y="2586286"/>
+                  </a:cubicBezTo>
+                  <a:cubicBezTo>
+                    <a:pt x="3766310" y="2556871"/>
+                    <a:pt x="3947025" y="2499314"/>
+                    <a:pt x="4119159" y="2418594"/>
+                  </a:cubicBezTo>
+                  <a:cubicBezTo>
+                    <a:pt x="4291907" y="2338801"/>
+                    <a:pt x="4456317" y="2236657"/>
+                    <a:pt x="4618765" y="2124668"/>
+                  </a:cubicBezTo>
+                  <a:cubicBezTo>
+                    <a:pt x="4659346" y="2096759"/>
+                    <a:pt x="4699682" y="2067575"/>
+                    <a:pt x="4739895" y="2038275"/>
+                  </a:cubicBezTo>
+                  <a:cubicBezTo>
+                    <a:pt x="4780355" y="2008976"/>
+                    <a:pt x="4820691" y="1979212"/>
+                    <a:pt x="4861027" y="1948986"/>
+                  </a:cubicBezTo>
+                  <a:lnTo>
+                    <a:pt x="5106354" y="1763690"/>
+                  </a:lnTo>
+                  <a:lnTo>
+                    <a:pt x="5275533" y="1641017"/>
+                  </a:lnTo>
+                  <a:lnTo>
+                    <a:pt x="5275533" y="2257481"/>
+                  </a:lnTo>
+                  <a:lnTo>
+                    <a:pt x="5168881" y="2332084"/>
+                  </a:lnTo>
+                  <a:cubicBezTo>
+                    <a:pt x="5125235" y="2362079"/>
+                    <a:pt x="5081099" y="2391958"/>
+                    <a:pt x="5036225" y="2421489"/>
+                  </a:cubicBezTo>
+                  <a:cubicBezTo>
+                    <a:pt x="4991231" y="2450790"/>
+                    <a:pt x="4945867" y="2479857"/>
+                    <a:pt x="4899401" y="2508347"/>
+                  </a:cubicBezTo>
+                  <a:cubicBezTo>
+                    <a:pt x="4806959" y="2565440"/>
+                    <a:pt x="4711574" y="2620798"/>
+                    <a:pt x="4612145" y="2671407"/>
+                  </a:cubicBezTo>
+                  <a:cubicBezTo>
+                    <a:pt x="4512836" y="2722247"/>
+                    <a:pt x="4410095" y="2769496"/>
+                    <a:pt x="4303187" y="2810030"/>
+                  </a:cubicBezTo>
+                  <a:cubicBezTo>
+                    <a:pt x="4090349" y="2892256"/>
+                    <a:pt x="3861694" y="2947728"/>
+                    <a:pt x="3630835" y="2969500"/>
+                  </a:cubicBezTo>
+                  <a:cubicBezTo>
+                    <a:pt x="3573089" y="2974712"/>
+                    <a:pt x="3515343" y="2978649"/>
+                    <a:pt x="3457719" y="2979808"/>
+                  </a:cubicBezTo>
+                  <a:lnTo>
+                    <a:pt x="3414441" y="2980733"/>
+                  </a:lnTo>
+                  <a:cubicBezTo>
+                    <a:pt x="3400097" y="2980850"/>
+                    <a:pt x="3385630" y="2980502"/>
+                    <a:pt x="3371285" y="2980502"/>
+                  </a:cubicBezTo>
+                  <a:lnTo>
+                    <a:pt x="3328252" y="2980039"/>
+                  </a:lnTo>
+                  <a:lnTo>
+                    <a:pt x="3286445" y="2978534"/>
+                  </a:lnTo>
+                  <a:cubicBezTo>
+                    <a:pt x="3175121" y="2975174"/>
+                    <a:pt x="3063553" y="2966837"/>
+                    <a:pt x="2952475" y="2953402"/>
+                  </a:cubicBezTo>
+                  <a:cubicBezTo>
+                    <a:pt x="2841275" y="2940664"/>
+                    <a:pt x="2730319" y="2922365"/>
+                    <a:pt x="2620591" y="2898046"/>
+                  </a:cubicBezTo>
+                  <a:cubicBezTo>
+                    <a:pt x="2510984" y="2873494"/>
+                    <a:pt x="2402235" y="2844426"/>
+                    <a:pt x="2294591" y="2811305"/>
+                  </a:cubicBezTo>
+                  <a:cubicBezTo>
+                    <a:pt x="2079669" y="2744483"/>
+                    <a:pt x="1867198" y="2661331"/>
+                    <a:pt x="1670544" y="2550501"/>
+                  </a:cubicBezTo>
+                  <a:cubicBezTo>
+                    <a:pt x="1473767" y="2439903"/>
+                    <a:pt x="1298079" y="2299657"/>
+                    <a:pt x="1144703" y="2144472"/>
+                  </a:cubicBezTo>
+                  <a:cubicBezTo>
+                    <a:pt x="1067586" y="2066996"/>
+                    <a:pt x="997458" y="1984539"/>
+                    <a:pt x="931497" y="1900114"/>
+                  </a:cubicBezTo>
+                  <a:cubicBezTo>
+                    <a:pt x="865906" y="1815342"/>
+                    <a:pt x="803500" y="1729295"/>
+                    <a:pt x="745265" y="1641395"/>
+                  </a:cubicBezTo>
+                  <a:cubicBezTo>
+                    <a:pt x="730307" y="1619623"/>
+                    <a:pt x="716207" y="1597503"/>
+                    <a:pt x="701741" y="1575500"/>
+                  </a:cubicBezTo>
+                  <a:lnTo>
+                    <a:pt x="660178" y="1511573"/>
+                  </a:lnTo>
+                  <a:cubicBezTo>
+                    <a:pt x="633574" y="1470229"/>
+                    <a:pt x="605989" y="1429232"/>
+                    <a:pt x="578158" y="1387656"/>
+                  </a:cubicBezTo>
+                  <a:lnTo>
+                    <a:pt x="408230" y="1134497"/>
+                  </a:lnTo>
+                  <a:cubicBezTo>
+                    <a:pt x="351220" y="1048219"/>
+                    <a:pt x="294945" y="959392"/>
+                    <a:pt x="242349" y="866860"/>
+                  </a:cubicBezTo>
+                  <a:cubicBezTo>
+                    <a:pt x="216112" y="820536"/>
+                    <a:pt x="190734" y="773402"/>
+                    <a:pt x="167562" y="724994"/>
+                  </a:cubicBezTo>
+                  <a:cubicBezTo>
+                    <a:pt x="144513" y="676469"/>
+                    <a:pt x="123057" y="627019"/>
+                    <a:pt x="104054" y="576525"/>
+                  </a:cubicBezTo>
+                  <a:cubicBezTo>
+                    <a:pt x="85418" y="525917"/>
+                    <a:pt x="68867" y="474613"/>
+                    <a:pt x="55381" y="422499"/>
+                  </a:cubicBezTo>
+                  <a:cubicBezTo>
+                    <a:pt x="49006" y="396442"/>
+                    <a:pt x="42508" y="370269"/>
+                    <a:pt x="37236" y="343980"/>
+                  </a:cubicBezTo>
+                  <a:lnTo>
+                    <a:pt x="29267" y="304604"/>
+                  </a:lnTo>
+                  <a:lnTo>
+                    <a:pt x="22646" y="265113"/>
+                  </a:lnTo>
+                  <a:cubicBezTo>
+                    <a:pt x="14003" y="212420"/>
+                    <a:pt x="7872" y="159582"/>
+                    <a:pt x="3903" y="106787"/>
+                  </a:cubicBezTo>
+                  <a:close/>
+                </a:path>
+              </a:pathLst>
+            </a:custGeom>
+            <a:gradFill>
+              <a:gsLst>
+                <a:gs pos="2000">
+                  <a:schemeClr val="bg1">
+                    <a:alpha val="10000"/>
+                  </a:schemeClr>
+                </a:gs>
+                <a:gs pos="16000">
+                  <a:schemeClr val="accent6">
+                    <a:alpha val="10000"/>
+                  </a:schemeClr>
+                </a:gs>
+                <a:gs pos="100000">
+                  <a:schemeClr val="bg1">
+                    <a:alpha val="10000"/>
+                  </a:schemeClr>
+                </a:gs>
+                <a:gs pos="85000">
+                  <a:schemeClr val="accent1">
+                    <a:alpha val="10000"/>
+                  </a:schemeClr>
+                </a:gs>
+              </a:gsLst>
+              <a:lin ang="12000000" scaled="0"/>
+            </a:gradFill>
+            <a:ln>
+              <a:noFill/>
+            </a:ln>
+          </p:spPr>
+          <p:style>
+            <a:lnRef idx="2">
+              <a:schemeClr val="accent1">
+                <a:shade val="50000"/>
+              </a:schemeClr>
+            </a:lnRef>
+            <a:fillRef idx="1">
+              <a:schemeClr val="accent1"/>
+            </a:fillRef>
+            <a:effectRef idx="0">
+              <a:schemeClr val="accent1"/>
+            </a:effectRef>
+            <a:fontRef idx="minor">
+              <a:schemeClr val="lt1"/>
+            </a:fontRef>
+          </p:style>
+          <p:txBody>
+            <a:bodyPr rtlCol="0" anchor="ctr"/>
+            <a:lstStyle/>
+            <a:p>
+              <a:pPr algn="ctr"/>
+              <a:endParaRPr lang="en-US"/>
+            </a:p>
+          </p:txBody>
+        </p:sp>
+        <p:sp>
+          <p:nvSpPr>
+            <p:cNvPr id="33" name="Freeform: Shape 32">
+              <a:extLst>
+                <a:ext uri="{FF2B5EF4-FFF2-40B4-BE49-F238E27FC236}">
+                  <a16:creationId xmlns:a16="http://schemas.microsoft.com/office/drawing/2014/main" id="{CEA7D5D6-1774-4826-A365-56CA591C9C94}"/>
+                </a:ext>
+                <a:ext uri="{C183D7F6-B498-43B3-948B-1728B52AA6E4}">
+                  <adec:decorative xmlns:adec="http://schemas.microsoft.com/office/drawing/2017/decorative" val="1"/>
+                </a:ext>
+              </a:extLst>
+            </p:cNvPr>
+            <p:cNvSpPr/>
+            <p:nvPr>
+              <p:extLst>
+                <p:ext uri="{386F3935-93C4-4BCD-93E2-E3B085C9AB24}">
+                  <p16:designElem xmlns:p16="http://schemas.microsoft.com/office/powerpoint/2015/main" val="1"/>
+                </p:ext>
+              </p:extLst>
+            </p:nvPr>
+          </p:nvSpPr>
+          <p:spPr>
+            <a:xfrm>
+              <a:off x="6921214" y="-1"/>
+              <a:ext cx="5270786" cy="2927775"/>
+            </a:xfrm>
+            <a:custGeom>
+              <a:avLst/>
+              <a:gdLst>
+                <a:gd name="connsiteX0" fmla="*/ 0 w 5270786"/>
+                <a:gd name="connsiteY0" fmla="*/ 0 h 2927775"/>
+                <a:gd name="connsiteX1" fmla="*/ 613805 w 5270786"/>
+                <a:gd name="connsiteY1" fmla="*/ 0 h 2927775"/>
+                <a:gd name="connsiteX2" fmla="*/ 618487 w 5270786"/>
+                <a:gd name="connsiteY2" fmla="*/ 85404 h 2927775"/>
+                <a:gd name="connsiteX3" fmla="*/ 1054084 w 5270786"/>
+                <a:gd name="connsiteY3" fmla="*/ 895200 h 2927775"/>
+                <a:gd name="connsiteX4" fmla="*/ 1276976 w 5270786"/>
+                <a:gd name="connsiteY4" fmla="*/ 1191325 h 2927775"/>
+                <a:gd name="connsiteX5" fmla="*/ 3368450 w 5270786"/>
+                <a:gd name="connsiteY5" fmla="*/ 2348843 h 2927775"/>
+                <a:gd name="connsiteX6" fmla="*/ 4956151 w 5270786"/>
+                <a:gd name="connsiteY6" fmla="*/ 1636730 h 2927775"/>
+                <a:gd name="connsiteX7" fmla="*/ 5149372 w 5270786"/>
+                <a:gd name="connsiteY7" fmla="*/ 1495325 h 2927775"/>
+                <a:gd name="connsiteX8" fmla="*/ 5270786 w 5270786"/>
+                <a:gd name="connsiteY8" fmla="*/ 1406110 h 2927775"/>
+                <a:gd name="connsiteX9" fmla="*/ 5270786 w 5270786"/>
+                <a:gd name="connsiteY9" fmla="*/ 2138641 h 2927775"/>
+                <a:gd name="connsiteX10" fmla="*/ 5112925 w 5270786"/>
+                <a:gd name="connsiteY10" fmla="*/ 2253730 h 2927775"/>
+                <a:gd name="connsiteX11" fmla="*/ 3368327 w 5270786"/>
+                <a:gd name="connsiteY11" fmla="*/ 2927775 h 2927775"/>
+                <a:gd name="connsiteX12" fmla="*/ 769646 w 5270786"/>
+                <a:gd name="connsiteY12" fmla="*/ 1516288 h 2927775"/>
+                <a:gd name="connsiteX13" fmla="*/ 3149 w 5270786"/>
+                <a:gd name="connsiteY13" fmla="*/ 85252 h 2927775"/>
+              </a:gdLst>
+              <a:ahLst/>
+              <a:cxnLst>
+                <a:cxn ang="0">
+                  <a:pos x="connsiteX0" y="connsiteY0"/>
+                </a:cxn>
+                <a:cxn ang="0">
+                  <a:pos x="connsiteX1" y="connsiteY1"/>
+                </a:cxn>
+                <a:cxn ang="0">
+                  <a:pos x="connsiteX2" y="connsiteY2"/>
+                </a:cxn>
+                <a:cxn ang="0">
+                  <a:pos x="connsiteX3" y="connsiteY3"/>
+                </a:cxn>
+                <a:cxn ang="0">
+                  <a:pos x="connsiteX4" y="connsiteY4"/>
+                </a:cxn>
+                <a:cxn ang="0">
+                  <a:pos x="connsiteX5" y="connsiteY5"/>
+                </a:cxn>
+                <a:cxn ang="0">
+                  <a:pos x="connsiteX6" y="connsiteY6"/>
+                </a:cxn>
+                <a:cxn ang="0">
+                  <a:pos x="connsiteX7" y="connsiteY7"/>
+                </a:cxn>
+                <a:cxn ang="0">
+                  <a:pos x="connsiteX8" y="connsiteY8"/>
+                </a:cxn>
+                <a:cxn ang="0">
+                  <a:pos x="connsiteX9" y="connsiteY9"/>
+                </a:cxn>
+                <a:cxn ang="0">
+                  <a:pos x="connsiteX10" y="connsiteY10"/>
+                </a:cxn>
+                <a:cxn ang="0">
+                  <a:pos x="connsiteX11" y="connsiteY11"/>
+                </a:cxn>
+                <a:cxn ang="0">
+                  <a:pos x="connsiteX12" y="connsiteY12"/>
+                </a:cxn>
+                <a:cxn ang="0">
+                  <a:pos x="connsiteX13" y="connsiteY13"/>
+                </a:cxn>
+              </a:cxnLst>
+              <a:rect l="l" t="t" r="r" b="b"/>
+              <a:pathLst>
+                <a:path w="5270786" h="2927775">
+                  <a:moveTo>
+                    <a:pt x="0" y="0"/>
+                  </a:moveTo>
+                  <a:lnTo>
+                    <a:pt x="613805" y="0"/>
+                  </a:lnTo>
+                  <a:lnTo>
+                    <a:pt x="618487" y="85404"/>
+                  </a:lnTo>
+                  <a:cubicBezTo>
+                    <a:pt x="650052" y="360109"/>
+                    <a:pt x="792650" y="556543"/>
+                    <a:pt x="1054084" y="895200"/>
+                  </a:cubicBezTo>
+                  <a:cubicBezTo>
+                    <a:pt x="1126174" y="988542"/>
+                    <a:pt x="1200716" y="1085128"/>
+                    <a:pt x="1276976" y="1191325"/>
+                  </a:cubicBezTo>
+                  <a:cubicBezTo>
+                    <a:pt x="1859704" y="2002688"/>
+                    <a:pt x="2485223" y="2348843"/>
+                    <a:pt x="3368450" y="2348843"/>
+                  </a:cubicBezTo>
+                  <a:cubicBezTo>
+                    <a:pt x="3948114" y="2348843"/>
+                    <a:pt x="4373422" y="2066846"/>
+                    <a:pt x="4956151" y="1636730"/>
+                  </a:cubicBezTo>
+                  <a:cubicBezTo>
+                    <a:pt x="5021253" y="1588668"/>
+                    <a:pt x="5086356" y="1541186"/>
+                    <a:pt x="5149372" y="1495325"/>
+                  </a:cubicBezTo>
+                  <a:lnTo>
+                    <a:pt x="5270786" y="1406110"/>
+                  </a:lnTo>
+                  <a:lnTo>
+                    <a:pt x="5270786" y="2138641"/>
+                  </a:lnTo>
+                  <a:lnTo>
+                    <a:pt x="5112925" y="2253730"/>
+                  </a:lnTo>
+                  <a:cubicBezTo>
+                    <a:pt x="4598179" y="2621786"/>
+                    <a:pt x="4074961" y="2927775"/>
+                    <a:pt x="3368327" y="2927775"/>
+                  </a:cubicBezTo>
+                  <a:cubicBezTo>
+                    <a:pt x="2170746" y="2927775"/>
+                    <a:pt x="1393203" y="2384512"/>
+                    <a:pt x="769646" y="1516288"/>
+                  </a:cubicBezTo>
+                  <a:cubicBezTo>
+                    <a:pt x="418850" y="1027932"/>
+                    <a:pt x="48120" y="683401"/>
+                    <a:pt x="3149" y="85252"/>
+                  </a:cubicBezTo>
+                  <a:close/>
+                </a:path>
+              </a:pathLst>
+            </a:custGeom>
+            <a:gradFill>
+              <a:gsLst>
+                <a:gs pos="2000">
+                  <a:schemeClr val="bg1">
+                    <a:alpha val="10000"/>
+                  </a:schemeClr>
+                </a:gs>
+                <a:gs pos="16000">
+                  <a:schemeClr val="accent6">
+                    <a:alpha val="10000"/>
+                  </a:schemeClr>
+                </a:gs>
+                <a:gs pos="100000">
+                  <a:schemeClr val="bg1">
+                    <a:alpha val="10000"/>
+                  </a:schemeClr>
+                </a:gs>
+                <a:gs pos="85000">
+                  <a:schemeClr val="accent1">
+                    <a:alpha val="10000"/>
+                  </a:schemeClr>
+                </a:gs>
+              </a:gsLst>
+              <a:lin ang="12000000" scaled="0"/>
+            </a:gradFill>
+            <a:ln>
+              <a:noFill/>
+            </a:ln>
+          </p:spPr>
+          <p:style>
+            <a:lnRef idx="2">
+              <a:schemeClr val="accent1">
+                <a:shade val="50000"/>
+              </a:schemeClr>
+            </a:lnRef>
+            <a:fillRef idx="1">
+              <a:schemeClr val="accent1"/>
+            </a:fillRef>
+            <a:effectRef idx="0">
+              <a:schemeClr val="accent1"/>
+            </a:effectRef>
+            <a:fontRef idx="minor">
+              <a:schemeClr val="lt1"/>
+            </a:fontRef>
+          </p:style>
+          <p:txBody>
+            <a:bodyPr rtlCol="0" anchor="ctr"/>
+            <a:lstStyle/>
+            <a:p>
+              <a:pPr algn="ctr"/>
+              <a:endParaRPr lang="en-US"/>
+            </a:p>
+          </p:txBody>
+        </p:sp>
+        <p:sp>
+          <p:nvSpPr>
+            <p:cNvPr id="34" name="Freeform: Shape 33">
+              <a:extLst>
+                <a:ext uri="{FF2B5EF4-FFF2-40B4-BE49-F238E27FC236}">
+                  <a16:creationId xmlns:a16="http://schemas.microsoft.com/office/drawing/2014/main" id="{C9CE5CDD-EDFB-416F-889C-A7DB46AA9AA8}"/>
+                </a:ext>
+                <a:ext uri="{C183D7F6-B498-43B3-948B-1728B52AA6E4}">
+                  <adec:decorative xmlns:adec="http://schemas.microsoft.com/office/drawing/2017/decorative" val="1"/>
+                </a:ext>
+              </a:extLst>
+            </p:cNvPr>
+            <p:cNvSpPr/>
+            <p:nvPr>
+              <p:extLst>
+                <p:ext uri="{386F3935-93C4-4BCD-93E2-E3B085C9AB24}">
+                  <p16:designElem xmlns:p16="http://schemas.microsoft.com/office/powerpoint/2015/main" val="1"/>
+                </p:ext>
+              </p:extLst>
+            </p:nvPr>
+          </p:nvSpPr>
+          <p:spPr>
+            <a:xfrm>
+              <a:off x="6921214" y="-1"/>
+              <a:ext cx="5270786" cy="2927775"/>
+            </a:xfrm>
+            <a:custGeom>
+              <a:avLst/>
+              <a:gdLst>
+                <a:gd name="connsiteX0" fmla="*/ 0 w 5270786"/>
+                <a:gd name="connsiteY0" fmla="*/ 0 h 2927775"/>
+                <a:gd name="connsiteX1" fmla="*/ 736294 w 5270786"/>
+                <a:gd name="connsiteY1" fmla="*/ 0 h 2927775"/>
+                <a:gd name="connsiteX2" fmla="*/ 740298 w 5270786"/>
+                <a:gd name="connsiteY2" fmla="*/ 72745 h 2927775"/>
+                <a:gd name="connsiteX3" fmla="*/ 1153024 w 5270786"/>
+                <a:gd name="connsiteY3" fmla="*/ 826989 h 2927775"/>
+                <a:gd name="connsiteX4" fmla="*/ 1378368 w 5270786"/>
+                <a:gd name="connsiteY4" fmla="*/ 1126356 h 2927775"/>
+                <a:gd name="connsiteX5" fmla="*/ 2238056 w 5270786"/>
+                <a:gd name="connsiteY5" fmla="*/ 1955322 h 2927775"/>
+                <a:gd name="connsiteX6" fmla="*/ 3368327 w 5270786"/>
+                <a:gd name="connsiteY6" fmla="*/ 2233033 h 2927775"/>
+                <a:gd name="connsiteX7" fmla="*/ 4095360 w 5270786"/>
+                <a:gd name="connsiteY7" fmla="*/ 2056192 h 2927775"/>
+                <a:gd name="connsiteX8" fmla="*/ 4880506 w 5270786"/>
+                <a:gd name="connsiteY8" fmla="*/ 1545587 h 2927775"/>
+                <a:gd name="connsiteX9" fmla="*/ 5074340 w 5270786"/>
+                <a:gd name="connsiteY9" fmla="*/ 1403721 h 2927775"/>
+                <a:gd name="connsiteX10" fmla="*/ 5270786 w 5270786"/>
+                <a:gd name="connsiteY10" fmla="*/ 1259367 h 2927775"/>
+                <a:gd name="connsiteX11" fmla="*/ 5270786 w 5270786"/>
+                <a:gd name="connsiteY11" fmla="*/ 2138641 h 2927775"/>
+                <a:gd name="connsiteX12" fmla="*/ 5112925 w 5270786"/>
+                <a:gd name="connsiteY12" fmla="*/ 2253730 h 2927775"/>
+                <a:gd name="connsiteX13" fmla="*/ 3368327 w 5270786"/>
+                <a:gd name="connsiteY13" fmla="*/ 2927775 h 2927775"/>
+                <a:gd name="connsiteX14" fmla="*/ 769646 w 5270786"/>
+                <a:gd name="connsiteY14" fmla="*/ 1516288 h 2927775"/>
+                <a:gd name="connsiteX15" fmla="*/ 3149 w 5270786"/>
+                <a:gd name="connsiteY15" fmla="*/ 85252 h 2927775"/>
+              </a:gdLst>
+              <a:ahLst/>
+              <a:cxnLst>
+                <a:cxn ang="0">
+                  <a:pos x="connsiteX0" y="connsiteY0"/>
+                </a:cxn>
+                <a:cxn ang="0">
+                  <a:pos x="connsiteX1" y="connsiteY1"/>
+                </a:cxn>
+                <a:cxn ang="0">
+                  <a:pos x="connsiteX2" y="connsiteY2"/>
+                </a:cxn>
+                <a:cxn ang="0">
+                  <a:pos x="connsiteX3" y="connsiteY3"/>
+                </a:cxn>
+                <a:cxn ang="0">
+                  <a:pos x="connsiteX4" y="connsiteY4"/>
+                </a:cxn>
+                <a:cxn ang="0">
+                  <a:pos x="connsiteX5" y="connsiteY5"/>
+                </a:cxn>
+                <a:cxn ang="0">
+                  <a:pos x="connsiteX6" y="connsiteY6"/>
+                </a:cxn>
+                <a:cxn ang="0">
+                  <a:pos x="connsiteX7" y="connsiteY7"/>
+                </a:cxn>
+                <a:cxn ang="0">
+                  <a:pos x="connsiteX8" y="connsiteY8"/>
+                </a:cxn>
+                <a:cxn ang="0">
+                  <a:pos x="connsiteX9" y="connsiteY9"/>
+                </a:cxn>
+                <a:cxn ang="0">
+                  <a:pos x="connsiteX10" y="connsiteY10"/>
+                </a:cxn>
+                <a:cxn ang="0">
+                  <a:pos x="connsiteX11" y="connsiteY11"/>
+                </a:cxn>
+                <a:cxn ang="0">
+                  <a:pos x="connsiteX12" y="connsiteY12"/>
+                </a:cxn>
+                <a:cxn ang="0">
+                  <a:pos x="connsiteX13" y="connsiteY13"/>
+                </a:cxn>
+                <a:cxn ang="0">
+                  <a:pos x="connsiteX14" y="connsiteY14"/>
+                </a:cxn>
+                <a:cxn ang="0">
+                  <a:pos x="connsiteX15" y="connsiteY15"/>
+                </a:cxn>
+              </a:cxnLst>
+              <a:rect l="l" t="t" r="r" b="b"/>
+              <a:pathLst>
+                <a:path w="5270786" h="2927775">
+                  <a:moveTo>
+                    <a:pt x="0" y="0"/>
+                  </a:moveTo>
+                  <a:lnTo>
+                    <a:pt x="736294" y="0"/>
+                  </a:lnTo>
+                  <a:lnTo>
+                    <a:pt x="740298" y="72745"/>
+                  </a:lnTo>
+                  <a:cubicBezTo>
+                    <a:pt x="768839" y="319371"/>
+                    <a:pt x="898885" y="497858"/>
+                    <a:pt x="1153024" y="826989"/>
+                  </a:cubicBezTo>
+                  <a:cubicBezTo>
+                    <a:pt x="1225727" y="921142"/>
+                    <a:pt x="1300882" y="1018537"/>
+                    <a:pt x="1378368" y="1126356"/>
+                  </a:cubicBezTo>
+                  <a:cubicBezTo>
+                    <a:pt x="1652384" y="1507833"/>
+                    <a:pt x="1933512" y="1779060"/>
+                    <a:pt x="2238056" y="1955322"/>
+                  </a:cubicBezTo>
+                  <a:cubicBezTo>
+                    <a:pt x="2560868" y="2142238"/>
+                    <a:pt x="2930637" y="2233033"/>
+                    <a:pt x="3368327" y="2233033"/>
+                  </a:cubicBezTo>
+                  <a:cubicBezTo>
+                    <a:pt x="3616720" y="2233033"/>
+                    <a:pt x="3847703" y="2176866"/>
+                    <a:pt x="4095360" y="2056192"/>
+                  </a:cubicBezTo>
+                  <a:cubicBezTo>
+                    <a:pt x="4349636" y="1932276"/>
+                    <a:pt x="4601340" y="1751613"/>
+                    <a:pt x="4880506" y="1545587"/>
+                  </a:cubicBezTo>
+                  <a:cubicBezTo>
+                    <a:pt x="4945974" y="1497295"/>
+                    <a:pt x="5011199" y="1449697"/>
+                    <a:pt x="5074340" y="1403721"/>
+                  </a:cubicBezTo>
+                  <a:lnTo>
+                    <a:pt x="5270786" y="1259367"/>
+                  </a:lnTo>
+                  <a:lnTo>
+                    <a:pt x="5270786" y="2138641"/>
+                  </a:lnTo>
+                  <a:lnTo>
+                    <a:pt x="5112925" y="2253730"/>
+                  </a:lnTo>
+                  <a:cubicBezTo>
+                    <a:pt x="4598179" y="2621786"/>
+                    <a:pt x="4074961" y="2927775"/>
+                    <a:pt x="3368327" y="2927775"/>
+                  </a:cubicBezTo>
+                  <a:cubicBezTo>
+                    <a:pt x="2170746" y="2927775"/>
+                    <a:pt x="1393203" y="2384512"/>
+                    <a:pt x="769646" y="1516288"/>
+                  </a:cubicBezTo>
+                  <a:cubicBezTo>
+                    <a:pt x="418850" y="1027932"/>
+                    <a:pt x="48120" y="683401"/>
+                    <a:pt x="3149" y="85252"/>
+                  </a:cubicBezTo>
+                  <a:close/>
+                </a:path>
+              </a:pathLst>
+            </a:custGeom>
+            <a:gradFill>
+              <a:gsLst>
+                <a:gs pos="2000">
+                  <a:schemeClr val="bg1">
+                    <a:alpha val="10000"/>
+                  </a:schemeClr>
+                </a:gs>
+                <a:gs pos="16000">
+                  <a:schemeClr val="accent6">
+                    <a:alpha val="10000"/>
+                  </a:schemeClr>
+                </a:gs>
+                <a:gs pos="100000">
+                  <a:schemeClr val="bg1">
+                    <a:alpha val="10000"/>
+                  </a:schemeClr>
+                </a:gs>
+                <a:gs pos="85000">
+                  <a:schemeClr val="accent1">
+                    <a:alpha val="10000"/>
+                  </a:schemeClr>
+                </a:gs>
+              </a:gsLst>
+              <a:lin ang="12000000" scaled="0"/>
+            </a:gradFill>
+            <a:ln>
+              <a:noFill/>
+            </a:ln>
+          </p:spPr>
+          <p:style>
+            <a:lnRef idx="2">
+              <a:schemeClr val="accent1">
+                <a:shade val="50000"/>
+              </a:schemeClr>
+            </a:lnRef>
+            <a:fillRef idx="1">
+              <a:schemeClr val="accent1"/>
+            </a:fillRef>
+            <a:effectRef idx="0">
+              <a:schemeClr val="accent1"/>
+            </a:effectRef>
+            <a:fontRef idx="minor">
+              <a:schemeClr val="lt1"/>
+            </a:fontRef>
+          </p:style>
+          <p:txBody>
+            <a:bodyPr rtlCol="0" anchor="ctr"/>
+            <a:lstStyle/>
+            <a:p>
+              <a:pPr algn="ctr"/>
+              <a:endParaRPr lang="en-US"/>
+            </a:p>
+          </p:txBody>
+        </p:sp>
+      </p:grpSp>
+      <p:grpSp>
+        <p:nvGrpSpPr>
+          <p:cNvPr id="36" name="Group 35">
+            <a:extLst>
+              <a:ext uri="{FF2B5EF4-FFF2-40B4-BE49-F238E27FC236}">
+                <a16:creationId xmlns:a16="http://schemas.microsoft.com/office/drawing/2014/main" id="{1BC136B2-4D8D-4561-95D5-56167F4116BD}"/>
+              </a:ext>
+              <a:ext uri="{C183D7F6-B498-43B3-948B-1728B52AA6E4}">
+                <adec:decorative xmlns:adec="http://schemas.microsoft.com/office/drawing/2017/decorative" val="1"/>
+              </a:ext>
+            </a:extLst>
+          </p:cNvPr>
+          <p:cNvGrpSpPr>
+            <a:grpSpLocks noGrp="1" noUngrp="1" noRot="1" noChangeAspect="1" noMove="1" noResize="1"/>
+          </p:cNvGrpSpPr>
+          <p:nvPr>
+            <p:extLst>
+              <p:ext uri="{386F3935-93C4-4BCD-93E2-E3B085C9AB24}">
+                <p16:designElem xmlns:p16="http://schemas.microsoft.com/office/powerpoint/2015/main" val="1"/>
+              </p:ext>
+            </p:extLst>
+          </p:nvPr>
+        </p:nvGrpSpPr>
+        <p:grpSpPr>
+          <a:xfrm rot="10800000" flipH="1">
+            <a:off x="0" y="4114799"/>
+            <a:ext cx="3655725" cy="2743201"/>
+            <a:chOff x="-305" y="-1"/>
+            <a:chExt cx="3832880" cy="2876136"/>
+          </a:xfrm>
+        </p:grpSpPr>
+        <p:sp>
+          <p:nvSpPr>
+            <p:cNvPr id="37" name="Freeform: Shape 36">
+              <a:extLst>
+                <a:ext uri="{FF2B5EF4-FFF2-40B4-BE49-F238E27FC236}">
+                  <a16:creationId xmlns:a16="http://schemas.microsoft.com/office/drawing/2014/main" id="{2C3B060E-7597-4B31-9EBE-16DBC974CDAC}"/>
+                </a:ext>
+                <a:ext uri="{C183D7F6-B498-43B3-948B-1728B52AA6E4}">
+                  <adec:decorative xmlns:adec="http://schemas.microsoft.com/office/drawing/2017/decorative" val="1"/>
+                </a:ext>
+              </a:extLst>
+            </p:cNvPr>
+            <p:cNvSpPr/>
+            <p:nvPr>
+              <p:extLst>
+                <p:ext uri="{386F3935-93C4-4BCD-93E2-E3B085C9AB24}">
+                  <p16:designElem xmlns:p16="http://schemas.microsoft.com/office/powerpoint/2015/main" val="1"/>
+                </p:ext>
+              </p:extLst>
+            </p:nvPr>
+          </p:nvSpPr>
+          <p:spPr>
+            <a:xfrm>
+              <a:off x="305" y="1"/>
+              <a:ext cx="3815424" cy="2653659"/>
+            </a:xfrm>
+            <a:custGeom>
+              <a:avLst/>
+              <a:gdLst>
+                <a:gd name="connsiteX0" fmla="*/ 3203055 w 3815424"/>
+                <a:gd name="connsiteY0" fmla="*/ 0 h 2653659"/>
+                <a:gd name="connsiteX1" fmla="*/ 3815424 w 3815424"/>
+                <a:gd name="connsiteY1" fmla="*/ 0 h 2653659"/>
+                <a:gd name="connsiteX2" fmla="*/ 3801025 w 3815424"/>
+                <a:gd name="connsiteY2" fmla="*/ 214243 h 2653659"/>
+                <a:gd name="connsiteX3" fmla="*/ 587142 w 3815424"/>
+                <a:gd name="connsiteY3" fmla="*/ 2653659 h 2653659"/>
+                <a:gd name="connsiteX4" fmla="*/ 53389 w 3815424"/>
+                <a:gd name="connsiteY4" fmla="*/ 2605041 h 2653659"/>
+                <a:gd name="connsiteX5" fmla="*/ 0 w 3815424"/>
+                <a:gd name="connsiteY5" fmla="*/ 2593136 h 2653659"/>
+                <a:gd name="connsiteX6" fmla="*/ 0 w 3815424"/>
+                <a:gd name="connsiteY6" fmla="*/ 1994836 h 2653659"/>
+                <a:gd name="connsiteX7" fmla="*/ 159710 w 3815424"/>
+                <a:gd name="connsiteY7" fmla="*/ 2035054 h 2653659"/>
+                <a:gd name="connsiteX8" fmla="*/ 587142 w 3815424"/>
+                <a:gd name="connsiteY8" fmla="*/ 2075152 h 2653659"/>
+                <a:gd name="connsiteX9" fmla="*/ 1549283 w 3815424"/>
+                <a:gd name="connsiteY9" fmla="*/ 1900153 h 2653659"/>
+                <a:gd name="connsiteX10" fmla="*/ 2406698 w 3815424"/>
+                <a:gd name="connsiteY10" fmla="*/ 1418450 h 2653659"/>
+                <a:gd name="connsiteX11" fmla="*/ 2996069 w 3815424"/>
+                <a:gd name="connsiteY11" fmla="*/ 728678 h 2653659"/>
+                <a:gd name="connsiteX12" fmla="*/ 3193967 w 3815424"/>
+                <a:gd name="connsiteY12" fmla="*/ 137719 h 2653659"/>
+              </a:gdLst>
+              <a:ahLst/>
+              <a:cxnLst>
+                <a:cxn ang="0">
+                  <a:pos x="connsiteX0" y="connsiteY0"/>
+                </a:cxn>
+                <a:cxn ang="0">
+                  <a:pos x="connsiteX1" y="connsiteY1"/>
+                </a:cxn>
+                <a:cxn ang="0">
+                  <a:pos x="connsiteX2" y="connsiteY2"/>
+                </a:cxn>
+                <a:cxn ang="0">
+                  <a:pos x="connsiteX3" y="connsiteY3"/>
+                </a:cxn>
+                <a:cxn ang="0">
+                  <a:pos x="connsiteX4" y="connsiteY4"/>
+                </a:cxn>
+                <a:cxn ang="0">
+                  <a:pos x="connsiteX5" y="connsiteY5"/>
+                </a:cxn>
+                <a:cxn ang="0">
+                  <a:pos x="connsiteX6" y="connsiteY6"/>
+                </a:cxn>
+                <a:cxn ang="0">
+                  <a:pos x="connsiteX7" y="connsiteY7"/>
+                </a:cxn>
+                <a:cxn ang="0">
+                  <a:pos x="connsiteX8" y="connsiteY8"/>
+                </a:cxn>
+                <a:cxn ang="0">
+                  <a:pos x="connsiteX9" y="connsiteY9"/>
+                </a:cxn>
+                <a:cxn ang="0">
+                  <a:pos x="connsiteX10" y="connsiteY10"/>
+                </a:cxn>
+                <a:cxn ang="0">
+                  <a:pos x="connsiteX11" y="connsiteY11"/>
+                </a:cxn>
+                <a:cxn ang="0">
+                  <a:pos x="connsiteX12" y="connsiteY12"/>
+                </a:cxn>
+              </a:cxnLst>
+              <a:rect l="l" t="t" r="r" b="b"/>
+              <a:pathLst>
+                <a:path w="3815424" h="2653659">
+                  <a:moveTo>
+                    <a:pt x="3203055" y="0"/>
+                  </a:moveTo>
+                  <a:lnTo>
+                    <a:pt x="3815424" y="0"/>
+                  </a:lnTo>
+                  <a:lnTo>
+                    <a:pt x="3801025" y="214243"/>
+                  </a:lnTo>
+                  <a:cubicBezTo>
+                    <a:pt x="3616317" y="1584467"/>
+                    <a:pt x="2091637" y="2653659"/>
+                    <a:pt x="587142" y="2653659"/>
+                  </a:cubicBezTo>
+                  <a:cubicBezTo>
+                    <a:pt x="400192" y="2653659"/>
+                    <a:pt x="222112" y="2636953"/>
+                    <a:pt x="53389" y="2605041"/>
+                  </a:cubicBezTo>
+                  <a:lnTo>
+                    <a:pt x="0" y="2593136"/>
+                  </a:lnTo>
+                  <a:lnTo>
+                    <a:pt x="0" y="1994836"/>
+                  </a:lnTo>
+                  <a:lnTo>
+                    <a:pt x="159710" y="2035054"/>
+                  </a:lnTo>
+                  <a:cubicBezTo>
+                    <a:pt x="295467" y="2061726"/>
+                    <a:pt x="438268" y="2075152"/>
+                    <a:pt x="587142" y="2075152"/>
+                  </a:cubicBezTo>
+                  <a:cubicBezTo>
+                    <a:pt x="901731" y="2075152"/>
+                    <a:pt x="1234490" y="2014697"/>
+                    <a:pt x="1549283" y="1900153"/>
+                  </a:cubicBezTo>
+                  <a:cubicBezTo>
+                    <a:pt x="1860709" y="1786959"/>
+                    <a:pt x="2157231" y="1620350"/>
+                    <a:pt x="2406698" y="1418450"/>
+                  </a:cubicBezTo>
+                  <a:cubicBezTo>
+                    <a:pt x="2655859" y="1216840"/>
+                    <a:pt x="2859596" y="978302"/>
+                    <a:pt x="2996069" y="728678"/>
+                  </a:cubicBezTo>
+                  <a:cubicBezTo>
+                    <a:pt x="3101178" y="536396"/>
+                    <a:pt x="3167417" y="338366"/>
+                    <a:pt x="3193967" y="137719"/>
+                  </a:cubicBezTo>
+                  <a:close/>
+                </a:path>
+              </a:pathLst>
+            </a:custGeom>
+            <a:gradFill>
+              <a:gsLst>
+                <a:gs pos="2000">
+                  <a:schemeClr val="bg1">
+                    <a:alpha val="10000"/>
+                  </a:schemeClr>
+                </a:gs>
+                <a:gs pos="16000">
+                  <a:schemeClr val="accent6">
+                    <a:alpha val="10000"/>
+                  </a:schemeClr>
+                </a:gs>
+                <a:gs pos="100000">
+                  <a:schemeClr val="bg1">
+                    <a:alpha val="10000"/>
+                  </a:schemeClr>
+                </a:gs>
+                <a:gs pos="85000">
+                  <a:schemeClr val="accent1">
+                    <a:alpha val="10000"/>
+                  </a:schemeClr>
+                </a:gs>
+              </a:gsLst>
+              <a:lin ang="12000000" scaled="0"/>
+            </a:gradFill>
+            <a:ln>
+              <a:noFill/>
+            </a:ln>
+          </p:spPr>
+          <p:style>
+            <a:lnRef idx="2">
+              <a:schemeClr val="accent1">
+                <a:shade val="50000"/>
+              </a:schemeClr>
+            </a:lnRef>
+            <a:fillRef idx="1">
+              <a:schemeClr val="accent1"/>
+            </a:fillRef>
+            <a:effectRef idx="0">
+              <a:schemeClr val="accent1"/>
+            </a:effectRef>
+            <a:fontRef idx="minor">
+              <a:schemeClr val="lt1"/>
+            </a:fontRef>
+          </p:style>
+          <p:txBody>
+            <a:bodyPr rtlCol="0" anchor="ctr"/>
+            <a:lstStyle/>
+            <a:p>
+              <a:pPr algn="ctr"/>
+              <a:endParaRPr lang="en-US"/>
+            </a:p>
+          </p:txBody>
+        </p:sp>
+        <p:sp>
+          <p:nvSpPr>
+            <p:cNvPr id="38" name="Freeform: Shape 37">
+              <a:extLst>
+                <a:ext uri="{FF2B5EF4-FFF2-40B4-BE49-F238E27FC236}">
+                  <a16:creationId xmlns:a16="http://schemas.microsoft.com/office/drawing/2014/main" id="{937A35E4-8449-4A65-9CFF-F87916203D8E}"/>
+                </a:ext>
+                <a:ext uri="{C183D7F6-B498-43B3-948B-1728B52AA6E4}">
+                  <adec:decorative xmlns:adec="http://schemas.microsoft.com/office/drawing/2017/decorative" val="1"/>
+                </a:ext>
+              </a:extLst>
+            </p:cNvPr>
+            <p:cNvSpPr/>
+            <p:nvPr>
+              <p:extLst>
+                <p:ext uri="{386F3935-93C4-4BCD-93E2-E3B085C9AB24}">
+                  <p16:designElem xmlns:p16="http://schemas.microsoft.com/office/powerpoint/2015/main" val="1"/>
+                </p:ext>
+              </p:extLst>
+            </p:nvPr>
+          </p:nvSpPr>
+          <p:spPr>
+            <a:xfrm>
+              <a:off x="305" y="-1"/>
+              <a:ext cx="3815424" cy="2653660"/>
+            </a:xfrm>
+            <a:custGeom>
+              <a:avLst/>
+              <a:gdLst>
+                <a:gd name="connsiteX0" fmla="*/ 3305038 w 3815424"/>
+                <a:gd name="connsiteY0" fmla="*/ 0 h 2653660"/>
+                <a:gd name="connsiteX1" fmla="*/ 3815424 w 3815424"/>
+                <a:gd name="connsiteY1" fmla="*/ 0 h 2653660"/>
+                <a:gd name="connsiteX2" fmla="*/ 3801025 w 3815424"/>
+                <a:gd name="connsiteY2" fmla="*/ 214244 h 2653660"/>
+                <a:gd name="connsiteX3" fmla="*/ 587142 w 3815424"/>
+                <a:gd name="connsiteY3" fmla="*/ 2653660 h 2653660"/>
+                <a:gd name="connsiteX4" fmla="*/ 53389 w 3815424"/>
+                <a:gd name="connsiteY4" fmla="*/ 2605042 h 2653660"/>
+                <a:gd name="connsiteX5" fmla="*/ 0 w 3815424"/>
+                <a:gd name="connsiteY5" fmla="*/ 2593137 h 2653660"/>
+                <a:gd name="connsiteX6" fmla="*/ 0 w 3815424"/>
+                <a:gd name="connsiteY6" fmla="*/ 2094444 h 2653660"/>
+                <a:gd name="connsiteX7" fmla="*/ 137675 w 3815424"/>
+                <a:gd name="connsiteY7" fmla="*/ 2129195 h 2653660"/>
+                <a:gd name="connsiteX8" fmla="*/ 587142 w 3815424"/>
+                <a:gd name="connsiteY8" fmla="*/ 2171571 h 2653660"/>
+                <a:gd name="connsiteX9" fmla="*/ 1585826 w 3815424"/>
+                <a:gd name="connsiteY9" fmla="*/ 1990112 h 2653660"/>
+                <a:gd name="connsiteX10" fmla="*/ 2473046 w 3815424"/>
+                <a:gd name="connsiteY10" fmla="*/ 1491633 h 2653660"/>
+                <a:gd name="connsiteX11" fmla="*/ 3086710 w 3815424"/>
+                <a:gd name="connsiteY11" fmla="*/ 772838 h 2653660"/>
+                <a:gd name="connsiteX12" fmla="*/ 3295217 w 3815424"/>
+                <a:gd name="connsiteY12" fmla="*/ 149229 h 2653660"/>
+              </a:gdLst>
+              <a:ahLst/>
+              <a:cxnLst>
+                <a:cxn ang="0">
+                  <a:pos x="connsiteX0" y="connsiteY0"/>
+                </a:cxn>
+                <a:cxn ang="0">
+                  <a:pos x="connsiteX1" y="connsiteY1"/>
+                </a:cxn>
+                <a:cxn ang="0">
+                  <a:pos x="connsiteX2" y="connsiteY2"/>
+                </a:cxn>
+                <a:cxn ang="0">
+                  <a:pos x="connsiteX3" y="connsiteY3"/>
+                </a:cxn>
+                <a:cxn ang="0">
+                  <a:pos x="connsiteX4" y="connsiteY4"/>
+                </a:cxn>
+                <a:cxn ang="0">
+                  <a:pos x="connsiteX5" y="connsiteY5"/>
+                </a:cxn>
+                <a:cxn ang="0">
+                  <a:pos x="connsiteX6" y="connsiteY6"/>
+                </a:cxn>
+                <a:cxn ang="0">
+                  <a:pos x="connsiteX7" y="connsiteY7"/>
+                </a:cxn>
+                <a:cxn ang="0">
+                  <a:pos x="connsiteX8" y="connsiteY8"/>
+                </a:cxn>
+                <a:cxn ang="0">
+                  <a:pos x="connsiteX9" y="connsiteY9"/>
+                </a:cxn>
+                <a:cxn ang="0">
+                  <a:pos x="connsiteX10" y="connsiteY10"/>
+                </a:cxn>
+                <a:cxn ang="0">
+                  <a:pos x="connsiteX11" y="connsiteY11"/>
+                </a:cxn>
+                <a:cxn ang="0">
+                  <a:pos x="connsiteX12" y="connsiteY12"/>
+                </a:cxn>
+              </a:cxnLst>
+              <a:rect l="l" t="t" r="r" b="b"/>
+              <a:pathLst>
+                <a:path w="3815424" h="2653660">
+                  <a:moveTo>
+                    <a:pt x="3305038" y="0"/>
+                  </a:moveTo>
+                  <a:lnTo>
+                    <a:pt x="3815424" y="0"/>
+                  </a:lnTo>
+                  <a:lnTo>
+                    <a:pt x="3801025" y="214244"/>
+                  </a:lnTo>
+                  <a:cubicBezTo>
+                    <a:pt x="3616317" y="1584467"/>
+                    <a:pt x="2091637" y="2653660"/>
+                    <a:pt x="587142" y="2653660"/>
+                  </a:cubicBezTo>
+                  <a:cubicBezTo>
+                    <a:pt x="400192" y="2653660"/>
+                    <a:pt x="222112" y="2636954"/>
+                    <a:pt x="53389" y="2605042"/>
+                  </a:cubicBezTo>
+                  <a:lnTo>
+                    <a:pt x="0" y="2593137"/>
+                  </a:lnTo>
+                  <a:lnTo>
+                    <a:pt x="0" y="2094444"/>
+                  </a:lnTo>
+                  <a:lnTo>
+                    <a:pt x="137675" y="2129195"/>
+                  </a:lnTo>
+                  <a:cubicBezTo>
+                    <a:pt x="280616" y="2157374"/>
+                    <a:pt x="430766" y="2171571"/>
+                    <a:pt x="587142" y="2171571"/>
+                  </a:cubicBezTo>
+                  <a:cubicBezTo>
+                    <a:pt x="918879" y="2171571"/>
+                    <a:pt x="1254904" y="2110634"/>
+                    <a:pt x="1585826" y="1990112"/>
+                  </a:cubicBezTo>
+                  <a:cubicBezTo>
+                    <a:pt x="1908071" y="1873061"/>
+                    <a:pt x="2214800" y="1700666"/>
+                    <a:pt x="2473046" y="1491633"/>
+                  </a:cubicBezTo>
+                  <a:cubicBezTo>
+                    <a:pt x="2735782" y="1279031"/>
+                    <a:pt x="2942276" y="1037118"/>
+                    <a:pt x="3086710" y="772838"/>
+                  </a:cubicBezTo>
+                  <a:cubicBezTo>
+                    <a:pt x="3197408" y="570216"/>
+                    <a:pt x="3267226" y="361248"/>
+                    <a:pt x="3295217" y="149229"/>
+                  </a:cubicBezTo>
+                  <a:close/>
+                </a:path>
+              </a:pathLst>
+            </a:custGeom>
+            <a:gradFill>
+              <a:gsLst>
+                <a:gs pos="2000">
+                  <a:schemeClr val="bg1">
+                    <a:alpha val="10000"/>
+                  </a:schemeClr>
+                </a:gs>
+                <a:gs pos="16000">
+                  <a:schemeClr val="accent6">
+                    <a:alpha val="10000"/>
+                  </a:schemeClr>
+                </a:gs>
+                <a:gs pos="100000">
+                  <a:schemeClr val="bg1">
+                    <a:alpha val="10000"/>
+                  </a:schemeClr>
+                </a:gs>
+                <a:gs pos="85000">
+                  <a:schemeClr val="accent1">
+                    <a:alpha val="10000"/>
+                  </a:schemeClr>
+                </a:gs>
+              </a:gsLst>
+              <a:lin ang="12000000" scaled="0"/>
+            </a:gradFill>
+            <a:ln>
+              <a:noFill/>
+            </a:ln>
+          </p:spPr>
+          <p:style>
+            <a:lnRef idx="2">
+              <a:schemeClr val="accent1">
+                <a:shade val="50000"/>
+              </a:schemeClr>
+            </a:lnRef>
+            <a:fillRef idx="1">
+              <a:schemeClr val="accent1"/>
+            </a:fillRef>
+            <a:effectRef idx="0">
+              <a:schemeClr val="accent1"/>
+            </a:effectRef>
+            <a:fontRef idx="minor">
+              <a:schemeClr val="lt1"/>
+            </a:fontRef>
+          </p:style>
+          <p:txBody>
+            <a:bodyPr rtlCol="0" anchor="ctr"/>
+            <a:lstStyle/>
+            <a:p>
+              <a:pPr algn="ctr"/>
+              <a:endParaRPr lang="en-US"/>
+            </a:p>
+          </p:txBody>
+        </p:sp>
+        <p:sp>
+          <p:nvSpPr>
+            <p:cNvPr id="39" name="Freeform: Shape 38">
+              <a:extLst>
+                <a:ext uri="{FF2B5EF4-FFF2-40B4-BE49-F238E27FC236}">
+                  <a16:creationId xmlns:a16="http://schemas.microsoft.com/office/drawing/2014/main" id="{25774B36-1747-45AE-82C4-C5BA90C518F3}"/>
+                </a:ext>
+                <a:ext uri="{C183D7F6-B498-43B3-948B-1728B52AA6E4}">
+                  <adec:decorative xmlns:adec="http://schemas.microsoft.com/office/drawing/2017/decorative" val="1"/>
+                </a:ext>
+              </a:extLst>
+            </p:cNvPr>
+            <p:cNvSpPr/>
+            <p:nvPr>
+              <p:extLst>
+                <p:ext uri="{386F3935-93C4-4BCD-93E2-E3B085C9AB24}">
+                  <p16:designElem xmlns:p16="http://schemas.microsoft.com/office/powerpoint/2015/main" val="1"/>
+                </p:ext>
+              </p:extLst>
+            </p:nvPr>
+          </p:nvSpPr>
+          <p:spPr>
+            <a:xfrm>
+              <a:off x="-305" y="1"/>
+              <a:ext cx="3815986" cy="2675935"/>
+            </a:xfrm>
+            <a:custGeom>
+              <a:avLst/>
+              <a:gdLst>
+                <a:gd name="connsiteX0" fmla="*/ 3648768 w 3815986"/>
+                <a:gd name="connsiteY0" fmla="*/ 0 h 2675935"/>
+                <a:gd name="connsiteX1" fmla="*/ 3815986 w 3815986"/>
+                <a:gd name="connsiteY1" fmla="*/ 0 h 2675935"/>
+                <a:gd name="connsiteX2" fmla="*/ 3804695 w 3815986"/>
+                <a:gd name="connsiteY2" fmla="*/ 200084 h 2675935"/>
+                <a:gd name="connsiteX3" fmla="*/ 3762590 w 3815986"/>
+                <a:gd name="connsiteY3" fmla="*/ 455543 h 2675935"/>
+                <a:gd name="connsiteX4" fmla="*/ 3592332 w 3815986"/>
+                <a:gd name="connsiteY4" fmla="*/ 947274 h 2675935"/>
+                <a:gd name="connsiteX5" fmla="*/ 2953967 w 3815986"/>
+                <a:gd name="connsiteY5" fmla="*/ 1782349 h 2675935"/>
+                <a:gd name="connsiteX6" fmla="*/ 2530669 w 3815986"/>
+                <a:gd name="connsiteY6" fmla="*/ 2109494 h 2675935"/>
+                <a:gd name="connsiteX7" fmla="*/ 2057561 w 3815986"/>
+                <a:gd name="connsiteY7" fmla="*/ 2369245 h 2675935"/>
+                <a:gd name="connsiteX8" fmla="*/ 1007330 w 3815986"/>
+                <a:gd name="connsiteY8" fmla="*/ 2655701 h 2675935"/>
+                <a:gd name="connsiteX9" fmla="*/ 732765 w 3815986"/>
+                <a:gd name="connsiteY9" fmla="*/ 2674696 h 2675935"/>
+                <a:gd name="connsiteX10" fmla="*/ 457666 w 3815986"/>
+                <a:gd name="connsiteY10" fmla="*/ 2670839 h 2675935"/>
+                <a:gd name="connsiteX11" fmla="*/ 183574 w 3815986"/>
+                <a:gd name="connsiteY11" fmla="*/ 2643312 h 2675935"/>
+                <a:gd name="connsiteX12" fmla="*/ 0 w 3815986"/>
+                <a:gd name="connsiteY12" fmla="*/ 2607798 h 2675935"/>
+                <a:gd name="connsiteX13" fmla="*/ 0 w 3815986"/>
+                <a:gd name="connsiteY13" fmla="*/ 2356652 h 2675935"/>
+                <a:gd name="connsiteX14" fmla="*/ 222195 w 3815986"/>
+                <a:gd name="connsiteY14" fmla="*/ 2396940 h 2675935"/>
+                <a:gd name="connsiteX15" fmla="*/ 472364 w 3815986"/>
+                <a:gd name="connsiteY15" fmla="*/ 2419092 h 2675935"/>
+                <a:gd name="connsiteX16" fmla="*/ 974972 w 3815986"/>
+                <a:gd name="connsiteY16" fmla="*/ 2402122 h 2675935"/>
+                <a:gd name="connsiteX17" fmla="*/ 1468292 w 3815986"/>
+                <a:gd name="connsiteY17" fmla="*/ 2304162 h 2675935"/>
+                <a:gd name="connsiteX18" fmla="*/ 1940176 w 3815986"/>
+                <a:gd name="connsiteY18" fmla="*/ 2133695 h 2675935"/>
+                <a:gd name="connsiteX19" fmla="*/ 2783403 w 3815986"/>
+                <a:gd name="connsiteY19" fmla="*/ 1609954 h 2675935"/>
+                <a:gd name="connsiteX20" fmla="*/ 3128104 w 3815986"/>
+                <a:gd name="connsiteY20" fmla="*/ 1260439 h 2675935"/>
+                <a:gd name="connsiteX21" fmla="*/ 3400639 w 3815986"/>
+                <a:gd name="connsiteY21" fmla="*/ 859052 h 2675935"/>
+                <a:gd name="connsiteX22" fmla="*/ 3585595 w 3815986"/>
+                <a:gd name="connsiteY22" fmla="*/ 415336 h 2675935"/>
+                <a:gd name="connsiteX23" fmla="*/ 3635918 w 3815986"/>
+                <a:gd name="connsiteY23" fmla="*/ 181137 h 2675935"/>
+              </a:gdLst>
+              <a:ahLst/>
+              <a:cxnLst>
+                <a:cxn ang="0">
+                  <a:pos x="connsiteX0" y="connsiteY0"/>
+                </a:cxn>
+                <a:cxn ang="0">
+                  <a:pos x="connsiteX1" y="connsiteY1"/>
+                </a:cxn>
+                <a:cxn ang="0">
+                  <a:pos x="connsiteX2" y="connsiteY2"/>
+                </a:cxn>
+                <a:cxn ang="0">
+                  <a:pos x="connsiteX3" y="connsiteY3"/>
+                </a:cxn>
+                <a:cxn ang="0">
+                  <a:pos x="connsiteX4" y="connsiteY4"/>
+                </a:cxn>
+                <a:cxn ang="0">
+                  <a:pos x="connsiteX5" y="connsiteY5"/>
+                </a:cxn>
+                <a:cxn ang="0">
+                  <a:pos x="connsiteX6" y="connsiteY6"/>
+                </a:cxn>
+                <a:cxn ang="0">
+                  <a:pos x="connsiteX7" y="connsiteY7"/>
+                </a:cxn>
+                <a:cxn ang="0">
+                  <a:pos x="connsiteX8" y="connsiteY8"/>
+                </a:cxn>
+                <a:cxn ang="0">
+                  <a:pos x="connsiteX9" y="connsiteY9"/>
+                </a:cxn>
+                <a:cxn ang="0">
+                  <a:pos x="connsiteX10" y="connsiteY10"/>
+                </a:cxn>
+                <a:cxn ang="0">
+                  <a:pos x="connsiteX11" y="connsiteY11"/>
+                </a:cxn>
+                <a:cxn ang="0">
+                  <a:pos x="connsiteX12" y="connsiteY12"/>
+                </a:cxn>
+                <a:cxn ang="0">
+                  <a:pos x="connsiteX13" y="connsiteY13"/>
+                </a:cxn>
+                <a:cxn ang="0">
+                  <a:pos x="connsiteX14" y="connsiteY14"/>
+                </a:cxn>
+                <a:cxn ang="0">
+                  <a:pos x="connsiteX15" y="connsiteY15"/>
+                </a:cxn>
+                <a:cxn ang="0">
+                  <a:pos x="connsiteX16" y="connsiteY16"/>
+                </a:cxn>
+                <a:cxn ang="0">
+                  <a:pos x="connsiteX17" y="connsiteY17"/>
+                </a:cxn>
+                <a:cxn ang="0">
+                  <a:pos x="connsiteX18" y="connsiteY18"/>
+                </a:cxn>
+                <a:cxn ang="0">
+                  <a:pos x="connsiteX19" y="connsiteY19"/>
+                </a:cxn>
+                <a:cxn ang="0">
+                  <a:pos x="connsiteX20" y="connsiteY20"/>
+                </a:cxn>
+                <a:cxn ang="0">
+                  <a:pos x="connsiteX21" y="connsiteY21"/>
+                </a:cxn>
+                <a:cxn ang="0">
+                  <a:pos x="connsiteX22" y="connsiteY22"/>
+                </a:cxn>
+                <a:cxn ang="0">
+                  <a:pos x="connsiteX23" y="connsiteY23"/>
+                </a:cxn>
+              </a:cxnLst>
+              <a:rect l="l" t="t" r="r" b="b"/>
+              <a:pathLst>
+                <a:path w="3815986" h="2675935">
+                  <a:moveTo>
+                    <a:pt x="3648768" y="0"/>
+                  </a:moveTo>
+                  <a:lnTo>
+                    <a:pt x="3815986" y="0"/>
+                  </a:lnTo>
+                  <a:lnTo>
+                    <a:pt x="3804695" y="200084"/>
+                  </a:lnTo>
+                  <a:cubicBezTo>
+                    <a:pt x="3795228" y="285751"/>
+                    <a:pt x="3781167" y="371032"/>
+                    <a:pt x="3762590" y="455543"/>
+                  </a:cubicBezTo>
+                  <a:cubicBezTo>
+                    <a:pt x="3725537" y="624467"/>
+                    <a:pt x="3668784" y="790112"/>
+                    <a:pt x="3592332" y="947274"/>
+                  </a:cubicBezTo>
+                  <a:cubicBezTo>
+                    <a:pt x="3438712" y="1261596"/>
+                    <a:pt x="3216091" y="1542847"/>
+                    <a:pt x="2953967" y="1782349"/>
+                  </a:cubicBezTo>
+                  <a:cubicBezTo>
+                    <a:pt x="2822599" y="1902099"/>
+                    <a:pt x="2680615" y="2011341"/>
+                    <a:pt x="2530669" y="2109494"/>
+                  </a:cubicBezTo>
+                  <a:cubicBezTo>
+                    <a:pt x="2380520" y="2207551"/>
+                    <a:pt x="2222510" y="2294906"/>
+                    <a:pt x="2057561" y="2369245"/>
+                  </a:cubicBezTo>
+                  <a:cubicBezTo>
+                    <a:pt x="1727252" y="2516859"/>
+                    <a:pt x="1371629" y="2614434"/>
+                    <a:pt x="1007330" y="2655701"/>
+                  </a:cubicBezTo>
+                  <a:cubicBezTo>
+                    <a:pt x="916281" y="2665873"/>
+                    <a:pt x="824568" y="2672188"/>
+                    <a:pt x="732765" y="2674696"/>
+                  </a:cubicBezTo>
+                  <a:cubicBezTo>
+                    <a:pt x="640963" y="2677203"/>
+                    <a:pt x="549072" y="2675901"/>
+                    <a:pt x="457666" y="2670839"/>
+                  </a:cubicBezTo>
+                  <a:cubicBezTo>
+                    <a:pt x="366106" y="2665584"/>
+                    <a:pt x="274572" y="2656521"/>
+                    <a:pt x="183574" y="2643312"/>
+                  </a:cubicBezTo>
+                  <a:lnTo>
+                    <a:pt x="0" y="2607798"/>
+                  </a:lnTo>
+                  <a:lnTo>
+                    <a:pt x="0" y="2356652"/>
+                  </a:lnTo>
+                  <a:lnTo>
+                    <a:pt x="222195" y="2396940"/>
+                  </a:lnTo>
+                  <a:cubicBezTo>
+                    <a:pt x="304990" y="2407980"/>
+                    <a:pt x="388511" y="2415283"/>
+                    <a:pt x="472364" y="2419092"/>
+                  </a:cubicBezTo>
+                  <a:cubicBezTo>
+                    <a:pt x="640376" y="2427095"/>
+                    <a:pt x="808184" y="2421791"/>
+                    <a:pt x="974972" y="2402122"/>
+                  </a:cubicBezTo>
+                  <a:cubicBezTo>
+                    <a:pt x="1141658" y="2382358"/>
+                    <a:pt x="1306812" y="2349286"/>
+                    <a:pt x="1468292" y="2304162"/>
+                  </a:cubicBezTo>
+                  <a:cubicBezTo>
+                    <a:pt x="1629874" y="2259231"/>
+                    <a:pt x="1787475" y="2201091"/>
+                    <a:pt x="1940176" y="2133695"/>
+                  </a:cubicBezTo>
+                  <a:cubicBezTo>
+                    <a:pt x="2246498" y="2000349"/>
+                    <a:pt x="2532507" y="1823520"/>
+                    <a:pt x="2783403" y="1609954"/>
+                  </a:cubicBezTo>
+                  <a:cubicBezTo>
+                    <a:pt x="2908442" y="1502833"/>
+                    <a:pt x="3024295" y="1385975"/>
+                    <a:pt x="3128104" y="1260439"/>
+                  </a:cubicBezTo>
+                  <a:cubicBezTo>
+                    <a:pt x="3232116" y="1135096"/>
+                    <a:pt x="3323881" y="1000689"/>
+                    <a:pt x="3400639" y="859052"/>
+                  </a:cubicBezTo>
+                  <a:cubicBezTo>
+                    <a:pt x="3477399" y="717510"/>
+                    <a:pt x="3541296" y="569316"/>
+                    <a:pt x="3585595" y="415336"/>
+                  </a:cubicBezTo>
+                  <a:cubicBezTo>
+                    <a:pt x="3607796" y="338540"/>
+                    <a:pt x="3624638" y="260224"/>
+                    <a:pt x="3635918" y="181137"/>
+                  </a:cubicBezTo>
+                  <a:close/>
+                </a:path>
+              </a:pathLst>
+            </a:custGeom>
+            <a:gradFill>
+              <a:gsLst>
+                <a:gs pos="2000">
+                  <a:schemeClr val="bg1">
+                    <a:alpha val="10000"/>
+                  </a:schemeClr>
+                </a:gs>
+                <a:gs pos="16000">
+                  <a:schemeClr val="accent6">
+                    <a:alpha val="10000"/>
+                  </a:schemeClr>
+                </a:gs>
+                <a:gs pos="100000">
+                  <a:schemeClr val="bg1">
+                    <a:alpha val="10000"/>
+                  </a:schemeClr>
+                </a:gs>
+                <a:gs pos="85000">
+                  <a:schemeClr val="accent1">
+                    <a:alpha val="10000"/>
+                  </a:schemeClr>
+                </a:gs>
+              </a:gsLst>
+              <a:lin ang="12000000" scaled="0"/>
+            </a:gradFill>
+            <a:ln>
+              <a:noFill/>
+            </a:ln>
+          </p:spPr>
+          <p:style>
+            <a:lnRef idx="2">
+              <a:schemeClr val="accent1">
+                <a:shade val="50000"/>
+              </a:schemeClr>
+            </a:lnRef>
+            <a:fillRef idx="1">
+              <a:schemeClr val="accent1"/>
+            </a:fillRef>
+            <a:effectRef idx="0">
+              <a:schemeClr val="accent1"/>
+            </a:effectRef>
+            <a:fontRef idx="minor">
+              <a:schemeClr val="lt1"/>
+            </a:fontRef>
+          </p:style>
+          <p:txBody>
+            <a:bodyPr rtlCol="0" anchor="ctr"/>
+            <a:lstStyle/>
+            <a:p>
+              <a:pPr algn="ctr"/>
+              <a:endParaRPr lang="en-US"/>
+            </a:p>
+          </p:txBody>
+        </p:sp>
+        <p:sp>
+          <p:nvSpPr>
+            <p:cNvPr id="40" name="Freeform: Shape 39">
+              <a:extLst>
+                <a:ext uri="{FF2B5EF4-FFF2-40B4-BE49-F238E27FC236}">
+                  <a16:creationId xmlns:a16="http://schemas.microsoft.com/office/drawing/2014/main" id="{0022F94E-D4FB-4369-A3EE-7D82330BA4CB}"/>
+                </a:ext>
+                <a:ext uri="{C183D7F6-B498-43B3-948B-1728B52AA6E4}">
+                  <adec:decorative xmlns:adec="http://schemas.microsoft.com/office/drawing/2017/decorative" val="1"/>
+                </a:ext>
+              </a:extLst>
+            </p:cNvPr>
+            <p:cNvSpPr/>
+            <p:nvPr>
+              <p:extLst>
+                <p:ext uri="{386F3935-93C4-4BCD-93E2-E3B085C9AB24}">
+                  <p16:designElem xmlns:p16="http://schemas.microsoft.com/office/powerpoint/2015/main" val="1"/>
+                </p:ext>
+              </p:extLst>
+            </p:nvPr>
+          </p:nvSpPr>
+          <p:spPr>
+            <a:xfrm>
+              <a:off x="305" y="-1"/>
+              <a:ext cx="3832270" cy="2876136"/>
+            </a:xfrm>
+            <a:custGeom>
+              <a:avLst/>
+              <a:gdLst>
+                <a:gd name="connsiteX0" fmla="*/ 3800718 w 3832270"/>
+                <a:gd name="connsiteY0" fmla="*/ 0 h 2876136"/>
+                <a:gd name="connsiteX1" fmla="*/ 3832270 w 3832270"/>
+                <a:gd name="connsiteY1" fmla="*/ 0 h 2876136"/>
+                <a:gd name="connsiteX2" fmla="*/ 3824562 w 3832270"/>
+                <a:gd name="connsiteY2" fmla="*/ 143769 h 2876136"/>
+                <a:gd name="connsiteX3" fmla="*/ 3628155 w 3832270"/>
+                <a:gd name="connsiteY3" fmla="*/ 922055 h 2876136"/>
+                <a:gd name="connsiteX4" fmla="*/ 3514853 w 3832270"/>
+                <a:gd name="connsiteY4" fmla="*/ 1169078 h 2876136"/>
+                <a:gd name="connsiteX5" fmla="*/ 3379198 w 3832270"/>
+                <a:gd name="connsiteY5" fmla="*/ 1407037 h 2876136"/>
+                <a:gd name="connsiteX6" fmla="*/ 3043787 w 3832270"/>
+                <a:gd name="connsiteY6" fmla="*/ 1848342 h 2876136"/>
+                <a:gd name="connsiteX7" fmla="*/ 2845661 w 3832270"/>
+                <a:gd name="connsiteY7" fmla="*/ 2047444 h 2876136"/>
+                <a:gd name="connsiteX8" fmla="*/ 2793197 w 3832270"/>
+                <a:gd name="connsiteY8" fmla="*/ 2094689 h 2876136"/>
+                <a:gd name="connsiteX9" fmla="*/ 2739710 w 3832270"/>
+                <a:gd name="connsiteY9" fmla="*/ 2140969 h 2876136"/>
+                <a:gd name="connsiteX10" fmla="*/ 2629166 w 3832270"/>
+                <a:gd name="connsiteY10" fmla="*/ 2229867 h 2876136"/>
+                <a:gd name="connsiteX11" fmla="*/ 2145952 w 3832270"/>
+                <a:gd name="connsiteY11" fmla="*/ 2535994 h 2876136"/>
+                <a:gd name="connsiteX12" fmla="*/ 1034987 w 3832270"/>
+                <a:gd name="connsiteY12" fmla="*/ 2863910 h 2876136"/>
+                <a:gd name="connsiteX13" fmla="*/ 741909 w 3832270"/>
+                <a:gd name="connsiteY13" fmla="*/ 2875939 h 2876136"/>
+                <a:gd name="connsiteX14" fmla="*/ 450208 w 3832270"/>
+                <a:gd name="connsiteY14" fmla="*/ 2857451 h 2876136"/>
+                <a:gd name="connsiteX15" fmla="*/ 22215 w 3832270"/>
+                <a:gd name="connsiteY15" fmla="*/ 2775923 h 2876136"/>
+                <a:gd name="connsiteX16" fmla="*/ 0 w 3832270"/>
+                <a:gd name="connsiteY16" fmla="*/ 2769256 h 2876136"/>
+                <a:gd name="connsiteX17" fmla="*/ 0 w 3832270"/>
+                <a:gd name="connsiteY17" fmla="*/ 2590612 h 2876136"/>
+                <a:gd name="connsiteX18" fmla="*/ 199046 w 3832270"/>
+                <a:gd name="connsiteY18" fmla="*/ 2627410 h 2876136"/>
+                <a:gd name="connsiteX19" fmla="*/ 468174 w 3832270"/>
+                <a:gd name="connsiteY19" fmla="*/ 2649670 h 2876136"/>
+                <a:gd name="connsiteX20" fmla="*/ 1003650 w 3832270"/>
+                <a:gd name="connsiteY20" fmla="*/ 2622480 h 2876136"/>
+                <a:gd name="connsiteX21" fmla="*/ 1266489 w 3832270"/>
+                <a:gd name="connsiteY21" fmla="*/ 2573982 h 2876136"/>
+                <a:gd name="connsiteX22" fmla="*/ 1524223 w 3832270"/>
+                <a:gd name="connsiteY22" fmla="*/ 2504657 h 2876136"/>
+                <a:gd name="connsiteX23" fmla="*/ 1775731 w 3832270"/>
+                <a:gd name="connsiteY23" fmla="*/ 2416243 h 2876136"/>
+                <a:gd name="connsiteX24" fmla="*/ 2019789 w 3832270"/>
+                <a:gd name="connsiteY24" fmla="*/ 2309412 h 2876136"/>
+                <a:gd name="connsiteX25" fmla="*/ 2482486 w 3832270"/>
+                <a:gd name="connsiteY25" fmla="*/ 2046962 h 2876136"/>
+                <a:gd name="connsiteX26" fmla="*/ 2591908 w 3832270"/>
+                <a:gd name="connsiteY26" fmla="*/ 1971371 h 2876136"/>
+                <a:gd name="connsiteX27" fmla="*/ 2645702 w 3832270"/>
+                <a:gd name="connsiteY27" fmla="*/ 1932321 h 2876136"/>
+                <a:gd name="connsiteX28" fmla="*/ 2698779 w 3832270"/>
+                <a:gd name="connsiteY28" fmla="*/ 1892309 h 2876136"/>
+                <a:gd name="connsiteX29" fmla="*/ 2903537 w 3832270"/>
+                <a:gd name="connsiteY29" fmla="*/ 1722516 h 2876136"/>
+                <a:gd name="connsiteX30" fmla="*/ 3269061 w 3832270"/>
+                <a:gd name="connsiteY30" fmla="*/ 1337327 h 2876136"/>
+                <a:gd name="connsiteX31" fmla="*/ 3424928 w 3832270"/>
+                <a:gd name="connsiteY31" fmla="*/ 1122508 h 2876136"/>
+                <a:gd name="connsiteX32" fmla="*/ 3557622 w 3832270"/>
+                <a:gd name="connsiteY32" fmla="*/ 893226 h 2876136"/>
+                <a:gd name="connsiteX33" fmla="*/ 3587019 w 3832270"/>
+                <a:gd name="connsiteY33" fmla="*/ 833929 h 2876136"/>
+                <a:gd name="connsiteX34" fmla="*/ 3601310 w 3832270"/>
+                <a:gd name="connsiteY34" fmla="*/ 804040 h 2876136"/>
+                <a:gd name="connsiteX35" fmla="*/ 3614885 w 3832270"/>
+                <a:gd name="connsiteY35" fmla="*/ 773861 h 2876136"/>
+                <a:gd name="connsiteX36" fmla="*/ 3640812 w 3832270"/>
+                <a:gd name="connsiteY36" fmla="*/ 713022 h 2876136"/>
+                <a:gd name="connsiteX37" fmla="*/ 3665105 w 3832270"/>
+                <a:gd name="connsiteY37" fmla="*/ 651506 h 2876136"/>
+                <a:gd name="connsiteX38" fmla="*/ 3744110 w 3832270"/>
+                <a:gd name="connsiteY38" fmla="*/ 399567 h 2876136"/>
+                <a:gd name="connsiteX39" fmla="*/ 3792123 w 3832270"/>
+                <a:gd name="connsiteY39" fmla="*/ 140444 h 2876136"/>
+              </a:gdLst>
+              <a:ahLst/>
+              <a:cxnLst>
+                <a:cxn ang="0">
+                  <a:pos x="connsiteX0" y="connsiteY0"/>
+                </a:cxn>
+                <a:cxn ang="0">
+                  <a:pos x="connsiteX1" y="connsiteY1"/>
+                </a:cxn>
+                <a:cxn ang="0">
+                  <a:pos x="connsiteX2" y="connsiteY2"/>
+                </a:cxn>
+                <a:cxn ang="0">
+                  <a:pos x="connsiteX3" y="connsiteY3"/>
+                </a:cxn>
+                <a:cxn ang="0">
+                  <a:pos x="connsiteX4" y="connsiteY4"/>
+                </a:cxn>
+                <a:cxn ang="0">
+                  <a:pos x="connsiteX5" y="connsiteY5"/>
+                </a:cxn>
+                <a:cxn ang="0">
+                  <a:pos x="connsiteX6" y="connsiteY6"/>
+                </a:cxn>
+                <a:cxn ang="0">
+                  <a:pos x="connsiteX7" y="connsiteY7"/>
+                </a:cxn>
+                <a:cxn ang="0">
+                  <a:pos x="connsiteX8" y="connsiteY8"/>
+                </a:cxn>
+                <a:cxn ang="0">
+                  <a:pos x="connsiteX9" y="connsiteY9"/>
+                </a:cxn>
+                <a:cxn ang="0">
+                  <a:pos x="connsiteX10" y="connsiteY10"/>
+                </a:cxn>
+                <a:cxn ang="0">
+                  <a:pos x="connsiteX11" y="connsiteY11"/>
+                </a:cxn>
+                <a:cxn ang="0">
+                  <a:pos x="connsiteX12" y="connsiteY12"/>
+                </a:cxn>
+                <a:cxn ang="0">
+                  <a:pos x="connsiteX13" y="connsiteY13"/>
+                </a:cxn>
+                <a:cxn ang="0">
+                  <a:pos x="connsiteX14" y="connsiteY14"/>
+                </a:cxn>
+                <a:cxn ang="0">
+                  <a:pos x="connsiteX15" y="connsiteY15"/>
+                </a:cxn>
+                <a:cxn ang="0">
+                  <a:pos x="connsiteX16" y="connsiteY16"/>
+                </a:cxn>
+                <a:cxn ang="0">
+                  <a:pos x="connsiteX17" y="connsiteY17"/>
+                </a:cxn>
+                <a:cxn ang="0">
+                  <a:pos x="connsiteX18" y="connsiteY18"/>
+                </a:cxn>
+                <a:cxn ang="0">
+                  <a:pos x="connsiteX19" y="connsiteY19"/>
+                </a:cxn>
+                <a:cxn ang="0">
+                  <a:pos x="connsiteX20" y="connsiteY20"/>
+                </a:cxn>
+                <a:cxn ang="0">
+                  <a:pos x="connsiteX21" y="connsiteY21"/>
+                </a:cxn>
+                <a:cxn ang="0">
+                  <a:pos x="connsiteX22" y="connsiteY22"/>
+                </a:cxn>
+                <a:cxn ang="0">
+                  <a:pos x="connsiteX23" y="connsiteY23"/>
+                </a:cxn>
+                <a:cxn ang="0">
+                  <a:pos x="connsiteX24" y="connsiteY24"/>
+                </a:cxn>
+                <a:cxn ang="0">
+                  <a:pos x="connsiteX25" y="connsiteY25"/>
+                </a:cxn>
+                <a:cxn ang="0">
+                  <a:pos x="connsiteX26" y="connsiteY26"/>
+                </a:cxn>
+                <a:cxn ang="0">
+                  <a:pos x="connsiteX27" y="connsiteY27"/>
+                </a:cxn>
+                <a:cxn ang="0">
+                  <a:pos x="connsiteX28" y="connsiteY28"/>
+                </a:cxn>
+                <a:cxn ang="0">
+                  <a:pos x="connsiteX29" y="connsiteY29"/>
+                </a:cxn>
+                <a:cxn ang="0">
+                  <a:pos x="connsiteX30" y="connsiteY30"/>
+                </a:cxn>
+                <a:cxn ang="0">
+                  <a:pos x="connsiteX31" y="connsiteY31"/>
+                </a:cxn>
+                <a:cxn ang="0">
+                  <a:pos x="connsiteX32" y="connsiteY32"/>
+                </a:cxn>
+                <a:cxn ang="0">
+                  <a:pos x="connsiteX33" y="connsiteY33"/>
+                </a:cxn>
+                <a:cxn ang="0">
+                  <a:pos x="connsiteX34" y="connsiteY34"/>
+                </a:cxn>
+                <a:cxn ang="0">
+                  <a:pos x="connsiteX35" y="connsiteY35"/>
+                </a:cxn>
+                <a:cxn ang="0">
+                  <a:pos x="connsiteX36" y="connsiteY36"/>
+                </a:cxn>
+                <a:cxn ang="0">
+                  <a:pos x="connsiteX37" y="connsiteY37"/>
+                </a:cxn>
+                <a:cxn ang="0">
+                  <a:pos x="connsiteX38" y="connsiteY38"/>
+                </a:cxn>
+                <a:cxn ang="0">
+                  <a:pos x="connsiteX39" y="connsiteY39"/>
+                </a:cxn>
+              </a:cxnLst>
+              <a:rect l="l" t="t" r="r" b="b"/>
+              <a:pathLst>
+                <a:path w="3832270" h="2876136">
+                  <a:moveTo>
+                    <a:pt x="3800718" y="0"/>
+                  </a:moveTo>
+                  <a:lnTo>
+                    <a:pt x="3832270" y="0"/>
+                  </a:lnTo>
+                  <a:lnTo>
+                    <a:pt x="3824562" y="143769"/>
+                  </a:lnTo>
+                  <a:cubicBezTo>
+                    <a:pt x="3797131" y="409191"/>
+                    <a:pt x="3730585" y="671345"/>
+                    <a:pt x="3628155" y="922055"/>
+                  </a:cubicBezTo>
+                  <a:cubicBezTo>
+                    <a:pt x="3593858" y="1005553"/>
+                    <a:pt x="3556704" y="1088280"/>
+                    <a:pt x="3514853" y="1169078"/>
+                  </a:cubicBezTo>
+                  <a:cubicBezTo>
+                    <a:pt x="3473616" y="1250166"/>
+                    <a:pt x="3428194" y="1329517"/>
+                    <a:pt x="3379198" y="1407037"/>
+                  </a:cubicBezTo>
+                  <a:cubicBezTo>
+                    <a:pt x="3281106" y="1561980"/>
+                    <a:pt x="3169132" y="1710174"/>
+                    <a:pt x="3043787" y="1848342"/>
+                  </a:cubicBezTo>
+                  <a:cubicBezTo>
+                    <a:pt x="2980806" y="1917184"/>
+                    <a:pt x="2915071" y="1984001"/>
+                    <a:pt x="2845661" y="2047444"/>
+                  </a:cubicBezTo>
+                  <a:cubicBezTo>
+                    <a:pt x="2828411" y="2063450"/>
+                    <a:pt x="2811060" y="2079263"/>
+                    <a:pt x="2793197" y="2094689"/>
+                  </a:cubicBezTo>
+                  <a:cubicBezTo>
+                    <a:pt x="2775436" y="2110213"/>
+                    <a:pt x="2757982" y="2126025"/>
+                    <a:pt x="2739710" y="2140969"/>
+                  </a:cubicBezTo>
+                  <a:cubicBezTo>
+                    <a:pt x="2703576" y="2171341"/>
+                    <a:pt x="2666524" y="2200749"/>
+                    <a:pt x="2629166" y="2229867"/>
+                  </a:cubicBezTo>
+                  <a:cubicBezTo>
+                    <a:pt x="2479015" y="2345569"/>
+                    <a:pt x="2316821" y="2448061"/>
+                    <a:pt x="2145952" y="2535994"/>
+                  </a:cubicBezTo>
+                  <a:cubicBezTo>
+                    <a:pt x="1804312" y="2711957"/>
+                    <a:pt x="1424600" y="2826982"/>
+                    <a:pt x="1034987" y="2863910"/>
+                  </a:cubicBezTo>
+                  <a:cubicBezTo>
+                    <a:pt x="937762" y="2873167"/>
+                    <a:pt x="839720" y="2877096"/>
+                    <a:pt x="741909" y="2875939"/>
+                  </a:cubicBezTo>
+                  <a:cubicBezTo>
+                    <a:pt x="644097" y="2874782"/>
+                    <a:pt x="546515" y="2868539"/>
+                    <a:pt x="450208" y="2857451"/>
+                  </a:cubicBezTo>
+                  <a:cubicBezTo>
+                    <a:pt x="305520" y="2840674"/>
+                    <a:pt x="162095" y="2813810"/>
+                    <a:pt x="22215" y="2775923"/>
+                  </a:cubicBezTo>
+                  <a:lnTo>
+                    <a:pt x="0" y="2769256"/>
+                  </a:lnTo>
+                  <a:lnTo>
+                    <a:pt x="0" y="2590612"/>
+                  </a:lnTo>
+                  <a:lnTo>
+                    <a:pt x="199046" y="2627410"/>
+                  </a:lnTo>
+                  <a:cubicBezTo>
+                    <a:pt x="288321" y="2639209"/>
+                    <a:pt x="378197" y="2646537"/>
+                    <a:pt x="468174" y="2649670"/>
+                  </a:cubicBezTo>
+                  <a:cubicBezTo>
+                    <a:pt x="648333" y="2656805"/>
+                    <a:pt x="826655" y="2647163"/>
+                    <a:pt x="1003650" y="2622480"/>
+                  </a:cubicBezTo>
+                  <a:cubicBezTo>
+                    <a:pt x="1091943" y="2609658"/>
+                    <a:pt x="1179725" y="2593747"/>
+                    <a:pt x="1266489" y="2573982"/>
+                  </a:cubicBezTo>
+                  <a:cubicBezTo>
+                    <a:pt x="1353250" y="2553927"/>
+                    <a:pt x="1439298" y="2531076"/>
+                    <a:pt x="1524223" y="2504657"/>
+                  </a:cubicBezTo>
+                  <a:cubicBezTo>
+                    <a:pt x="1609149" y="2478336"/>
+                    <a:pt x="1693052" y="2448833"/>
+                    <a:pt x="1775731" y="2416243"/>
+                  </a:cubicBezTo>
+                  <a:cubicBezTo>
+                    <a:pt x="1858309" y="2383557"/>
+                    <a:pt x="1939764" y="2347882"/>
+                    <a:pt x="2019789" y="2309412"/>
+                  </a:cubicBezTo>
+                  <a:cubicBezTo>
+                    <a:pt x="2179839" y="2232567"/>
+                    <a:pt x="2334583" y="2144923"/>
+                    <a:pt x="2482486" y="2046962"/>
+                  </a:cubicBezTo>
+                  <a:cubicBezTo>
+                    <a:pt x="2519334" y="2022376"/>
+                    <a:pt x="2556081" y="1997403"/>
+                    <a:pt x="2591908" y="1971371"/>
+                  </a:cubicBezTo>
+                  <a:cubicBezTo>
+                    <a:pt x="2610077" y="1958644"/>
+                    <a:pt x="2627838" y="1945434"/>
+                    <a:pt x="2645702" y="1932321"/>
+                  </a:cubicBezTo>
+                  <a:cubicBezTo>
+                    <a:pt x="2663666" y="1919305"/>
+                    <a:pt x="2681325" y="1905903"/>
+                    <a:pt x="2698779" y="1892309"/>
+                  </a:cubicBezTo>
+                  <a:cubicBezTo>
+                    <a:pt x="2768903" y="1838025"/>
+                    <a:pt x="2837496" y="1781717"/>
+                    <a:pt x="2903537" y="1722516"/>
+                  </a:cubicBezTo>
+                  <a:cubicBezTo>
+                    <a:pt x="3035926" y="1604501"/>
+                    <a:pt x="3158720" y="1475784"/>
+                    <a:pt x="3269061" y="1337327"/>
+                  </a:cubicBezTo>
+                  <a:cubicBezTo>
+                    <a:pt x="3324182" y="1268099"/>
+                    <a:pt x="3376341" y="1196461"/>
+                    <a:pt x="3424928" y="1122508"/>
+                  </a:cubicBezTo>
+                  <a:cubicBezTo>
+                    <a:pt x="3472697" y="1048170"/>
+                    <a:pt x="3517814" y="972000"/>
+                    <a:pt x="3557622" y="893226"/>
+                  </a:cubicBezTo>
+                  <a:cubicBezTo>
+                    <a:pt x="3567931" y="873654"/>
+                    <a:pt x="3577526" y="853791"/>
+                    <a:pt x="3587019" y="833929"/>
+                  </a:cubicBezTo>
+                  <a:lnTo>
+                    <a:pt x="3601310" y="804040"/>
+                  </a:lnTo>
+                  <a:lnTo>
+                    <a:pt x="3614885" y="773861"/>
+                  </a:lnTo>
+                  <a:cubicBezTo>
+                    <a:pt x="3623766" y="753709"/>
+                    <a:pt x="3632748" y="733559"/>
+                    <a:pt x="3640812" y="713022"/>
+                  </a:cubicBezTo>
+                  <a:cubicBezTo>
+                    <a:pt x="3648876" y="692485"/>
+                    <a:pt x="3657756" y="672236"/>
+                    <a:pt x="3665105" y="651506"/>
+                  </a:cubicBezTo>
+                  <a:cubicBezTo>
+                    <a:pt x="3696544" y="569166"/>
+                    <a:pt x="3723185" y="485089"/>
+                    <a:pt x="3744110" y="399567"/>
+                  </a:cubicBezTo>
+                  <a:cubicBezTo>
+                    <a:pt x="3765341" y="314238"/>
+                    <a:pt x="3781392" y="227654"/>
+                    <a:pt x="3792123" y="140444"/>
+                  </a:cubicBezTo>
+                  <a:close/>
+                </a:path>
+              </a:pathLst>
+            </a:custGeom>
+            <a:gradFill>
+              <a:gsLst>
+                <a:gs pos="2000">
+                  <a:schemeClr val="bg1">
+                    <a:alpha val="10000"/>
+                  </a:schemeClr>
+                </a:gs>
+                <a:gs pos="16000">
+                  <a:schemeClr val="accent6">
+                    <a:alpha val="10000"/>
+                  </a:schemeClr>
+                </a:gs>
+                <a:gs pos="100000">
+                  <a:schemeClr val="bg1">
+                    <a:alpha val="10000"/>
+                  </a:schemeClr>
+                </a:gs>
+                <a:gs pos="85000">
+                  <a:schemeClr val="accent1">
+                    <a:alpha val="10000"/>
+                  </a:schemeClr>
+                </a:gs>
+              </a:gsLst>
+              <a:lin ang="12000000" scaled="0"/>
+            </a:gradFill>
+            <a:ln>
+              <a:noFill/>
+            </a:ln>
+          </p:spPr>
+          <p:style>
+            <a:lnRef idx="2">
+              <a:schemeClr val="accent1">
+                <a:shade val="50000"/>
+              </a:schemeClr>
+            </a:lnRef>
+            <a:fillRef idx="1">
+              <a:schemeClr val="accent1"/>
+            </a:fillRef>
+            <a:effectRef idx="0">
+              <a:schemeClr val="accent1"/>
+            </a:effectRef>
+            <a:fontRef idx="minor">
+              <a:schemeClr val="lt1"/>
+            </a:fontRef>
+          </p:style>
+          <p:txBody>
+            <a:bodyPr rtlCol="0" anchor="ctr"/>
+            <a:lstStyle/>
+            <a:p>
+              <a:pPr algn="ctr"/>
+              <a:endParaRPr lang="en-US"/>
+            </a:p>
+          </p:txBody>
+        </p:sp>
+      </p:grpSp>
+      <p:sp>
+        <p:nvSpPr>
+          <p:cNvPr id="6" name="TextBox 5">
+            <a:extLst>
+              <a:ext uri="{FF2B5EF4-FFF2-40B4-BE49-F238E27FC236}">
+                <a16:creationId xmlns:a16="http://schemas.microsoft.com/office/drawing/2014/main" id="{F97264EF-4595-CA4C-963B-5684F5F19DC7}"/>
+              </a:ext>
+            </a:extLst>
+          </p:cNvPr>
+          <p:cNvSpPr txBox="1"/>
+          <p:nvPr/>
+        </p:nvSpPr>
+        <p:spPr>
+          <a:xfrm>
+            <a:off x="358815" y="6006020"/>
+            <a:ext cx="2245489" cy="369332"/>
+          </a:xfrm>
+          <a:prstGeom prst="rect">
+            <a:avLst/>
+          </a:prstGeom>
+          <a:noFill/>
+        </p:spPr>
+        <p:txBody>
+          <a:bodyPr wrap="square" rtlCol="0">
+            <a:spAutoFit/>
+          </a:bodyPr>
+          <a:lstStyle/>
+          <a:p>
+            <a:r>
+              <a:rPr lang="en-US" dirty="0">
+                <a:latin typeface="+mj-lt"/>
+              </a:rPr>
+              <a:t>What’s </a:t>
+            </a:r>
+            <a:r>
+              <a:rPr lang="en-US" dirty="0" err="1">
+                <a:latin typeface="+mj-lt"/>
+              </a:rPr>
+              <a:t>Cookin</a:t>
+            </a:r>
+            <a:r>
+              <a:rPr lang="en-US" dirty="0">
+                <a:latin typeface="+mj-lt"/>
+              </a:rPr>
+              <a:t>` Team</a:t>
+            </a:r>
+          </a:p>
+        </p:txBody>
+      </p:sp>
+    </p:spTree>
+    <p:extLst>
+      <p:ext uri="{BB962C8B-B14F-4D97-AF65-F5344CB8AC3E}">
+        <p14:creationId xmlns:p14="http://schemas.microsoft.com/office/powerpoint/2010/main" val="1981904515"/>
+      </p:ext>
+    </p:extLst>
+  </p:cSld>
+  <p:clrMapOvr>
+    <a:masterClrMapping/>
+  </p:clrMapOvr>
+</p:sld>
+</file>
+
+<file path=ppt/slides/slide2.xml><?xml version="1.0" encoding="utf-8"?>
+<p:sld xmlns:a="http://schemas.openxmlformats.org/drawingml/2006/main" xmlns:r="http://schemas.openxmlformats.org/officeDocument/2006/relationships" xmlns:p="http://schemas.openxmlformats.org/presentationml/2006/main">
+  <p:cSld>
+    <p:bg>
+      <p:bgPr>
+        <a:solidFill>
+          <a:schemeClr val="bg1"/>
+        </a:solidFill>
+        <a:effectLst/>
+      </p:bgPr>
+    </p:bg>
+    <p:spTree>
+      <p:nvGrpSpPr>
+        <p:cNvPr id="1" name=""/>
+        <p:cNvGrpSpPr/>
+        <p:nvPr/>
+      </p:nvGrpSpPr>
+      <p:grpSpPr>
+        <a:xfrm>
+          <a:off x="0" y="0"/>
+          <a:ext cx="0" cy="0"/>
+          <a:chOff x="0" y="0"/>
+          <a:chExt cx="0" cy="0"/>
+        </a:xfrm>
+      </p:grpSpPr>
+      <p:sp>
+        <p:nvSpPr>
+          <p:cNvPr id="21" name="Rectangle 20">
+            <a:extLst>
+              <a:ext uri="{FF2B5EF4-FFF2-40B4-BE49-F238E27FC236}">
+                <a16:creationId xmlns:a16="http://schemas.microsoft.com/office/drawing/2014/main" id="{2B566528-1B12-4246-9431-5C2D7D081168}"/>
+              </a:ext>
+              <a:ext uri="{C183D7F6-B498-43B3-948B-1728B52AA6E4}">
+                <adec:decorative xmlns:adec="http://schemas.microsoft.com/office/drawing/2017/decorative" val="1"/>
+              </a:ext>
+            </a:extLst>
+          </p:cNvPr>
+          <p:cNvSpPr>
+            <a:spLocks noGrp="1" noRot="1" noChangeAspect="1" noMove="1" noResize="1" noEditPoints="1" noAdjustHandles="1" noChangeArrowheads="1" noChangeShapeType="1" noTextEdit="1"/>
+          </p:cNvSpPr>
+          <p:nvPr>
+            <p:extLst>
+              <p:ext uri="{386F3935-93C4-4BCD-93E2-E3B085C9AB24}">
+                <p16:designElem xmlns:p16="http://schemas.microsoft.com/office/powerpoint/2015/main" val="1"/>
+              </p:ext>
+            </p:extLst>
+          </p:nvPr>
+        </p:nvSpPr>
+        <p:spPr>
+          <a:xfrm>
+            <a:off x="0" y="0"/>
+            <a:ext cx="12192000" cy="6858000"/>
+          </a:xfrm>
+          <a:prstGeom prst="rect">
+            <a:avLst/>
+          </a:prstGeom>
+          <a:solidFill>
+            <a:schemeClr val="bg1"/>
+          </a:solidFill>
+          <a:ln>
+            <a:noFill/>
+          </a:ln>
+        </p:spPr>
+        <p:style>
+          <a:lnRef idx="2">
+            <a:schemeClr val="accent1">
+              <a:shade val="50000"/>
+            </a:schemeClr>
+          </a:lnRef>
+          <a:fillRef idx="1">
+            <a:schemeClr val="accent1"/>
+          </a:fillRef>
+          <a:effectRef idx="0">
+            <a:schemeClr val="accent1"/>
+          </a:effectRef>
+          <a:fontRef idx="minor">
+            <a:schemeClr val="lt1"/>
+          </a:fontRef>
+        </p:style>
+        <p:txBody>
+          <a:bodyPr rtlCol="0" anchor="ctr"/>
+          <a:lstStyle/>
+          <a:p>
+            <a:pPr algn="ctr"/>
+            <a:endParaRPr lang="en-US" dirty="0"/>
+          </a:p>
+        </p:txBody>
+      </p:sp>
+      <p:sp>
+        <p:nvSpPr>
+          <p:cNvPr id="15" name="Title 14">
+            <a:extLst>
+              <a:ext uri="{FF2B5EF4-FFF2-40B4-BE49-F238E27FC236}">
+                <a16:creationId xmlns:a16="http://schemas.microsoft.com/office/drawing/2014/main" id="{4F528157-7F66-3347-B497-8D7B63B6A3B5}"/>
+              </a:ext>
+            </a:extLst>
+          </p:cNvPr>
+          <p:cNvSpPr>
+            <a:spLocks noGrp="1"/>
+          </p:cNvSpPr>
+          <p:nvPr>
+            <p:ph type="title"/>
+          </p:nvPr>
+        </p:nvSpPr>
+        <p:spPr>
+          <a:xfrm>
+            <a:off x="643467" y="321734"/>
+            <a:ext cx="10905066" cy="1135737"/>
+          </a:xfrm>
+        </p:spPr>
+        <p:txBody>
+          <a:bodyPr>
+            <a:normAutofit/>
+          </a:bodyPr>
+          <a:lstStyle/>
+          <a:p>
+            <a:r>
+              <a:rPr lang="en-US" sz="3600" dirty="0"/>
+              <a:t>Impact Evaluator Components</a:t>
+            </a:r>
+          </a:p>
+        </p:txBody>
+      </p:sp>
+      <p:sp>
+        <p:nvSpPr>
+          <p:cNvPr id="16" name="Content Placeholder 15">
+            <a:extLst>
+              <a:ext uri="{FF2B5EF4-FFF2-40B4-BE49-F238E27FC236}">
+                <a16:creationId xmlns:a16="http://schemas.microsoft.com/office/drawing/2014/main" id="{EEBC6605-C64A-2642-8550-90ECF2B07F84}"/>
+              </a:ext>
+            </a:extLst>
+          </p:cNvPr>
+          <p:cNvSpPr>
+            <a:spLocks noGrp="1"/>
+          </p:cNvSpPr>
+          <p:nvPr>
+            <p:ph idx="1"/>
+          </p:nvPr>
+        </p:nvSpPr>
+        <p:spPr>
+          <a:xfrm>
+            <a:off x="643467" y="1457471"/>
+            <a:ext cx="10905066" cy="4719492"/>
+          </a:xfrm>
+        </p:spPr>
+        <p:txBody>
+          <a:bodyPr>
+            <a:normAutofit/>
+          </a:bodyPr>
+          <a:lstStyle/>
+          <a:p>
+            <a:r>
+              <a:rPr lang="en-US" sz="1400" b="1" dirty="0"/>
+              <a:t>Impact Evaluator Console</a:t>
+            </a:r>
+          </a:p>
+          <a:p>
+            <a:pPr lvl="1"/>
+            <a:r>
+              <a:rPr lang="en-US" sz="1400" dirty="0"/>
+              <a:t>POC is implemented using Taiga as the source</a:t>
+            </a:r>
+          </a:p>
+          <a:p>
+            <a:pPr lvl="1"/>
+            <a:r>
+              <a:rPr lang="en-US" sz="1400" dirty="0"/>
+              <a:t>The goal is to support a pluggable source for Claims.</a:t>
+            </a:r>
+          </a:p>
+          <a:p>
+            <a:pPr lvl="1"/>
+            <a:r>
+              <a:rPr lang="en-US" sz="1400" dirty="0"/>
+              <a:t>Enables a workflow flow of:</a:t>
+            </a:r>
+          </a:p>
+          <a:p>
+            <a:pPr lvl="2"/>
+            <a:r>
+              <a:rPr lang="en-US" sz="1400" dirty="0"/>
+              <a:t> Approve Funds – persists “Approved” claims to </a:t>
+            </a:r>
+            <a:r>
+              <a:rPr lang="en-US" sz="1400" dirty="0" err="1"/>
+              <a:t>composeDB</a:t>
+            </a:r>
+            <a:endParaRPr lang="en-US" sz="1400" dirty="0"/>
+          </a:p>
+          <a:p>
+            <a:pPr lvl="2"/>
+            <a:r>
+              <a:rPr lang="en-US" sz="1400" dirty="0"/>
+              <a:t>Distribute Funds – persists “Distributed” claims to </a:t>
+            </a:r>
+            <a:r>
+              <a:rPr lang="en-US" sz="1400" dirty="0" err="1"/>
+              <a:t>composeDB</a:t>
+            </a:r>
+            <a:endParaRPr lang="en-US" sz="1400" dirty="0"/>
+          </a:p>
+          <a:p>
+            <a:pPr lvl="2"/>
+            <a:r>
+              <a:rPr lang="en-US" sz="1400" dirty="0"/>
+              <a:t>Submit for Payment – 1) retrieves “Approved” and “Distributed” claims from </a:t>
+            </a:r>
+            <a:r>
+              <a:rPr lang="en-US" sz="1400" dirty="0" err="1"/>
+              <a:t>composeDB</a:t>
+            </a:r>
+            <a:r>
+              <a:rPr lang="en-US" sz="1400" dirty="0"/>
+              <a:t>, 2) persists claims to web3.storage 3) Initiates Bacalhau compute using web3.storage CID.</a:t>
+            </a:r>
+          </a:p>
+          <a:p>
+            <a:r>
+              <a:rPr lang="en-US" sz="1400" b="1" dirty="0"/>
+              <a:t>Bacalhau Compute {Chris…can you please ensure we have the right bullets here}</a:t>
+            </a:r>
+            <a:endParaRPr lang="en-US" sz="1400" dirty="0"/>
+          </a:p>
+          <a:p>
+            <a:pPr lvl="1"/>
+            <a:r>
+              <a:rPr lang="en-US" sz="1400" dirty="0"/>
+              <a:t>Receives the CID for the claims persisted to web3.storage</a:t>
+            </a:r>
+          </a:p>
+          <a:p>
+            <a:pPr lvl="1"/>
+            <a:r>
+              <a:rPr lang="en-US" sz="1400" dirty="0"/>
+              <a:t>Calculates the rewards and balances them to the amount in the Approved Reward.</a:t>
+            </a:r>
+          </a:p>
+          <a:p>
+            <a:pPr lvl="1"/>
+            <a:r>
+              <a:rPr lang="en-US" sz="1400" dirty="0"/>
+              <a:t>Returns a Merkle tree of rewards.</a:t>
+            </a:r>
+          </a:p>
+          <a:p>
+            <a:r>
+              <a:rPr lang="en-US" sz="1400" b="1" dirty="0"/>
+              <a:t>Wrapper Contract {</a:t>
+            </a:r>
+            <a:r>
+              <a:rPr lang="en-US" sz="1400" b="1" dirty="0" err="1"/>
+              <a:t>Kartekeya</a:t>
+            </a:r>
+            <a:r>
+              <a:rPr lang="en-US" sz="1400" b="1" dirty="0"/>
+              <a:t> can you please put the right bullets here}</a:t>
+            </a:r>
+          </a:p>
+          <a:p>
+            <a:pPr lvl="1"/>
+            <a:r>
+              <a:rPr lang="en-US" sz="1400" dirty="0"/>
+              <a:t>Receives a Merkle tree of rewards</a:t>
+            </a:r>
+          </a:p>
+          <a:p>
+            <a:pPr lvl="1"/>
+            <a:r>
+              <a:rPr lang="en-US" sz="1400" dirty="0"/>
+              <a:t>Sets a one-day challenge</a:t>
+            </a:r>
+          </a:p>
+          <a:p>
+            <a:pPr lvl="1"/>
+            <a:r>
+              <a:rPr lang="en-US" sz="1400" dirty="0"/>
+              <a:t>Host the token airdrop address </a:t>
+            </a:r>
+          </a:p>
+        </p:txBody>
+      </p:sp>
+      <p:sp>
+        <p:nvSpPr>
+          <p:cNvPr id="23" name="Rectangle 22">
+            <a:extLst>
+              <a:ext uri="{FF2B5EF4-FFF2-40B4-BE49-F238E27FC236}">
+                <a16:creationId xmlns:a16="http://schemas.microsoft.com/office/drawing/2014/main" id="{2E80C965-DB6D-4F81-9E9E-B027384D0BD6}"/>
+              </a:ext>
+              <a:ext uri="{C183D7F6-B498-43B3-948B-1728B52AA6E4}">
+                <adec:decorative xmlns:adec="http://schemas.microsoft.com/office/drawing/2017/decorative" val="1"/>
+              </a:ext>
+            </a:extLst>
+          </p:cNvPr>
+          <p:cNvSpPr>
+            <a:spLocks noGrp="1" noRot="1" noChangeAspect="1" noMove="1" noResize="1" noEditPoints="1" noAdjustHandles="1" noChangeArrowheads="1" noChangeShapeType="1" noTextEdit="1"/>
+          </p:cNvSpPr>
+          <p:nvPr>
+            <p:extLst>
+              <p:ext uri="{386F3935-93C4-4BCD-93E2-E3B085C9AB24}">
+                <p16:designElem xmlns:p16="http://schemas.microsoft.com/office/powerpoint/2015/main" val="1"/>
+              </p:ext>
+            </p:extLst>
+          </p:nvPr>
+        </p:nvSpPr>
+        <p:spPr>
+          <a:xfrm rot="2700000">
+            <a:off x="11052629" y="2120024"/>
+            <a:ext cx="645368" cy="645368"/>
+          </a:xfrm>
+          <a:prstGeom prst="rect">
+            <a:avLst/>
+          </a:prstGeom>
+          <a:solidFill>
+            <a:schemeClr val="accent4">
+              <a:alpha val="30000"/>
+            </a:schemeClr>
+          </a:solidFill>
+          <a:ln>
+            <a:noFill/>
+          </a:ln>
+        </p:spPr>
+        <p:style>
+          <a:lnRef idx="2">
+            <a:schemeClr val="accent1">
+              <a:shade val="50000"/>
+            </a:schemeClr>
+          </a:lnRef>
+          <a:fillRef idx="1">
+            <a:schemeClr val="accent1"/>
+          </a:fillRef>
+          <a:effectRef idx="0">
+            <a:schemeClr val="accent1"/>
+          </a:effectRef>
+          <a:fontRef idx="minor">
+            <a:schemeClr val="lt1"/>
+          </a:fontRef>
+        </p:style>
+        <p:txBody>
+          <a:bodyPr rtlCol="0" anchor="ctr"/>
+          <a:lstStyle/>
+          <a:p>
+            <a:pPr algn="ctr"/>
+            <a:endParaRPr lang="en-US"/>
+          </a:p>
+        </p:txBody>
+      </p:sp>
+      <p:sp>
+        <p:nvSpPr>
+          <p:cNvPr id="25" name="Isosceles Triangle 24">
+            <a:extLst>
+              <a:ext uri="{FF2B5EF4-FFF2-40B4-BE49-F238E27FC236}">
+                <a16:creationId xmlns:a16="http://schemas.microsoft.com/office/drawing/2014/main" id="{A580F890-B085-4E95-96AA-55AEBEC5CE6E}"/>
+              </a:ext>
+              <a:ext uri="{C183D7F6-B498-43B3-948B-1728B52AA6E4}">
+                <adec:decorative xmlns:adec="http://schemas.microsoft.com/office/drawing/2017/decorative" val="1"/>
+              </a:ext>
+            </a:extLst>
+          </p:cNvPr>
+          <p:cNvSpPr>
+            <a:spLocks noGrp="1" noRot="1" noChangeAspect="1" noMove="1" noResize="1" noEditPoints="1" noAdjustHandles="1" noChangeArrowheads="1" noChangeShapeType="1" noTextEdit="1"/>
+          </p:cNvSpPr>
+          <p:nvPr>
+            <p:extLst>
+              <p:ext uri="{386F3935-93C4-4BCD-93E2-E3B085C9AB24}">
+                <p16:designElem xmlns:p16="http://schemas.microsoft.com/office/powerpoint/2015/main" val="1"/>
+              </p:ext>
+            </p:extLst>
+          </p:nvPr>
+        </p:nvSpPr>
+        <p:spPr>
+          <a:xfrm rot="16200000">
+            <a:off x="10289068" y="1343027"/>
+            <a:ext cx="2532832" cy="1273032"/>
+          </a:xfrm>
+          <a:prstGeom prst="triangle">
+            <a:avLst>
+              <a:gd name="adj" fmla="val 50000"/>
+            </a:avLst>
+          </a:prstGeom>
+          <a:solidFill>
+            <a:schemeClr val="accent4">
+              <a:alpha val="30000"/>
+            </a:schemeClr>
+          </a:solidFill>
+          <a:ln>
+            <a:noFill/>
+          </a:ln>
+        </p:spPr>
+        <p:style>
+          <a:lnRef idx="2">
+            <a:schemeClr val="accent1">
+              <a:shade val="50000"/>
+            </a:schemeClr>
+          </a:lnRef>
+          <a:fillRef idx="1">
+            <a:schemeClr val="accent1"/>
+          </a:fillRef>
+          <a:effectRef idx="0">
+            <a:schemeClr val="accent1"/>
+          </a:effectRef>
+          <a:fontRef idx="minor">
+            <a:schemeClr val="lt1"/>
+          </a:fontRef>
+        </p:style>
+        <p:txBody>
+          <a:bodyPr rtlCol="0" anchor="ctr"/>
+          <a:lstStyle/>
+          <a:p>
+            <a:pPr algn="ctr"/>
+            <a:endParaRPr lang="en-US"/>
+          </a:p>
+        </p:txBody>
+      </p:sp>
+      <p:sp>
+        <p:nvSpPr>
+          <p:cNvPr id="27" name="Isosceles Triangle 26">
+            <a:extLst>
+              <a:ext uri="{FF2B5EF4-FFF2-40B4-BE49-F238E27FC236}">
+                <a16:creationId xmlns:a16="http://schemas.microsoft.com/office/drawing/2014/main" id="{D3F51FEB-38FB-4F6C-9F7B-2F2AFAB65463}"/>
+              </a:ext>
+              <a:ext uri="{C183D7F6-B498-43B3-948B-1728B52AA6E4}">
+                <adec:decorative xmlns:adec="http://schemas.microsoft.com/office/drawing/2017/decorative" val="1"/>
+              </a:ext>
+            </a:extLst>
+          </p:cNvPr>
+          <p:cNvSpPr>
+            <a:spLocks noGrp="1" noRot="1" noChangeAspect="1" noMove="1" noResize="1" noEditPoints="1" noAdjustHandles="1" noChangeArrowheads="1" noChangeShapeType="1" noTextEdit="1"/>
+          </p:cNvSpPr>
+          <p:nvPr>
+            <p:extLst>
+              <p:ext uri="{386F3935-93C4-4BCD-93E2-E3B085C9AB24}">
+                <p16:designElem xmlns:p16="http://schemas.microsoft.com/office/powerpoint/2015/main" val="1"/>
+              </p:ext>
+            </p:extLst>
+          </p:nvPr>
+        </p:nvSpPr>
+        <p:spPr>
+          <a:xfrm rot="5400000">
+            <a:off x="-501760" y="5103257"/>
+            <a:ext cx="2017580" cy="1014060"/>
+          </a:xfrm>
+          <a:prstGeom prst="triangle">
+            <a:avLst>
+              <a:gd name="adj" fmla="val 50000"/>
+            </a:avLst>
+          </a:prstGeom>
+          <a:solidFill>
+            <a:schemeClr val="accent1">
+              <a:alpha val="30000"/>
+            </a:schemeClr>
+          </a:solidFill>
+          <a:ln>
+            <a:noFill/>
+          </a:ln>
+        </p:spPr>
+        <p:style>
+          <a:lnRef idx="2">
+            <a:schemeClr val="accent1">
+              <a:shade val="50000"/>
+            </a:schemeClr>
+          </a:lnRef>
+          <a:fillRef idx="1">
+            <a:schemeClr val="accent1"/>
+          </a:fillRef>
+          <a:effectRef idx="0">
+            <a:schemeClr val="accent1"/>
+          </a:effectRef>
+          <a:fontRef idx="minor">
+            <a:schemeClr val="lt1"/>
+          </a:fontRef>
+        </p:style>
+        <p:txBody>
+          <a:bodyPr wrap="square" rtlCol="0" anchor="ctr">
+            <a:noAutofit/>
+          </a:bodyPr>
+          <a:lstStyle/>
+          <a:p>
+            <a:pPr algn="ctr"/>
+            <a:endParaRPr lang="en-US"/>
+          </a:p>
+        </p:txBody>
+      </p:sp>
+      <p:sp>
+        <p:nvSpPr>
+          <p:cNvPr id="29" name="Rectangle 28">
+            <a:extLst>
+              <a:ext uri="{FF2B5EF4-FFF2-40B4-BE49-F238E27FC236}">
+                <a16:creationId xmlns:a16="http://schemas.microsoft.com/office/drawing/2014/main" id="{1E547BA6-BAE0-43BB-A7CA-60F69CE252F0}"/>
+              </a:ext>
+              <a:ext uri="{C183D7F6-B498-43B3-948B-1728B52AA6E4}">
+                <adec:decorative xmlns:adec="http://schemas.microsoft.com/office/drawing/2017/decorative" val="1"/>
+              </a:ext>
+            </a:extLst>
+          </p:cNvPr>
+          <p:cNvSpPr>
+            <a:spLocks noGrp="1" noRot="1" noChangeAspect="1" noMove="1" noResize="1" noEditPoints="1" noAdjustHandles="1" noChangeArrowheads="1" noChangeShapeType="1" noTextEdit="1"/>
+          </p:cNvSpPr>
+          <p:nvPr>
+            <p:extLst>
+              <p:ext uri="{386F3935-93C4-4BCD-93E2-E3B085C9AB24}">
+                <p16:designElem xmlns:p16="http://schemas.microsoft.com/office/powerpoint/2015/main" val="1"/>
+              </p:ext>
+            </p:extLst>
+          </p:nvPr>
+        </p:nvSpPr>
+        <p:spPr>
+          <a:xfrm rot="2700000">
+            <a:off x="427916" y="5728708"/>
+            <a:ext cx="485578" cy="485578"/>
+          </a:xfrm>
+          <a:prstGeom prst="rect">
+            <a:avLst/>
+          </a:prstGeom>
+          <a:solidFill>
+            <a:schemeClr val="accent1">
+              <a:alpha val="30000"/>
+            </a:schemeClr>
+          </a:solidFill>
+          <a:ln>
+            <a:noFill/>
+          </a:ln>
+        </p:spPr>
+        <p:style>
+          <a:lnRef idx="2">
+            <a:schemeClr val="accent1">
+              <a:shade val="50000"/>
+            </a:schemeClr>
+          </a:lnRef>
+          <a:fillRef idx="1">
+            <a:schemeClr val="accent1"/>
+          </a:fillRef>
+          <a:effectRef idx="0">
+            <a:schemeClr val="accent1"/>
+          </a:effectRef>
+          <a:fontRef idx="minor">
+            <a:schemeClr val="lt1"/>
+          </a:fontRef>
+        </p:style>
+        <p:txBody>
+          <a:bodyPr wrap="square" rtlCol="0" anchor="ctr">
+            <a:noAutofit/>
+          </a:bodyPr>
+          <a:lstStyle/>
+          <a:p>
+            <a:pPr algn="ctr"/>
+            <a:endParaRPr lang="en-US"/>
+          </a:p>
+        </p:txBody>
+      </p:sp>
+    </p:spTree>
+    <p:extLst>
+      <p:ext uri="{BB962C8B-B14F-4D97-AF65-F5344CB8AC3E}">
+        <p14:creationId xmlns:p14="http://schemas.microsoft.com/office/powerpoint/2010/main" val="4133064128"/>
+      </p:ext>
+    </p:extLst>
+  </p:cSld>
+  <p:clrMapOvr>
+    <a:masterClrMapping/>
+  </p:clrMapOvr>
+</p:sld>
+</file>
+
+<file path=ppt/slides/slide3.xml><?xml version="1.0" encoding="utf-8"?>
+<p:sld xmlns:a="http://schemas.openxmlformats.org/drawingml/2006/main" xmlns:r="http://schemas.openxmlformats.org/officeDocument/2006/relationships" xmlns:p="http://schemas.openxmlformats.org/presentationml/2006/main">
+  <p:cSld>
+    <p:bg>
+      <p:bgPr>
+        <a:solidFill>
+          <a:schemeClr val="bg1"/>
+        </a:solidFill>
+        <a:effectLst/>
+      </p:bgPr>
+    </p:bg>
+    <p:spTree>
+      <p:nvGrpSpPr>
+        <p:cNvPr id="1" name=""/>
+        <p:cNvGrpSpPr/>
+        <p:nvPr/>
+      </p:nvGrpSpPr>
+      <p:grpSpPr>
+        <a:xfrm>
+          <a:off x="0" y="0"/>
+          <a:ext cx="0" cy="0"/>
+          <a:chOff x="0" y="0"/>
+          <a:chExt cx="0" cy="0"/>
+        </a:xfrm>
+      </p:grpSpPr>
+      <p:sp>
+        <p:nvSpPr>
+          <p:cNvPr id="5" name="Rectangle 7">
+            <a:extLst>
+              <a:ext uri="{FF2B5EF4-FFF2-40B4-BE49-F238E27FC236}">
+                <a16:creationId xmlns:a16="http://schemas.microsoft.com/office/drawing/2014/main" id="{2B566528-1B12-4246-9431-5C2D7D081168}"/>
+              </a:ext>
+              <a:ext uri="{C183D7F6-B498-43B3-948B-1728B52AA6E4}">
+                <adec:decorative xmlns:adec="http://schemas.microsoft.com/office/drawing/2017/decorative" val="1"/>
+              </a:ext>
+            </a:extLst>
+          </p:cNvPr>
+          <p:cNvSpPr>
+            <a:spLocks noGrp="1" noRot="1" noChangeAspect="1" noMove="1" noResize="1" noEditPoints="1" noAdjustHandles="1" noChangeArrowheads="1" noChangeShapeType="1" noTextEdit="1"/>
+          </p:cNvSpPr>
+          <p:nvPr>
+            <p:extLst>
+              <p:ext uri="{386F3935-93C4-4BCD-93E2-E3B085C9AB24}">
+                <p16:designElem xmlns:p16="http://schemas.microsoft.com/office/powerpoint/2015/main" val="1"/>
+              </p:ext>
+            </p:extLst>
+          </p:nvPr>
+        </p:nvSpPr>
+        <p:spPr>
+          <a:xfrm>
+            <a:off x="0" y="0"/>
+            <a:ext cx="12192000" cy="6858000"/>
+          </a:xfrm>
+          <a:prstGeom prst="rect">
+            <a:avLst/>
+          </a:prstGeom>
+          <a:solidFill>
+            <a:schemeClr val="bg1"/>
+          </a:solidFill>
+          <a:ln>
+            <a:noFill/>
+          </a:ln>
+        </p:spPr>
+        <p:style>
+          <a:lnRef idx="2">
+            <a:schemeClr val="accent1">
+              <a:shade val="50000"/>
+            </a:schemeClr>
+          </a:lnRef>
+          <a:fillRef idx="1">
+            <a:schemeClr val="accent1"/>
+          </a:fillRef>
+          <a:effectRef idx="0">
+            <a:schemeClr val="accent1"/>
+          </a:effectRef>
+          <a:fontRef idx="minor">
+            <a:schemeClr val="lt1"/>
+          </a:fontRef>
+        </p:style>
+        <p:txBody>
+          <a:bodyPr rtlCol="0" anchor="ctr"/>
+          <a:lstStyle/>
+          <a:p>
+            <a:pPr algn="ctr"/>
+            <a:endParaRPr lang="en-US" dirty="0"/>
+          </a:p>
+        </p:txBody>
+      </p:sp>
+      <p:sp>
+        <p:nvSpPr>
+          <p:cNvPr id="2" name="Title 1">
+            <a:extLst>
+              <a:ext uri="{FF2B5EF4-FFF2-40B4-BE49-F238E27FC236}">
+                <a16:creationId xmlns:a16="http://schemas.microsoft.com/office/drawing/2014/main" id="{E26CAE15-A29D-594E-9577-615425D2DD42}"/>
+              </a:ext>
+            </a:extLst>
+          </p:cNvPr>
+          <p:cNvSpPr>
+            <a:spLocks noGrp="1"/>
+          </p:cNvSpPr>
+          <p:nvPr>
+            <p:ph type="title"/>
+          </p:nvPr>
+        </p:nvSpPr>
+        <p:spPr>
+          <a:xfrm>
+            <a:off x="643467" y="321734"/>
+            <a:ext cx="10905066" cy="1135737"/>
+          </a:xfrm>
+        </p:spPr>
+        <p:txBody>
+          <a:bodyPr>
+            <a:normAutofit/>
+          </a:bodyPr>
+          <a:lstStyle/>
+          <a:p>
+            <a:r>
+              <a:rPr lang="en-US" sz="3600" dirty="0"/>
+              <a:t>Reusability</a:t>
+            </a:r>
+          </a:p>
+        </p:txBody>
+      </p:sp>
+      <p:sp>
+        <p:nvSpPr>
+          <p:cNvPr id="3" name="Content Placeholder 2">
+            <a:extLst>
+              <a:ext uri="{FF2B5EF4-FFF2-40B4-BE49-F238E27FC236}">
+                <a16:creationId xmlns:a16="http://schemas.microsoft.com/office/drawing/2014/main" id="{B2401CB2-22B8-374C-B0B0-4C1ED2959AFD}"/>
+              </a:ext>
+            </a:extLst>
+          </p:cNvPr>
+          <p:cNvSpPr>
+            <a:spLocks noGrp="1"/>
+          </p:cNvSpPr>
+          <p:nvPr>
+            <p:ph idx="1"/>
+          </p:nvPr>
+        </p:nvSpPr>
+        <p:spPr>
+          <a:xfrm>
+            <a:off x="643467" y="1782981"/>
+            <a:ext cx="10905066" cy="4393982"/>
+          </a:xfrm>
+        </p:spPr>
+        <p:txBody>
+          <a:bodyPr>
+            <a:normAutofit/>
+          </a:bodyPr>
+          <a:lstStyle/>
+          <a:p>
+            <a:pPr marL="0" indent="0">
+              <a:buNone/>
+            </a:pPr>
+            <a:r>
+              <a:rPr lang="en-US" sz="2000"/>
+              <a:t>Each of the components within this solution offers opportunities for reusability.  The following outlines each component's current level of reusability and opportunities for improving future reusability.</a:t>
+            </a:r>
+          </a:p>
+          <a:p>
+            <a:r>
+              <a:rPr lang="en-US" sz="2000"/>
+              <a:t>IE Console – the sources for the data fed into the evaluator for each round can be a pluggable component.  The POC is implemented with Taiga as the source of the data, but additional sources can be added.  The pluggable component would simply be an extract of the source data and a mapping to the standard claim model. </a:t>
+            </a:r>
+            <a:r>
+              <a:rPr lang="en-US" sz="2000" i="1"/>
+              <a:t>{Sami….please help with wording}</a:t>
+            </a:r>
+          </a:p>
+          <a:p>
+            <a:r>
+              <a:rPr lang="en-US" sz="2000"/>
+              <a:t>Bacalhau – The compute component can be made a pluggable component allowing the implementor to customize the rules of the calculation. </a:t>
+            </a:r>
+            <a:r>
+              <a:rPr lang="en-US" sz="2000" i="1"/>
+              <a:t>{Chris…please help with the wording}</a:t>
+            </a:r>
+          </a:p>
+          <a:p>
+            <a:r>
+              <a:rPr lang="en-US" sz="2000"/>
+              <a:t>Wrapper Contract – The wrapper can easily support any ERC20 token. </a:t>
+            </a:r>
+            <a:r>
+              <a:rPr lang="en-US" sz="2000" i="1"/>
+              <a:t>{Kartekeya….please help with wording}</a:t>
+            </a:r>
+          </a:p>
+          <a:p>
+            <a:pPr marL="0" indent="0">
+              <a:buNone/>
+            </a:pPr>
+            <a:endParaRPr lang="en-US" sz="2000"/>
+          </a:p>
+        </p:txBody>
+      </p:sp>
+      <p:sp>
+        <p:nvSpPr>
+          <p:cNvPr id="6" name="Rectangle 9">
+            <a:extLst>
+              <a:ext uri="{FF2B5EF4-FFF2-40B4-BE49-F238E27FC236}">
+                <a16:creationId xmlns:a16="http://schemas.microsoft.com/office/drawing/2014/main" id="{2E80C965-DB6D-4F81-9E9E-B027384D0BD6}"/>
+              </a:ext>
+              <a:ext uri="{C183D7F6-B498-43B3-948B-1728B52AA6E4}">
+                <adec:decorative xmlns:adec="http://schemas.microsoft.com/office/drawing/2017/decorative" val="1"/>
+              </a:ext>
+            </a:extLst>
+          </p:cNvPr>
+          <p:cNvSpPr>
+            <a:spLocks noGrp="1" noRot="1" noChangeAspect="1" noMove="1" noResize="1" noEditPoints="1" noAdjustHandles="1" noChangeArrowheads="1" noChangeShapeType="1" noTextEdit="1"/>
+          </p:cNvSpPr>
+          <p:nvPr>
+            <p:extLst>
+              <p:ext uri="{386F3935-93C4-4BCD-93E2-E3B085C9AB24}">
+                <p16:designElem xmlns:p16="http://schemas.microsoft.com/office/powerpoint/2015/main" val="1"/>
+              </p:ext>
+            </p:extLst>
+          </p:nvPr>
+        </p:nvSpPr>
+        <p:spPr>
+          <a:xfrm rot="2700000">
+            <a:off x="11052629" y="2120024"/>
+            <a:ext cx="645368" cy="645368"/>
+          </a:xfrm>
+          <a:prstGeom prst="rect">
+            <a:avLst/>
+          </a:prstGeom>
+          <a:solidFill>
+            <a:schemeClr val="accent4">
+              <a:alpha val="30000"/>
+            </a:schemeClr>
+          </a:solidFill>
+          <a:ln>
+            <a:noFill/>
+          </a:ln>
+        </p:spPr>
+        <p:style>
+          <a:lnRef idx="2">
+            <a:schemeClr val="accent1">
+              <a:shade val="50000"/>
+            </a:schemeClr>
+          </a:lnRef>
+          <a:fillRef idx="1">
+            <a:schemeClr val="accent1"/>
+          </a:fillRef>
+          <a:effectRef idx="0">
+            <a:schemeClr val="accent1"/>
+          </a:effectRef>
+          <a:fontRef idx="minor">
+            <a:schemeClr val="lt1"/>
+          </a:fontRef>
+        </p:style>
+        <p:txBody>
+          <a:bodyPr rtlCol="0" anchor="ctr"/>
+          <a:lstStyle/>
+          <a:p>
+            <a:pPr algn="ctr"/>
+            <a:endParaRPr lang="en-US"/>
+          </a:p>
+        </p:txBody>
+      </p:sp>
+      <p:sp>
+        <p:nvSpPr>
+          <p:cNvPr id="7" name="Isosceles Triangle 11">
+            <a:extLst>
+              <a:ext uri="{FF2B5EF4-FFF2-40B4-BE49-F238E27FC236}">
+                <a16:creationId xmlns:a16="http://schemas.microsoft.com/office/drawing/2014/main" id="{A580F890-B085-4E95-96AA-55AEBEC5CE6E}"/>
+              </a:ext>
+              <a:ext uri="{C183D7F6-B498-43B3-948B-1728B52AA6E4}">
+                <adec:decorative xmlns:adec="http://schemas.microsoft.com/office/drawing/2017/decorative" val="1"/>
+              </a:ext>
+            </a:extLst>
+          </p:cNvPr>
+          <p:cNvSpPr>
+            <a:spLocks noGrp="1" noRot="1" noChangeAspect="1" noMove="1" noResize="1" noEditPoints="1" noAdjustHandles="1" noChangeArrowheads="1" noChangeShapeType="1" noTextEdit="1"/>
+          </p:cNvSpPr>
+          <p:nvPr>
+            <p:extLst>
+              <p:ext uri="{386F3935-93C4-4BCD-93E2-E3B085C9AB24}">
+                <p16:designElem xmlns:p16="http://schemas.microsoft.com/office/powerpoint/2015/main" val="1"/>
+              </p:ext>
+            </p:extLst>
+          </p:nvPr>
+        </p:nvSpPr>
+        <p:spPr>
+          <a:xfrm rot="16200000">
+            <a:off x="10289068" y="1343027"/>
+            <a:ext cx="2532832" cy="1273032"/>
+          </a:xfrm>
+          <a:prstGeom prst="triangle">
+            <a:avLst>
+              <a:gd name="adj" fmla="val 50000"/>
+            </a:avLst>
+          </a:prstGeom>
+          <a:solidFill>
+            <a:schemeClr val="accent4">
+              <a:alpha val="30000"/>
+            </a:schemeClr>
+          </a:solidFill>
+          <a:ln>
+            <a:noFill/>
+          </a:ln>
+        </p:spPr>
+        <p:style>
+          <a:lnRef idx="2">
+            <a:schemeClr val="accent1">
+              <a:shade val="50000"/>
+            </a:schemeClr>
+          </a:lnRef>
+          <a:fillRef idx="1">
+            <a:schemeClr val="accent1"/>
+          </a:fillRef>
+          <a:effectRef idx="0">
+            <a:schemeClr val="accent1"/>
+          </a:effectRef>
+          <a:fontRef idx="minor">
+            <a:schemeClr val="lt1"/>
+          </a:fontRef>
+        </p:style>
+        <p:txBody>
+          <a:bodyPr rtlCol="0" anchor="ctr"/>
+          <a:lstStyle/>
+          <a:p>
+            <a:pPr algn="ctr"/>
+            <a:endParaRPr lang="en-US"/>
+          </a:p>
+        </p:txBody>
+      </p:sp>
+      <p:sp>
+        <p:nvSpPr>
+          <p:cNvPr id="9" name="Isosceles Triangle 13">
+            <a:extLst>
+              <a:ext uri="{FF2B5EF4-FFF2-40B4-BE49-F238E27FC236}">
+                <a16:creationId xmlns:a16="http://schemas.microsoft.com/office/drawing/2014/main" id="{D3F51FEB-38FB-4F6C-9F7B-2F2AFAB65463}"/>
+              </a:ext>
+              <a:ext uri="{C183D7F6-B498-43B3-948B-1728B52AA6E4}">
+                <adec:decorative xmlns:adec="http://schemas.microsoft.com/office/drawing/2017/decorative" val="1"/>
+              </a:ext>
+            </a:extLst>
+          </p:cNvPr>
+          <p:cNvSpPr>
+            <a:spLocks noGrp="1" noRot="1" noChangeAspect="1" noMove="1" noResize="1" noEditPoints="1" noAdjustHandles="1" noChangeArrowheads="1" noChangeShapeType="1" noTextEdit="1"/>
+          </p:cNvSpPr>
+          <p:nvPr>
+            <p:extLst>
+              <p:ext uri="{386F3935-93C4-4BCD-93E2-E3B085C9AB24}">
+                <p16:designElem xmlns:p16="http://schemas.microsoft.com/office/powerpoint/2015/main" val="1"/>
+              </p:ext>
+            </p:extLst>
+          </p:nvPr>
+        </p:nvSpPr>
+        <p:spPr>
+          <a:xfrm rot="5400000">
+            <a:off x="-501760" y="5103257"/>
+            <a:ext cx="2017580" cy="1014060"/>
+          </a:xfrm>
+          <a:prstGeom prst="triangle">
+            <a:avLst>
+              <a:gd name="adj" fmla="val 50000"/>
+            </a:avLst>
+          </a:prstGeom>
+          <a:solidFill>
+            <a:schemeClr val="accent1">
+              <a:alpha val="30000"/>
+            </a:schemeClr>
+          </a:solidFill>
+          <a:ln>
+            <a:noFill/>
+          </a:ln>
+        </p:spPr>
+        <p:style>
+          <a:lnRef idx="2">
+            <a:schemeClr val="accent1">
+              <a:shade val="50000"/>
+            </a:schemeClr>
+          </a:lnRef>
+          <a:fillRef idx="1">
+            <a:schemeClr val="accent1"/>
+          </a:fillRef>
+          <a:effectRef idx="0">
+            <a:schemeClr val="accent1"/>
+          </a:effectRef>
+          <a:fontRef idx="minor">
+            <a:schemeClr val="lt1"/>
+          </a:fontRef>
+        </p:style>
+        <p:txBody>
+          <a:bodyPr wrap="square" rtlCol="0" anchor="ctr">
+            <a:noAutofit/>
+          </a:bodyPr>
+          <a:lstStyle/>
+          <a:p>
+            <a:pPr algn="ctr"/>
+            <a:endParaRPr lang="en-US"/>
+          </a:p>
+        </p:txBody>
+      </p:sp>
+      <p:sp>
+        <p:nvSpPr>
+          <p:cNvPr id="11" name="Rectangle 15">
+            <a:extLst>
+              <a:ext uri="{FF2B5EF4-FFF2-40B4-BE49-F238E27FC236}">
+                <a16:creationId xmlns:a16="http://schemas.microsoft.com/office/drawing/2014/main" id="{1E547BA6-BAE0-43BB-A7CA-60F69CE252F0}"/>
+              </a:ext>
+              <a:ext uri="{C183D7F6-B498-43B3-948B-1728B52AA6E4}">
+                <adec:decorative xmlns:adec="http://schemas.microsoft.com/office/drawing/2017/decorative" val="1"/>
+              </a:ext>
+            </a:extLst>
+          </p:cNvPr>
+          <p:cNvSpPr>
+            <a:spLocks noGrp="1" noRot="1" noChangeAspect="1" noMove="1" noResize="1" noEditPoints="1" noAdjustHandles="1" noChangeArrowheads="1" noChangeShapeType="1" noTextEdit="1"/>
+          </p:cNvSpPr>
+          <p:nvPr>
+            <p:extLst>
+              <p:ext uri="{386F3935-93C4-4BCD-93E2-E3B085C9AB24}">
+                <p16:designElem xmlns:p16="http://schemas.microsoft.com/office/powerpoint/2015/main" val="1"/>
+              </p:ext>
+            </p:extLst>
+          </p:nvPr>
+        </p:nvSpPr>
+        <p:spPr>
+          <a:xfrm rot="2700000">
+            <a:off x="427916" y="5728708"/>
+            <a:ext cx="485578" cy="485578"/>
+          </a:xfrm>
+          <a:prstGeom prst="rect">
+            <a:avLst/>
+          </a:prstGeom>
+          <a:solidFill>
+            <a:schemeClr val="accent1">
+              <a:alpha val="30000"/>
+            </a:schemeClr>
+          </a:solidFill>
+          <a:ln>
+            <a:noFill/>
+          </a:ln>
+        </p:spPr>
+        <p:style>
+          <a:lnRef idx="2">
+            <a:schemeClr val="accent1">
+              <a:shade val="50000"/>
+            </a:schemeClr>
+          </a:lnRef>
+          <a:fillRef idx="1">
+            <a:schemeClr val="accent1"/>
+          </a:fillRef>
+          <a:effectRef idx="0">
+            <a:schemeClr val="accent1"/>
+          </a:effectRef>
+          <a:fontRef idx="minor">
+            <a:schemeClr val="lt1"/>
+          </a:fontRef>
+        </p:style>
+        <p:txBody>
+          <a:bodyPr wrap="square" rtlCol="0" anchor="ctr">
+            <a:noAutofit/>
+          </a:bodyPr>
+          <a:lstStyle/>
+          <a:p>
+            <a:pPr algn="ctr"/>
+            <a:endParaRPr lang="en-US"/>
+          </a:p>
+        </p:txBody>
+      </p:sp>
+    </p:spTree>
+    <p:extLst>
+      <p:ext uri="{BB962C8B-B14F-4D97-AF65-F5344CB8AC3E}">
+        <p14:creationId xmlns:p14="http://schemas.microsoft.com/office/powerpoint/2010/main" val="1000948661"/>
+      </p:ext>
+    </p:extLst>
+  </p:cSld>
+  <p:clrMapOvr>
+    <a:masterClrMapping/>
+  </p:clrMapOvr>
+</p:sld>
+</file>
+
+<file path=ppt/slides/slide4.xml><?xml version="1.0" encoding="utf-8"?>
+<p:sld xmlns:a="http://schemas.openxmlformats.org/drawingml/2006/main" xmlns:r="http://schemas.openxmlformats.org/officeDocument/2006/relationships" xmlns:p="http://schemas.openxmlformats.org/presentationml/2006/main">
+  <p:cSld>
+    <p:bg>
+      <p:bgPr>
+        <a:solidFill>
+          <a:schemeClr val="bg1"/>
+        </a:solidFill>
+        <a:effectLst/>
+      </p:bgPr>
+    </p:bg>
+    <p:spTree>
+      <p:nvGrpSpPr>
+        <p:cNvPr id="1" name=""/>
+        <p:cNvGrpSpPr/>
+        <p:nvPr/>
+      </p:nvGrpSpPr>
+      <p:grpSpPr>
+        <a:xfrm>
+          <a:off x="0" y="0"/>
+          <a:ext cx="0" cy="0"/>
+          <a:chOff x="0" y="0"/>
+          <a:chExt cx="0" cy="0"/>
+        </a:xfrm>
+      </p:grpSpPr>
+      <p:sp>
+        <p:nvSpPr>
+          <p:cNvPr id="5" name="Rectangle 7">
+            <a:extLst>
+              <a:ext uri="{FF2B5EF4-FFF2-40B4-BE49-F238E27FC236}">
+                <a16:creationId xmlns:a16="http://schemas.microsoft.com/office/drawing/2014/main" id="{2B566528-1B12-4246-9431-5C2D7D081168}"/>
+              </a:ext>
+              <a:ext uri="{C183D7F6-B498-43B3-948B-1728B52AA6E4}">
+                <adec:decorative xmlns:adec="http://schemas.microsoft.com/office/drawing/2017/decorative" val="1"/>
+              </a:ext>
+            </a:extLst>
+          </p:cNvPr>
+          <p:cNvSpPr>
+            <a:spLocks noGrp="1" noRot="1" noChangeAspect="1" noMove="1" noResize="1" noEditPoints="1" noAdjustHandles="1" noChangeArrowheads="1" noChangeShapeType="1" noTextEdit="1"/>
+          </p:cNvSpPr>
+          <p:nvPr>
+            <p:extLst>
+              <p:ext uri="{386F3935-93C4-4BCD-93E2-E3B085C9AB24}">
+                <p16:designElem xmlns:p16="http://schemas.microsoft.com/office/powerpoint/2015/main" val="1"/>
+              </p:ext>
+            </p:extLst>
+          </p:nvPr>
+        </p:nvSpPr>
+        <p:spPr>
+          <a:xfrm>
+            <a:off x="0" y="0"/>
+            <a:ext cx="12192000" cy="6858000"/>
+          </a:xfrm>
+          <a:prstGeom prst="rect">
+            <a:avLst/>
+          </a:prstGeom>
+          <a:solidFill>
+            <a:schemeClr val="bg1"/>
+          </a:solidFill>
+          <a:ln>
+            <a:noFill/>
+          </a:ln>
+        </p:spPr>
+        <p:style>
+          <a:lnRef idx="2">
+            <a:schemeClr val="accent1">
+              <a:shade val="50000"/>
+            </a:schemeClr>
+          </a:lnRef>
+          <a:fillRef idx="1">
+            <a:schemeClr val="accent1"/>
+          </a:fillRef>
+          <a:effectRef idx="0">
+            <a:schemeClr val="accent1"/>
+          </a:effectRef>
+          <a:fontRef idx="minor">
+            <a:schemeClr val="lt1"/>
+          </a:fontRef>
+        </p:style>
+        <p:txBody>
+          <a:bodyPr rtlCol="0" anchor="ctr"/>
+          <a:lstStyle/>
+          <a:p>
+            <a:pPr algn="ctr"/>
+            <a:endParaRPr lang="en-US" dirty="0"/>
+          </a:p>
+        </p:txBody>
+      </p:sp>
+      <p:sp>
+        <p:nvSpPr>
+          <p:cNvPr id="6" name="Rectangle 9">
+            <a:extLst>
+              <a:ext uri="{FF2B5EF4-FFF2-40B4-BE49-F238E27FC236}">
+                <a16:creationId xmlns:a16="http://schemas.microsoft.com/office/drawing/2014/main" id="{2E80C965-DB6D-4F81-9E9E-B027384D0BD6}"/>
+              </a:ext>
+              <a:ext uri="{C183D7F6-B498-43B3-948B-1728B52AA6E4}">
+                <adec:decorative xmlns:adec="http://schemas.microsoft.com/office/drawing/2017/decorative" val="1"/>
+              </a:ext>
+            </a:extLst>
+          </p:cNvPr>
+          <p:cNvSpPr>
+            <a:spLocks noGrp="1" noRot="1" noChangeAspect="1" noMove="1" noResize="1" noEditPoints="1" noAdjustHandles="1" noChangeArrowheads="1" noChangeShapeType="1" noTextEdit="1"/>
+          </p:cNvSpPr>
+          <p:nvPr>
+            <p:extLst>
+              <p:ext uri="{386F3935-93C4-4BCD-93E2-E3B085C9AB24}">
+                <p16:designElem xmlns:p16="http://schemas.microsoft.com/office/powerpoint/2015/main" val="1"/>
+              </p:ext>
+            </p:extLst>
+          </p:nvPr>
+        </p:nvSpPr>
+        <p:spPr>
+          <a:xfrm rot="2700000">
+            <a:off x="11052629" y="2120024"/>
+            <a:ext cx="645368" cy="645368"/>
+          </a:xfrm>
+          <a:prstGeom prst="rect">
+            <a:avLst/>
+          </a:prstGeom>
+          <a:solidFill>
+            <a:schemeClr val="accent4">
+              <a:alpha val="30000"/>
+            </a:schemeClr>
+          </a:solidFill>
+          <a:ln>
+            <a:noFill/>
+          </a:ln>
+        </p:spPr>
+        <p:style>
+          <a:lnRef idx="2">
+            <a:schemeClr val="accent1">
+              <a:shade val="50000"/>
+            </a:schemeClr>
+          </a:lnRef>
+          <a:fillRef idx="1">
+            <a:schemeClr val="accent1"/>
+          </a:fillRef>
+          <a:effectRef idx="0">
+            <a:schemeClr val="accent1"/>
+          </a:effectRef>
+          <a:fontRef idx="minor">
+            <a:schemeClr val="lt1"/>
+          </a:fontRef>
+        </p:style>
+        <p:txBody>
+          <a:bodyPr rtlCol="0" anchor="ctr"/>
+          <a:lstStyle/>
+          <a:p>
+            <a:pPr algn="ctr"/>
+            <a:endParaRPr lang="en-US"/>
+          </a:p>
+        </p:txBody>
+      </p:sp>
+      <p:sp>
+        <p:nvSpPr>
+          <p:cNvPr id="7" name="Isosceles Triangle 11">
+            <a:extLst>
+              <a:ext uri="{FF2B5EF4-FFF2-40B4-BE49-F238E27FC236}">
+                <a16:creationId xmlns:a16="http://schemas.microsoft.com/office/drawing/2014/main" id="{A580F890-B085-4E95-96AA-55AEBEC5CE6E}"/>
+              </a:ext>
+              <a:ext uri="{C183D7F6-B498-43B3-948B-1728B52AA6E4}">
+                <adec:decorative xmlns:adec="http://schemas.microsoft.com/office/drawing/2017/decorative" val="1"/>
+              </a:ext>
+            </a:extLst>
+          </p:cNvPr>
+          <p:cNvSpPr>
+            <a:spLocks noGrp="1" noRot="1" noChangeAspect="1" noMove="1" noResize="1" noEditPoints="1" noAdjustHandles="1" noChangeArrowheads="1" noChangeShapeType="1" noTextEdit="1"/>
+          </p:cNvSpPr>
+          <p:nvPr>
+            <p:extLst>
+              <p:ext uri="{386F3935-93C4-4BCD-93E2-E3B085C9AB24}">
+                <p16:designElem xmlns:p16="http://schemas.microsoft.com/office/powerpoint/2015/main" val="1"/>
+              </p:ext>
+            </p:extLst>
+          </p:nvPr>
+        </p:nvSpPr>
+        <p:spPr>
+          <a:xfrm rot="16200000">
+            <a:off x="10289068" y="1343027"/>
+            <a:ext cx="2532832" cy="1273032"/>
+          </a:xfrm>
+          <a:prstGeom prst="triangle">
+            <a:avLst>
+              <a:gd name="adj" fmla="val 50000"/>
+            </a:avLst>
+          </a:prstGeom>
+          <a:solidFill>
+            <a:schemeClr val="accent4">
+              <a:alpha val="30000"/>
+            </a:schemeClr>
+          </a:solidFill>
+          <a:ln>
+            <a:noFill/>
+          </a:ln>
+        </p:spPr>
+        <p:style>
+          <a:lnRef idx="2">
+            <a:schemeClr val="accent1">
+              <a:shade val="50000"/>
+            </a:schemeClr>
+          </a:lnRef>
+          <a:fillRef idx="1">
+            <a:schemeClr val="accent1"/>
+          </a:fillRef>
+          <a:effectRef idx="0">
+            <a:schemeClr val="accent1"/>
+          </a:effectRef>
+          <a:fontRef idx="minor">
+            <a:schemeClr val="lt1"/>
+          </a:fontRef>
+        </p:style>
+        <p:txBody>
+          <a:bodyPr rtlCol="0" anchor="ctr"/>
+          <a:lstStyle/>
+          <a:p>
+            <a:pPr algn="ctr"/>
+            <a:endParaRPr lang="en-US"/>
+          </a:p>
+        </p:txBody>
+      </p:sp>
+      <p:sp>
+        <p:nvSpPr>
+          <p:cNvPr id="9" name="Isosceles Triangle 13">
+            <a:extLst>
+              <a:ext uri="{FF2B5EF4-FFF2-40B4-BE49-F238E27FC236}">
+                <a16:creationId xmlns:a16="http://schemas.microsoft.com/office/drawing/2014/main" id="{D3F51FEB-38FB-4F6C-9F7B-2F2AFAB65463}"/>
+              </a:ext>
+              <a:ext uri="{C183D7F6-B498-43B3-948B-1728B52AA6E4}">
+                <adec:decorative xmlns:adec="http://schemas.microsoft.com/office/drawing/2017/decorative" val="1"/>
+              </a:ext>
+            </a:extLst>
+          </p:cNvPr>
+          <p:cNvSpPr>
+            <a:spLocks noGrp="1" noRot="1" noChangeAspect="1" noMove="1" noResize="1" noEditPoints="1" noAdjustHandles="1" noChangeArrowheads="1" noChangeShapeType="1" noTextEdit="1"/>
+          </p:cNvSpPr>
+          <p:nvPr>
+            <p:extLst>
+              <p:ext uri="{386F3935-93C4-4BCD-93E2-E3B085C9AB24}">
+                <p16:designElem xmlns:p16="http://schemas.microsoft.com/office/powerpoint/2015/main" val="1"/>
+              </p:ext>
+            </p:extLst>
+          </p:nvPr>
+        </p:nvSpPr>
+        <p:spPr>
+          <a:xfrm rot="5400000">
+            <a:off x="-501760" y="5103257"/>
+            <a:ext cx="2017580" cy="1014060"/>
+          </a:xfrm>
+          <a:prstGeom prst="triangle">
+            <a:avLst>
+              <a:gd name="adj" fmla="val 50000"/>
+            </a:avLst>
+          </a:prstGeom>
+          <a:solidFill>
+            <a:schemeClr val="accent1">
+              <a:alpha val="30000"/>
+            </a:schemeClr>
+          </a:solidFill>
+          <a:ln>
+            <a:noFill/>
+          </a:ln>
+        </p:spPr>
+        <p:style>
+          <a:lnRef idx="2">
+            <a:schemeClr val="accent1">
+              <a:shade val="50000"/>
+            </a:schemeClr>
+          </a:lnRef>
+          <a:fillRef idx="1">
+            <a:schemeClr val="accent1"/>
+          </a:fillRef>
+          <a:effectRef idx="0">
+            <a:schemeClr val="accent1"/>
+          </a:effectRef>
+          <a:fontRef idx="minor">
+            <a:schemeClr val="lt1"/>
+          </a:fontRef>
+        </p:style>
+        <p:txBody>
+          <a:bodyPr wrap="square" rtlCol="0" anchor="ctr">
+            <a:noAutofit/>
+          </a:bodyPr>
+          <a:lstStyle/>
+          <a:p>
+            <a:pPr algn="ctr"/>
+            <a:endParaRPr lang="en-US"/>
+          </a:p>
+        </p:txBody>
+      </p:sp>
+      <p:sp>
+        <p:nvSpPr>
+          <p:cNvPr id="11" name="Rectangle 15">
+            <a:extLst>
+              <a:ext uri="{FF2B5EF4-FFF2-40B4-BE49-F238E27FC236}">
+                <a16:creationId xmlns:a16="http://schemas.microsoft.com/office/drawing/2014/main" id="{1E547BA6-BAE0-43BB-A7CA-60F69CE252F0}"/>
+              </a:ext>
+              <a:ext uri="{C183D7F6-B498-43B3-948B-1728B52AA6E4}">
+                <adec:decorative xmlns:adec="http://schemas.microsoft.com/office/drawing/2017/decorative" val="1"/>
+              </a:ext>
+            </a:extLst>
+          </p:cNvPr>
+          <p:cNvSpPr>
+            <a:spLocks noGrp="1" noRot="1" noChangeAspect="1" noMove="1" noResize="1" noEditPoints="1" noAdjustHandles="1" noChangeArrowheads="1" noChangeShapeType="1" noTextEdit="1"/>
+          </p:cNvSpPr>
+          <p:nvPr>
+            <p:extLst>
+              <p:ext uri="{386F3935-93C4-4BCD-93E2-E3B085C9AB24}">
+                <p16:designElem xmlns:p16="http://schemas.microsoft.com/office/powerpoint/2015/main" val="1"/>
+              </p:ext>
+            </p:extLst>
+          </p:nvPr>
+        </p:nvSpPr>
+        <p:spPr>
+          <a:xfrm rot="2700000">
+            <a:off x="427916" y="5728708"/>
+            <a:ext cx="485578" cy="485578"/>
+          </a:xfrm>
+          <a:prstGeom prst="rect">
+            <a:avLst/>
+          </a:prstGeom>
+          <a:solidFill>
+            <a:schemeClr val="accent1">
+              <a:alpha val="30000"/>
+            </a:schemeClr>
+          </a:solidFill>
+          <a:ln>
+            <a:noFill/>
+          </a:ln>
+        </p:spPr>
+        <p:style>
+          <a:lnRef idx="2">
+            <a:schemeClr val="accent1">
+              <a:shade val="50000"/>
+            </a:schemeClr>
+          </a:lnRef>
+          <a:fillRef idx="1">
+            <a:schemeClr val="accent1"/>
+          </a:fillRef>
+          <a:effectRef idx="0">
+            <a:schemeClr val="accent1"/>
+          </a:effectRef>
+          <a:fontRef idx="minor">
+            <a:schemeClr val="lt1"/>
+          </a:fontRef>
+        </p:style>
+        <p:txBody>
+          <a:bodyPr wrap="square" rtlCol="0" anchor="ctr">
+            <a:noAutofit/>
+          </a:bodyPr>
+          <a:lstStyle/>
+          <a:p>
+            <a:pPr algn="ctr"/>
+            <a:endParaRPr lang="en-US"/>
+          </a:p>
+        </p:txBody>
+      </p:sp>
+      <p:sp>
+        <p:nvSpPr>
+          <p:cNvPr id="13" name="Title 14">
+            <a:extLst>
+              <a:ext uri="{FF2B5EF4-FFF2-40B4-BE49-F238E27FC236}">
+                <a16:creationId xmlns:a16="http://schemas.microsoft.com/office/drawing/2014/main" id="{84BE8801-9A83-8746-A99E-7A966CFB54A9}"/>
+              </a:ext>
+            </a:extLst>
+          </p:cNvPr>
+          <p:cNvSpPr txBox="1">
+            <a:spLocks/>
+          </p:cNvSpPr>
+          <p:nvPr/>
+        </p:nvSpPr>
+        <p:spPr>
+          <a:xfrm>
+            <a:off x="838200" y="365125"/>
+            <a:ext cx="10515600" cy="624579"/>
+          </a:xfrm>
+          <a:prstGeom prst="rect">
+            <a:avLst/>
+          </a:prstGeom>
+        </p:spPr>
+        <p:txBody>
+          <a:bodyPr vert="horz" lIns="91440" tIns="45720" rIns="91440" bIns="45720" rtlCol="0" anchor="ctr">
+            <a:normAutofit fontScale="90000" lnSpcReduction="10000"/>
+          </a:bodyPr>
+          <a:lstStyle>
+            <a:lvl1pPr algn="l" defTabSz="914400" rtl="0" eaLnBrk="1" latinLnBrk="0" hangingPunct="1">
+              <a:lnSpc>
+                <a:spcPct val="90000"/>
+              </a:lnSpc>
+              <a:spcBef>
+                <a:spcPct val="0"/>
+              </a:spcBef>
+              <a:buNone/>
+              <a:defRPr sz="4400" kern="1200">
+                <a:solidFill>
+                  <a:schemeClr val="tx1"/>
+                </a:solidFill>
+                <a:latin typeface="+mj-lt"/>
+                <a:ea typeface="+mj-ea"/>
+                <a:cs typeface="+mj-cs"/>
+              </a:defRPr>
+            </a:lvl1pPr>
+          </a:lstStyle>
+          <a:p>
+            <a:r>
+              <a:rPr lang="en-US"/>
+              <a:t>IE Console Screenshots</a:t>
+            </a:r>
+            <a:endParaRPr lang="en-US" dirty="0"/>
+          </a:p>
+        </p:txBody>
+      </p:sp>
+      <p:pic>
+        <p:nvPicPr>
+          <p:cNvPr id="14" name="Content Placeholder 8" descr="Graphical user interface, text, application&#10;&#10;Description automatically generated">
+            <a:extLst>
+              <a:ext uri="{FF2B5EF4-FFF2-40B4-BE49-F238E27FC236}">
+                <a16:creationId xmlns:a16="http://schemas.microsoft.com/office/drawing/2014/main" id="{A7AA1383-A0F6-8A46-B1C2-9864DE4C7FD1}"/>
+              </a:ext>
+            </a:extLst>
+          </p:cNvPr>
+          <p:cNvPicPr>
+            <a:picLocks noChangeAspect="1"/>
+          </p:cNvPicPr>
+          <p:nvPr/>
+        </p:nvPicPr>
+        <p:blipFill>
+          <a:blip r:embed="rId2"/>
+          <a:stretch>
+            <a:fillRect/>
+          </a:stretch>
+        </p:blipFill>
+        <p:spPr>
+          <a:xfrm>
+            <a:off x="375790" y="1373804"/>
+            <a:ext cx="3538728" cy="4368437"/>
+          </a:xfrm>
+          <a:prstGeom prst="rect">
+            <a:avLst/>
+          </a:prstGeom>
+        </p:spPr>
+      </p:pic>
+      <p:pic>
+        <p:nvPicPr>
+          <p:cNvPr id="15" name="Picture 14" descr="Graphical user interface, text, application, email&#10;&#10;Description automatically generated">
+            <a:extLst>
+              <a:ext uri="{FF2B5EF4-FFF2-40B4-BE49-F238E27FC236}">
+                <a16:creationId xmlns:a16="http://schemas.microsoft.com/office/drawing/2014/main" id="{133645D6-F848-4F46-ABD6-28129D5305DC}"/>
+              </a:ext>
+            </a:extLst>
+          </p:cNvPr>
+          <p:cNvPicPr>
+            <a:picLocks noChangeAspect="1"/>
+          </p:cNvPicPr>
+          <p:nvPr/>
+        </p:nvPicPr>
+        <p:blipFill>
+          <a:blip r:embed="rId3"/>
+          <a:stretch>
+            <a:fillRect/>
+          </a:stretch>
+        </p:blipFill>
+        <p:spPr>
+          <a:xfrm>
+            <a:off x="4351032" y="1373804"/>
+            <a:ext cx="3535184" cy="4351338"/>
+          </a:xfrm>
+          <a:prstGeom prst="rect">
+            <a:avLst/>
+          </a:prstGeom>
+        </p:spPr>
+      </p:pic>
+      <p:sp>
+        <p:nvSpPr>
+          <p:cNvPr id="16" name="Rectangle 15">
+            <a:extLst>
+              <a:ext uri="{FF2B5EF4-FFF2-40B4-BE49-F238E27FC236}">
+                <a16:creationId xmlns:a16="http://schemas.microsoft.com/office/drawing/2014/main" id="{889AC761-3EFC-164E-8BD4-AA20ED454E28}"/>
+              </a:ext>
+            </a:extLst>
+          </p:cNvPr>
+          <p:cNvSpPr/>
+          <p:nvPr/>
+        </p:nvSpPr>
+        <p:spPr>
+          <a:xfrm>
+            <a:off x="8275898" y="1373804"/>
+            <a:ext cx="3538728" cy="4351338"/>
+          </a:xfrm>
+          <a:prstGeom prst="rect">
+            <a:avLst/>
+          </a:prstGeom>
+          <a:solidFill>
+            <a:srgbClr val="B2CACB"/>
+          </a:solidFill>
+        </p:spPr>
+        <p:style>
+          <a:lnRef idx="2">
+            <a:schemeClr val="accent1">
+              <a:shade val="50000"/>
+            </a:schemeClr>
+          </a:lnRef>
+          <a:fillRef idx="1">
+            <a:schemeClr val="accent1"/>
+          </a:fillRef>
+          <a:effectRef idx="0">
+            <a:schemeClr val="accent1"/>
+          </a:effectRef>
+          <a:fontRef idx="minor">
+            <a:schemeClr val="lt1"/>
+          </a:fontRef>
+        </p:style>
+        <p:txBody>
+          <a:bodyPr rtlCol="0" anchor="ctr"/>
+          <a:lstStyle/>
+          <a:p>
+            <a:pPr algn="ctr"/>
+            <a:r>
+              <a:rPr lang="en-US"/>
+              <a:t>Placeholder for Payments screenshot</a:t>
+            </a:r>
+            <a:endParaRPr lang="en-US" dirty="0"/>
+          </a:p>
+        </p:txBody>
+      </p:sp>
+    </p:spTree>
+    <p:extLst>
+      <p:ext uri="{BB962C8B-B14F-4D97-AF65-F5344CB8AC3E}">
+        <p14:creationId xmlns:p14="http://schemas.microsoft.com/office/powerpoint/2010/main" val="2899316408"/>
+      </p:ext>
+    </p:extLst>
+  </p:cSld>
+  <p:clrMapOvr>
+    <a:masterClrMapping/>
+  </p:clrMapOvr>
+</p:sld>
+</file>
+
+<file path=ppt/slides/slide5.xml><?xml version="1.0" encoding="utf-8"?>
 <p:sld xmlns:a="http://schemas.openxmlformats.org/drawingml/2006/main" xmlns:r="http://schemas.openxmlformats.org/officeDocument/2006/relationships" xmlns:p="http://schemas.openxmlformats.org/presentationml/2006/main">
   <p:cSld>
     <p:spTree>
@@ -5103,7 +10203,7 @@
                       </a:schemeClr>
                     </a:solidFill>
                   </a:rPr>
-                  <a:t>: wllet3,</a:t>
+                  <a:t>: wallet3,</a:t>
                 </a:r>
                 <a:r>
                   <a:rPr lang="en-US" sz="1000" b="1" dirty="0">
@@ -8228,7 +13328,7 @@
     </p:spTree>
     <p:extLst>
       <p:ext uri="{BB962C8B-B14F-4D97-AF65-F5344CB8AC3E}">
-        <p14:creationId xmlns:p14="http://schemas.microsoft.com/office/powerpoint/2010/main" val="4133064128"/>
+        <p14:creationId xmlns:p14="http://schemas.microsoft.com/office/powerpoint/2010/main" val="1281630398"/>
       </p:ext>
     </p:extLst>
   </p:cSld>
@@ -8238,9 +13338,17 @@
 </p:sld>
 </file>
 
-<file path=ppt/slides/slide2.xml><?xml version="1.0" encoding="utf-8"?>
+<file path=ppt/slides/slide6.xml><?xml version="1.0" encoding="utf-8"?>
 <p:sld xmlns:a="http://schemas.openxmlformats.org/drawingml/2006/main" xmlns:r="http://schemas.openxmlformats.org/officeDocument/2006/relationships" xmlns:p="http://schemas.openxmlformats.org/presentationml/2006/main">
   <p:cSld>
+    <p:bg>
+      <p:bgPr>
+        <a:solidFill>
+          <a:schemeClr val="bg1"/>
+        </a:solidFill>
+        <a:effectLst/>
+      </p:bgPr>
+    </p:bg>
     <p:spTree>
       <p:nvGrpSpPr>
         <p:cNvPr id="1" name=""/>
@@ -8257,10 +13365,341 @@
       </p:grpSpPr>
       <p:sp>
         <p:nvSpPr>
-          <p:cNvPr id="4" name="TextBox 3">
-            <a:extLst>
-              <a:ext uri="{FF2B5EF4-FFF2-40B4-BE49-F238E27FC236}">
-                <a16:creationId xmlns:a16="http://schemas.microsoft.com/office/drawing/2014/main" id="{0C3CA352-C2C4-AA4A-9101-50772799FE55}"/>
+          <p:cNvPr id="5" name="Rectangle 7">
+            <a:extLst>
+              <a:ext uri="{FF2B5EF4-FFF2-40B4-BE49-F238E27FC236}">
+                <a16:creationId xmlns:a16="http://schemas.microsoft.com/office/drawing/2014/main" id="{2B566528-1B12-4246-9431-5C2D7D081168}"/>
+              </a:ext>
+              <a:ext uri="{C183D7F6-B498-43B3-948B-1728B52AA6E4}">
+                <adec:decorative xmlns:adec="http://schemas.microsoft.com/office/drawing/2017/decorative" val="1"/>
+              </a:ext>
+            </a:extLst>
+          </p:cNvPr>
+          <p:cNvSpPr>
+            <a:spLocks noGrp="1" noRot="1" noChangeAspect="1" noMove="1" noResize="1" noEditPoints="1" noAdjustHandles="1" noChangeArrowheads="1" noChangeShapeType="1" noTextEdit="1"/>
+          </p:cNvSpPr>
+          <p:nvPr>
+            <p:extLst>
+              <p:ext uri="{386F3935-93C4-4BCD-93E2-E3B085C9AB24}">
+                <p16:designElem xmlns:p16="http://schemas.microsoft.com/office/powerpoint/2015/main" val="1"/>
+              </p:ext>
+            </p:extLst>
+          </p:nvPr>
+        </p:nvSpPr>
+        <p:spPr>
+          <a:xfrm>
+            <a:off x="0" y="0"/>
+            <a:ext cx="12192000" cy="6858000"/>
+          </a:xfrm>
+          <a:prstGeom prst="rect">
+            <a:avLst/>
+          </a:prstGeom>
+          <a:solidFill>
+            <a:schemeClr val="bg1"/>
+          </a:solidFill>
+          <a:ln>
+            <a:noFill/>
+          </a:ln>
+        </p:spPr>
+        <p:style>
+          <a:lnRef idx="2">
+            <a:schemeClr val="accent1">
+              <a:shade val="50000"/>
+            </a:schemeClr>
+          </a:lnRef>
+          <a:fillRef idx="1">
+            <a:schemeClr val="accent1"/>
+          </a:fillRef>
+          <a:effectRef idx="0">
+            <a:schemeClr val="accent1"/>
+          </a:effectRef>
+          <a:fontRef idx="minor">
+            <a:schemeClr val="lt1"/>
+          </a:fontRef>
+        </p:style>
+        <p:txBody>
+          <a:bodyPr rtlCol="0" anchor="ctr"/>
+          <a:lstStyle/>
+          <a:p>
+            <a:pPr algn="ctr"/>
+            <a:endParaRPr lang="en-US" dirty="0"/>
+          </a:p>
+        </p:txBody>
+      </p:sp>
+      <p:sp>
+        <p:nvSpPr>
+          <p:cNvPr id="6" name="Rectangle 9">
+            <a:extLst>
+              <a:ext uri="{FF2B5EF4-FFF2-40B4-BE49-F238E27FC236}">
+                <a16:creationId xmlns:a16="http://schemas.microsoft.com/office/drawing/2014/main" id="{2E80C965-DB6D-4F81-9E9E-B027384D0BD6}"/>
+              </a:ext>
+              <a:ext uri="{C183D7F6-B498-43B3-948B-1728B52AA6E4}">
+                <adec:decorative xmlns:adec="http://schemas.microsoft.com/office/drawing/2017/decorative" val="1"/>
+              </a:ext>
+            </a:extLst>
+          </p:cNvPr>
+          <p:cNvSpPr>
+            <a:spLocks noGrp="1" noRot="1" noChangeAspect="1" noMove="1" noResize="1" noEditPoints="1" noAdjustHandles="1" noChangeArrowheads="1" noChangeShapeType="1" noTextEdit="1"/>
+          </p:cNvSpPr>
+          <p:nvPr>
+            <p:extLst>
+              <p:ext uri="{386F3935-93C4-4BCD-93E2-E3B085C9AB24}">
+                <p16:designElem xmlns:p16="http://schemas.microsoft.com/office/powerpoint/2015/main" val="1"/>
+              </p:ext>
+            </p:extLst>
+          </p:nvPr>
+        </p:nvSpPr>
+        <p:spPr>
+          <a:xfrm rot="2700000">
+            <a:off x="11052629" y="2120024"/>
+            <a:ext cx="645368" cy="645368"/>
+          </a:xfrm>
+          <a:prstGeom prst="rect">
+            <a:avLst/>
+          </a:prstGeom>
+          <a:solidFill>
+            <a:schemeClr val="accent4">
+              <a:alpha val="30000"/>
+            </a:schemeClr>
+          </a:solidFill>
+          <a:ln>
+            <a:noFill/>
+          </a:ln>
+        </p:spPr>
+        <p:style>
+          <a:lnRef idx="2">
+            <a:schemeClr val="accent1">
+              <a:shade val="50000"/>
+            </a:schemeClr>
+          </a:lnRef>
+          <a:fillRef idx="1">
+            <a:schemeClr val="accent1"/>
+          </a:fillRef>
+          <a:effectRef idx="0">
+            <a:schemeClr val="accent1"/>
+          </a:effectRef>
+          <a:fontRef idx="minor">
+            <a:schemeClr val="lt1"/>
+          </a:fontRef>
+        </p:style>
+        <p:txBody>
+          <a:bodyPr rtlCol="0" anchor="ctr"/>
+          <a:lstStyle/>
+          <a:p>
+            <a:pPr algn="ctr"/>
+            <a:endParaRPr lang="en-US"/>
+          </a:p>
+        </p:txBody>
+      </p:sp>
+      <p:sp>
+        <p:nvSpPr>
+          <p:cNvPr id="7" name="Isosceles Triangle 11">
+            <a:extLst>
+              <a:ext uri="{FF2B5EF4-FFF2-40B4-BE49-F238E27FC236}">
+                <a16:creationId xmlns:a16="http://schemas.microsoft.com/office/drawing/2014/main" id="{A580F890-B085-4E95-96AA-55AEBEC5CE6E}"/>
+              </a:ext>
+              <a:ext uri="{C183D7F6-B498-43B3-948B-1728B52AA6E4}">
+                <adec:decorative xmlns:adec="http://schemas.microsoft.com/office/drawing/2017/decorative" val="1"/>
+              </a:ext>
+            </a:extLst>
+          </p:cNvPr>
+          <p:cNvSpPr>
+            <a:spLocks noGrp="1" noRot="1" noChangeAspect="1" noMove="1" noResize="1" noEditPoints="1" noAdjustHandles="1" noChangeArrowheads="1" noChangeShapeType="1" noTextEdit="1"/>
+          </p:cNvSpPr>
+          <p:nvPr>
+            <p:extLst>
+              <p:ext uri="{386F3935-93C4-4BCD-93E2-E3B085C9AB24}">
+                <p16:designElem xmlns:p16="http://schemas.microsoft.com/office/powerpoint/2015/main" val="1"/>
+              </p:ext>
+            </p:extLst>
+          </p:nvPr>
+        </p:nvSpPr>
+        <p:spPr>
+          <a:xfrm rot="16200000">
+            <a:off x="10289068" y="1343027"/>
+            <a:ext cx="2532832" cy="1273032"/>
+          </a:xfrm>
+          <a:prstGeom prst="triangle">
+            <a:avLst>
+              <a:gd name="adj" fmla="val 50000"/>
+            </a:avLst>
+          </a:prstGeom>
+          <a:solidFill>
+            <a:schemeClr val="accent4">
+              <a:alpha val="30000"/>
+            </a:schemeClr>
+          </a:solidFill>
+          <a:ln>
+            <a:noFill/>
+          </a:ln>
+        </p:spPr>
+        <p:style>
+          <a:lnRef idx="2">
+            <a:schemeClr val="accent1">
+              <a:shade val="50000"/>
+            </a:schemeClr>
+          </a:lnRef>
+          <a:fillRef idx="1">
+            <a:schemeClr val="accent1"/>
+          </a:fillRef>
+          <a:effectRef idx="0">
+            <a:schemeClr val="accent1"/>
+          </a:effectRef>
+          <a:fontRef idx="minor">
+            <a:schemeClr val="lt1"/>
+          </a:fontRef>
+        </p:style>
+        <p:txBody>
+          <a:bodyPr rtlCol="0" anchor="ctr"/>
+          <a:lstStyle/>
+          <a:p>
+            <a:pPr algn="ctr"/>
+            <a:endParaRPr lang="en-US"/>
+          </a:p>
+        </p:txBody>
+      </p:sp>
+      <p:sp>
+        <p:nvSpPr>
+          <p:cNvPr id="9" name="Isosceles Triangle 13">
+            <a:extLst>
+              <a:ext uri="{FF2B5EF4-FFF2-40B4-BE49-F238E27FC236}">
+                <a16:creationId xmlns:a16="http://schemas.microsoft.com/office/drawing/2014/main" id="{D3F51FEB-38FB-4F6C-9F7B-2F2AFAB65463}"/>
+              </a:ext>
+              <a:ext uri="{C183D7F6-B498-43B3-948B-1728B52AA6E4}">
+                <adec:decorative xmlns:adec="http://schemas.microsoft.com/office/drawing/2017/decorative" val="1"/>
+              </a:ext>
+            </a:extLst>
+          </p:cNvPr>
+          <p:cNvSpPr>
+            <a:spLocks noGrp="1" noRot="1" noChangeAspect="1" noMove="1" noResize="1" noEditPoints="1" noAdjustHandles="1" noChangeArrowheads="1" noChangeShapeType="1" noTextEdit="1"/>
+          </p:cNvSpPr>
+          <p:nvPr>
+            <p:extLst>
+              <p:ext uri="{386F3935-93C4-4BCD-93E2-E3B085C9AB24}">
+                <p16:designElem xmlns:p16="http://schemas.microsoft.com/office/powerpoint/2015/main" val="1"/>
+              </p:ext>
+            </p:extLst>
+          </p:nvPr>
+        </p:nvSpPr>
+        <p:spPr>
+          <a:xfrm rot="5400000">
+            <a:off x="-501760" y="5103257"/>
+            <a:ext cx="2017580" cy="1014060"/>
+          </a:xfrm>
+          <a:prstGeom prst="triangle">
+            <a:avLst>
+              <a:gd name="adj" fmla="val 50000"/>
+            </a:avLst>
+          </a:prstGeom>
+          <a:solidFill>
+            <a:schemeClr val="accent1">
+              <a:alpha val="30000"/>
+            </a:schemeClr>
+          </a:solidFill>
+          <a:ln>
+            <a:noFill/>
+          </a:ln>
+        </p:spPr>
+        <p:style>
+          <a:lnRef idx="2">
+            <a:schemeClr val="accent1">
+              <a:shade val="50000"/>
+            </a:schemeClr>
+          </a:lnRef>
+          <a:fillRef idx="1">
+            <a:schemeClr val="accent1"/>
+          </a:fillRef>
+          <a:effectRef idx="0">
+            <a:schemeClr val="accent1"/>
+          </a:effectRef>
+          <a:fontRef idx="minor">
+            <a:schemeClr val="lt1"/>
+          </a:fontRef>
+        </p:style>
+        <p:txBody>
+          <a:bodyPr wrap="square" rtlCol="0" anchor="ctr">
+            <a:noAutofit/>
+          </a:bodyPr>
+          <a:lstStyle/>
+          <a:p>
+            <a:pPr algn="ctr"/>
+            <a:endParaRPr lang="en-US"/>
+          </a:p>
+        </p:txBody>
+      </p:sp>
+      <p:sp>
+        <p:nvSpPr>
+          <p:cNvPr id="11" name="Rectangle 15">
+            <a:extLst>
+              <a:ext uri="{FF2B5EF4-FFF2-40B4-BE49-F238E27FC236}">
+                <a16:creationId xmlns:a16="http://schemas.microsoft.com/office/drawing/2014/main" id="{1E547BA6-BAE0-43BB-A7CA-60F69CE252F0}"/>
+              </a:ext>
+              <a:ext uri="{C183D7F6-B498-43B3-948B-1728B52AA6E4}">
+                <adec:decorative xmlns:adec="http://schemas.microsoft.com/office/drawing/2017/decorative" val="1"/>
+              </a:ext>
+            </a:extLst>
+          </p:cNvPr>
+          <p:cNvSpPr>
+            <a:spLocks noGrp="1" noRot="1" noChangeAspect="1" noMove="1" noResize="1" noEditPoints="1" noAdjustHandles="1" noChangeArrowheads="1" noChangeShapeType="1" noTextEdit="1"/>
+          </p:cNvSpPr>
+          <p:nvPr>
+            <p:extLst>
+              <p:ext uri="{386F3935-93C4-4BCD-93E2-E3B085C9AB24}">
+                <p16:designElem xmlns:p16="http://schemas.microsoft.com/office/powerpoint/2015/main" val="1"/>
+              </p:ext>
+            </p:extLst>
+          </p:nvPr>
+        </p:nvSpPr>
+        <p:spPr>
+          <a:xfrm rot="2700000">
+            <a:off x="427916" y="5728708"/>
+            <a:ext cx="485578" cy="485578"/>
+          </a:xfrm>
+          <a:prstGeom prst="rect">
+            <a:avLst/>
+          </a:prstGeom>
+          <a:solidFill>
+            <a:schemeClr val="accent1">
+              <a:alpha val="30000"/>
+            </a:schemeClr>
+          </a:solidFill>
+          <a:ln>
+            <a:noFill/>
+          </a:ln>
+        </p:spPr>
+        <p:style>
+          <a:lnRef idx="2">
+            <a:schemeClr val="accent1">
+              <a:shade val="50000"/>
+            </a:schemeClr>
+          </a:lnRef>
+          <a:fillRef idx="1">
+            <a:schemeClr val="accent1"/>
+          </a:fillRef>
+          <a:effectRef idx="0">
+            <a:schemeClr val="accent1"/>
+          </a:effectRef>
+          <a:fontRef idx="minor">
+            <a:schemeClr val="lt1"/>
+          </a:fontRef>
+        </p:style>
+        <p:txBody>
+          <a:bodyPr wrap="square" rtlCol="0" anchor="ctr">
+            <a:noAutofit/>
+          </a:bodyPr>
+          <a:lstStyle/>
+          <a:p>
+            <a:pPr algn="ctr"/>
+            <a:endParaRPr lang="en-US"/>
+          </a:p>
+        </p:txBody>
+      </p:sp>
+      <p:sp>
+        <p:nvSpPr>
+          <p:cNvPr id="12" name="TextBox 11">
+            <a:extLst>
+              <a:ext uri="{FF2B5EF4-FFF2-40B4-BE49-F238E27FC236}">
+                <a16:creationId xmlns:a16="http://schemas.microsoft.com/office/drawing/2014/main" id="{79785AD8-C450-0D4D-96B2-A0F6FC6ECF31}"/>
               </a:ext>
             </a:extLst>
           </p:cNvPr>
@@ -8299,10 +13738,10 @@
       </p:sp>
       <p:sp>
         <p:nvSpPr>
-          <p:cNvPr id="5" name="TextBox 4">
-            <a:extLst>
-              <a:ext uri="{FF2B5EF4-FFF2-40B4-BE49-F238E27FC236}">
-                <a16:creationId xmlns:a16="http://schemas.microsoft.com/office/drawing/2014/main" id="{41373C65-14AF-4E4E-A6B3-4F1745B3C455}"/>
+          <p:cNvPr id="17" name="TextBox 16">
+            <a:extLst>
+              <a:ext uri="{FF2B5EF4-FFF2-40B4-BE49-F238E27FC236}">
+                <a16:creationId xmlns:a16="http://schemas.microsoft.com/office/drawing/2014/main" id="{525DE2EF-D77B-FD4E-A838-F8479BC65E2A}"/>
               </a:ext>
             </a:extLst>
           </p:cNvPr>
@@ -8343,10 +13782,10 @@
       </p:sp>
       <p:sp>
         <p:nvSpPr>
-          <p:cNvPr id="6" name="TextBox 5">
-            <a:extLst>
-              <a:ext uri="{FF2B5EF4-FFF2-40B4-BE49-F238E27FC236}">
-                <a16:creationId xmlns:a16="http://schemas.microsoft.com/office/drawing/2014/main" id="{1F6535AF-2808-0449-BCA5-91F568F09A84}"/>
+          <p:cNvPr id="18" name="TextBox 17">
+            <a:extLst>
+              <a:ext uri="{FF2B5EF4-FFF2-40B4-BE49-F238E27FC236}">
+                <a16:creationId xmlns:a16="http://schemas.microsoft.com/office/drawing/2014/main" id="{1B4CA7F7-B173-624C-9DD6-3A3C01BEFD4D}"/>
               </a:ext>
             </a:extLst>
           </p:cNvPr>
@@ -8383,10 +13822,10 @@
       </p:sp>
       <p:sp>
         <p:nvSpPr>
-          <p:cNvPr id="2" name="TextBox 1">
-            <a:extLst>
-              <a:ext uri="{FF2B5EF4-FFF2-40B4-BE49-F238E27FC236}">
-                <a16:creationId xmlns:a16="http://schemas.microsoft.com/office/drawing/2014/main" id="{664C38F8-9DC6-044F-AE47-6195049A8DCF}"/>
+          <p:cNvPr id="19" name="TextBox 18">
+            <a:extLst>
+              <a:ext uri="{FF2B5EF4-FFF2-40B4-BE49-F238E27FC236}">
+                <a16:creationId xmlns:a16="http://schemas.microsoft.com/office/drawing/2014/main" id="{A3D36708-6141-4949-BD3E-DAA62D557CD5}"/>
               </a:ext>
             </a:extLst>
           </p:cNvPr>
@@ -8652,10 +14091,10 @@
       </p:sp>
       <p:sp>
         <p:nvSpPr>
-          <p:cNvPr id="3" name="TextBox 2">
-            <a:extLst>
-              <a:ext uri="{FF2B5EF4-FFF2-40B4-BE49-F238E27FC236}">
-                <a16:creationId xmlns:a16="http://schemas.microsoft.com/office/drawing/2014/main" id="{AEBE1244-5D2D-524B-A6B0-9371345D40E1}"/>
+          <p:cNvPr id="20" name="TextBox 19">
+            <a:extLst>
+              <a:ext uri="{FF2B5EF4-FFF2-40B4-BE49-F238E27FC236}">
+                <a16:creationId xmlns:a16="http://schemas.microsoft.com/office/drawing/2014/main" id="{68026D58-5087-2848-A19C-3D0D29206896}"/>
               </a:ext>
             </a:extLst>
           </p:cNvPr>
@@ -8708,7 +14147,7 @@
     </p:spTree>
     <p:extLst>
       <p:ext uri="{BB962C8B-B14F-4D97-AF65-F5344CB8AC3E}">
-        <p14:creationId xmlns:p14="http://schemas.microsoft.com/office/powerpoint/2010/main" val="4270189531"/>
+        <p14:creationId xmlns:p14="http://schemas.microsoft.com/office/powerpoint/2010/main" val="2646991173"/>
       </p:ext>
     </p:extLst>
   </p:cSld>

--- a/doc/ImpactEvaluatorsGrant.pptx
+++ b/doc/ImpactEvaluatorsGrant.pptx
@@ -202,7 +202,7 @@
           <a:p>
             <a:fld id="{E831CBA5-123E-BD4B-A1AD-4A2D18A6CEB5}" type="datetimeFigureOut">
               <a:rPr lang="en-US" smtClean="0"/>
-              <a:t>2/6/23</a:t>
+              <a:t>2/7/23</a:t>
             </a:fld>
             <a:endParaRPr lang="en-US"/>
           </a:p>
@@ -784,7 +784,7 @@
           <a:p>
             <a:fld id="{A2830E4D-9FF7-EF4E-954F-ED7BC4209C93}" type="datetimeFigureOut">
               <a:rPr lang="en-US" smtClean="0"/>
-              <a:t>2/6/23</a:t>
+              <a:t>2/7/23</a:t>
             </a:fld>
             <a:endParaRPr lang="en-US"/>
           </a:p>
@@ -982,7 +982,7 @@
           <a:p>
             <a:fld id="{A2830E4D-9FF7-EF4E-954F-ED7BC4209C93}" type="datetimeFigureOut">
               <a:rPr lang="en-US" smtClean="0"/>
-              <a:t>2/6/23</a:t>
+              <a:t>2/7/23</a:t>
             </a:fld>
             <a:endParaRPr lang="en-US"/>
           </a:p>
@@ -1190,7 +1190,7 @@
           <a:p>
             <a:fld id="{A2830E4D-9FF7-EF4E-954F-ED7BC4209C93}" type="datetimeFigureOut">
               <a:rPr lang="en-US" smtClean="0"/>
-              <a:t>2/6/23</a:t>
+              <a:t>2/7/23</a:t>
             </a:fld>
             <a:endParaRPr lang="en-US"/>
           </a:p>
@@ -1388,7 +1388,7 @@
           <a:p>
             <a:fld id="{A2830E4D-9FF7-EF4E-954F-ED7BC4209C93}" type="datetimeFigureOut">
               <a:rPr lang="en-US" smtClean="0"/>
-              <a:t>2/6/23</a:t>
+              <a:t>2/7/23</a:t>
             </a:fld>
             <a:endParaRPr lang="en-US"/>
           </a:p>
@@ -1663,7 +1663,7 @@
           <a:p>
             <a:fld id="{A2830E4D-9FF7-EF4E-954F-ED7BC4209C93}" type="datetimeFigureOut">
               <a:rPr lang="en-US" smtClean="0"/>
-              <a:t>2/6/23</a:t>
+              <a:t>2/7/23</a:t>
             </a:fld>
             <a:endParaRPr lang="en-US"/>
           </a:p>
@@ -1928,7 +1928,7 @@
           <a:p>
             <a:fld id="{A2830E4D-9FF7-EF4E-954F-ED7BC4209C93}" type="datetimeFigureOut">
               <a:rPr lang="en-US" smtClean="0"/>
-              <a:t>2/6/23</a:t>
+              <a:t>2/7/23</a:t>
             </a:fld>
             <a:endParaRPr lang="en-US"/>
           </a:p>
@@ -2340,7 +2340,7 @@
           <a:p>
             <a:fld id="{A2830E4D-9FF7-EF4E-954F-ED7BC4209C93}" type="datetimeFigureOut">
               <a:rPr lang="en-US" smtClean="0"/>
-              <a:t>2/6/23</a:t>
+              <a:t>2/7/23</a:t>
             </a:fld>
             <a:endParaRPr lang="en-US"/>
           </a:p>
@@ -2481,7 +2481,7 @@
           <a:p>
             <a:fld id="{A2830E4D-9FF7-EF4E-954F-ED7BC4209C93}" type="datetimeFigureOut">
               <a:rPr lang="en-US" smtClean="0"/>
-              <a:t>2/6/23</a:t>
+              <a:t>2/7/23</a:t>
             </a:fld>
             <a:endParaRPr lang="en-US"/>
           </a:p>
@@ -2594,7 +2594,7 @@
           <a:p>
             <a:fld id="{A2830E4D-9FF7-EF4E-954F-ED7BC4209C93}" type="datetimeFigureOut">
               <a:rPr lang="en-US" smtClean="0"/>
-              <a:t>2/6/23</a:t>
+              <a:t>2/7/23</a:t>
             </a:fld>
             <a:endParaRPr lang="en-US"/>
           </a:p>
@@ -2905,7 +2905,7 @@
           <a:p>
             <a:fld id="{A2830E4D-9FF7-EF4E-954F-ED7BC4209C93}" type="datetimeFigureOut">
               <a:rPr lang="en-US" smtClean="0"/>
-              <a:t>2/6/23</a:t>
+              <a:t>2/7/23</a:t>
             </a:fld>
             <a:endParaRPr lang="en-US"/>
           </a:p>
@@ -3193,7 +3193,7 @@
           <a:p>
             <a:fld id="{A2830E4D-9FF7-EF4E-954F-ED7BC4209C93}" type="datetimeFigureOut">
               <a:rPr lang="en-US" smtClean="0"/>
-              <a:t>2/6/23</a:t>
+              <a:t>2/7/23</a:t>
             </a:fld>
             <a:endParaRPr lang="en-US"/>
           </a:p>
@@ -3434,7 +3434,7 @@
           <a:p>
             <a:fld id="{A2830E4D-9FF7-EF4E-954F-ED7BC4209C93}" type="datetimeFigureOut">
               <a:rPr lang="en-US" smtClean="0"/>
-              <a:t>2/6/23</a:t>
+              <a:t>2/7/23</a:t>
             </a:fld>
             <a:endParaRPr lang="en-US"/>
           </a:p>
@@ -7217,7 +7217,7 @@
         <p:spPr>
           <a:xfrm>
             <a:off x="358815" y="6006020"/>
-            <a:ext cx="2245489" cy="369332"/>
+            <a:ext cx="2245489" cy="553998"/>
           </a:xfrm>
           <a:prstGeom prst="rect">
             <a:avLst/>
@@ -7248,6 +7248,34 @@
               </a:rPr>
               <a:t>` Team</a:t>
             </a:r>
+          </a:p>
+          <a:p>
+            <a:r>
+              <a:rPr lang="en-US" sz="1200" dirty="0">
+                <a:solidFill>
+                  <a:schemeClr val="accent5">
+                    <a:lumMod val="75000"/>
+                  </a:schemeClr>
+                </a:solidFill>
+                <a:latin typeface="+mj-lt"/>
+                <a:hlinkClick r:id="rId2">
+                  <a:extLst>
+                    <a:ext uri="{A12FA001-AC4F-418D-AE19-62706E023703}">
+                      <ahyp:hlinkClr xmlns:ahyp="http://schemas.microsoft.com/office/drawing/2018/hyperlinkcolor" val="tx"/>
+                    </a:ext>
+                  </a:extLst>
+                </a:hlinkClick>
+              </a:rPr>
+              <a:t>Impact Evaluator Git Repository</a:t>
+            </a:r>
+            <a:endParaRPr lang="en-US" sz="1200" dirty="0">
+              <a:solidFill>
+                <a:schemeClr val="accent5">
+                  <a:lumMod val="75000"/>
+                </a:schemeClr>
+              </a:solidFill>
+              <a:latin typeface="+mj-lt"/>
+            </a:endParaRPr>
           </a:p>
         </p:txBody>
       </p:sp>
@@ -7438,14 +7466,14 @@
             <a:pPr lvl="1"/>
             <a:r>
               <a:rPr lang="en-US" sz="1400" dirty="0"/>
-              <a:t>Enables a workflow flow of:</a:t>
+              <a:t>The console enables a workflow flow of:</a:t>
             </a:r>
           </a:p>
           <a:p>
             <a:pPr lvl="2"/>
             <a:r>
               <a:rPr lang="en-US" sz="1400" dirty="0"/>
-              <a:t> Approve Funds – persists “Approved” claims to </a:t>
+              <a:t> Approve Tasks – (”Approved” tasks result in creation of  “Approved” claims in </a:t>
             </a:r>
             <a:r>
               <a:rPr lang="en-US" sz="1400" dirty="0" err="1"/>
@@ -7457,19 +7485,7 @@
             <a:pPr lvl="2"/>
             <a:r>
               <a:rPr lang="en-US" sz="1400" dirty="0"/>
-              <a:t>Distribute Funds – persists “Distributed” claims to </a:t>
-            </a:r>
-            <a:r>
-              <a:rPr lang="en-US" sz="1400" dirty="0" err="1"/>
-              <a:t>composeDB</a:t>
-            </a:r>
-            <a:endParaRPr lang="en-US" sz="1400" dirty="0"/>
-          </a:p>
-          <a:p>
-            <a:pPr lvl="2"/>
-            <a:r>
-              <a:rPr lang="en-US" sz="1400" dirty="0"/>
-              <a:t>Submit for Payment – 1) retrieves “Approved” and “Distributed” claims from </a:t>
+              <a:t>Distribute Funds for the completed task to the award recipient (”Earned” tasks result in creation of “Earned” claim in </a:t>
             </a:r>
             <a:r>
               <a:rPr lang="en-US" sz="1400" dirty="0" err="1"/>
@@ -7477,13 +7493,55 @@
             </a:r>
             <a:r>
               <a:rPr lang="en-US" sz="1400" dirty="0"/>
-              <a:t>, 2) persists claims to web3.storage 3) Initiates Bacalhau compute using web3.storage CID.</a:t>
+              <a:t>)</a:t>
+            </a:r>
+          </a:p>
+          <a:p>
+            <a:pPr lvl="2"/>
+            <a:r>
+              <a:rPr lang="en-US" sz="1400" dirty="0"/>
+              <a:t>Submit for Payment:</a:t>
+            </a:r>
+          </a:p>
+          <a:p>
+            <a:pPr marL="1714500" lvl="3" indent="-342900">
+              <a:buFont typeface="+mj-lt"/>
+              <a:buAutoNum type="arabicPeriod"/>
+            </a:pPr>
+            <a:r>
+              <a:rPr lang="en-US" sz="1200" dirty="0"/>
+              <a:t>Retrieves “Approved” and “Distributed” claims from </a:t>
+            </a:r>
+            <a:r>
+              <a:rPr lang="en-US" sz="1200" dirty="0" err="1"/>
+              <a:t>composeDB</a:t>
+            </a:r>
+            <a:endParaRPr lang="en-US" sz="1200" dirty="0"/>
+          </a:p>
+          <a:p>
+            <a:pPr marL="1714500" lvl="3" indent="-342900">
+              <a:buFont typeface="+mj-lt"/>
+              <a:buAutoNum type="arabicPeriod"/>
+            </a:pPr>
+            <a:r>
+              <a:rPr lang="en-US" sz="1200" dirty="0"/>
+              <a:t>Pin claims to web3.storage </a:t>
+            </a:r>
+          </a:p>
+          <a:p>
+            <a:pPr marL="1714500" lvl="3" indent="-342900">
+              <a:buFont typeface="+mj-lt"/>
+              <a:buAutoNum type="arabicPeriod"/>
+            </a:pPr>
+            <a:r>
+              <a:rPr lang="en-US" sz="1200" dirty="0"/>
+              <a:t>Initiate Bacalhau Calc using web3.storage CID.</a:t>
             </a:r>
           </a:p>
           <a:p>
             <a:r>
               <a:rPr lang="en-US" sz="1400" b="1" dirty="0"/>
-              <a:t>Bacalhau Compute {Chris…can you please ensure we have the right bullets here}</a:t>
+              <a:t>Bacalhau Calc</a:t>
             </a:r>
             <a:endParaRPr lang="en-US" sz="1400" dirty="0"/>
           </a:p>
@@ -7491,7 +7549,7 @@
             <a:pPr lvl="1"/>
             <a:r>
               <a:rPr lang="en-US" sz="1400" dirty="0"/>
-              <a:t>Receives the CID for the claims persisted to web3.storage</a:t>
+              <a:t>Receives the CID for the claims pinned to web3.storage</a:t>
             </a:r>
           </a:p>
           <a:p>
@@ -7511,15 +7569,7 @@
           <a:p>
             <a:r>
               <a:rPr lang="en-US" sz="1400" b="1" dirty="0"/>
-              <a:t>Wrapper Contract {</a:t>
-            </a:r>
-            <a:r>
-              <a:rPr lang="en-US" sz="1400" b="1" dirty="0" err="1"/>
-              <a:t>Kartekeya</a:t>
-            </a:r>
-            <a:r>
-              <a:rPr lang="en-US" sz="1400" b="1" dirty="0"/>
-              <a:t> can you please put the right bullets here}</a:t>
+              <a:t>Wrapper Contract</a:t>
             </a:r>
           </a:p>
           <a:p>
@@ -7981,45 +8031,39 @@
               <a:buNone/>
             </a:pPr>
             <a:r>
-              <a:rPr lang="en-US" sz="2000"/>
+              <a:rPr lang="en-US" sz="2000" dirty="0"/>
               <a:t>Each of the components within this solution offers opportunities for reusability.  The following outlines each component's current level of reusability and opportunities for improving future reusability.</a:t>
             </a:r>
           </a:p>
           <a:p>
             <a:r>
-              <a:rPr lang="en-US" sz="2000"/>
+              <a:rPr lang="en-US" sz="2000" dirty="0"/>
               <a:t>IE Console – the sources for the data fed into the evaluator for each round can be a pluggable component.  The POC is implemented with Taiga as the source of the data, but additional sources can be added.  The pluggable component would simply be an extract of the source data and a mapping to the standard claim model. </a:t>
             </a:r>
             <a:r>
-              <a:rPr lang="en-US" sz="2000" i="1"/>
+              <a:rPr lang="en-US" sz="2000" i="1" dirty="0"/>
               <a:t>{Sami….please help with wording}</a:t>
             </a:r>
           </a:p>
           <a:p>
             <a:r>
-              <a:rPr lang="en-US" sz="2000"/>
+              <a:rPr lang="en-US" sz="2000" dirty="0"/>
               <a:t>Bacalhau – The compute component can be made a pluggable component allowing the implementor to customize the rules of the calculation. </a:t>
             </a:r>
+            <a:endParaRPr lang="en-US" sz="2000" i="1" dirty="0"/>
+          </a:p>
+          <a:p>
             <a:r>
-              <a:rPr lang="en-US" sz="2000" i="1"/>
-              <a:t>{Chris…please help with the wording}</a:t>
+              <a:rPr lang="en-US" sz="2000" dirty="0"/>
+              <a:t>Wrapper Contract – The wrapper can support any ERC20 token. </a:t>
             </a:r>
-          </a:p>
-          <a:p>
-            <a:r>
-              <a:rPr lang="en-US" sz="2000"/>
-              <a:t>Wrapper Contract – The wrapper can easily support any ERC20 token. </a:t>
-            </a:r>
-            <a:r>
-              <a:rPr lang="en-US" sz="2000" i="1"/>
-              <a:t>{Kartekeya….please help with wording}</a:t>
-            </a:r>
+            <a:endParaRPr lang="en-US" sz="2000" i="1" dirty="0"/>
           </a:p>
           <a:p>
             <a:pPr marL="0" indent="0">
               <a:buNone/>
             </a:pPr>
-            <a:endParaRPr lang="en-US" sz="2000"/>
+            <a:endParaRPr lang="en-US" sz="2000" dirty="0"/>
           </a:p>
         </p:txBody>
       </p:sp>
@@ -9679,7 +9723,7 @@
         </p:nvGrpSpPr>
         <p:grpSpPr>
           <a:xfrm>
-            <a:off x="4556726" y="4668627"/>
+            <a:off x="3085087" y="4689635"/>
             <a:ext cx="6520160" cy="1656677"/>
             <a:chOff x="4003551" y="4797911"/>
             <a:chExt cx="6520160" cy="1656677"/>
@@ -12842,7 +12886,7 @@
         </p:nvGrpSpPr>
         <p:grpSpPr>
           <a:xfrm>
-            <a:off x="3280582" y="5051614"/>
+            <a:off x="1747101" y="5036066"/>
             <a:ext cx="688489" cy="788919"/>
             <a:chOff x="5056095" y="4819426"/>
             <a:chExt cx="1154656" cy="1262256"/>
@@ -12977,9 +13021,9 @@
           <p:nvPr/>
         </p:nvCxnSpPr>
         <p:spPr>
-          <a:xfrm rot="16200000" flipV="1">
-            <a:off x="2759233" y="4193504"/>
-            <a:ext cx="919284" cy="796935"/>
+          <a:xfrm rot="5400000" flipH="1" flipV="1">
+            <a:off x="2000266" y="4215925"/>
+            <a:ext cx="903736" cy="736546"/>
           </a:xfrm>
           <a:prstGeom prst="curvedConnector3">
             <a:avLst>
@@ -13325,6 +13369,161 @@
           </a:fontRef>
         </p:style>
       </p:cxnSp>
+      <p:grpSp>
+        <p:nvGrpSpPr>
+          <p:cNvPr id="81" name="Group 80">
+            <a:extLst>
+              <a:ext uri="{FF2B5EF4-FFF2-40B4-BE49-F238E27FC236}">
+                <a16:creationId xmlns:a16="http://schemas.microsoft.com/office/drawing/2014/main" id="{432B8547-7EAA-9C42-A541-84EFA40D00AB}"/>
+              </a:ext>
+            </a:extLst>
+          </p:cNvPr>
+          <p:cNvGrpSpPr/>
+          <p:nvPr/>
+        </p:nvGrpSpPr>
+        <p:grpSpPr>
+          <a:xfrm>
+            <a:off x="10482120" y="4826060"/>
+            <a:ext cx="941807" cy="795460"/>
+            <a:chOff x="8782382" y="-110290"/>
+            <a:chExt cx="941807" cy="795460"/>
+          </a:xfrm>
+        </p:grpSpPr>
+        <p:pic>
+          <p:nvPicPr>
+            <p:cNvPr id="82" name="Picture 81" descr="Icon&#10;&#10;Description automatically generated">
+              <a:extLst>
+                <a:ext uri="{FF2B5EF4-FFF2-40B4-BE49-F238E27FC236}">
+                  <a16:creationId xmlns:a16="http://schemas.microsoft.com/office/drawing/2014/main" id="{D23DE90A-98EB-9F44-B919-AD3C958649A2}"/>
+                </a:ext>
+              </a:extLst>
+            </p:cNvPr>
+            <p:cNvPicPr>
+              <a:picLocks noChangeAspect="1"/>
+            </p:cNvPicPr>
+            <p:nvPr/>
+          </p:nvPicPr>
+          <p:blipFill>
+            <a:blip r:embed="rId3"/>
+            <a:stretch>
+              <a:fillRect/>
+            </a:stretch>
+          </p:blipFill>
+          <p:spPr>
+            <a:xfrm>
+              <a:off x="9024635" y="241411"/>
+              <a:ext cx="548640" cy="443759"/>
+            </a:xfrm>
+            <a:prstGeom prst="rect">
+              <a:avLst/>
+            </a:prstGeom>
+          </p:spPr>
+        </p:pic>
+        <p:sp>
+          <p:nvSpPr>
+            <p:cNvPr id="83" name="Rounded Rectangle 82">
+              <a:extLst>
+                <a:ext uri="{FF2B5EF4-FFF2-40B4-BE49-F238E27FC236}">
+                  <a16:creationId xmlns:a16="http://schemas.microsoft.com/office/drawing/2014/main" id="{BCE8B6DB-282C-E145-8EF7-0C9590308528}"/>
+                </a:ext>
+              </a:extLst>
+            </p:cNvPr>
+            <p:cNvSpPr/>
+            <p:nvPr/>
+          </p:nvSpPr>
+          <p:spPr>
+            <a:xfrm>
+              <a:off x="8782382" y="-110290"/>
+              <a:ext cx="941807" cy="410896"/>
+            </a:xfrm>
+            <a:prstGeom prst="roundRect">
+              <a:avLst/>
+            </a:prstGeom>
+            <a:noFill/>
+            <a:ln>
+              <a:solidFill>
+                <a:schemeClr val="accent1"/>
+              </a:solidFill>
+            </a:ln>
+          </p:spPr>
+          <p:style>
+            <a:lnRef idx="2">
+              <a:schemeClr val="accent1">
+                <a:shade val="50000"/>
+              </a:schemeClr>
+            </a:lnRef>
+            <a:fillRef idx="1">
+              <a:schemeClr val="accent1"/>
+            </a:fillRef>
+            <a:effectRef idx="0">
+              <a:schemeClr val="accent1"/>
+            </a:effectRef>
+            <a:fontRef idx="minor">
+              <a:schemeClr val="lt1"/>
+            </a:fontRef>
+          </p:style>
+          <p:txBody>
+            <a:bodyPr rtlCol="0" anchor="ctr"/>
+            <a:lstStyle/>
+            <a:p>
+              <a:pPr algn="ctr"/>
+              <a:r>
+                <a:rPr lang="en-US" sz="1200" dirty="0">
+                  <a:solidFill>
+                    <a:schemeClr val="tx1"/>
+                  </a:solidFill>
+                </a:rPr>
+                <a:t>User Wallets</a:t>
+              </a:r>
+            </a:p>
+          </p:txBody>
+        </p:sp>
+      </p:grpSp>
+      <p:cxnSp>
+        <p:nvCxnSpPr>
+          <p:cNvPr id="84" name="Curved Connector 83">
+            <a:extLst>
+              <a:ext uri="{FF2B5EF4-FFF2-40B4-BE49-F238E27FC236}">
+                <a16:creationId xmlns:a16="http://schemas.microsoft.com/office/drawing/2014/main" id="{E81032A7-EFD1-AF45-9A15-3879A9C3B59A}"/>
+              </a:ext>
+            </a:extLst>
+          </p:cNvPr>
+          <p:cNvCxnSpPr>
+            <a:cxnSpLocks/>
+            <a:stCxn id="73" idx="2"/>
+            <a:endCxn id="83" idx="0"/>
+          </p:cNvCxnSpPr>
+          <p:nvPr/>
+        </p:nvCxnSpPr>
+        <p:spPr>
+          <a:xfrm rot="5400000">
+            <a:off x="10617116" y="4117294"/>
+            <a:ext cx="1044675" cy="372857"/>
+          </a:xfrm>
+          <a:prstGeom prst="curvedConnector3">
+            <a:avLst>
+              <a:gd name="adj1" fmla="val 50000"/>
+            </a:avLst>
+          </a:prstGeom>
+          <a:ln>
+            <a:tailEnd type="triangle"/>
+          </a:ln>
+        </p:spPr>
+        <p:style>
+          <a:lnRef idx="1">
+            <a:schemeClr val="accent1"/>
+          </a:lnRef>
+          <a:fillRef idx="0">
+            <a:schemeClr val="accent1"/>
+          </a:fillRef>
+          <a:effectRef idx="0">
+            <a:schemeClr val="accent1"/>
+          </a:effectRef>
+          <a:fontRef idx="minor">
+            <a:schemeClr val="tx1"/>
+          </a:fontRef>
+        </p:style>
+      </p:cxnSp>
     </p:spTree>
     <p:extLst>
       <p:ext uri="{BB962C8B-B14F-4D97-AF65-F5344CB8AC3E}">
@@ -13694,401 +13893,422 @@
           </a:p>
         </p:txBody>
       </p:sp>
-      <p:sp>
-        <p:nvSpPr>
-          <p:cNvPr id="12" name="TextBox 11">
+      <p:grpSp>
+        <p:nvGrpSpPr>
+          <p:cNvPr id="2" name="Group 1">
             <a:extLst>
               <a:ext uri="{FF2B5EF4-FFF2-40B4-BE49-F238E27FC236}">
-                <a16:creationId xmlns:a16="http://schemas.microsoft.com/office/drawing/2014/main" id="{79785AD8-C450-0D4D-96B2-A0F6FC6ECF31}"/>
+                <a16:creationId xmlns:a16="http://schemas.microsoft.com/office/drawing/2014/main" id="{6EC6673F-F10E-284D-BCD5-876111A0EC92}"/>
               </a:ext>
             </a:extLst>
           </p:cNvPr>
-          <p:cNvSpPr txBox="1"/>
+          <p:cNvGrpSpPr/>
           <p:nvPr/>
-        </p:nvSpPr>
-        <p:spPr>
+        </p:nvGrpSpPr>
+        <p:grpSpPr>
           <a:xfrm>
             <a:off x="919027" y="543185"/>
-            <a:ext cx="2412896" cy="383741"/>
+            <a:ext cx="5347303" cy="4922466"/>
+            <a:chOff x="919027" y="543185"/>
+            <a:chExt cx="5347303" cy="4922466"/>
           </a:xfrm>
-          <a:prstGeom prst="rect">
-            <a:avLst/>
-          </a:prstGeom>
-          <a:noFill/>
-          <a:ln w="19050">
+        </p:grpSpPr>
+        <p:sp>
+          <p:nvSpPr>
+            <p:cNvPr id="12" name="TextBox 11">
+              <a:extLst>
+                <a:ext uri="{FF2B5EF4-FFF2-40B4-BE49-F238E27FC236}">
+                  <a16:creationId xmlns:a16="http://schemas.microsoft.com/office/drawing/2014/main" id="{79785AD8-C450-0D4D-96B2-A0F6FC6ECF31}"/>
+                </a:ext>
+              </a:extLst>
+            </p:cNvPr>
+            <p:cNvSpPr txBox="1"/>
+            <p:nvPr/>
+          </p:nvSpPr>
+          <p:spPr>
+            <a:xfrm>
+              <a:off x="919027" y="543185"/>
+              <a:ext cx="2412896" cy="383741"/>
+            </a:xfrm>
+            <a:prstGeom prst="rect">
+              <a:avLst/>
+            </a:prstGeom>
+            <a:noFill/>
+            <a:ln w="19050">
+              <a:solidFill>
+                <a:schemeClr val="accent1"/>
+              </a:solidFill>
+            </a:ln>
+          </p:spPr>
+          <p:txBody>
+            <a:bodyPr wrap="square" rtlCol="0">
+              <a:noAutofit/>
+            </a:bodyPr>
+            <a:lstStyle/>
+            <a:p>
+              <a:pPr algn="ctr"/>
+              <a:r>
+                <a:rPr lang="en-US" dirty="0"/>
+                <a:t>Claim Model</a:t>
+              </a:r>
+              <a:endParaRPr lang="en-US" sz="1600" dirty="0"/>
+            </a:p>
+          </p:txBody>
+        </p:sp>
+        <p:sp>
+          <p:nvSpPr>
+            <p:cNvPr id="17" name="TextBox 16">
+              <a:extLst>
+                <a:ext uri="{FF2B5EF4-FFF2-40B4-BE49-F238E27FC236}">
+                  <a16:creationId xmlns:a16="http://schemas.microsoft.com/office/drawing/2014/main" id="{525DE2EF-D77B-FD4E-A838-F8479BC65E2A}"/>
+                </a:ext>
+              </a:extLst>
+            </p:cNvPr>
+            <p:cNvSpPr txBox="1"/>
+            <p:nvPr/>
+          </p:nvSpPr>
+          <p:spPr>
+            <a:xfrm>
+              <a:off x="927378" y="926926"/>
+              <a:ext cx="4881751" cy="3288459"/>
+            </a:xfrm>
+            <a:prstGeom prst="rect">
+              <a:avLst/>
+            </a:prstGeom>
             <a:solidFill>
               <a:schemeClr val="accent1"/>
             </a:solidFill>
-          </a:ln>
-        </p:spPr>
-        <p:txBody>
-          <a:bodyPr wrap="square" rtlCol="0">
-            <a:noAutofit/>
-          </a:bodyPr>
-          <a:lstStyle/>
-          <a:p>
-            <a:pPr algn="ctr"/>
-            <a:r>
-              <a:rPr lang="en-US" dirty="0"/>
-              <a:t>Claim Model</a:t>
-            </a:r>
-            <a:endParaRPr lang="en-US" sz="1600" dirty="0"/>
-          </a:p>
-        </p:txBody>
-      </p:sp>
-      <p:sp>
-        <p:nvSpPr>
-          <p:cNvPr id="17" name="TextBox 16">
-            <a:extLst>
-              <a:ext uri="{FF2B5EF4-FFF2-40B4-BE49-F238E27FC236}">
-                <a16:creationId xmlns:a16="http://schemas.microsoft.com/office/drawing/2014/main" id="{525DE2EF-D77B-FD4E-A838-F8479BC65E2A}"/>
-              </a:ext>
-            </a:extLst>
-          </p:cNvPr>
-          <p:cNvSpPr txBox="1"/>
-          <p:nvPr/>
-        </p:nvSpPr>
-        <p:spPr>
-          <a:xfrm>
-            <a:off x="927378" y="926926"/>
-            <a:ext cx="9539954" cy="3288459"/>
-          </a:xfrm>
-          <a:prstGeom prst="rect">
-            <a:avLst/>
-          </a:prstGeom>
-          <a:solidFill>
-            <a:schemeClr val="accent1"/>
-          </a:solidFill>
-          <a:ln w="19050">
+            <a:ln w="19050">
+              <a:solidFill>
+                <a:schemeClr val="accent1"/>
+              </a:solidFill>
+            </a:ln>
+          </p:spPr>
+          <p:txBody>
+            <a:bodyPr wrap="square" lIns="0" tIns="0" rIns="0" bIns="0" rtlCol="0" anchor="t">
+              <a:noAutofit/>
+            </a:bodyPr>
+            <a:lstStyle/>
+            <a:p>
+              <a:pPr algn="ctr"/>
+              <a:endParaRPr lang="en-US" dirty="0">
+                <a:solidFill>
+                  <a:schemeClr val="bg1"/>
+                </a:solidFill>
+              </a:endParaRPr>
+            </a:p>
+          </p:txBody>
+        </p:sp>
+        <p:sp>
+          <p:nvSpPr>
+            <p:cNvPr id="18" name="TextBox 17">
+              <a:extLst>
+                <a:ext uri="{FF2B5EF4-FFF2-40B4-BE49-F238E27FC236}">
+                  <a16:creationId xmlns:a16="http://schemas.microsoft.com/office/drawing/2014/main" id="{1B4CA7F7-B173-624C-9DD6-3A3C01BEFD4D}"/>
+                </a:ext>
+              </a:extLst>
+            </p:cNvPr>
+            <p:cNvSpPr txBox="1"/>
+            <p:nvPr/>
+          </p:nvSpPr>
+          <p:spPr>
+            <a:xfrm>
+              <a:off x="927378" y="1202586"/>
+              <a:ext cx="4881751" cy="4233710"/>
+            </a:xfrm>
+            <a:prstGeom prst="rect">
+              <a:avLst/>
+            </a:prstGeom>
             <a:solidFill>
-              <a:schemeClr val="accent1"/>
+              <a:schemeClr val="bg1"/>
             </a:solidFill>
-          </a:ln>
-        </p:spPr>
-        <p:txBody>
-          <a:bodyPr wrap="square" lIns="0" tIns="0" rIns="0" bIns="0" rtlCol="0" anchor="t">
-            <a:noAutofit/>
-          </a:bodyPr>
-          <a:lstStyle/>
-          <a:p>
-            <a:pPr algn="ctr"/>
-            <a:endParaRPr lang="en-US" dirty="0">
+            <a:ln w="19050">
               <a:solidFill>
-                <a:schemeClr val="bg1"/>
+                <a:schemeClr val="accent1"/>
               </a:solidFill>
-            </a:endParaRPr>
-          </a:p>
-        </p:txBody>
-      </p:sp>
-      <p:sp>
-        <p:nvSpPr>
-          <p:cNvPr id="18" name="TextBox 17">
-            <a:extLst>
-              <a:ext uri="{FF2B5EF4-FFF2-40B4-BE49-F238E27FC236}">
-                <a16:creationId xmlns:a16="http://schemas.microsoft.com/office/drawing/2014/main" id="{1B4CA7F7-B173-624C-9DD6-3A3C01BEFD4D}"/>
-              </a:ext>
-            </a:extLst>
-          </p:cNvPr>
-          <p:cNvSpPr txBox="1"/>
-          <p:nvPr/>
-        </p:nvSpPr>
-        <p:spPr>
-          <a:xfrm>
-            <a:off x="927378" y="1202586"/>
-            <a:ext cx="9545951" cy="4233710"/>
-          </a:xfrm>
-          <a:prstGeom prst="rect">
-            <a:avLst/>
-          </a:prstGeom>
-          <a:solidFill>
-            <a:schemeClr val="bg1"/>
-          </a:solidFill>
-          <a:ln w="19050">
-            <a:solidFill>
-              <a:schemeClr val="accent1"/>
-            </a:solidFill>
-          </a:ln>
-        </p:spPr>
-        <p:txBody>
-          <a:bodyPr wrap="square" rtlCol="0" anchor="ctr">
-            <a:noAutofit/>
-          </a:bodyPr>
-          <a:lstStyle/>
-          <a:p>
-            <a:pPr algn="ctr"/>
-            <a:endParaRPr lang="en-US" dirty="0"/>
-          </a:p>
-        </p:txBody>
-      </p:sp>
-      <p:sp>
-        <p:nvSpPr>
-          <p:cNvPr id="19" name="TextBox 18">
-            <a:extLst>
-              <a:ext uri="{FF2B5EF4-FFF2-40B4-BE49-F238E27FC236}">
-                <a16:creationId xmlns:a16="http://schemas.microsoft.com/office/drawing/2014/main" id="{A3D36708-6141-4949-BD3E-DAA62D557CD5}"/>
-              </a:ext>
-            </a:extLst>
-          </p:cNvPr>
-          <p:cNvSpPr txBox="1"/>
-          <p:nvPr/>
-        </p:nvSpPr>
-        <p:spPr>
-          <a:xfrm>
-            <a:off x="1718671" y="1310667"/>
-            <a:ext cx="8176891" cy="4154984"/>
-          </a:xfrm>
-          <a:prstGeom prst="rect">
-            <a:avLst/>
-          </a:prstGeom>
-          <a:noFill/>
-        </p:spPr>
-        <p:txBody>
-          <a:bodyPr wrap="square" rtlCol="0">
-            <a:spAutoFit/>
-          </a:bodyPr>
-          <a:lstStyle/>
-          <a:p>
-            <a:r>
-              <a:rPr lang="en-US" sz="1100" b="0" dirty="0">
+            </a:ln>
+          </p:spPr>
+          <p:txBody>
+            <a:bodyPr wrap="square" rtlCol="0" anchor="ctr">
+              <a:noAutofit/>
+            </a:bodyPr>
+            <a:lstStyle/>
+            <a:p>
+              <a:pPr algn="ctr"/>
+              <a:endParaRPr lang="en-US" dirty="0"/>
+            </a:p>
+          </p:txBody>
+        </p:sp>
+        <p:sp>
+          <p:nvSpPr>
+            <p:cNvPr id="19" name="TextBox 18">
+              <a:extLst>
+                <a:ext uri="{FF2B5EF4-FFF2-40B4-BE49-F238E27FC236}">
+                  <a16:creationId xmlns:a16="http://schemas.microsoft.com/office/drawing/2014/main" id="{A3D36708-6141-4949-BD3E-DAA62D557CD5}"/>
+                </a:ext>
+              </a:extLst>
+            </p:cNvPr>
+            <p:cNvSpPr txBox="1"/>
+            <p:nvPr/>
+          </p:nvSpPr>
+          <p:spPr>
+            <a:xfrm>
+              <a:off x="1718672" y="1310667"/>
+              <a:ext cx="4547658" cy="4154984"/>
+            </a:xfrm>
+            <a:prstGeom prst="rect">
+              <a:avLst/>
+            </a:prstGeom>
+            <a:noFill/>
+          </p:spPr>
+          <p:txBody>
+            <a:bodyPr wrap="square" rtlCol="0">
+              <a:spAutoFit/>
+            </a:bodyPr>
+            <a:lstStyle/>
+            <a:p>
+              <a:r>
+                <a:rPr lang="en-US" sz="1100" b="0" dirty="0">
+                  <a:effectLst/>
+                </a:rPr>
+                <a:t>type </a:t>
+              </a:r>
+              <a:r>
+                <a:rPr lang="en-US" sz="1100" b="0" dirty="0" err="1">
+                  <a:effectLst/>
+                </a:rPr>
+                <a:t>IEClaim</a:t>
+              </a:r>
+              <a:endParaRPr lang="en-US" sz="1100" b="0" dirty="0">
                 <a:effectLst/>
-              </a:rPr>
-              <a:t>type </a:t>
-            </a:r>
-            <a:r>
-              <a:rPr lang="en-US" sz="1100" b="0" dirty="0" err="1">
+              </a:endParaRPr>
+            </a:p>
+            <a:p>
+              <a:r>
+                <a:rPr lang="en-US" sz="1100" b="0" dirty="0">
+                  <a:effectLst/>
+                </a:rPr>
+                <a:t>@createModel(</a:t>
+              </a:r>
+            </a:p>
+            <a:p>
+              <a:r>
+                <a:rPr lang="en-US" sz="1100" b="0" dirty="0">
+                  <a:effectLst/>
+                </a:rPr>
+                <a:t>accountRelation: LIST</a:t>
+              </a:r>
+            </a:p>
+            <a:p>
+              <a:r>
+                <a:rPr lang="en-US" sz="1100" b="0" dirty="0">
+                  <a:effectLst/>
+                </a:rPr>
+                <a:t>description: "Claim or attestation, possibly from 3rd party sources"</a:t>
+              </a:r>
+            </a:p>
+            <a:p>
+              <a:r>
+                <a:rPr lang="en-US" sz="1100" b="0" dirty="0">
+                  <a:effectLst/>
+                </a:rPr>
+                <a:t>) {</a:t>
+              </a:r>
+            </a:p>
+            <a:p>
+              <a:r>
+                <a:rPr lang="en-US" sz="1100" b="0" dirty="0">
+                  <a:effectLst/>
+                </a:rPr>
+                <a:t>subject: String @string(minLength: 1, maxLength: 256)</a:t>
+              </a:r>
+            </a:p>
+            <a:p>
+              <a:r>
+                <a:rPr lang="en-US" sz="1100" b="0" dirty="0">
+                  <a:effectLst/>
+                </a:rPr>
+                <a:t>claim: String @string(minLength: 1, maxLength: 1024)</a:t>
+              </a:r>
+            </a:p>
+            <a:p>
+              <a:r>
+                <a:rPr lang="en-US" sz="1100" b="0" dirty="0" err="1">
+                  <a:effectLst/>
+                </a:rPr>
+                <a:t>root_claim_id</a:t>
+              </a:r>
+              <a:r>
+                <a:rPr lang="en-US" sz="1100" b="0" dirty="0">
+                  <a:effectLst/>
+                </a:rPr>
+                <a:t>: String @string(minLength: 1, maxLength: 1024)</a:t>
+              </a:r>
+            </a:p>
+            <a:p>
+              <a:r>
+                <a:rPr lang="en-US" sz="1100" dirty="0"/>
+                <a:t>round: String @string(minLength: xx, maxLength: xx)</a:t>
+              </a:r>
+              <a:endParaRPr lang="en-US" sz="1100" b="0" dirty="0">
                 <a:effectLst/>
-              </a:rPr>
-              <a:t>IEClaim</a:t>
-            </a:r>
-            <a:endParaRPr lang="en-US" sz="1100" b="0" dirty="0">
-              <a:effectLst/>
-            </a:endParaRPr>
-          </a:p>
-          <a:p>
-            <a:r>
-              <a:rPr lang="en-US" sz="1100" b="0" dirty="0">
+              </a:endParaRPr>
+            </a:p>
+            <a:p>
+              <a:r>
+                <a:rPr lang="en-US" sz="1100" b="0" dirty="0">
+                  <a:effectLst/>
+                </a:rPr>
+                <a:t>amount: Int</a:t>
+              </a:r>
+            </a:p>
+            <a:p>
+              <a:r>
+                <a:rPr lang="en-US" sz="1100" b="0" dirty="0" err="1">
+                  <a:effectLst/>
+                </a:rPr>
+                <a:t>amountUnits</a:t>
+              </a:r>
+              <a:r>
+                <a:rPr lang="en-US" sz="1100" b="0" dirty="0">
+                  <a:effectLst/>
+                </a:rPr>
+                <a:t>: String @string(minLength: 1, maxLength: 16)</a:t>
+              </a:r>
+            </a:p>
+            <a:p>
+              <a:r>
+                <a:rPr lang="en-US" sz="1100" dirty="0"/>
+                <a:t>isSatisfied: Boolean @</a:t>
+              </a:r>
+              <a:r>
+                <a:rPr lang="en-US" sz="1100" dirty="0" err="1"/>
+                <a:t>boolean</a:t>
+              </a:r>
+              <a:endParaRPr lang="en-US" sz="1100" b="0" dirty="0">
                 <a:effectLst/>
-              </a:rPr>
-              <a:t>@createModel(</a:t>
-            </a:r>
-          </a:p>
-          <a:p>
-            <a:r>
-              <a:rPr lang="en-US" sz="1100" b="0" dirty="0">
-                <a:effectLst/>
-              </a:rPr>
-              <a:t>accountRelation: LIST</a:t>
-            </a:r>
-          </a:p>
-          <a:p>
-            <a:r>
-              <a:rPr lang="en-US" sz="1100" b="0" dirty="0">
-                <a:effectLst/>
-              </a:rPr>
-              <a:t>description: "Claim or attestation, possibly from 3rd party sources"</a:t>
-            </a:r>
-          </a:p>
-          <a:p>
-            <a:r>
-              <a:rPr lang="en-US" sz="1100" b="0" dirty="0">
-                <a:effectLst/>
-              </a:rPr>
-              <a:t>) {</a:t>
-            </a:r>
-          </a:p>
-          <a:p>
-            <a:r>
-              <a:rPr lang="en-US" sz="1100" b="0" dirty="0">
-                <a:effectLst/>
-              </a:rPr>
-              <a:t>subject: String @string(minLength: 1, maxLength: 256)</a:t>
-            </a:r>
-          </a:p>
-          <a:p>
-            <a:r>
-              <a:rPr lang="en-US" sz="1100" b="0" dirty="0">
-                <a:effectLst/>
-              </a:rPr>
-              <a:t>claim: String @string(minLength: 1, maxLength: 1024)</a:t>
-            </a:r>
-          </a:p>
-          <a:p>
-            <a:r>
-              <a:rPr lang="en-US" sz="1100" b="0" dirty="0" err="1">
-                <a:effectLst/>
-              </a:rPr>
-              <a:t>root_claim_id</a:t>
-            </a:r>
-            <a:r>
-              <a:rPr lang="en-US" sz="1100" b="0" dirty="0">
-                <a:effectLst/>
-              </a:rPr>
-              <a:t>: String @string(minLength: 1, maxLength: 1024)</a:t>
-            </a:r>
-          </a:p>
-          <a:p>
-            <a:r>
-              <a:rPr lang="en-US" sz="1100" dirty="0"/>
-              <a:t>round: String @string(minLength: xx, maxLength: xx)</a:t>
-            </a:r>
-            <a:endParaRPr lang="en-US" sz="1100" b="0" dirty="0">
-              <a:effectLst/>
-            </a:endParaRPr>
-          </a:p>
-          <a:p>
-            <a:r>
-              <a:rPr lang="en-US" sz="1100" b="0" dirty="0">
-                <a:effectLst/>
-              </a:rPr>
-              <a:t>amount: Int</a:t>
-            </a:r>
-          </a:p>
-          <a:p>
-            <a:r>
-              <a:rPr lang="en-US" sz="1100" b="0" dirty="0" err="1">
-                <a:effectLst/>
-              </a:rPr>
-              <a:t>amountUnits</a:t>
-            </a:r>
-            <a:r>
-              <a:rPr lang="en-US" sz="1100" b="0" dirty="0">
-                <a:effectLst/>
-              </a:rPr>
-              <a:t>: String @string(minLength: 1, maxLength: 16)</a:t>
-            </a:r>
-          </a:p>
-          <a:p>
-            <a:r>
-              <a:rPr lang="en-US" sz="1100" dirty="0"/>
-              <a:t>isSatisfied: Boolean @</a:t>
-            </a:r>
-            <a:r>
-              <a:rPr lang="en-US" sz="1100" dirty="0" err="1"/>
-              <a:t>boolean</a:t>
-            </a:r>
-            <a:endParaRPr lang="en-US" sz="1100" b="0" dirty="0">
-              <a:effectLst/>
-            </a:endParaRPr>
-          </a:p>
-          <a:p>
-            <a:r>
-              <a:rPr lang="en-US" sz="1100" b="0" dirty="0" err="1">
-                <a:effectLst/>
-              </a:rPr>
-              <a:t>effective_date</a:t>
-            </a:r>
-            <a:r>
-              <a:rPr lang="en-US" sz="1100" b="0" dirty="0">
-                <a:effectLst/>
-              </a:rPr>
-              <a:t>: String! @string(minLength: 1, maxLength: 10)</a:t>
-            </a:r>
-          </a:p>
-          <a:p>
-            <a:r>
-              <a:rPr lang="en-US" sz="1100" b="0" dirty="0">
-                <a:effectLst/>
-              </a:rPr>
-              <a:t>statement: String @string(minLength: 1, maxLength: 16384)</a:t>
-            </a:r>
-          </a:p>
-          <a:p>
-            <a:r>
-              <a:rPr lang="en-US" sz="1100" b="0" dirty="0">
-                <a:effectLst/>
-              </a:rPr>
-              <a:t>source: String @string(minLength: 1, maxLength: 1024)</a:t>
-            </a:r>
-          </a:p>
-          <a:p>
-            <a:r>
-              <a:rPr lang="en-US" sz="1100" b="0" dirty="0" err="1">
-                <a:effectLst/>
-              </a:rPr>
-              <a:t>digestMultibase</a:t>
-            </a:r>
-            <a:r>
-              <a:rPr lang="en-US" sz="1100" b="0" dirty="0">
-                <a:effectLst/>
-              </a:rPr>
-              <a:t>: String @string(minLength: 1, maxLength: 256)</a:t>
-            </a:r>
-          </a:p>
-          <a:p>
-            <a:br>
-              <a:rPr lang="en-US" sz="1100" b="0" dirty="0">
-                <a:effectLst/>
-              </a:rPr>
-            </a:br>
-            <a:r>
-              <a:rPr lang="en-US" sz="1100" b="0" dirty="0">
-                <a:effectLst/>
-              </a:rPr>
-              <a:t>aspect: String @string(minLength: 1, maxLength: 256)</a:t>
-            </a:r>
-          </a:p>
-          <a:p>
-            <a:r>
-              <a:rPr lang="en-US" sz="1100" b="0" dirty="0">
-                <a:effectLst/>
-              </a:rPr>
-              <a:t>object: String @string(minLength: 1, maxLength: 1024)</a:t>
-            </a:r>
-          </a:p>
-          <a:p>
-            <a:r>
-              <a:rPr lang="en-US" sz="1100" b="0" dirty="0">
-                <a:effectLst/>
-              </a:rPr>
-              <a:t>confidence: Float @float(min: 0, max: 1)</a:t>
-            </a:r>
-          </a:p>
-          <a:p>
-            <a:r>
-              <a:rPr lang="en-US" sz="1100" b="0" dirty="0">
-                <a:effectLst/>
-              </a:rPr>
-              <a:t>rating: Float @float(min: -1, max: 1)</a:t>
-            </a:r>
-          </a:p>
-          <a:p>
-            <a:r>
-              <a:rPr lang="en-US" sz="1100" b="0" dirty="0" err="1">
-                <a:effectLst/>
-              </a:rPr>
-              <a:t>intendedAudience</a:t>
-            </a:r>
-            <a:r>
-              <a:rPr lang="en-US" sz="1100" b="0" dirty="0">
-                <a:effectLst/>
-              </a:rPr>
-              <a:t>: String @string(minLength: 1, maxLength: 256)</a:t>
-            </a:r>
-          </a:p>
-          <a:p>
-            <a:r>
-              <a:rPr lang="en-US" sz="1100" b="0" dirty="0" err="1">
-                <a:effectLst/>
-              </a:rPr>
-              <a:t>respondAt</a:t>
-            </a:r>
-            <a:r>
-              <a:rPr lang="en-US" sz="1100" b="0" dirty="0">
-                <a:effectLst/>
-              </a:rPr>
-              <a:t>: String @string(minLength: 1, maxLength: 1024)</a:t>
-            </a:r>
-          </a:p>
-          <a:p>
-            <a:r>
-              <a:rPr lang="en-US" sz="1100" b="0" dirty="0">
-                <a:effectLst/>
-              </a:rPr>
-              <a:t>}</a:t>
-            </a:r>
-          </a:p>
-        </p:txBody>
-      </p:sp>
+              </a:endParaRPr>
+            </a:p>
+            <a:p>
+              <a:r>
+                <a:rPr lang="en-US" sz="1100" b="0" dirty="0" err="1">
+                  <a:effectLst/>
+                </a:rPr>
+                <a:t>effective_date</a:t>
+              </a:r>
+              <a:r>
+                <a:rPr lang="en-US" sz="1100" b="0" dirty="0">
+                  <a:effectLst/>
+                </a:rPr>
+                <a:t>: String! @string(minLength: 1, maxLength: 10)</a:t>
+              </a:r>
+            </a:p>
+            <a:p>
+              <a:r>
+                <a:rPr lang="en-US" sz="1100" b="0" dirty="0">
+                  <a:effectLst/>
+                </a:rPr>
+                <a:t>statement: String @string(minLength: 1, maxLength: 16384)</a:t>
+              </a:r>
+            </a:p>
+            <a:p>
+              <a:r>
+                <a:rPr lang="en-US" sz="1100" b="0" dirty="0">
+                  <a:effectLst/>
+                </a:rPr>
+                <a:t>source: String @string(minLength: 1, maxLength: 1024)</a:t>
+              </a:r>
+            </a:p>
+            <a:p>
+              <a:r>
+                <a:rPr lang="en-US" sz="1100" b="0" dirty="0" err="1">
+                  <a:effectLst/>
+                </a:rPr>
+                <a:t>digestMultibase</a:t>
+              </a:r>
+              <a:r>
+                <a:rPr lang="en-US" sz="1100" b="0" dirty="0">
+                  <a:effectLst/>
+                </a:rPr>
+                <a:t>: String @string(minLength: 1, maxLength: 256)</a:t>
+              </a:r>
+            </a:p>
+            <a:p>
+              <a:br>
+                <a:rPr lang="en-US" sz="1100" b="0" dirty="0">
+                  <a:effectLst/>
+                </a:rPr>
+              </a:br>
+              <a:r>
+                <a:rPr lang="en-US" sz="1100" b="0" dirty="0">
+                  <a:effectLst/>
+                </a:rPr>
+                <a:t>aspect: String @string(minLength: 1, maxLength: 256)</a:t>
+              </a:r>
+            </a:p>
+            <a:p>
+              <a:r>
+                <a:rPr lang="en-US" sz="1100" b="0" dirty="0">
+                  <a:effectLst/>
+                </a:rPr>
+                <a:t>object: String @string(minLength: 1, maxLength: 1024)</a:t>
+              </a:r>
+            </a:p>
+            <a:p>
+              <a:r>
+                <a:rPr lang="en-US" sz="1100" b="0" dirty="0">
+                  <a:effectLst/>
+                </a:rPr>
+                <a:t>confidence: Float @float(min: 0, max: 1)</a:t>
+              </a:r>
+            </a:p>
+            <a:p>
+              <a:r>
+                <a:rPr lang="en-US" sz="1100" b="0" dirty="0">
+                  <a:effectLst/>
+                </a:rPr>
+                <a:t>rating: Float @float(min: -1, max: 1)</a:t>
+              </a:r>
+            </a:p>
+            <a:p>
+              <a:r>
+                <a:rPr lang="en-US" sz="1100" b="0" dirty="0" err="1">
+                  <a:effectLst/>
+                </a:rPr>
+                <a:t>intendedAudience</a:t>
+              </a:r>
+              <a:r>
+                <a:rPr lang="en-US" sz="1100" b="0" dirty="0">
+                  <a:effectLst/>
+                </a:rPr>
+                <a:t>: String @string(minLength: 1, maxLength: 256)</a:t>
+              </a:r>
+            </a:p>
+            <a:p>
+              <a:r>
+                <a:rPr lang="en-US" sz="1100" b="0" dirty="0" err="1">
+                  <a:effectLst/>
+                </a:rPr>
+                <a:t>respondAt</a:t>
+              </a:r>
+              <a:r>
+                <a:rPr lang="en-US" sz="1100" b="0" dirty="0">
+                  <a:effectLst/>
+                </a:rPr>
+                <a:t>: String @string(minLength: 1, maxLength: 1024)</a:t>
+              </a:r>
+            </a:p>
+            <a:p>
+              <a:r>
+                <a:rPr lang="en-US" sz="1100" b="0" dirty="0">
+                  <a:effectLst/>
+                </a:rPr>
+                <a:t>}</a:t>
+              </a:r>
+            </a:p>
+          </p:txBody>
+        </p:sp>
+      </p:grpSp>
       <p:sp>
         <p:nvSpPr>
           <p:cNvPr id="20" name="TextBox 19">
@@ -14144,6 +14364,194 @@
           </a:p>
         </p:txBody>
       </p:sp>
+      <p:grpSp>
+        <p:nvGrpSpPr>
+          <p:cNvPr id="13" name="Group 12">
+            <a:extLst>
+              <a:ext uri="{FF2B5EF4-FFF2-40B4-BE49-F238E27FC236}">
+                <a16:creationId xmlns:a16="http://schemas.microsoft.com/office/drawing/2014/main" id="{59C2A265-BA54-174B-8793-F2DFC6866B81}"/>
+              </a:ext>
+            </a:extLst>
+          </p:cNvPr>
+          <p:cNvGrpSpPr/>
+          <p:nvPr/>
+        </p:nvGrpSpPr>
+        <p:grpSpPr>
+          <a:xfrm>
+            <a:off x="6123899" y="513830"/>
+            <a:ext cx="4890102" cy="4893111"/>
+            <a:chOff x="919027" y="543185"/>
+            <a:chExt cx="4890102" cy="4893111"/>
+          </a:xfrm>
+        </p:grpSpPr>
+        <p:sp>
+          <p:nvSpPr>
+            <p:cNvPr id="14" name="TextBox 13">
+              <a:extLst>
+                <a:ext uri="{FF2B5EF4-FFF2-40B4-BE49-F238E27FC236}">
+                  <a16:creationId xmlns:a16="http://schemas.microsoft.com/office/drawing/2014/main" id="{F8171866-9336-454E-ABB3-2B21B50D9995}"/>
+                </a:ext>
+              </a:extLst>
+            </p:cNvPr>
+            <p:cNvSpPr txBox="1"/>
+            <p:nvPr/>
+          </p:nvSpPr>
+          <p:spPr>
+            <a:xfrm>
+              <a:off x="919027" y="543185"/>
+              <a:ext cx="2412896" cy="383741"/>
+            </a:xfrm>
+            <a:prstGeom prst="rect">
+              <a:avLst/>
+            </a:prstGeom>
+            <a:noFill/>
+            <a:ln w="19050">
+              <a:solidFill>
+                <a:schemeClr val="accent1"/>
+              </a:solidFill>
+            </a:ln>
+          </p:spPr>
+          <p:txBody>
+            <a:bodyPr wrap="square" rtlCol="0">
+              <a:noAutofit/>
+            </a:bodyPr>
+            <a:lstStyle/>
+            <a:p>
+              <a:pPr algn="ctr"/>
+              <a:r>
+                <a:rPr lang="en-US" dirty="0"/>
+                <a:t>Resources</a:t>
+              </a:r>
+              <a:endParaRPr lang="en-US" sz="1600" dirty="0"/>
+            </a:p>
+          </p:txBody>
+        </p:sp>
+        <p:sp>
+          <p:nvSpPr>
+            <p:cNvPr id="15" name="TextBox 14">
+              <a:extLst>
+                <a:ext uri="{FF2B5EF4-FFF2-40B4-BE49-F238E27FC236}">
+                  <a16:creationId xmlns:a16="http://schemas.microsoft.com/office/drawing/2014/main" id="{FCE06FEF-3D49-7848-80F5-4DC373215C94}"/>
+                </a:ext>
+              </a:extLst>
+            </p:cNvPr>
+            <p:cNvSpPr txBox="1"/>
+            <p:nvPr/>
+          </p:nvSpPr>
+          <p:spPr>
+            <a:xfrm>
+              <a:off x="927378" y="926926"/>
+              <a:ext cx="4881751" cy="3288459"/>
+            </a:xfrm>
+            <a:prstGeom prst="rect">
+              <a:avLst/>
+            </a:prstGeom>
+            <a:solidFill>
+              <a:schemeClr val="accent1"/>
+            </a:solidFill>
+            <a:ln w="19050">
+              <a:solidFill>
+                <a:schemeClr val="accent1"/>
+              </a:solidFill>
+            </a:ln>
+          </p:spPr>
+          <p:txBody>
+            <a:bodyPr wrap="square" lIns="0" tIns="0" rIns="0" bIns="0" rtlCol="0" anchor="t">
+              <a:noAutofit/>
+            </a:bodyPr>
+            <a:lstStyle/>
+            <a:p>
+              <a:pPr algn="ctr"/>
+              <a:endParaRPr lang="en-US" dirty="0">
+                <a:solidFill>
+                  <a:schemeClr val="bg1"/>
+                </a:solidFill>
+              </a:endParaRPr>
+            </a:p>
+          </p:txBody>
+        </p:sp>
+        <p:sp>
+          <p:nvSpPr>
+            <p:cNvPr id="16" name="TextBox 15">
+              <a:extLst>
+                <a:ext uri="{FF2B5EF4-FFF2-40B4-BE49-F238E27FC236}">
+                  <a16:creationId xmlns:a16="http://schemas.microsoft.com/office/drawing/2014/main" id="{A69D0315-DAE7-5F4D-AFC1-268F1FA4ED6E}"/>
+                </a:ext>
+              </a:extLst>
+            </p:cNvPr>
+            <p:cNvSpPr txBox="1"/>
+            <p:nvPr/>
+          </p:nvSpPr>
+          <p:spPr>
+            <a:xfrm>
+              <a:off x="927378" y="1202586"/>
+              <a:ext cx="4881751" cy="4233710"/>
+            </a:xfrm>
+            <a:prstGeom prst="rect">
+              <a:avLst/>
+            </a:prstGeom>
+            <a:solidFill>
+              <a:schemeClr val="bg1"/>
+            </a:solidFill>
+            <a:ln w="19050">
+              <a:solidFill>
+                <a:schemeClr val="accent1"/>
+              </a:solidFill>
+            </a:ln>
+          </p:spPr>
+          <p:txBody>
+            <a:bodyPr wrap="square" rtlCol="0" anchor="ctr">
+              <a:noAutofit/>
+            </a:bodyPr>
+            <a:lstStyle/>
+            <a:p>
+              <a:pPr algn="ctr"/>
+              <a:endParaRPr lang="en-US" dirty="0"/>
+            </a:p>
+          </p:txBody>
+        </p:sp>
+        <p:sp>
+          <p:nvSpPr>
+            <p:cNvPr id="21" name="TextBox 20">
+              <a:extLst>
+                <a:ext uri="{FF2B5EF4-FFF2-40B4-BE49-F238E27FC236}">
+                  <a16:creationId xmlns:a16="http://schemas.microsoft.com/office/drawing/2014/main" id="{B71E74F4-60A6-5148-9928-31EE78AE0876}"/>
+                </a:ext>
+              </a:extLst>
+            </p:cNvPr>
+            <p:cNvSpPr txBox="1"/>
+            <p:nvPr/>
+          </p:nvSpPr>
+          <p:spPr>
+            <a:xfrm>
+              <a:off x="1004878" y="1315017"/>
+              <a:ext cx="4547658" cy="261610"/>
+            </a:xfrm>
+            <a:prstGeom prst="rect">
+              <a:avLst/>
+            </a:prstGeom>
+            <a:noFill/>
+          </p:spPr>
+          <p:txBody>
+            <a:bodyPr wrap="square" rtlCol="0">
+              <a:spAutoFit/>
+            </a:bodyPr>
+            <a:lstStyle/>
+            <a:p>
+              <a:r>
+                <a:rPr lang="en-US" sz="1100" b="0" dirty="0">
+                  <a:effectLst/>
+                  <a:hlinkClick r:id="rId2"/>
+                </a:rPr>
+                <a:t>Impact Evaluator Git repository</a:t>
+              </a:r>
+              <a:endParaRPr lang="en-US" sz="1100" b="0" dirty="0">
+                <a:effectLst/>
+              </a:endParaRPr>
+            </a:p>
+          </p:txBody>
+        </p:sp>
+      </p:grpSp>
     </p:spTree>
     <p:extLst>
       <p:ext uri="{BB962C8B-B14F-4D97-AF65-F5344CB8AC3E}">

--- a/doc/ImpactEvaluatorsGrant.pptx
+++ b/doc/ImpactEvaluatorsGrant.pptx
@@ -5,15 +5,18 @@
     <p:sldMasterId id="2147483825" r:id="rId1"/>
   </p:sldMasterIdLst>
   <p:notesMasterIdLst>
-    <p:notesMasterId r:id="rId8"/>
+    <p:notesMasterId r:id="rId11"/>
   </p:notesMasterIdLst>
   <p:sldIdLst>
     <p:sldId id="267" r:id="rId2"/>
     <p:sldId id="260" r:id="rId3"/>
     <p:sldId id="264" r:id="rId4"/>
     <p:sldId id="265" r:id="rId5"/>
-    <p:sldId id="261" r:id="rId6"/>
-    <p:sldId id="266" r:id="rId7"/>
+    <p:sldId id="269" r:id="rId6"/>
+    <p:sldId id="268" r:id="rId7"/>
+    <p:sldId id="270" r:id="rId8"/>
+    <p:sldId id="261" r:id="rId9"/>
+    <p:sldId id="266" r:id="rId10"/>
   </p:sldIdLst>
   <p:sldSz cx="12192000" cy="6858000"/>
   <p:notesSz cx="6858000" cy="9144000"/>
@@ -202,7 +205,7 @@
           <a:p>
             <a:fld id="{E831CBA5-123E-BD4B-A1AD-4A2D18A6CEB5}" type="datetimeFigureOut">
               <a:rPr lang="en-US" smtClean="0"/>
-              <a:t>2/7/23</a:t>
+              <a:t>2/8/23</a:t>
             </a:fld>
             <a:endParaRPr lang="en-US"/>
           </a:p>
@@ -618,7 +621,7 @@
           <a:p>
             <a:fld id="{71DF715E-2E3F-264B-95FC-3C38674DA560}" type="slidenum">
               <a:rPr lang="en-US" smtClean="0"/>
-              <a:t>5</a:t>
+              <a:t>8</a:t>
             </a:fld>
             <a:endParaRPr lang="en-US"/>
           </a:p>
@@ -784,7 +787,7 @@
           <a:p>
             <a:fld id="{A2830E4D-9FF7-EF4E-954F-ED7BC4209C93}" type="datetimeFigureOut">
               <a:rPr lang="en-US" smtClean="0"/>
-              <a:t>2/7/23</a:t>
+              <a:t>2/8/23</a:t>
             </a:fld>
             <a:endParaRPr lang="en-US"/>
           </a:p>
@@ -982,7 +985,7 @@
           <a:p>
             <a:fld id="{A2830E4D-9FF7-EF4E-954F-ED7BC4209C93}" type="datetimeFigureOut">
               <a:rPr lang="en-US" smtClean="0"/>
-              <a:t>2/7/23</a:t>
+              <a:t>2/8/23</a:t>
             </a:fld>
             <a:endParaRPr lang="en-US"/>
           </a:p>
@@ -1190,7 +1193,7 @@
           <a:p>
             <a:fld id="{A2830E4D-9FF7-EF4E-954F-ED7BC4209C93}" type="datetimeFigureOut">
               <a:rPr lang="en-US" smtClean="0"/>
-              <a:t>2/7/23</a:t>
+              <a:t>2/8/23</a:t>
             </a:fld>
             <a:endParaRPr lang="en-US"/>
           </a:p>
@@ -1388,7 +1391,7 @@
           <a:p>
             <a:fld id="{A2830E4D-9FF7-EF4E-954F-ED7BC4209C93}" type="datetimeFigureOut">
               <a:rPr lang="en-US" smtClean="0"/>
-              <a:t>2/7/23</a:t>
+              <a:t>2/8/23</a:t>
             </a:fld>
             <a:endParaRPr lang="en-US"/>
           </a:p>
@@ -1663,7 +1666,7 @@
           <a:p>
             <a:fld id="{A2830E4D-9FF7-EF4E-954F-ED7BC4209C93}" type="datetimeFigureOut">
               <a:rPr lang="en-US" smtClean="0"/>
-              <a:t>2/7/23</a:t>
+              <a:t>2/8/23</a:t>
             </a:fld>
             <a:endParaRPr lang="en-US"/>
           </a:p>
@@ -1928,7 +1931,7 @@
           <a:p>
             <a:fld id="{A2830E4D-9FF7-EF4E-954F-ED7BC4209C93}" type="datetimeFigureOut">
               <a:rPr lang="en-US" smtClean="0"/>
-              <a:t>2/7/23</a:t>
+              <a:t>2/8/23</a:t>
             </a:fld>
             <a:endParaRPr lang="en-US"/>
           </a:p>
@@ -2340,7 +2343,7 @@
           <a:p>
             <a:fld id="{A2830E4D-9FF7-EF4E-954F-ED7BC4209C93}" type="datetimeFigureOut">
               <a:rPr lang="en-US" smtClean="0"/>
-              <a:t>2/7/23</a:t>
+              <a:t>2/8/23</a:t>
             </a:fld>
             <a:endParaRPr lang="en-US"/>
           </a:p>
@@ -2481,7 +2484,7 @@
           <a:p>
             <a:fld id="{A2830E4D-9FF7-EF4E-954F-ED7BC4209C93}" type="datetimeFigureOut">
               <a:rPr lang="en-US" smtClean="0"/>
-              <a:t>2/7/23</a:t>
+              <a:t>2/8/23</a:t>
             </a:fld>
             <a:endParaRPr lang="en-US"/>
           </a:p>
@@ -2594,7 +2597,7 @@
           <a:p>
             <a:fld id="{A2830E4D-9FF7-EF4E-954F-ED7BC4209C93}" type="datetimeFigureOut">
               <a:rPr lang="en-US" smtClean="0"/>
-              <a:t>2/7/23</a:t>
+              <a:t>2/8/23</a:t>
             </a:fld>
             <a:endParaRPr lang="en-US"/>
           </a:p>
@@ -2905,7 +2908,7 @@
           <a:p>
             <a:fld id="{A2830E4D-9FF7-EF4E-954F-ED7BC4209C93}" type="datetimeFigureOut">
               <a:rPr lang="en-US" smtClean="0"/>
-              <a:t>2/7/23</a:t>
+              <a:t>2/8/23</a:t>
             </a:fld>
             <a:endParaRPr lang="en-US"/>
           </a:p>
@@ -3193,7 +3196,7 @@
           <a:p>
             <a:fld id="{A2830E4D-9FF7-EF4E-954F-ED7BC4209C93}" type="datetimeFigureOut">
               <a:rPr lang="en-US" smtClean="0"/>
-              <a:t>2/7/23</a:t>
+              <a:t>2/8/23</a:t>
             </a:fld>
             <a:endParaRPr lang="en-US"/>
           </a:p>
@@ -3434,7 +3437,7 @@
           <a:p>
             <a:fld id="{A2830E4D-9FF7-EF4E-954F-ED7BC4209C93}" type="datetimeFigureOut">
               <a:rPr lang="en-US" smtClean="0"/>
-              <a:t>2/7/23</a:t>
+              <a:t>2/8/23</a:t>
             </a:fld>
             <a:endParaRPr lang="en-US"/>
           </a:p>
@@ -7439,7 +7442,7 @@
         </p:spPr>
         <p:txBody>
           <a:bodyPr>
-            <a:normAutofit/>
+            <a:normAutofit fontScale="92500" lnSpcReduction="20000"/>
           </a:bodyPr>
           <a:lstStyle/>
           <a:p>
@@ -7536,6 +7539,19 @@
             <a:r>
               <a:rPr lang="en-US" sz="1200" dirty="0"/>
               <a:t>Initiate Bacalhau Calc using web3.storage CID.</a:t>
+            </a:r>
+          </a:p>
+          <a:p>
+            <a:r>
+              <a:rPr lang="en-US" sz="1400" b="1" dirty="0"/>
+              <a:t>Bacalhau Server</a:t>
+            </a:r>
+          </a:p>
+          <a:p>
+            <a:pPr lvl="1"/>
+            <a:r>
+              <a:rPr lang="en-US" sz="1400" dirty="0"/>
+              <a:t>Provides method for a user interface to initiate a Bacalhau program. It allows for information such as parameters and IPFS CIDs to be passed down to the Bacalhau program and any returned files to be passed back to the front end</a:t>
             </a:r>
           </a:p>
           <a:p>
@@ -8040,10 +8056,6 @@
               <a:rPr lang="en-US" sz="2000" dirty="0"/>
               <a:t>IE Console – the sources for the data fed into the evaluator for each round can be a pluggable component.  The POC is implemented with Taiga as the source of the data, but additional sources can be added.  The pluggable component would simply be an extract of the source data and a mapping to the standard claim model. </a:t>
             </a:r>
-            <a:r>
-              <a:rPr lang="en-US" sz="2000" i="1" dirty="0"/>
-              <a:t>{Sami….please help with wording}</a:t>
-            </a:r>
           </a:p>
           <a:p>
             <a:r>
@@ -8761,10 +8773,10 @@
       </p:sp>
       <p:pic>
         <p:nvPicPr>
-          <p:cNvPr id="14" name="Content Placeholder 8" descr="Graphical user interface, text, application&#10;&#10;Description automatically generated">
-            <a:extLst>
-              <a:ext uri="{FF2B5EF4-FFF2-40B4-BE49-F238E27FC236}">
-                <a16:creationId xmlns:a16="http://schemas.microsoft.com/office/drawing/2014/main" id="{A7AA1383-A0F6-8A46-B1C2-9864DE4C7FD1}"/>
+          <p:cNvPr id="4" name="Picture 3">
+            <a:extLst>
+              <a:ext uri="{FF2B5EF4-FFF2-40B4-BE49-F238E27FC236}">
+                <a16:creationId xmlns:a16="http://schemas.microsoft.com/office/drawing/2014/main" id="{91AA8552-E950-AB42-A395-90F79CA8D7B9}"/>
               </a:ext>
             </a:extLst>
           </p:cNvPr>
@@ -8781,8 +8793,8 @@
         </p:blipFill>
         <p:spPr>
           <a:xfrm>
-            <a:off x="375790" y="1373804"/>
-            <a:ext cx="3538728" cy="4368437"/>
+            <a:off x="6553201" y="1143000"/>
+            <a:ext cx="4163430" cy="4856356"/>
           </a:xfrm>
           <a:prstGeom prst="rect">
             <a:avLst/>
@@ -8791,10 +8803,10 @@
       </p:pic>
       <p:pic>
         <p:nvPicPr>
-          <p:cNvPr id="15" name="Picture 14" descr="Graphical user interface, text, application, email&#10;&#10;Description automatically generated">
-            <a:extLst>
-              <a:ext uri="{FF2B5EF4-FFF2-40B4-BE49-F238E27FC236}">
-                <a16:creationId xmlns:a16="http://schemas.microsoft.com/office/drawing/2014/main" id="{133645D6-F848-4F46-ABD6-28129D5305DC}"/>
+          <p:cNvPr id="8" name="Picture 7">
+            <a:extLst>
+              <a:ext uri="{FF2B5EF4-FFF2-40B4-BE49-F238E27FC236}">
+                <a16:creationId xmlns:a16="http://schemas.microsoft.com/office/drawing/2014/main" id="{4491A038-9108-5148-9675-42FD00F22804}"/>
               </a:ext>
             </a:extLst>
           </p:cNvPr>
@@ -8811,37 +8823,89 @@
         </p:blipFill>
         <p:spPr>
           <a:xfrm>
-            <a:off x="4351032" y="1373804"/>
-            <a:ext cx="3535184" cy="4351338"/>
+            <a:off x="1144548" y="1143000"/>
+            <a:ext cx="4163431" cy="4856356"/>
           </a:xfrm>
           <a:prstGeom prst="rect">
             <a:avLst/>
           </a:prstGeom>
         </p:spPr>
       </p:pic>
+    </p:spTree>
+    <p:extLst>
+      <p:ext uri="{BB962C8B-B14F-4D97-AF65-F5344CB8AC3E}">
+        <p14:creationId xmlns:p14="http://schemas.microsoft.com/office/powerpoint/2010/main" val="2899316408"/>
+      </p:ext>
+    </p:extLst>
+  </p:cSld>
+  <p:clrMapOvr>
+    <a:masterClrMapping/>
+  </p:clrMapOvr>
+</p:sld>
+</file>
+
+<file path=ppt/slides/slide5.xml><?xml version="1.0" encoding="utf-8"?>
+<p:sld xmlns:a="http://schemas.openxmlformats.org/drawingml/2006/main" xmlns:r="http://schemas.openxmlformats.org/officeDocument/2006/relationships" xmlns:p="http://schemas.openxmlformats.org/presentationml/2006/main">
+  <p:cSld>
+    <p:bg>
+      <p:bgPr>
+        <a:solidFill>
+          <a:schemeClr val="bg1"/>
+        </a:solidFill>
+        <a:effectLst/>
+      </p:bgPr>
+    </p:bg>
+    <p:spTree>
+      <p:nvGrpSpPr>
+        <p:cNvPr id="1" name=""/>
+        <p:cNvGrpSpPr/>
+        <p:nvPr/>
+      </p:nvGrpSpPr>
+      <p:grpSpPr>
+        <a:xfrm>
+          <a:off x="0" y="0"/>
+          <a:ext cx="0" cy="0"/>
+          <a:chOff x="0" y="0"/>
+          <a:chExt cx="0" cy="0"/>
+        </a:xfrm>
+      </p:grpSpPr>
       <p:sp>
         <p:nvSpPr>
-          <p:cNvPr id="16" name="Rectangle 15">
-            <a:extLst>
-              <a:ext uri="{FF2B5EF4-FFF2-40B4-BE49-F238E27FC236}">
-                <a16:creationId xmlns:a16="http://schemas.microsoft.com/office/drawing/2014/main" id="{889AC761-3EFC-164E-8BD4-AA20ED454E28}"/>
-              </a:ext>
-            </a:extLst>
-          </p:cNvPr>
-          <p:cNvSpPr/>
-          <p:nvPr/>
+          <p:cNvPr id="5" name="Rectangle 7">
+            <a:extLst>
+              <a:ext uri="{FF2B5EF4-FFF2-40B4-BE49-F238E27FC236}">
+                <a16:creationId xmlns:a16="http://schemas.microsoft.com/office/drawing/2014/main" id="{2B566528-1B12-4246-9431-5C2D7D081168}"/>
+              </a:ext>
+              <a:ext uri="{C183D7F6-B498-43B3-948B-1728B52AA6E4}">
+                <adec:decorative xmlns:adec="http://schemas.microsoft.com/office/drawing/2017/decorative" val="1"/>
+              </a:ext>
+            </a:extLst>
+          </p:cNvPr>
+          <p:cNvSpPr>
+            <a:spLocks noGrp="1" noRot="1" noChangeAspect="1" noMove="1" noResize="1" noEditPoints="1" noAdjustHandles="1" noChangeArrowheads="1" noChangeShapeType="1" noTextEdit="1"/>
+          </p:cNvSpPr>
+          <p:nvPr>
+            <p:extLst>
+              <p:ext uri="{386F3935-93C4-4BCD-93E2-E3B085C9AB24}">
+                <p16:designElem xmlns:p16="http://schemas.microsoft.com/office/powerpoint/2015/main" val="1"/>
+              </p:ext>
+            </p:extLst>
+          </p:nvPr>
         </p:nvSpPr>
         <p:spPr>
           <a:xfrm>
-            <a:off x="8275898" y="1373804"/>
-            <a:ext cx="3538728" cy="4351338"/>
+            <a:off x="0" y="0"/>
+            <a:ext cx="12192000" cy="6858000"/>
           </a:xfrm>
           <a:prstGeom prst="rect">
             <a:avLst/>
           </a:prstGeom>
           <a:solidFill>
-            <a:srgbClr val="B2CACB"/>
+            <a:schemeClr val="bg1"/>
           </a:solidFill>
+          <a:ln>
+            <a:noFill/>
+          </a:ln>
         </p:spPr>
         <p:style>
           <a:lnRef idx="2">
@@ -8864,18 +8928,367 @@
           <a:lstStyle/>
           <a:p>
             <a:pPr algn="ctr"/>
+            <a:endParaRPr lang="en-US" dirty="0"/>
+          </a:p>
+        </p:txBody>
+      </p:sp>
+      <p:sp>
+        <p:nvSpPr>
+          <p:cNvPr id="6" name="Rectangle 9">
+            <a:extLst>
+              <a:ext uri="{FF2B5EF4-FFF2-40B4-BE49-F238E27FC236}">
+                <a16:creationId xmlns:a16="http://schemas.microsoft.com/office/drawing/2014/main" id="{2E80C965-DB6D-4F81-9E9E-B027384D0BD6}"/>
+              </a:ext>
+              <a:ext uri="{C183D7F6-B498-43B3-948B-1728B52AA6E4}">
+                <adec:decorative xmlns:adec="http://schemas.microsoft.com/office/drawing/2017/decorative" val="1"/>
+              </a:ext>
+            </a:extLst>
+          </p:cNvPr>
+          <p:cNvSpPr>
+            <a:spLocks noGrp="1" noRot="1" noChangeAspect="1" noMove="1" noResize="1" noEditPoints="1" noAdjustHandles="1" noChangeArrowheads="1" noChangeShapeType="1" noTextEdit="1"/>
+          </p:cNvSpPr>
+          <p:nvPr>
+            <p:extLst>
+              <p:ext uri="{386F3935-93C4-4BCD-93E2-E3B085C9AB24}">
+                <p16:designElem xmlns:p16="http://schemas.microsoft.com/office/powerpoint/2015/main" val="1"/>
+              </p:ext>
+            </p:extLst>
+          </p:nvPr>
+        </p:nvSpPr>
+        <p:spPr>
+          <a:xfrm rot="2700000">
+            <a:off x="11052629" y="2120024"/>
+            <a:ext cx="645368" cy="645368"/>
+          </a:xfrm>
+          <a:prstGeom prst="rect">
+            <a:avLst/>
+          </a:prstGeom>
+          <a:solidFill>
+            <a:schemeClr val="accent4">
+              <a:alpha val="30000"/>
+            </a:schemeClr>
+          </a:solidFill>
+          <a:ln>
+            <a:noFill/>
+          </a:ln>
+        </p:spPr>
+        <p:style>
+          <a:lnRef idx="2">
+            <a:schemeClr val="accent1">
+              <a:shade val="50000"/>
+            </a:schemeClr>
+          </a:lnRef>
+          <a:fillRef idx="1">
+            <a:schemeClr val="accent1"/>
+          </a:fillRef>
+          <a:effectRef idx="0">
+            <a:schemeClr val="accent1"/>
+          </a:effectRef>
+          <a:fontRef idx="minor">
+            <a:schemeClr val="lt1"/>
+          </a:fontRef>
+        </p:style>
+        <p:txBody>
+          <a:bodyPr rtlCol="0" anchor="ctr"/>
+          <a:lstStyle/>
+          <a:p>
+            <a:pPr algn="ctr"/>
+            <a:endParaRPr lang="en-US"/>
+          </a:p>
+        </p:txBody>
+      </p:sp>
+      <p:sp>
+        <p:nvSpPr>
+          <p:cNvPr id="7" name="Isosceles Triangle 11">
+            <a:extLst>
+              <a:ext uri="{FF2B5EF4-FFF2-40B4-BE49-F238E27FC236}">
+                <a16:creationId xmlns:a16="http://schemas.microsoft.com/office/drawing/2014/main" id="{A580F890-B085-4E95-96AA-55AEBEC5CE6E}"/>
+              </a:ext>
+              <a:ext uri="{C183D7F6-B498-43B3-948B-1728B52AA6E4}">
+                <adec:decorative xmlns:adec="http://schemas.microsoft.com/office/drawing/2017/decorative" val="1"/>
+              </a:ext>
+            </a:extLst>
+          </p:cNvPr>
+          <p:cNvSpPr>
+            <a:spLocks noGrp="1" noRot="1" noChangeAspect="1" noMove="1" noResize="1" noEditPoints="1" noAdjustHandles="1" noChangeArrowheads="1" noChangeShapeType="1" noTextEdit="1"/>
+          </p:cNvSpPr>
+          <p:nvPr>
+            <p:extLst>
+              <p:ext uri="{386F3935-93C4-4BCD-93E2-E3B085C9AB24}">
+                <p16:designElem xmlns:p16="http://schemas.microsoft.com/office/powerpoint/2015/main" val="1"/>
+              </p:ext>
+            </p:extLst>
+          </p:nvPr>
+        </p:nvSpPr>
+        <p:spPr>
+          <a:xfrm rot="16200000">
+            <a:off x="10289068" y="1343027"/>
+            <a:ext cx="2532832" cy="1273032"/>
+          </a:xfrm>
+          <a:prstGeom prst="triangle">
+            <a:avLst>
+              <a:gd name="adj" fmla="val 50000"/>
+            </a:avLst>
+          </a:prstGeom>
+          <a:solidFill>
+            <a:schemeClr val="accent4">
+              <a:alpha val="30000"/>
+            </a:schemeClr>
+          </a:solidFill>
+          <a:ln>
+            <a:noFill/>
+          </a:ln>
+        </p:spPr>
+        <p:style>
+          <a:lnRef idx="2">
+            <a:schemeClr val="accent1">
+              <a:shade val="50000"/>
+            </a:schemeClr>
+          </a:lnRef>
+          <a:fillRef idx="1">
+            <a:schemeClr val="accent1"/>
+          </a:fillRef>
+          <a:effectRef idx="0">
+            <a:schemeClr val="accent1"/>
+          </a:effectRef>
+          <a:fontRef idx="minor">
+            <a:schemeClr val="lt1"/>
+          </a:fontRef>
+        </p:style>
+        <p:txBody>
+          <a:bodyPr rtlCol="0" anchor="ctr"/>
+          <a:lstStyle/>
+          <a:p>
+            <a:pPr algn="ctr"/>
+            <a:endParaRPr lang="en-US"/>
+          </a:p>
+        </p:txBody>
+      </p:sp>
+      <p:sp>
+        <p:nvSpPr>
+          <p:cNvPr id="9" name="Isosceles Triangle 13">
+            <a:extLst>
+              <a:ext uri="{FF2B5EF4-FFF2-40B4-BE49-F238E27FC236}">
+                <a16:creationId xmlns:a16="http://schemas.microsoft.com/office/drawing/2014/main" id="{D3F51FEB-38FB-4F6C-9F7B-2F2AFAB65463}"/>
+              </a:ext>
+              <a:ext uri="{C183D7F6-B498-43B3-948B-1728B52AA6E4}">
+                <adec:decorative xmlns:adec="http://schemas.microsoft.com/office/drawing/2017/decorative" val="1"/>
+              </a:ext>
+            </a:extLst>
+          </p:cNvPr>
+          <p:cNvSpPr>
+            <a:spLocks noGrp="1" noRot="1" noChangeAspect="1" noMove="1" noResize="1" noEditPoints="1" noAdjustHandles="1" noChangeArrowheads="1" noChangeShapeType="1" noTextEdit="1"/>
+          </p:cNvSpPr>
+          <p:nvPr>
+            <p:extLst>
+              <p:ext uri="{386F3935-93C4-4BCD-93E2-E3B085C9AB24}">
+                <p16:designElem xmlns:p16="http://schemas.microsoft.com/office/powerpoint/2015/main" val="1"/>
+              </p:ext>
+            </p:extLst>
+          </p:nvPr>
+        </p:nvSpPr>
+        <p:spPr>
+          <a:xfrm rot="5400000">
+            <a:off x="-501760" y="5103257"/>
+            <a:ext cx="2017580" cy="1014060"/>
+          </a:xfrm>
+          <a:prstGeom prst="triangle">
+            <a:avLst>
+              <a:gd name="adj" fmla="val 50000"/>
+            </a:avLst>
+          </a:prstGeom>
+          <a:solidFill>
+            <a:schemeClr val="accent1">
+              <a:alpha val="30000"/>
+            </a:schemeClr>
+          </a:solidFill>
+          <a:ln>
+            <a:noFill/>
+          </a:ln>
+        </p:spPr>
+        <p:style>
+          <a:lnRef idx="2">
+            <a:schemeClr val="accent1">
+              <a:shade val="50000"/>
+            </a:schemeClr>
+          </a:lnRef>
+          <a:fillRef idx="1">
+            <a:schemeClr val="accent1"/>
+          </a:fillRef>
+          <a:effectRef idx="0">
+            <a:schemeClr val="accent1"/>
+          </a:effectRef>
+          <a:fontRef idx="minor">
+            <a:schemeClr val="lt1"/>
+          </a:fontRef>
+        </p:style>
+        <p:txBody>
+          <a:bodyPr wrap="square" rtlCol="0" anchor="ctr">
+            <a:noAutofit/>
+          </a:bodyPr>
+          <a:lstStyle/>
+          <a:p>
+            <a:pPr algn="ctr"/>
+            <a:endParaRPr lang="en-US"/>
+          </a:p>
+        </p:txBody>
+      </p:sp>
+      <p:sp>
+        <p:nvSpPr>
+          <p:cNvPr id="11" name="Rectangle 15">
+            <a:extLst>
+              <a:ext uri="{FF2B5EF4-FFF2-40B4-BE49-F238E27FC236}">
+                <a16:creationId xmlns:a16="http://schemas.microsoft.com/office/drawing/2014/main" id="{1E547BA6-BAE0-43BB-A7CA-60F69CE252F0}"/>
+              </a:ext>
+              <a:ext uri="{C183D7F6-B498-43B3-948B-1728B52AA6E4}">
+                <adec:decorative xmlns:adec="http://schemas.microsoft.com/office/drawing/2017/decorative" val="1"/>
+              </a:ext>
+            </a:extLst>
+          </p:cNvPr>
+          <p:cNvSpPr>
+            <a:spLocks noGrp="1" noRot="1" noChangeAspect="1" noMove="1" noResize="1" noEditPoints="1" noAdjustHandles="1" noChangeArrowheads="1" noChangeShapeType="1" noTextEdit="1"/>
+          </p:cNvSpPr>
+          <p:nvPr>
+            <p:extLst>
+              <p:ext uri="{386F3935-93C4-4BCD-93E2-E3B085C9AB24}">
+                <p16:designElem xmlns:p16="http://schemas.microsoft.com/office/powerpoint/2015/main" val="1"/>
+              </p:ext>
+            </p:extLst>
+          </p:nvPr>
+        </p:nvSpPr>
+        <p:spPr>
+          <a:xfrm rot="2700000">
+            <a:off x="427916" y="5728708"/>
+            <a:ext cx="485578" cy="485578"/>
+          </a:xfrm>
+          <a:prstGeom prst="rect">
+            <a:avLst/>
+          </a:prstGeom>
+          <a:solidFill>
+            <a:schemeClr val="accent1">
+              <a:alpha val="30000"/>
+            </a:schemeClr>
+          </a:solidFill>
+          <a:ln>
+            <a:noFill/>
+          </a:ln>
+        </p:spPr>
+        <p:style>
+          <a:lnRef idx="2">
+            <a:schemeClr val="accent1">
+              <a:shade val="50000"/>
+            </a:schemeClr>
+          </a:lnRef>
+          <a:fillRef idx="1">
+            <a:schemeClr val="accent1"/>
+          </a:fillRef>
+          <a:effectRef idx="0">
+            <a:schemeClr val="accent1"/>
+          </a:effectRef>
+          <a:fontRef idx="minor">
+            <a:schemeClr val="lt1"/>
+          </a:fontRef>
+        </p:style>
+        <p:txBody>
+          <a:bodyPr wrap="square" rtlCol="0" anchor="ctr">
+            <a:noAutofit/>
+          </a:bodyPr>
+          <a:lstStyle/>
+          <a:p>
+            <a:pPr algn="ctr"/>
+            <a:endParaRPr lang="en-US"/>
+          </a:p>
+        </p:txBody>
+      </p:sp>
+      <p:sp>
+        <p:nvSpPr>
+          <p:cNvPr id="13" name="Title 14">
+            <a:extLst>
+              <a:ext uri="{FF2B5EF4-FFF2-40B4-BE49-F238E27FC236}">
+                <a16:creationId xmlns:a16="http://schemas.microsoft.com/office/drawing/2014/main" id="{84BE8801-9A83-8746-A99E-7A966CFB54A9}"/>
+              </a:ext>
+            </a:extLst>
+          </p:cNvPr>
+          <p:cNvSpPr txBox="1">
+            <a:spLocks/>
+          </p:cNvSpPr>
+          <p:nvPr/>
+        </p:nvSpPr>
+        <p:spPr>
+          <a:xfrm>
+            <a:off x="838200" y="365125"/>
+            <a:ext cx="10515600" cy="624579"/>
+          </a:xfrm>
+          <a:prstGeom prst="rect">
+            <a:avLst/>
+          </a:prstGeom>
+        </p:spPr>
+        <p:txBody>
+          <a:bodyPr vert="horz" lIns="91440" tIns="45720" rIns="91440" bIns="45720" rtlCol="0" anchor="ctr">
+            <a:normAutofit fontScale="90000" lnSpcReduction="10000"/>
+          </a:bodyPr>
+          <a:lstStyle>
+            <a:lvl1pPr algn="l" defTabSz="914400" rtl="0" eaLnBrk="1" latinLnBrk="0" hangingPunct="1">
+              <a:lnSpc>
+                <a:spcPct val="90000"/>
+              </a:lnSpc>
+              <a:spcBef>
+                <a:spcPct val="0"/>
+              </a:spcBef>
+              <a:buNone/>
+              <a:defRPr sz="4400" kern="1200">
+                <a:solidFill>
+                  <a:schemeClr val="tx1"/>
+                </a:solidFill>
+                <a:latin typeface="+mj-lt"/>
+                <a:ea typeface="+mj-ea"/>
+                <a:cs typeface="+mj-cs"/>
+              </a:defRPr>
+            </a:lvl1pPr>
+          </a:lstStyle>
+          <a:p>
             <a:r>
               <a:rPr lang="en-US"/>
-              <a:t>Placeholder for Payments screenshot</a:t>
+              <a:t>IE Console Screenshots</a:t>
             </a:r>
             <a:endParaRPr lang="en-US" dirty="0"/>
           </a:p>
         </p:txBody>
       </p:sp>
+      <p:pic>
+        <p:nvPicPr>
+          <p:cNvPr id="3" name="Picture 2" descr="Graphical user interface, text, application, email&#10;&#10;Description automatically generated">
+            <a:extLst>
+              <a:ext uri="{FF2B5EF4-FFF2-40B4-BE49-F238E27FC236}">
+                <a16:creationId xmlns:a16="http://schemas.microsoft.com/office/drawing/2014/main" id="{5F711B8A-67AD-2B4F-B32C-FA28F2F3B37A}"/>
+              </a:ext>
+            </a:extLst>
+          </p:cNvPr>
+          <p:cNvPicPr>
+            <a:picLocks noChangeAspect="1"/>
+          </p:cNvPicPr>
+          <p:nvPr/>
+        </p:nvPicPr>
+        <p:blipFill>
+          <a:blip r:embed="rId2"/>
+          <a:stretch>
+            <a:fillRect/>
+          </a:stretch>
+        </p:blipFill>
+        <p:spPr>
+          <a:xfrm>
+            <a:off x="1538868" y="1229859"/>
+            <a:ext cx="8006575" cy="5389218"/>
+          </a:xfrm>
+          <a:prstGeom prst="rect">
+            <a:avLst/>
+          </a:prstGeom>
+        </p:spPr>
+      </p:pic>
     </p:spTree>
     <p:extLst>
       <p:ext uri="{BB962C8B-B14F-4D97-AF65-F5344CB8AC3E}">
-        <p14:creationId xmlns:p14="http://schemas.microsoft.com/office/powerpoint/2010/main" val="2899316408"/>
+        <p14:creationId xmlns:p14="http://schemas.microsoft.com/office/powerpoint/2010/main" val="2648590690"/>
       </p:ext>
     </p:extLst>
   </p:cSld>
@@ -8885,7 +9298,915 @@
 </p:sld>
 </file>
 
-<file path=ppt/slides/slide5.xml><?xml version="1.0" encoding="utf-8"?>
+<file path=ppt/slides/slide6.xml><?xml version="1.0" encoding="utf-8"?>
+<p:sld xmlns:a="http://schemas.openxmlformats.org/drawingml/2006/main" xmlns:r="http://schemas.openxmlformats.org/officeDocument/2006/relationships" xmlns:p="http://schemas.openxmlformats.org/presentationml/2006/main">
+  <p:cSld>
+    <p:bg>
+      <p:bgPr>
+        <a:solidFill>
+          <a:schemeClr val="bg1"/>
+        </a:solidFill>
+        <a:effectLst/>
+      </p:bgPr>
+    </p:bg>
+    <p:spTree>
+      <p:nvGrpSpPr>
+        <p:cNvPr id="1" name=""/>
+        <p:cNvGrpSpPr/>
+        <p:nvPr/>
+      </p:nvGrpSpPr>
+      <p:grpSpPr>
+        <a:xfrm>
+          <a:off x="0" y="0"/>
+          <a:ext cx="0" cy="0"/>
+          <a:chOff x="0" y="0"/>
+          <a:chExt cx="0" cy="0"/>
+        </a:xfrm>
+      </p:grpSpPr>
+      <p:sp>
+        <p:nvSpPr>
+          <p:cNvPr id="5" name="Rectangle 7">
+            <a:extLst>
+              <a:ext uri="{FF2B5EF4-FFF2-40B4-BE49-F238E27FC236}">
+                <a16:creationId xmlns:a16="http://schemas.microsoft.com/office/drawing/2014/main" id="{2B566528-1B12-4246-9431-5C2D7D081168}"/>
+              </a:ext>
+              <a:ext uri="{C183D7F6-B498-43B3-948B-1728B52AA6E4}">
+                <adec:decorative xmlns:adec="http://schemas.microsoft.com/office/drawing/2017/decorative" val="1"/>
+              </a:ext>
+            </a:extLst>
+          </p:cNvPr>
+          <p:cNvSpPr>
+            <a:spLocks noGrp="1" noRot="1" noChangeAspect="1" noMove="1" noResize="1" noEditPoints="1" noAdjustHandles="1" noChangeArrowheads="1" noChangeShapeType="1" noTextEdit="1"/>
+          </p:cNvSpPr>
+          <p:nvPr>
+            <p:extLst>
+              <p:ext uri="{386F3935-93C4-4BCD-93E2-E3B085C9AB24}">
+                <p16:designElem xmlns:p16="http://schemas.microsoft.com/office/powerpoint/2015/main" val="1"/>
+              </p:ext>
+            </p:extLst>
+          </p:nvPr>
+        </p:nvSpPr>
+        <p:spPr>
+          <a:xfrm>
+            <a:off x="0" y="0"/>
+            <a:ext cx="12192000" cy="6858000"/>
+          </a:xfrm>
+          <a:prstGeom prst="rect">
+            <a:avLst/>
+          </a:prstGeom>
+          <a:solidFill>
+            <a:schemeClr val="bg1"/>
+          </a:solidFill>
+          <a:ln>
+            <a:noFill/>
+          </a:ln>
+        </p:spPr>
+        <p:style>
+          <a:lnRef idx="2">
+            <a:schemeClr val="accent1">
+              <a:shade val="50000"/>
+            </a:schemeClr>
+          </a:lnRef>
+          <a:fillRef idx="1">
+            <a:schemeClr val="accent1"/>
+          </a:fillRef>
+          <a:effectRef idx="0">
+            <a:schemeClr val="accent1"/>
+          </a:effectRef>
+          <a:fontRef idx="minor">
+            <a:schemeClr val="lt1"/>
+          </a:fontRef>
+        </p:style>
+        <p:txBody>
+          <a:bodyPr rtlCol="0" anchor="ctr"/>
+          <a:lstStyle/>
+          <a:p>
+            <a:pPr algn="ctr"/>
+            <a:endParaRPr lang="en-US" dirty="0"/>
+          </a:p>
+        </p:txBody>
+      </p:sp>
+      <p:sp>
+        <p:nvSpPr>
+          <p:cNvPr id="6" name="Rectangle 9">
+            <a:extLst>
+              <a:ext uri="{FF2B5EF4-FFF2-40B4-BE49-F238E27FC236}">
+                <a16:creationId xmlns:a16="http://schemas.microsoft.com/office/drawing/2014/main" id="{2E80C965-DB6D-4F81-9E9E-B027384D0BD6}"/>
+              </a:ext>
+              <a:ext uri="{C183D7F6-B498-43B3-948B-1728B52AA6E4}">
+                <adec:decorative xmlns:adec="http://schemas.microsoft.com/office/drawing/2017/decorative" val="1"/>
+              </a:ext>
+            </a:extLst>
+          </p:cNvPr>
+          <p:cNvSpPr>
+            <a:spLocks noGrp="1" noRot="1" noChangeAspect="1" noMove="1" noResize="1" noEditPoints="1" noAdjustHandles="1" noChangeArrowheads="1" noChangeShapeType="1" noTextEdit="1"/>
+          </p:cNvSpPr>
+          <p:nvPr>
+            <p:extLst>
+              <p:ext uri="{386F3935-93C4-4BCD-93E2-E3B085C9AB24}">
+                <p16:designElem xmlns:p16="http://schemas.microsoft.com/office/powerpoint/2015/main" val="1"/>
+              </p:ext>
+            </p:extLst>
+          </p:nvPr>
+        </p:nvSpPr>
+        <p:spPr>
+          <a:xfrm rot="2700000">
+            <a:off x="11052629" y="2120024"/>
+            <a:ext cx="645368" cy="645368"/>
+          </a:xfrm>
+          <a:prstGeom prst="rect">
+            <a:avLst/>
+          </a:prstGeom>
+          <a:solidFill>
+            <a:schemeClr val="accent4">
+              <a:alpha val="30000"/>
+            </a:schemeClr>
+          </a:solidFill>
+          <a:ln>
+            <a:noFill/>
+          </a:ln>
+        </p:spPr>
+        <p:style>
+          <a:lnRef idx="2">
+            <a:schemeClr val="accent1">
+              <a:shade val="50000"/>
+            </a:schemeClr>
+          </a:lnRef>
+          <a:fillRef idx="1">
+            <a:schemeClr val="accent1"/>
+          </a:fillRef>
+          <a:effectRef idx="0">
+            <a:schemeClr val="accent1"/>
+          </a:effectRef>
+          <a:fontRef idx="minor">
+            <a:schemeClr val="lt1"/>
+          </a:fontRef>
+        </p:style>
+        <p:txBody>
+          <a:bodyPr rtlCol="0" anchor="ctr"/>
+          <a:lstStyle/>
+          <a:p>
+            <a:pPr algn="ctr"/>
+            <a:endParaRPr lang="en-US"/>
+          </a:p>
+        </p:txBody>
+      </p:sp>
+      <p:sp>
+        <p:nvSpPr>
+          <p:cNvPr id="7" name="Isosceles Triangle 11">
+            <a:extLst>
+              <a:ext uri="{FF2B5EF4-FFF2-40B4-BE49-F238E27FC236}">
+                <a16:creationId xmlns:a16="http://schemas.microsoft.com/office/drawing/2014/main" id="{A580F890-B085-4E95-96AA-55AEBEC5CE6E}"/>
+              </a:ext>
+              <a:ext uri="{C183D7F6-B498-43B3-948B-1728B52AA6E4}">
+                <adec:decorative xmlns:adec="http://schemas.microsoft.com/office/drawing/2017/decorative" val="1"/>
+              </a:ext>
+            </a:extLst>
+          </p:cNvPr>
+          <p:cNvSpPr>
+            <a:spLocks noGrp="1" noRot="1" noChangeAspect="1" noMove="1" noResize="1" noEditPoints="1" noAdjustHandles="1" noChangeArrowheads="1" noChangeShapeType="1" noTextEdit="1"/>
+          </p:cNvSpPr>
+          <p:nvPr>
+            <p:extLst>
+              <p:ext uri="{386F3935-93C4-4BCD-93E2-E3B085C9AB24}">
+                <p16:designElem xmlns:p16="http://schemas.microsoft.com/office/powerpoint/2015/main" val="1"/>
+              </p:ext>
+            </p:extLst>
+          </p:nvPr>
+        </p:nvSpPr>
+        <p:spPr>
+          <a:xfrm rot="16200000">
+            <a:off x="10289068" y="1343027"/>
+            <a:ext cx="2532832" cy="1273032"/>
+          </a:xfrm>
+          <a:prstGeom prst="triangle">
+            <a:avLst>
+              <a:gd name="adj" fmla="val 50000"/>
+            </a:avLst>
+          </a:prstGeom>
+          <a:solidFill>
+            <a:schemeClr val="accent4">
+              <a:alpha val="30000"/>
+            </a:schemeClr>
+          </a:solidFill>
+          <a:ln>
+            <a:noFill/>
+          </a:ln>
+        </p:spPr>
+        <p:style>
+          <a:lnRef idx="2">
+            <a:schemeClr val="accent1">
+              <a:shade val="50000"/>
+            </a:schemeClr>
+          </a:lnRef>
+          <a:fillRef idx="1">
+            <a:schemeClr val="accent1"/>
+          </a:fillRef>
+          <a:effectRef idx="0">
+            <a:schemeClr val="accent1"/>
+          </a:effectRef>
+          <a:fontRef idx="minor">
+            <a:schemeClr val="lt1"/>
+          </a:fontRef>
+        </p:style>
+        <p:txBody>
+          <a:bodyPr rtlCol="0" anchor="ctr"/>
+          <a:lstStyle/>
+          <a:p>
+            <a:pPr algn="ctr"/>
+            <a:endParaRPr lang="en-US"/>
+          </a:p>
+        </p:txBody>
+      </p:sp>
+      <p:sp>
+        <p:nvSpPr>
+          <p:cNvPr id="9" name="Isosceles Triangle 13">
+            <a:extLst>
+              <a:ext uri="{FF2B5EF4-FFF2-40B4-BE49-F238E27FC236}">
+                <a16:creationId xmlns:a16="http://schemas.microsoft.com/office/drawing/2014/main" id="{D3F51FEB-38FB-4F6C-9F7B-2F2AFAB65463}"/>
+              </a:ext>
+              <a:ext uri="{C183D7F6-B498-43B3-948B-1728B52AA6E4}">
+                <adec:decorative xmlns:adec="http://schemas.microsoft.com/office/drawing/2017/decorative" val="1"/>
+              </a:ext>
+            </a:extLst>
+          </p:cNvPr>
+          <p:cNvSpPr>
+            <a:spLocks noGrp="1" noRot="1" noChangeAspect="1" noMove="1" noResize="1" noEditPoints="1" noAdjustHandles="1" noChangeArrowheads="1" noChangeShapeType="1" noTextEdit="1"/>
+          </p:cNvSpPr>
+          <p:nvPr>
+            <p:extLst>
+              <p:ext uri="{386F3935-93C4-4BCD-93E2-E3B085C9AB24}">
+                <p16:designElem xmlns:p16="http://schemas.microsoft.com/office/powerpoint/2015/main" val="1"/>
+              </p:ext>
+            </p:extLst>
+          </p:nvPr>
+        </p:nvSpPr>
+        <p:spPr>
+          <a:xfrm rot="5400000">
+            <a:off x="-501760" y="5103257"/>
+            <a:ext cx="2017580" cy="1014060"/>
+          </a:xfrm>
+          <a:prstGeom prst="triangle">
+            <a:avLst>
+              <a:gd name="adj" fmla="val 50000"/>
+            </a:avLst>
+          </a:prstGeom>
+          <a:solidFill>
+            <a:schemeClr val="accent1">
+              <a:alpha val="30000"/>
+            </a:schemeClr>
+          </a:solidFill>
+          <a:ln>
+            <a:noFill/>
+          </a:ln>
+        </p:spPr>
+        <p:style>
+          <a:lnRef idx="2">
+            <a:schemeClr val="accent1">
+              <a:shade val="50000"/>
+            </a:schemeClr>
+          </a:lnRef>
+          <a:fillRef idx="1">
+            <a:schemeClr val="accent1"/>
+          </a:fillRef>
+          <a:effectRef idx="0">
+            <a:schemeClr val="accent1"/>
+          </a:effectRef>
+          <a:fontRef idx="minor">
+            <a:schemeClr val="lt1"/>
+          </a:fontRef>
+        </p:style>
+        <p:txBody>
+          <a:bodyPr wrap="square" rtlCol="0" anchor="ctr">
+            <a:noAutofit/>
+          </a:bodyPr>
+          <a:lstStyle/>
+          <a:p>
+            <a:pPr algn="ctr"/>
+            <a:endParaRPr lang="en-US"/>
+          </a:p>
+        </p:txBody>
+      </p:sp>
+      <p:sp>
+        <p:nvSpPr>
+          <p:cNvPr id="11" name="Rectangle 15">
+            <a:extLst>
+              <a:ext uri="{FF2B5EF4-FFF2-40B4-BE49-F238E27FC236}">
+                <a16:creationId xmlns:a16="http://schemas.microsoft.com/office/drawing/2014/main" id="{1E547BA6-BAE0-43BB-A7CA-60F69CE252F0}"/>
+              </a:ext>
+              <a:ext uri="{C183D7F6-B498-43B3-948B-1728B52AA6E4}">
+                <adec:decorative xmlns:adec="http://schemas.microsoft.com/office/drawing/2017/decorative" val="1"/>
+              </a:ext>
+            </a:extLst>
+          </p:cNvPr>
+          <p:cNvSpPr>
+            <a:spLocks noGrp="1" noRot="1" noChangeAspect="1" noMove="1" noResize="1" noEditPoints="1" noAdjustHandles="1" noChangeArrowheads="1" noChangeShapeType="1" noTextEdit="1"/>
+          </p:cNvSpPr>
+          <p:nvPr>
+            <p:extLst>
+              <p:ext uri="{386F3935-93C4-4BCD-93E2-E3B085C9AB24}">
+                <p16:designElem xmlns:p16="http://schemas.microsoft.com/office/powerpoint/2015/main" val="1"/>
+              </p:ext>
+            </p:extLst>
+          </p:nvPr>
+        </p:nvSpPr>
+        <p:spPr>
+          <a:xfrm rot="2700000">
+            <a:off x="427916" y="5728708"/>
+            <a:ext cx="485578" cy="485578"/>
+          </a:xfrm>
+          <a:prstGeom prst="rect">
+            <a:avLst/>
+          </a:prstGeom>
+          <a:solidFill>
+            <a:schemeClr val="accent1">
+              <a:alpha val="30000"/>
+            </a:schemeClr>
+          </a:solidFill>
+          <a:ln>
+            <a:noFill/>
+          </a:ln>
+        </p:spPr>
+        <p:style>
+          <a:lnRef idx="2">
+            <a:schemeClr val="accent1">
+              <a:shade val="50000"/>
+            </a:schemeClr>
+          </a:lnRef>
+          <a:fillRef idx="1">
+            <a:schemeClr val="accent1"/>
+          </a:fillRef>
+          <a:effectRef idx="0">
+            <a:schemeClr val="accent1"/>
+          </a:effectRef>
+          <a:fontRef idx="minor">
+            <a:schemeClr val="lt1"/>
+          </a:fontRef>
+        </p:style>
+        <p:txBody>
+          <a:bodyPr wrap="square" rtlCol="0" anchor="ctr">
+            <a:noAutofit/>
+          </a:bodyPr>
+          <a:lstStyle/>
+          <a:p>
+            <a:pPr algn="ctr"/>
+            <a:endParaRPr lang="en-US"/>
+          </a:p>
+        </p:txBody>
+      </p:sp>
+      <p:sp>
+        <p:nvSpPr>
+          <p:cNvPr id="13" name="Title 14">
+            <a:extLst>
+              <a:ext uri="{FF2B5EF4-FFF2-40B4-BE49-F238E27FC236}">
+                <a16:creationId xmlns:a16="http://schemas.microsoft.com/office/drawing/2014/main" id="{84BE8801-9A83-8746-A99E-7A966CFB54A9}"/>
+              </a:ext>
+            </a:extLst>
+          </p:cNvPr>
+          <p:cNvSpPr txBox="1">
+            <a:spLocks/>
+          </p:cNvSpPr>
+          <p:nvPr/>
+        </p:nvSpPr>
+        <p:spPr>
+          <a:xfrm>
+            <a:off x="838200" y="365125"/>
+            <a:ext cx="10515600" cy="624579"/>
+          </a:xfrm>
+          <a:prstGeom prst="rect">
+            <a:avLst/>
+          </a:prstGeom>
+        </p:spPr>
+        <p:txBody>
+          <a:bodyPr vert="horz" lIns="91440" tIns="45720" rIns="91440" bIns="45720" rtlCol="0" anchor="ctr">
+            <a:normAutofit fontScale="90000" lnSpcReduction="10000"/>
+          </a:bodyPr>
+          <a:lstStyle>
+            <a:lvl1pPr algn="l" defTabSz="914400" rtl="0" eaLnBrk="1" latinLnBrk="0" hangingPunct="1">
+              <a:lnSpc>
+                <a:spcPct val="90000"/>
+              </a:lnSpc>
+              <a:spcBef>
+                <a:spcPct val="0"/>
+              </a:spcBef>
+              <a:buNone/>
+              <a:defRPr sz="4400" kern="1200">
+                <a:solidFill>
+                  <a:schemeClr val="tx1"/>
+                </a:solidFill>
+                <a:latin typeface="+mj-lt"/>
+                <a:ea typeface="+mj-ea"/>
+                <a:cs typeface="+mj-cs"/>
+              </a:defRPr>
+            </a:lvl1pPr>
+          </a:lstStyle>
+          <a:p>
+            <a:r>
+              <a:rPr lang="en-US"/>
+              <a:t>IE Console Screenshots</a:t>
+            </a:r>
+            <a:endParaRPr lang="en-US" dirty="0"/>
+          </a:p>
+        </p:txBody>
+      </p:sp>
+      <p:pic>
+        <p:nvPicPr>
+          <p:cNvPr id="19" name="Picture 18">
+            <a:extLst>
+              <a:ext uri="{FF2B5EF4-FFF2-40B4-BE49-F238E27FC236}">
+                <a16:creationId xmlns:a16="http://schemas.microsoft.com/office/drawing/2014/main" id="{A2392B37-AE6F-0143-8032-2AAAC0080B0C}"/>
+              </a:ext>
+            </a:extLst>
+          </p:cNvPr>
+          <p:cNvPicPr>
+            <a:picLocks noChangeAspect="1"/>
+          </p:cNvPicPr>
+          <p:nvPr/>
+        </p:nvPicPr>
+        <p:blipFill>
+          <a:blip r:embed="rId2"/>
+          <a:stretch>
+            <a:fillRect/>
+          </a:stretch>
+        </p:blipFill>
+        <p:spPr>
+          <a:xfrm>
+            <a:off x="1172114" y="1229066"/>
+            <a:ext cx="8574741" cy="4742431"/>
+          </a:xfrm>
+          <a:prstGeom prst="rect">
+            <a:avLst/>
+          </a:prstGeom>
+        </p:spPr>
+      </p:pic>
+    </p:spTree>
+    <p:extLst>
+      <p:ext uri="{BB962C8B-B14F-4D97-AF65-F5344CB8AC3E}">
+        <p14:creationId xmlns:p14="http://schemas.microsoft.com/office/powerpoint/2010/main" val="3287883028"/>
+      </p:ext>
+    </p:extLst>
+  </p:cSld>
+  <p:clrMapOvr>
+    <a:masterClrMapping/>
+  </p:clrMapOvr>
+</p:sld>
+</file>
+
+<file path=ppt/slides/slide7.xml><?xml version="1.0" encoding="utf-8"?>
+<p:sld xmlns:a="http://schemas.openxmlformats.org/drawingml/2006/main" xmlns:r="http://schemas.openxmlformats.org/officeDocument/2006/relationships" xmlns:p="http://schemas.openxmlformats.org/presentationml/2006/main">
+  <p:cSld>
+    <p:bg>
+      <p:bgPr>
+        <a:solidFill>
+          <a:schemeClr val="bg1"/>
+        </a:solidFill>
+        <a:effectLst/>
+      </p:bgPr>
+    </p:bg>
+    <p:spTree>
+      <p:nvGrpSpPr>
+        <p:cNvPr id="1" name=""/>
+        <p:cNvGrpSpPr/>
+        <p:nvPr/>
+      </p:nvGrpSpPr>
+      <p:grpSpPr>
+        <a:xfrm>
+          <a:off x="0" y="0"/>
+          <a:ext cx="0" cy="0"/>
+          <a:chOff x="0" y="0"/>
+          <a:chExt cx="0" cy="0"/>
+        </a:xfrm>
+      </p:grpSpPr>
+      <p:sp>
+        <p:nvSpPr>
+          <p:cNvPr id="5" name="Rectangle 7">
+            <a:extLst>
+              <a:ext uri="{FF2B5EF4-FFF2-40B4-BE49-F238E27FC236}">
+                <a16:creationId xmlns:a16="http://schemas.microsoft.com/office/drawing/2014/main" id="{2B566528-1B12-4246-9431-5C2D7D081168}"/>
+              </a:ext>
+              <a:ext uri="{C183D7F6-B498-43B3-948B-1728B52AA6E4}">
+                <adec:decorative xmlns:adec="http://schemas.microsoft.com/office/drawing/2017/decorative" val="1"/>
+              </a:ext>
+            </a:extLst>
+          </p:cNvPr>
+          <p:cNvSpPr>
+            <a:spLocks noGrp="1" noRot="1" noChangeAspect="1" noMove="1" noResize="1" noEditPoints="1" noAdjustHandles="1" noChangeArrowheads="1" noChangeShapeType="1" noTextEdit="1"/>
+          </p:cNvSpPr>
+          <p:nvPr>
+            <p:extLst>
+              <p:ext uri="{386F3935-93C4-4BCD-93E2-E3B085C9AB24}">
+                <p16:designElem xmlns:p16="http://schemas.microsoft.com/office/powerpoint/2015/main" val="1"/>
+              </p:ext>
+            </p:extLst>
+          </p:nvPr>
+        </p:nvSpPr>
+        <p:spPr>
+          <a:xfrm>
+            <a:off x="0" y="0"/>
+            <a:ext cx="12192000" cy="6858000"/>
+          </a:xfrm>
+          <a:prstGeom prst="rect">
+            <a:avLst/>
+          </a:prstGeom>
+          <a:solidFill>
+            <a:schemeClr val="bg1"/>
+          </a:solidFill>
+          <a:ln>
+            <a:noFill/>
+          </a:ln>
+        </p:spPr>
+        <p:style>
+          <a:lnRef idx="2">
+            <a:schemeClr val="accent1">
+              <a:shade val="50000"/>
+            </a:schemeClr>
+          </a:lnRef>
+          <a:fillRef idx="1">
+            <a:schemeClr val="accent1"/>
+          </a:fillRef>
+          <a:effectRef idx="0">
+            <a:schemeClr val="accent1"/>
+          </a:effectRef>
+          <a:fontRef idx="minor">
+            <a:schemeClr val="lt1"/>
+          </a:fontRef>
+        </p:style>
+        <p:txBody>
+          <a:bodyPr rtlCol="0" anchor="ctr"/>
+          <a:lstStyle/>
+          <a:p>
+            <a:pPr algn="ctr"/>
+            <a:endParaRPr lang="en-US" dirty="0"/>
+          </a:p>
+        </p:txBody>
+      </p:sp>
+      <p:sp>
+        <p:nvSpPr>
+          <p:cNvPr id="6" name="Rectangle 9">
+            <a:extLst>
+              <a:ext uri="{FF2B5EF4-FFF2-40B4-BE49-F238E27FC236}">
+                <a16:creationId xmlns:a16="http://schemas.microsoft.com/office/drawing/2014/main" id="{2E80C965-DB6D-4F81-9E9E-B027384D0BD6}"/>
+              </a:ext>
+              <a:ext uri="{C183D7F6-B498-43B3-948B-1728B52AA6E4}">
+                <adec:decorative xmlns:adec="http://schemas.microsoft.com/office/drawing/2017/decorative" val="1"/>
+              </a:ext>
+            </a:extLst>
+          </p:cNvPr>
+          <p:cNvSpPr>
+            <a:spLocks noGrp="1" noRot="1" noChangeAspect="1" noMove="1" noResize="1" noEditPoints="1" noAdjustHandles="1" noChangeArrowheads="1" noChangeShapeType="1" noTextEdit="1"/>
+          </p:cNvSpPr>
+          <p:nvPr>
+            <p:extLst>
+              <p:ext uri="{386F3935-93C4-4BCD-93E2-E3B085C9AB24}">
+                <p16:designElem xmlns:p16="http://schemas.microsoft.com/office/powerpoint/2015/main" val="1"/>
+              </p:ext>
+            </p:extLst>
+          </p:nvPr>
+        </p:nvSpPr>
+        <p:spPr>
+          <a:xfrm rot="2700000">
+            <a:off x="11052629" y="2120024"/>
+            <a:ext cx="645368" cy="645368"/>
+          </a:xfrm>
+          <a:prstGeom prst="rect">
+            <a:avLst/>
+          </a:prstGeom>
+          <a:solidFill>
+            <a:schemeClr val="accent4">
+              <a:alpha val="30000"/>
+            </a:schemeClr>
+          </a:solidFill>
+          <a:ln>
+            <a:noFill/>
+          </a:ln>
+        </p:spPr>
+        <p:style>
+          <a:lnRef idx="2">
+            <a:schemeClr val="accent1">
+              <a:shade val="50000"/>
+            </a:schemeClr>
+          </a:lnRef>
+          <a:fillRef idx="1">
+            <a:schemeClr val="accent1"/>
+          </a:fillRef>
+          <a:effectRef idx="0">
+            <a:schemeClr val="accent1"/>
+          </a:effectRef>
+          <a:fontRef idx="minor">
+            <a:schemeClr val="lt1"/>
+          </a:fontRef>
+        </p:style>
+        <p:txBody>
+          <a:bodyPr rtlCol="0" anchor="ctr"/>
+          <a:lstStyle/>
+          <a:p>
+            <a:pPr algn="ctr"/>
+            <a:endParaRPr lang="en-US"/>
+          </a:p>
+        </p:txBody>
+      </p:sp>
+      <p:sp>
+        <p:nvSpPr>
+          <p:cNvPr id="7" name="Isosceles Triangle 11">
+            <a:extLst>
+              <a:ext uri="{FF2B5EF4-FFF2-40B4-BE49-F238E27FC236}">
+                <a16:creationId xmlns:a16="http://schemas.microsoft.com/office/drawing/2014/main" id="{A580F890-B085-4E95-96AA-55AEBEC5CE6E}"/>
+              </a:ext>
+              <a:ext uri="{C183D7F6-B498-43B3-948B-1728B52AA6E4}">
+                <adec:decorative xmlns:adec="http://schemas.microsoft.com/office/drawing/2017/decorative" val="1"/>
+              </a:ext>
+            </a:extLst>
+          </p:cNvPr>
+          <p:cNvSpPr>
+            <a:spLocks noGrp="1" noRot="1" noChangeAspect="1" noMove="1" noResize="1" noEditPoints="1" noAdjustHandles="1" noChangeArrowheads="1" noChangeShapeType="1" noTextEdit="1"/>
+          </p:cNvSpPr>
+          <p:nvPr>
+            <p:extLst>
+              <p:ext uri="{386F3935-93C4-4BCD-93E2-E3B085C9AB24}">
+                <p16:designElem xmlns:p16="http://schemas.microsoft.com/office/powerpoint/2015/main" val="1"/>
+              </p:ext>
+            </p:extLst>
+          </p:nvPr>
+        </p:nvSpPr>
+        <p:spPr>
+          <a:xfrm rot="16200000">
+            <a:off x="10289068" y="1343027"/>
+            <a:ext cx="2532832" cy="1273032"/>
+          </a:xfrm>
+          <a:prstGeom prst="triangle">
+            <a:avLst>
+              <a:gd name="adj" fmla="val 50000"/>
+            </a:avLst>
+          </a:prstGeom>
+          <a:solidFill>
+            <a:schemeClr val="accent4">
+              <a:alpha val="30000"/>
+            </a:schemeClr>
+          </a:solidFill>
+          <a:ln>
+            <a:noFill/>
+          </a:ln>
+        </p:spPr>
+        <p:style>
+          <a:lnRef idx="2">
+            <a:schemeClr val="accent1">
+              <a:shade val="50000"/>
+            </a:schemeClr>
+          </a:lnRef>
+          <a:fillRef idx="1">
+            <a:schemeClr val="accent1"/>
+          </a:fillRef>
+          <a:effectRef idx="0">
+            <a:schemeClr val="accent1"/>
+          </a:effectRef>
+          <a:fontRef idx="minor">
+            <a:schemeClr val="lt1"/>
+          </a:fontRef>
+        </p:style>
+        <p:txBody>
+          <a:bodyPr rtlCol="0" anchor="ctr"/>
+          <a:lstStyle/>
+          <a:p>
+            <a:pPr algn="ctr"/>
+            <a:endParaRPr lang="en-US"/>
+          </a:p>
+        </p:txBody>
+      </p:sp>
+      <p:sp>
+        <p:nvSpPr>
+          <p:cNvPr id="9" name="Isosceles Triangle 13">
+            <a:extLst>
+              <a:ext uri="{FF2B5EF4-FFF2-40B4-BE49-F238E27FC236}">
+                <a16:creationId xmlns:a16="http://schemas.microsoft.com/office/drawing/2014/main" id="{D3F51FEB-38FB-4F6C-9F7B-2F2AFAB65463}"/>
+              </a:ext>
+              <a:ext uri="{C183D7F6-B498-43B3-948B-1728B52AA6E4}">
+                <adec:decorative xmlns:adec="http://schemas.microsoft.com/office/drawing/2017/decorative" val="1"/>
+              </a:ext>
+            </a:extLst>
+          </p:cNvPr>
+          <p:cNvSpPr>
+            <a:spLocks noGrp="1" noRot="1" noChangeAspect="1" noMove="1" noResize="1" noEditPoints="1" noAdjustHandles="1" noChangeArrowheads="1" noChangeShapeType="1" noTextEdit="1"/>
+          </p:cNvSpPr>
+          <p:nvPr>
+            <p:extLst>
+              <p:ext uri="{386F3935-93C4-4BCD-93E2-E3B085C9AB24}">
+                <p16:designElem xmlns:p16="http://schemas.microsoft.com/office/powerpoint/2015/main" val="1"/>
+              </p:ext>
+            </p:extLst>
+          </p:nvPr>
+        </p:nvSpPr>
+        <p:spPr>
+          <a:xfrm rot="5400000">
+            <a:off x="-501760" y="5103257"/>
+            <a:ext cx="2017580" cy="1014060"/>
+          </a:xfrm>
+          <a:prstGeom prst="triangle">
+            <a:avLst>
+              <a:gd name="adj" fmla="val 50000"/>
+            </a:avLst>
+          </a:prstGeom>
+          <a:solidFill>
+            <a:schemeClr val="accent1">
+              <a:alpha val="30000"/>
+            </a:schemeClr>
+          </a:solidFill>
+          <a:ln>
+            <a:noFill/>
+          </a:ln>
+        </p:spPr>
+        <p:style>
+          <a:lnRef idx="2">
+            <a:schemeClr val="accent1">
+              <a:shade val="50000"/>
+            </a:schemeClr>
+          </a:lnRef>
+          <a:fillRef idx="1">
+            <a:schemeClr val="accent1"/>
+          </a:fillRef>
+          <a:effectRef idx="0">
+            <a:schemeClr val="accent1"/>
+          </a:effectRef>
+          <a:fontRef idx="minor">
+            <a:schemeClr val="lt1"/>
+          </a:fontRef>
+        </p:style>
+        <p:txBody>
+          <a:bodyPr wrap="square" rtlCol="0" anchor="ctr">
+            <a:noAutofit/>
+          </a:bodyPr>
+          <a:lstStyle/>
+          <a:p>
+            <a:pPr algn="ctr"/>
+            <a:endParaRPr lang="en-US"/>
+          </a:p>
+        </p:txBody>
+      </p:sp>
+      <p:sp>
+        <p:nvSpPr>
+          <p:cNvPr id="11" name="Rectangle 15">
+            <a:extLst>
+              <a:ext uri="{FF2B5EF4-FFF2-40B4-BE49-F238E27FC236}">
+                <a16:creationId xmlns:a16="http://schemas.microsoft.com/office/drawing/2014/main" id="{1E547BA6-BAE0-43BB-A7CA-60F69CE252F0}"/>
+              </a:ext>
+              <a:ext uri="{C183D7F6-B498-43B3-948B-1728B52AA6E4}">
+                <adec:decorative xmlns:adec="http://schemas.microsoft.com/office/drawing/2017/decorative" val="1"/>
+              </a:ext>
+            </a:extLst>
+          </p:cNvPr>
+          <p:cNvSpPr>
+            <a:spLocks noGrp="1" noRot="1" noChangeAspect="1" noMove="1" noResize="1" noEditPoints="1" noAdjustHandles="1" noChangeArrowheads="1" noChangeShapeType="1" noTextEdit="1"/>
+          </p:cNvSpPr>
+          <p:nvPr>
+            <p:extLst>
+              <p:ext uri="{386F3935-93C4-4BCD-93E2-E3B085C9AB24}">
+                <p16:designElem xmlns:p16="http://schemas.microsoft.com/office/powerpoint/2015/main" val="1"/>
+              </p:ext>
+            </p:extLst>
+          </p:nvPr>
+        </p:nvSpPr>
+        <p:spPr>
+          <a:xfrm rot="2700000">
+            <a:off x="427916" y="5728708"/>
+            <a:ext cx="485578" cy="485578"/>
+          </a:xfrm>
+          <a:prstGeom prst="rect">
+            <a:avLst/>
+          </a:prstGeom>
+          <a:solidFill>
+            <a:schemeClr val="accent1">
+              <a:alpha val="30000"/>
+            </a:schemeClr>
+          </a:solidFill>
+          <a:ln>
+            <a:noFill/>
+          </a:ln>
+        </p:spPr>
+        <p:style>
+          <a:lnRef idx="2">
+            <a:schemeClr val="accent1">
+              <a:shade val="50000"/>
+            </a:schemeClr>
+          </a:lnRef>
+          <a:fillRef idx="1">
+            <a:schemeClr val="accent1"/>
+          </a:fillRef>
+          <a:effectRef idx="0">
+            <a:schemeClr val="accent1"/>
+          </a:effectRef>
+          <a:fontRef idx="minor">
+            <a:schemeClr val="lt1"/>
+          </a:fontRef>
+        </p:style>
+        <p:txBody>
+          <a:bodyPr wrap="square" rtlCol="0" anchor="ctr">
+            <a:noAutofit/>
+          </a:bodyPr>
+          <a:lstStyle/>
+          <a:p>
+            <a:pPr algn="ctr"/>
+            <a:endParaRPr lang="en-US"/>
+          </a:p>
+        </p:txBody>
+      </p:sp>
+      <p:sp>
+        <p:nvSpPr>
+          <p:cNvPr id="13" name="Title 14">
+            <a:extLst>
+              <a:ext uri="{FF2B5EF4-FFF2-40B4-BE49-F238E27FC236}">
+                <a16:creationId xmlns:a16="http://schemas.microsoft.com/office/drawing/2014/main" id="{84BE8801-9A83-8746-A99E-7A966CFB54A9}"/>
+              </a:ext>
+            </a:extLst>
+          </p:cNvPr>
+          <p:cNvSpPr txBox="1">
+            <a:spLocks/>
+          </p:cNvSpPr>
+          <p:nvPr/>
+        </p:nvSpPr>
+        <p:spPr>
+          <a:xfrm>
+            <a:off x="838200" y="365125"/>
+            <a:ext cx="10515600" cy="624579"/>
+          </a:xfrm>
+          <a:prstGeom prst="rect">
+            <a:avLst/>
+          </a:prstGeom>
+        </p:spPr>
+        <p:txBody>
+          <a:bodyPr vert="horz" lIns="91440" tIns="45720" rIns="91440" bIns="45720" rtlCol="0" anchor="ctr">
+            <a:normAutofit fontScale="90000" lnSpcReduction="10000"/>
+          </a:bodyPr>
+          <a:lstStyle>
+            <a:lvl1pPr algn="l" defTabSz="914400" rtl="0" eaLnBrk="1" latinLnBrk="0" hangingPunct="1">
+              <a:lnSpc>
+                <a:spcPct val="90000"/>
+              </a:lnSpc>
+              <a:spcBef>
+                <a:spcPct val="0"/>
+              </a:spcBef>
+              <a:buNone/>
+              <a:defRPr sz="4400" kern="1200">
+                <a:solidFill>
+                  <a:schemeClr val="tx1"/>
+                </a:solidFill>
+                <a:latin typeface="+mj-lt"/>
+                <a:ea typeface="+mj-ea"/>
+                <a:cs typeface="+mj-cs"/>
+              </a:defRPr>
+            </a:lvl1pPr>
+          </a:lstStyle>
+          <a:p>
+            <a:r>
+              <a:rPr lang="en-US"/>
+              <a:t>IE Console Screenshots</a:t>
+            </a:r>
+            <a:endParaRPr lang="en-US" dirty="0"/>
+          </a:p>
+        </p:txBody>
+      </p:sp>
+      <p:pic>
+        <p:nvPicPr>
+          <p:cNvPr id="12" name="Picture 11">
+            <a:extLst>
+              <a:ext uri="{FF2B5EF4-FFF2-40B4-BE49-F238E27FC236}">
+                <a16:creationId xmlns:a16="http://schemas.microsoft.com/office/drawing/2014/main" id="{98C5C89F-EE5A-484B-B0C3-2901D4DD1125}"/>
+              </a:ext>
+            </a:extLst>
+          </p:cNvPr>
+          <p:cNvPicPr>
+            <a:picLocks noChangeAspect="1"/>
+          </p:cNvPicPr>
+          <p:nvPr/>
+        </p:nvPicPr>
+        <p:blipFill>
+          <a:blip r:embed="rId2"/>
+          <a:stretch>
+            <a:fillRect/>
+          </a:stretch>
+        </p:blipFill>
+        <p:spPr>
+          <a:xfrm>
+            <a:off x="1341409" y="989704"/>
+            <a:ext cx="9217217" cy="5325149"/>
+          </a:xfrm>
+          <a:prstGeom prst="rect">
+            <a:avLst/>
+          </a:prstGeom>
+        </p:spPr>
+      </p:pic>
+    </p:spTree>
+    <p:extLst>
+      <p:ext uri="{BB962C8B-B14F-4D97-AF65-F5344CB8AC3E}">
+        <p14:creationId xmlns:p14="http://schemas.microsoft.com/office/powerpoint/2010/main" val="220688433"/>
+      </p:ext>
+    </p:extLst>
+  </p:cSld>
+  <p:clrMapOvr>
+    <a:masterClrMapping/>
+  </p:clrMapOvr>
+</p:sld>
+</file>
+
+<file path=ppt/slides/slide8.xml><?xml version="1.0" encoding="utf-8"?>
 <p:sld xmlns:a="http://schemas.openxmlformats.org/drawingml/2006/main" xmlns:r="http://schemas.openxmlformats.org/officeDocument/2006/relationships" xmlns:p="http://schemas.openxmlformats.org/presentationml/2006/main">
   <p:cSld>
     <p:spTree>
@@ -9196,7 +10517,7 @@
                   <a:schemeClr val="tx1"/>
                 </a:solidFill>
               </a:rPr>
-              <a:t>Sum Approved Claims and confirm token balance in Gnosis (manual)</a:t>
+              <a:t>Sum the total Approved Claims</a:t>
             </a:r>
           </a:p>
         </p:txBody>
@@ -13537,7 +14858,7 @@
 </p:sld>
 </file>
 
-<file path=ppt/slides/slide6.xml><?xml version="1.0" encoding="utf-8"?>
+<file path=ppt/slides/slide9.xml><?xml version="1.0" encoding="utf-8"?>
 <p:sld xmlns:a="http://schemas.openxmlformats.org/drawingml/2006/main" xmlns:r="http://schemas.openxmlformats.org/officeDocument/2006/relationships" xmlns:p="http://schemas.openxmlformats.org/presentationml/2006/main">
   <p:cSld>
     <p:bg>
